--- a/blatt_7/Präsentation.pptx
+++ b/blatt_7/Präsentation.pptx
@@ -291,7 +291,7 @@
           <a:p>
             <a:fld id="{BF4DD4A5-C228-024F-BB41-639E62FA194F}" type="datetimeFigureOut">
               <a:rPr lang="de-DE" smtClean="0"/>
-              <a:t>15.12.16</a:t>
+              <a:t>16.12.16</a:t>
             </a:fld>
             <a:endParaRPr lang="de-DE"/>
           </a:p>
@@ -461,7 +461,7 @@
           <a:p>
             <a:fld id="{BF4DD4A5-C228-024F-BB41-639E62FA194F}" type="datetimeFigureOut">
               <a:rPr lang="de-DE" smtClean="0"/>
-              <a:t>15.12.16</a:t>
+              <a:t>16.12.16</a:t>
             </a:fld>
             <a:endParaRPr lang="de-DE"/>
           </a:p>
@@ -641,7 +641,7 @@
           <a:p>
             <a:fld id="{BF4DD4A5-C228-024F-BB41-639E62FA194F}" type="datetimeFigureOut">
               <a:rPr lang="de-DE" smtClean="0"/>
-              <a:t>15.12.16</a:t>
+              <a:t>16.12.16</a:t>
             </a:fld>
             <a:endParaRPr lang="de-DE"/>
           </a:p>
@@ -811,7 +811,7 @@
           <a:p>
             <a:fld id="{BF4DD4A5-C228-024F-BB41-639E62FA194F}" type="datetimeFigureOut">
               <a:rPr lang="de-DE" smtClean="0"/>
-              <a:t>15.12.16</a:t>
+              <a:t>16.12.16</a:t>
             </a:fld>
             <a:endParaRPr lang="de-DE"/>
           </a:p>
@@ -1057,7 +1057,7 @@
           <a:p>
             <a:fld id="{BF4DD4A5-C228-024F-BB41-639E62FA194F}" type="datetimeFigureOut">
               <a:rPr lang="de-DE" smtClean="0"/>
-              <a:t>15.12.16</a:t>
+              <a:t>16.12.16</a:t>
             </a:fld>
             <a:endParaRPr lang="de-DE"/>
           </a:p>
@@ -1345,7 +1345,7 @@
           <a:p>
             <a:fld id="{BF4DD4A5-C228-024F-BB41-639E62FA194F}" type="datetimeFigureOut">
               <a:rPr lang="de-DE" smtClean="0"/>
-              <a:t>15.12.16</a:t>
+              <a:t>16.12.16</a:t>
             </a:fld>
             <a:endParaRPr lang="de-DE"/>
           </a:p>
@@ -1767,7 +1767,7 @@
           <a:p>
             <a:fld id="{BF4DD4A5-C228-024F-BB41-639E62FA194F}" type="datetimeFigureOut">
               <a:rPr lang="de-DE" smtClean="0"/>
-              <a:t>15.12.16</a:t>
+              <a:t>16.12.16</a:t>
             </a:fld>
             <a:endParaRPr lang="de-DE"/>
           </a:p>
@@ -1885,7 +1885,7 @@
           <a:p>
             <a:fld id="{BF4DD4A5-C228-024F-BB41-639E62FA194F}" type="datetimeFigureOut">
               <a:rPr lang="de-DE" smtClean="0"/>
-              <a:t>15.12.16</a:t>
+              <a:t>16.12.16</a:t>
             </a:fld>
             <a:endParaRPr lang="de-DE"/>
           </a:p>
@@ -1980,7 +1980,7 @@
           <a:p>
             <a:fld id="{BF4DD4A5-C228-024F-BB41-639E62FA194F}" type="datetimeFigureOut">
               <a:rPr lang="de-DE" smtClean="0"/>
-              <a:t>15.12.16</a:t>
+              <a:t>16.12.16</a:t>
             </a:fld>
             <a:endParaRPr lang="de-DE"/>
           </a:p>
@@ -2257,7 +2257,7 @@
           <a:p>
             <a:fld id="{BF4DD4A5-C228-024F-BB41-639E62FA194F}" type="datetimeFigureOut">
               <a:rPr lang="de-DE" smtClean="0"/>
-              <a:t>15.12.16</a:t>
+              <a:t>16.12.16</a:t>
             </a:fld>
             <a:endParaRPr lang="de-DE"/>
           </a:p>
@@ -2510,7 +2510,7 @@
           <a:p>
             <a:fld id="{BF4DD4A5-C228-024F-BB41-639E62FA194F}" type="datetimeFigureOut">
               <a:rPr lang="de-DE" smtClean="0"/>
-              <a:t>15.12.16</a:t>
+              <a:t>16.12.16</a:t>
             </a:fld>
             <a:endParaRPr lang="de-DE"/>
           </a:p>
@@ -2723,7 +2723,7 @@
           <a:p>
             <a:fld id="{BF4DD4A5-C228-024F-BB41-639E62FA194F}" type="datetimeFigureOut">
               <a:rPr lang="de-DE" smtClean="0"/>
-              <a:t>15.12.16</a:t>
+              <a:t>16.12.16</a:t>
             </a:fld>
             <a:endParaRPr lang="de-DE"/>
           </a:p>
@@ -3311,6 +3311,54 @@
           </a:sp3d>
         </p:spPr>
       </p:pic>
+      <p:sp>
+        <p:nvSpPr>
+          <p:cNvPr id="3" name="Textfeld 2"/>
+          <p:cNvSpPr txBox="1"/>
+          <p:nvPr/>
+        </p:nvSpPr>
+        <p:spPr>
+          <a:xfrm>
+            <a:off x="6105366" y="2430670"/>
+            <a:ext cx="2183465" cy="1200329"/>
+          </a:xfrm>
+          <a:prstGeom prst="rect">
+            <a:avLst/>
+          </a:prstGeom>
+          <a:noFill/>
+        </p:spPr>
+        <p:txBody>
+          <a:bodyPr wrap="square" rtlCol="0">
+            <a:spAutoFit/>
+          </a:bodyPr>
+          <a:lstStyle/>
+          <a:p>
+            <a:r>
+              <a:rPr lang="de-DE" b="1" dirty="0" smtClean="0"/>
+              <a:t>Hardware:</a:t>
+            </a:r>
+          </a:p>
+          <a:p>
+            <a:r>
+              <a:rPr lang="de-DE" dirty="0" smtClean="0"/>
+              <a:t>MacBook Air</a:t>
+            </a:r>
+          </a:p>
+          <a:p>
+            <a:r>
+              <a:rPr lang="de-DE" dirty="0" smtClean="0"/>
+              <a:t>1,3 GHz Intel Core i5</a:t>
+            </a:r>
+          </a:p>
+          <a:p>
+            <a:r>
+              <a:rPr lang="de-DE" dirty="0" smtClean="0"/>
+              <a:t>4 GB 1600MHz DDR3</a:t>
+            </a:r>
+            <a:endParaRPr lang="de-DE" dirty="0"/>
+          </a:p>
+        </p:txBody>
+      </p:sp>
     </p:spTree>
     <p:extLst>
       <p:ext uri="{BB962C8B-B14F-4D97-AF65-F5344CB8AC3E}">
@@ -3380,7 +3428,7 @@
           <p:nvPr>
             <p:extLst>
               <p:ext uri="{D42A27DB-BD31-4B8C-83A1-F6EECF244321}">
-                <p14:modId xmlns:p14="http://schemas.microsoft.com/office/powerpoint/2010/main" val="3674094696"/>
+                <p14:modId xmlns:p14="http://schemas.microsoft.com/office/powerpoint/2010/main" val="1400787888"/>
               </p:ext>
             </p:extLst>
           </p:nvPr>
@@ -3416,7 +3464,44 @@
                       <a:endParaRPr lang="de-DE" b="1" dirty="0"/>
                     </a:p>
                   </a:txBody>
-                  <a:tcPr/>
+                  <a:tcPr>
+                    <a:lnL w="12700" cap="flat" cmpd="sng" algn="ctr">
+                      <a:solidFill>
+                        <a:scrgbClr r="0" g="0" b="0"/>
+                      </a:solidFill>
+                      <a:prstDash val="solid"/>
+                      <a:round/>
+                      <a:headEnd type="none" w="med" len="med"/>
+                      <a:tailEnd type="none" w="med" len="med"/>
+                    </a:lnL>
+                    <a:lnR w="12700" cap="flat" cmpd="sng" algn="ctr">
+                      <a:solidFill>
+                        <a:scrgbClr r="0" g="0" b="0"/>
+                      </a:solidFill>
+                      <a:prstDash val="solid"/>
+                      <a:round/>
+                      <a:headEnd type="none" w="med" len="med"/>
+                      <a:tailEnd type="none" w="med" len="med"/>
+                    </a:lnR>
+                    <a:lnT w="12700" cap="flat" cmpd="sng" algn="ctr">
+                      <a:solidFill>
+                        <a:scrgbClr r="0" g="0" b="0"/>
+                      </a:solidFill>
+                      <a:prstDash val="solid"/>
+                      <a:round/>
+                      <a:headEnd type="none" w="med" len="med"/>
+                      <a:tailEnd type="none" w="med" len="med"/>
+                    </a:lnT>
+                    <a:lnB w="12700" cap="flat" cmpd="sng" algn="ctr">
+                      <a:solidFill>
+                        <a:scrgbClr r="0" g="0" b="0"/>
+                      </a:solidFill>
+                      <a:prstDash val="solid"/>
+                      <a:round/>
+                      <a:headEnd type="none" w="med" len="med"/>
+                      <a:tailEnd type="none" w="med" len="med"/>
+                    </a:lnB>
+                  </a:tcPr>
                 </a:tc>
                 <a:tc>
                   <a:txBody>
@@ -3430,7 +3515,44 @@
                       <a:endParaRPr lang="de-DE" b="1" dirty="0"/>
                     </a:p>
                   </a:txBody>
-                  <a:tcPr/>
+                  <a:tcPr>
+                    <a:lnL w="12700" cap="flat" cmpd="sng" algn="ctr">
+                      <a:solidFill>
+                        <a:scrgbClr r="0" g="0" b="0"/>
+                      </a:solidFill>
+                      <a:prstDash val="solid"/>
+                      <a:round/>
+                      <a:headEnd type="none" w="med" len="med"/>
+                      <a:tailEnd type="none" w="med" len="med"/>
+                    </a:lnL>
+                    <a:lnR w="12700" cap="flat" cmpd="sng" algn="ctr">
+                      <a:solidFill>
+                        <a:scrgbClr r="0" g="0" b="0"/>
+                      </a:solidFill>
+                      <a:prstDash val="solid"/>
+                      <a:round/>
+                      <a:headEnd type="none" w="med" len="med"/>
+                      <a:tailEnd type="none" w="med" len="med"/>
+                    </a:lnR>
+                    <a:lnT w="12700" cap="flat" cmpd="sng" algn="ctr">
+                      <a:solidFill>
+                        <a:scrgbClr r="0" g="0" b="0"/>
+                      </a:solidFill>
+                      <a:prstDash val="solid"/>
+                      <a:round/>
+                      <a:headEnd type="none" w="med" len="med"/>
+                      <a:tailEnd type="none" w="med" len="med"/>
+                    </a:lnT>
+                    <a:lnB w="12700" cap="flat" cmpd="sng" algn="ctr">
+                      <a:solidFill>
+                        <a:scrgbClr r="0" g="0" b="0"/>
+                      </a:solidFill>
+                      <a:prstDash val="solid"/>
+                      <a:round/>
+                      <a:headEnd type="none" w="med" len="med"/>
+                      <a:tailEnd type="none" w="med" len="med"/>
+                    </a:lnB>
+                  </a:tcPr>
                 </a:tc>
                 <a:tc>
                   <a:txBody>
@@ -3444,7 +3566,44 @@
                       <a:endParaRPr lang="de-DE" b="1" dirty="0"/>
                     </a:p>
                   </a:txBody>
-                  <a:tcPr/>
+                  <a:tcPr>
+                    <a:lnL w="12700" cap="flat" cmpd="sng" algn="ctr">
+                      <a:solidFill>
+                        <a:scrgbClr r="0" g="0" b="0"/>
+                      </a:solidFill>
+                      <a:prstDash val="solid"/>
+                      <a:round/>
+                      <a:headEnd type="none" w="med" len="med"/>
+                      <a:tailEnd type="none" w="med" len="med"/>
+                    </a:lnL>
+                    <a:lnR w="12700" cap="flat" cmpd="sng" algn="ctr">
+                      <a:solidFill>
+                        <a:scrgbClr r="0" g="0" b="0"/>
+                      </a:solidFill>
+                      <a:prstDash val="solid"/>
+                      <a:round/>
+                      <a:headEnd type="none" w="med" len="med"/>
+                      <a:tailEnd type="none" w="med" len="med"/>
+                    </a:lnR>
+                    <a:lnT w="12700" cap="flat" cmpd="sng" algn="ctr">
+                      <a:solidFill>
+                        <a:scrgbClr r="0" g="0" b="0"/>
+                      </a:solidFill>
+                      <a:prstDash val="solid"/>
+                      <a:round/>
+                      <a:headEnd type="none" w="med" len="med"/>
+                      <a:tailEnd type="none" w="med" len="med"/>
+                    </a:lnT>
+                    <a:lnB w="12700" cap="flat" cmpd="sng" algn="ctr">
+                      <a:solidFill>
+                        <a:scrgbClr r="0" g="0" b="0"/>
+                      </a:solidFill>
+                      <a:prstDash val="solid"/>
+                      <a:round/>
+                      <a:headEnd type="none" w="med" len="med"/>
+                      <a:tailEnd type="none" w="med" len="med"/>
+                    </a:lnB>
+                  </a:tcPr>
                 </a:tc>
                 <a:tc>
                   <a:txBody>
@@ -3458,7 +3617,44 @@
                       <a:endParaRPr lang="de-DE" b="1" dirty="0"/>
                     </a:p>
                   </a:txBody>
-                  <a:tcPr/>
+                  <a:tcPr>
+                    <a:lnL w="12700" cap="flat" cmpd="sng" algn="ctr">
+                      <a:solidFill>
+                        <a:scrgbClr r="0" g="0" b="0"/>
+                      </a:solidFill>
+                      <a:prstDash val="solid"/>
+                      <a:round/>
+                      <a:headEnd type="none" w="med" len="med"/>
+                      <a:tailEnd type="none" w="med" len="med"/>
+                    </a:lnL>
+                    <a:lnR w="12700" cap="flat" cmpd="sng" algn="ctr">
+                      <a:solidFill>
+                        <a:scrgbClr r="0" g="0" b="0"/>
+                      </a:solidFill>
+                      <a:prstDash val="solid"/>
+                      <a:round/>
+                      <a:headEnd type="none" w="med" len="med"/>
+                      <a:tailEnd type="none" w="med" len="med"/>
+                    </a:lnR>
+                    <a:lnT w="12700" cap="flat" cmpd="sng" algn="ctr">
+                      <a:solidFill>
+                        <a:scrgbClr r="0" g="0" b="0"/>
+                      </a:solidFill>
+                      <a:prstDash val="solid"/>
+                      <a:round/>
+                      <a:headEnd type="none" w="med" len="med"/>
+                      <a:tailEnd type="none" w="med" len="med"/>
+                    </a:lnT>
+                    <a:lnB w="12700" cap="flat" cmpd="sng" algn="ctr">
+                      <a:solidFill>
+                        <a:scrgbClr r="0" g="0" b="0"/>
+                      </a:solidFill>
+                      <a:prstDash val="solid"/>
+                      <a:round/>
+                      <a:headEnd type="none" w="med" len="med"/>
+                      <a:tailEnd type="none" w="med" len="med"/>
+                    </a:lnB>
+                  </a:tcPr>
                 </a:tc>
                 <a:tc>
                   <a:txBody>
@@ -3472,7 +3668,44 @@
                       <a:endParaRPr lang="de-DE" b="1" dirty="0"/>
                     </a:p>
                   </a:txBody>
-                  <a:tcPr/>
+                  <a:tcPr>
+                    <a:lnL w="12700" cap="flat" cmpd="sng" algn="ctr">
+                      <a:solidFill>
+                        <a:scrgbClr r="0" g="0" b="0"/>
+                      </a:solidFill>
+                      <a:prstDash val="solid"/>
+                      <a:round/>
+                      <a:headEnd type="none" w="med" len="med"/>
+                      <a:tailEnd type="none" w="med" len="med"/>
+                    </a:lnL>
+                    <a:lnR w="12700" cap="flat" cmpd="sng" algn="ctr">
+                      <a:solidFill>
+                        <a:scrgbClr r="0" g="0" b="0"/>
+                      </a:solidFill>
+                      <a:prstDash val="solid"/>
+                      <a:round/>
+                      <a:headEnd type="none" w="med" len="med"/>
+                      <a:tailEnd type="none" w="med" len="med"/>
+                    </a:lnR>
+                    <a:lnT w="12700" cap="flat" cmpd="sng" algn="ctr">
+                      <a:solidFill>
+                        <a:scrgbClr r="0" g="0" b="0"/>
+                      </a:solidFill>
+                      <a:prstDash val="solid"/>
+                      <a:round/>
+                      <a:headEnd type="none" w="med" len="med"/>
+                      <a:tailEnd type="none" w="med" len="med"/>
+                    </a:lnT>
+                    <a:lnB w="12700" cap="flat" cmpd="sng" algn="ctr">
+                      <a:solidFill>
+                        <a:scrgbClr r="0" g="0" b="0"/>
+                      </a:solidFill>
+                      <a:prstDash val="solid"/>
+                      <a:round/>
+                      <a:headEnd type="none" w="med" len="med"/>
+                      <a:tailEnd type="none" w="med" len="med"/>
+                    </a:lnB>
+                  </a:tcPr>
                 </a:tc>
                 <a:tc>
                   <a:txBody>
@@ -3486,7 +3719,44 @@
                       <a:endParaRPr lang="de-DE" b="1" dirty="0"/>
                     </a:p>
                   </a:txBody>
-                  <a:tcPr/>
+                  <a:tcPr>
+                    <a:lnL w="12700" cap="flat" cmpd="sng" algn="ctr">
+                      <a:solidFill>
+                        <a:scrgbClr r="0" g="0" b="0"/>
+                      </a:solidFill>
+                      <a:prstDash val="solid"/>
+                      <a:round/>
+                      <a:headEnd type="none" w="med" len="med"/>
+                      <a:tailEnd type="none" w="med" len="med"/>
+                    </a:lnL>
+                    <a:lnR w="12700" cap="flat" cmpd="sng" algn="ctr">
+                      <a:solidFill>
+                        <a:scrgbClr r="0" g="0" b="0"/>
+                      </a:solidFill>
+                      <a:prstDash val="solid"/>
+                      <a:round/>
+                      <a:headEnd type="none" w="med" len="med"/>
+                      <a:tailEnd type="none" w="med" len="med"/>
+                    </a:lnR>
+                    <a:lnT w="12700" cap="flat" cmpd="sng" algn="ctr">
+                      <a:solidFill>
+                        <a:scrgbClr r="0" g="0" b="0"/>
+                      </a:solidFill>
+                      <a:prstDash val="solid"/>
+                      <a:round/>
+                      <a:headEnd type="none" w="med" len="med"/>
+                      <a:tailEnd type="none" w="med" len="med"/>
+                    </a:lnT>
+                    <a:lnB w="12700" cap="flat" cmpd="sng" algn="ctr">
+                      <a:solidFill>
+                        <a:scrgbClr r="0" g="0" b="0"/>
+                      </a:solidFill>
+                      <a:prstDash val="solid"/>
+                      <a:round/>
+                      <a:headEnd type="none" w="med" len="med"/>
+                      <a:tailEnd type="none" w="med" len="med"/>
+                    </a:lnB>
+                  </a:tcPr>
                 </a:tc>
               </a:tr>
               <a:tr h="370840">
@@ -3502,7 +3772,44 @@
                       <a:endParaRPr lang="de-DE" dirty="0"/>
                     </a:p>
                   </a:txBody>
-                  <a:tcPr/>
+                  <a:tcPr>
+                    <a:lnL w="12700" cap="flat" cmpd="sng" algn="ctr">
+                      <a:solidFill>
+                        <a:scrgbClr r="0" g="0" b="0"/>
+                      </a:solidFill>
+                      <a:prstDash val="solid"/>
+                      <a:round/>
+                      <a:headEnd type="none" w="med" len="med"/>
+                      <a:tailEnd type="none" w="med" len="med"/>
+                    </a:lnL>
+                    <a:lnR w="12700" cap="flat" cmpd="sng" algn="ctr">
+                      <a:solidFill>
+                        <a:scrgbClr r="0" g="0" b="0"/>
+                      </a:solidFill>
+                      <a:prstDash val="solid"/>
+                      <a:round/>
+                      <a:headEnd type="none" w="med" len="med"/>
+                      <a:tailEnd type="none" w="med" len="med"/>
+                    </a:lnR>
+                    <a:lnT w="12700" cap="flat" cmpd="sng" algn="ctr">
+                      <a:solidFill>
+                        <a:scrgbClr r="0" g="0" b="0"/>
+                      </a:solidFill>
+                      <a:prstDash val="solid"/>
+                      <a:round/>
+                      <a:headEnd type="none" w="med" len="med"/>
+                      <a:tailEnd type="none" w="med" len="med"/>
+                    </a:lnT>
+                    <a:lnB w="12700" cap="flat" cmpd="sng" algn="ctr">
+                      <a:solidFill>
+                        <a:scrgbClr r="0" g="0" b="0"/>
+                      </a:solidFill>
+                      <a:prstDash val="solid"/>
+                      <a:round/>
+                      <a:headEnd type="none" w="med" len="med"/>
+                      <a:tailEnd type="none" w="med" len="med"/>
+                    </a:lnB>
+                  </a:tcPr>
                 </a:tc>
                 <a:tc>
                   <a:txBody>
@@ -3516,7 +3823,44 @@
                       <a:endParaRPr lang="de-DE" dirty="0"/>
                     </a:p>
                   </a:txBody>
-                  <a:tcPr/>
+                  <a:tcPr>
+                    <a:lnL w="12700" cap="flat" cmpd="sng" algn="ctr">
+                      <a:solidFill>
+                        <a:scrgbClr r="0" g="0" b="0"/>
+                      </a:solidFill>
+                      <a:prstDash val="solid"/>
+                      <a:round/>
+                      <a:headEnd type="none" w="med" len="med"/>
+                      <a:tailEnd type="none" w="med" len="med"/>
+                    </a:lnL>
+                    <a:lnR w="12700" cap="flat" cmpd="sng" algn="ctr">
+                      <a:solidFill>
+                        <a:scrgbClr r="0" g="0" b="0"/>
+                      </a:solidFill>
+                      <a:prstDash val="solid"/>
+                      <a:round/>
+                      <a:headEnd type="none" w="med" len="med"/>
+                      <a:tailEnd type="none" w="med" len="med"/>
+                    </a:lnR>
+                    <a:lnT w="12700" cap="flat" cmpd="sng" algn="ctr">
+                      <a:solidFill>
+                        <a:scrgbClr r="0" g="0" b="0"/>
+                      </a:solidFill>
+                      <a:prstDash val="solid"/>
+                      <a:round/>
+                      <a:headEnd type="none" w="med" len="med"/>
+                      <a:tailEnd type="none" w="med" len="med"/>
+                    </a:lnT>
+                    <a:lnB w="12700" cap="flat" cmpd="sng" algn="ctr">
+                      <a:solidFill>
+                        <a:scrgbClr r="0" g="0" b="0"/>
+                      </a:solidFill>
+                      <a:prstDash val="solid"/>
+                      <a:round/>
+                      <a:headEnd type="none" w="med" len="med"/>
+                      <a:tailEnd type="none" w="med" len="med"/>
+                    </a:lnB>
+                  </a:tcPr>
                 </a:tc>
                 <a:tc>
                   <a:txBody>
@@ -3530,37 +3874,197 @@
                       <a:endParaRPr lang="de-DE" dirty="0"/>
                     </a:p>
                   </a:txBody>
-                  <a:tcPr/>
-                </a:tc>
-                <a:tc>
-                  <a:txBody>
-                    <a:bodyPr/>
-                    <a:lstStyle/>
-                    <a:p>
-                      <a:endParaRPr lang="de-DE"/>
-                    </a:p>
-                  </a:txBody>
-                  <a:tcPr/>
-                </a:tc>
-                <a:tc>
-                  <a:txBody>
-                    <a:bodyPr/>
-                    <a:lstStyle/>
-                    <a:p>
-                      <a:endParaRPr lang="de-DE"/>
-                    </a:p>
-                  </a:txBody>
-                  <a:tcPr/>
-                </a:tc>
-                <a:tc>
-                  <a:txBody>
-                    <a:bodyPr/>
-                    <a:lstStyle/>
-                    <a:p>
-                      <a:endParaRPr lang="de-DE" dirty="0"/>
-                    </a:p>
-                  </a:txBody>
-                  <a:tcPr/>
+                  <a:tcPr>
+                    <a:lnL w="12700" cap="flat" cmpd="sng" algn="ctr">
+                      <a:solidFill>
+                        <a:scrgbClr r="0" g="0" b="0"/>
+                      </a:solidFill>
+                      <a:prstDash val="solid"/>
+                      <a:round/>
+                      <a:headEnd type="none" w="med" len="med"/>
+                      <a:tailEnd type="none" w="med" len="med"/>
+                    </a:lnL>
+                    <a:lnR w="12700" cap="flat" cmpd="sng" algn="ctr">
+                      <a:solidFill>
+                        <a:scrgbClr r="0" g="0" b="0"/>
+                      </a:solidFill>
+                      <a:prstDash val="solid"/>
+                      <a:round/>
+                      <a:headEnd type="none" w="med" len="med"/>
+                      <a:tailEnd type="none" w="med" len="med"/>
+                    </a:lnR>
+                    <a:lnT w="12700" cap="flat" cmpd="sng" algn="ctr">
+                      <a:solidFill>
+                        <a:scrgbClr r="0" g="0" b="0"/>
+                      </a:solidFill>
+                      <a:prstDash val="solid"/>
+                      <a:round/>
+                      <a:headEnd type="none" w="med" len="med"/>
+                      <a:tailEnd type="none" w="med" len="med"/>
+                    </a:lnT>
+                    <a:lnB w="12700" cap="flat" cmpd="sng" algn="ctr">
+                      <a:solidFill>
+                        <a:scrgbClr r="0" g="0" b="0"/>
+                      </a:solidFill>
+                      <a:prstDash val="solid"/>
+                      <a:round/>
+                      <a:headEnd type="none" w="med" len="med"/>
+                      <a:tailEnd type="none" w="med" len="med"/>
+                    </a:lnB>
+                  </a:tcPr>
+                </a:tc>
+                <a:tc>
+                  <a:txBody>
+                    <a:bodyPr/>
+                    <a:lstStyle/>
+                    <a:p>
+                      <a:r>
+                        <a:rPr lang="de-DE" dirty="0" smtClean="0"/>
+                        <a:t>105</a:t>
+                      </a:r>
+                      <a:endParaRPr lang="de-DE" dirty="0"/>
+                    </a:p>
+                  </a:txBody>
+                  <a:tcPr>
+                    <a:lnL w="12700" cap="flat" cmpd="sng" algn="ctr">
+                      <a:solidFill>
+                        <a:scrgbClr r="0" g="0" b="0"/>
+                      </a:solidFill>
+                      <a:prstDash val="solid"/>
+                      <a:round/>
+                      <a:headEnd type="none" w="med" len="med"/>
+                      <a:tailEnd type="none" w="med" len="med"/>
+                    </a:lnL>
+                    <a:lnR w="12700" cap="flat" cmpd="sng" algn="ctr">
+                      <a:solidFill>
+                        <a:scrgbClr r="0" g="0" b="0"/>
+                      </a:solidFill>
+                      <a:prstDash val="solid"/>
+                      <a:round/>
+                      <a:headEnd type="none" w="med" len="med"/>
+                      <a:tailEnd type="none" w="med" len="med"/>
+                    </a:lnR>
+                    <a:lnT w="12700" cap="flat" cmpd="sng" algn="ctr">
+                      <a:solidFill>
+                        <a:scrgbClr r="0" g="0" b="0"/>
+                      </a:solidFill>
+                      <a:prstDash val="solid"/>
+                      <a:round/>
+                      <a:headEnd type="none" w="med" len="med"/>
+                      <a:tailEnd type="none" w="med" len="med"/>
+                    </a:lnT>
+                    <a:lnB w="12700" cap="flat" cmpd="sng" algn="ctr">
+                      <a:solidFill>
+                        <a:scrgbClr r="0" g="0" b="0"/>
+                      </a:solidFill>
+                      <a:prstDash val="solid"/>
+                      <a:round/>
+                      <a:headEnd type="none" w="med" len="med"/>
+                      <a:tailEnd type="none" w="med" len="med"/>
+                    </a:lnB>
+                  </a:tcPr>
+                </a:tc>
+                <a:tc>
+                  <a:txBody>
+                    <a:bodyPr/>
+                    <a:lstStyle/>
+                    <a:p>
+                      <a:r>
+                        <a:rPr lang="de-DE" dirty="0" smtClean="0"/>
+                        <a:t>1192</a:t>
+                      </a:r>
+                      <a:endParaRPr lang="de-DE" dirty="0"/>
+                    </a:p>
+                  </a:txBody>
+                  <a:tcPr>
+                    <a:lnL w="12700" cap="flat" cmpd="sng" algn="ctr">
+                      <a:solidFill>
+                        <a:scrgbClr r="0" g="0" b="0"/>
+                      </a:solidFill>
+                      <a:prstDash val="solid"/>
+                      <a:round/>
+                      <a:headEnd type="none" w="med" len="med"/>
+                      <a:tailEnd type="none" w="med" len="med"/>
+                    </a:lnL>
+                    <a:lnR w="12700" cap="flat" cmpd="sng" algn="ctr">
+                      <a:solidFill>
+                        <a:scrgbClr r="0" g="0" b="0"/>
+                      </a:solidFill>
+                      <a:prstDash val="solid"/>
+                      <a:round/>
+                      <a:headEnd type="none" w="med" len="med"/>
+                      <a:tailEnd type="none" w="med" len="med"/>
+                    </a:lnR>
+                    <a:lnT w="12700" cap="flat" cmpd="sng" algn="ctr">
+                      <a:solidFill>
+                        <a:scrgbClr r="0" g="0" b="0"/>
+                      </a:solidFill>
+                      <a:prstDash val="solid"/>
+                      <a:round/>
+                      <a:headEnd type="none" w="med" len="med"/>
+                      <a:tailEnd type="none" w="med" len="med"/>
+                    </a:lnT>
+                    <a:lnB w="12700" cap="flat" cmpd="sng" algn="ctr">
+                      <a:solidFill>
+                        <a:scrgbClr r="0" g="0" b="0"/>
+                      </a:solidFill>
+                      <a:prstDash val="solid"/>
+                      <a:round/>
+                      <a:headEnd type="none" w="med" len="med"/>
+                      <a:tailEnd type="none" w="med" len="med"/>
+                    </a:lnB>
+                  </a:tcPr>
+                </a:tc>
+                <a:tc>
+                  <a:txBody>
+                    <a:bodyPr/>
+                    <a:lstStyle/>
+                    <a:p>
+                      <a:r>
+                        <a:rPr lang="de-DE" dirty="0" smtClean="0"/>
+                        <a:t>744</a:t>
+                      </a:r>
+                      <a:endParaRPr lang="de-DE" dirty="0"/>
+                    </a:p>
+                  </a:txBody>
+                  <a:tcPr>
+                    <a:lnL w="12700" cap="flat" cmpd="sng" algn="ctr">
+                      <a:solidFill>
+                        <a:scrgbClr r="0" g="0" b="0"/>
+                      </a:solidFill>
+                      <a:prstDash val="solid"/>
+                      <a:round/>
+                      <a:headEnd type="none" w="med" len="med"/>
+                      <a:tailEnd type="none" w="med" len="med"/>
+                    </a:lnL>
+                    <a:lnR w="12700" cap="flat" cmpd="sng" algn="ctr">
+                      <a:solidFill>
+                        <a:scrgbClr r="0" g="0" b="0"/>
+                      </a:solidFill>
+                      <a:prstDash val="solid"/>
+                      <a:round/>
+                      <a:headEnd type="none" w="med" len="med"/>
+                      <a:tailEnd type="none" w="med" len="med"/>
+                    </a:lnR>
+                    <a:lnT w="12700" cap="flat" cmpd="sng" algn="ctr">
+                      <a:solidFill>
+                        <a:scrgbClr r="0" g="0" b="0"/>
+                      </a:solidFill>
+                      <a:prstDash val="solid"/>
+                      <a:round/>
+                      <a:headEnd type="none" w="med" len="med"/>
+                      <a:tailEnd type="none" w="med" len="med"/>
+                    </a:lnT>
+                    <a:lnB w="12700" cap="flat" cmpd="sng" algn="ctr">
+                      <a:solidFill>
+                        <a:scrgbClr r="0" g="0" b="0"/>
+                      </a:solidFill>
+                      <a:prstDash val="solid"/>
+                      <a:round/>
+                      <a:headEnd type="none" w="med" len="med"/>
+                      <a:tailEnd type="none" w="med" len="med"/>
+                    </a:lnB>
+                  </a:tcPr>
                 </a:tc>
               </a:tr>
               <a:tr h="370840">
@@ -3576,7 +4080,44 @@
                       <a:endParaRPr lang="de-DE" dirty="0"/>
                     </a:p>
                   </a:txBody>
-                  <a:tcPr/>
+                  <a:tcPr>
+                    <a:lnL w="12700" cap="flat" cmpd="sng" algn="ctr">
+                      <a:solidFill>
+                        <a:scrgbClr r="0" g="0" b="0"/>
+                      </a:solidFill>
+                      <a:prstDash val="solid"/>
+                      <a:round/>
+                      <a:headEnd type="none" w="med" len="med"/>
+                      <a:tailEnd type="none" w="med" len="med"/>
+                    </a:lnL>
+                    <a:lnR w="12700" cap="flat" cmpd="sng" algn="ctr">
+                      <a:solidFill>
+                        <a:scrgbClr r="0" g="0" b="0"/>
+                      </a:solidFill>
+                      <a:prstDash val="solid"/>
+                      <a:round/>
+                      <a:headEnd type="none" w="med" len="med"/>
+                      <a:tailEnd type="none" w="med" len="med"/>
+                    </a:lnR>
+                    <a:lnT w="12700" cap="flat" cmpd="sng" algn="ctr">
+                      <a:solidFill>
+                        <a:scrgbClr r="0" g="0" b="0"/>
+                      </a:solidFill>
+                      <a:prstDash val="solid"/>
+                      <a:round/>
+                      <a:headEnd type="none" w="med" len="med"/>
+                      <a:tailEnd type="none" w="med" len="med"/>
+                    </a:lnT>
+                    <a:lnB w="12700" cap="flat" cmpd="sng" algn="ctr">
+                      <a:solidFill>
+                        <a:scrgbClr r="0" g="0" b="0"/>
+                      </a:solidFill>
+                      <a:prstDash val="solid"/>
+                      <a:round/>
+                      <a:headEnd type="none" w="med" len="med"/>
+                      <a:tailEnd type="none" w="med" len="med"/>
+                    </a:lnB>
+                  </a:tcPr>
                 </a:tc>
                 <a:tc>
                   <a:txBody>
@@ -3606,7 +4147,44 @@
                       </a:r>
                     </a:p>
                   </a:txBody>
-                  <a:tcPr/>
+                  <a:tcPr>
+                    <a:lnL w="12700" cap="flat" cmpd="sng" algn="ctr">
+                      <a:solidFill>
+                        <a:scrgbClr r="0" g="0" b="0"/>
+                      </a:solidFill>
+                      <a:prstDash val="solid"/>
+                      <a:round/>
+                      <a:headEnd type="none" w="med" len="med"/>
+                      <a:tailEnd type="none" w="med" len="med"/>
+                    </a:lnL>
+                    <a:lnR w="12700" cap="flat" cmpd="sng" algn="ctr">
+                      <a:solidFill>
+                        <a:scrgbClr r="0" g="0" b="0"/>
+                      </a:solidFill>
+                      <a:prstDash val="solid"/>
+                      <a:round/>
+                      <a:headEnd type="none" w="med" len="med"/>
+                      <a:tailEnd type="none" w="med" len="med"/>
+                    </a:lnR>
+                    <a:lnT w="12700" cap="flat" cmpd="sng" algn="ctr">
+                      <a:solidFill>
+                        <a:scrgbClr r="0" g="0" b="0"/>
+                      </a:solidFill>
+                      <a:prstDash val="solid"/>
+                      <a:round/>
+                      <a:headEnd type="none" w="med" len="med"/>
+                      <a:tailEnd type="none" w="med" len="med"/>
+                    </a:lnT>
+                    <a:lnB w="12700" cap="flat" cmpd="sng" algn="ctr">
+                      <a:solidFill>
+                        <a:scrgbClr r="0" g="0" b="0"/>
+                      </a:solidFill>
+                      <a:prstDash val="solid"/>
+                      <a:round/>
+                      <a:headEnd type="none" w="med" len="med"/>
+                      <a:tailEnd type="none" w="med" len="med"/>
+                    </a:lnB>
+                  </a:tcPr>
                 </a:tc>
                 <a:tc>
                   <a:txBody>
@@ -3620,37 +4198,197 @@
                       <a:endParaRPr lang="de-DE" dirty="0"/>
                     </a:p>
                   </a:txBody>
-                  <a:tcPr/>
-                </a:tc>
-                <a:tc>
-                  <a:txBody>
-                    <a:bodyPr/>
-                    <a:lstStyle/>
-                    <a:p>
-                      <a:endParaRPr lang="de-DE"/>
-                    </a:p>
-                  </a:txBody>
-                  <a:tcPr/>
-                </a:tc>
-                <a:tc>
-                  <a:txBody>
-                    <a:bodyPr/>
-                    <a:lstStyle/>
-                    <a:p>
-                      <a:endParaRPr lang="de-DE"/>
-                    </a:p>
-                  </a:txBody>
-                  <a:tcPr/>
-                </a:tc>
-                <a:tc>
-                  <a:txBody>
-                    <a:bodyPr/>
-                    <a:lstStyle/>
-                    <a:p>
-                      <a:endParaRPr lang="de-DE" dirty="0"/>
-                    </a:p>
-                  </a:txBody>
-                  <a:tcPr/>
+                  <a:tcPr>
+                    <a:lnL w="12700" cap="flat" cmpd="sng" algn="ctr">
+                      <a:solidFill>
+                        <a:scrgbClr r="0" g="0" b="0"/>
+                      </a:solidFill>
+                      <a:prstDash val="solid"/>
+                      <a:round/>
+                      <a:headEnd type="none" w="med" len="med"/>
+                      <a:tailEnd type="none" w="med" len="med"/>
+                    </a:lnL>
+                    <a:lnR w="12700" cap="flat" cmpd="sng" algn="ctr">
+                      <a:solidFill>
+                        <a:scrgbClr r="0" g="0" b="0"/>
+                      </a:solidFill>
+                      <a:prstDash val="solid"/>
+                      <a:round/>
+                      <a:headEnd type="none" w="med" len="med"/>
+                      <a:tailEnd type="none" w="med" len="med"/>
+                    </a:lnR>
+                    <a:lnT w="12700" cap="flat" cmpd="sng" algn="ctr">
+                      <a:solidFill>
+                        <a:scrgbClr r="0" g="0" b="0"/>
+                      </a:solidFill>
+                      <a:prstDash val="solid"/>
+                      <a:round/>
+                      <a:headEnd type="none" w="med" len="med"/>
+                      <a:tailEnd type="none" w="med" len="med"/>
+                    </a:lnT>
+                    <a:lnB w="12700" cap="flat" cmpd="sng" algn="ctr">
+                      <a:solidFill>
+                        <a:scrgbClr r="0" g="0" b="0"/>
+                      </a:solidFill>
+                      <a:prstDash val="solid"/>
+                      <a:round/>
+                      <a:headEnd type="none" w="med" len="med"/>
+                      <a:tailEnd type="none" w="med" len="med"/>
+                    </a:lnB>
+                  </a:tcPr>
+                </a:tc>
+                <a:tc>
+                  <a:txBody>
+                    <a:bodyPr/>
+                    <a:lstStyle/>
+                    <a:p>
+                      <a:r>
+                        <a:rPr lang="de-DE" dirty="0" smtClean="0"/>
+                        <a:t>124</a:t>
+                      </a:r>
+                      <a:endParaRPr lang="de-DE" dirty="0"/>
+                    </a:p>
+                  </a:txBody>
+                  <a:tcPr>
+                    <a:lnL w="12700" cap="flat" cmpd="sng" algn="ctr">
+                      <a:solidFill>
+                        <a:scrgbClr r="0" g="0" b="0"/>
+                      </a:solidFill>
+                      <a:prstDash val="solid"/>
+                      <a:round/>
+                      <a:headEnd type="none" w="med" len="med"/>
+                      <a:tailEnd type="none" w="med" len="med"/>
+                    </a:lnL>
+                    <a:lnR w="12700" cap="flat" cmpd="sng" algn="ctr">
+                      <a:solidFill>
+                        <a:scrgbClr r="0" g="0" b="0"/>
+                      </a:solidFill>
+                      <a:prstDash val="solid"/>
+                      <a:round/>
+                      <a:headEnd type="none" w="med" len="med"/>
+                      <a:tailEnd type="none" w="med" len="med"/>
+                    </a:lnR>
+                    <a:lnT w="12700" cap="flat" cmpd="sng" algn="ctr">
+                      <a:solidFill>
+                        <a:scrgbClr r="0" g="0" b="0"/>
+                      </a:solidFill>
+                      <a:prstDash val="solid"/>
+                      <a:round/>
+                      <a:headEnd type="none" w="med" len="med"/>
+                      <a:tailEnd type="none" w="med" len="med"/>
+                    </a:lnT>
+                    <a:lnB w="12700" cap="flat" cmpd="sng" algn="ctr">
+                      <a:solidFill>
+                        <a:scrgbClr r="0" g="0" b="0"/>
+                      </a:solidFill>
+                      <a:prstDash val="solid"/>
+                      <a:round/>
+                      <a:headEnd type="none" w="med" len="med"/>
+                      <a:tailEnd type="none" w="med" len="med"/>
+                    </a:lnB>
+                  </a:tcPr>
+                </a:tc>
+                <a:tc>
+                  <a:txBody>
+                    <a:bodyPr/>
+                    <a:lstStyle/>
+                    <a:p>
+                      <a:r>
+                        <a:rPr lang="de-DE" dirty="0" smtClean="0"/>
+                        <a:t>1220</a:t>
+                      </a:r>
+                      <a:endParaRPr lang="de-DE" dirty="0"/>
+                    </a:p>
+                  </a:txBody>
+                  <a:tcPr>
+                    <a:lnL w="12700" cap="flat" cmpd="sng" algn="ctr">
+                      <a:solidFill>
+                        <a:scrgbClr r="0" g="0" b="0"/>
+                      </a:solidFill>
+                      <a:prstDash val="solid"/>
+                      <a:round/>
+                      <a:headEnd type="none" w="med" len="med"/>
+                      <a:tailEnd type="none" w="med" len="med"/>
+                    </a:lnL>
+                    <a:lnR w="12700" cap="flat" cmpd="sng" algn="ctr">
+                      <a:solidFill>
+                        <a:scrgbClr r="0" g="0" b="0"/>
+                      </a:solidFill>
+                      <a:prstDash val="solid"/>
+                      <a:round/>
+                      <a:headEnd type="none" w="med" len="med"/>
+                      <a:tailEnd type="none" w="med" len="med"/>
+                    </a:lnR>
+                    <a:lnT w="12700" cap="flat" cmpd="sng" algn="ctr">
+                      <a:solidFill>
+                        <a:scrgbClr r="0" g="0" b="0"/>
+                      </a:solidFill>
+                      <a:prstDash val="solid"/>
+                      <a:round/>
+                      <a:headEnd type="none" w="med" len="med"/>
+                      <a:tailEnd type="none" w="med" len="med"/>
+                    </a:lnT>
+                    <a:lnB w="12700" cap="flat" cmpd="sng" algn="ctr">
+                      <a:solidFill>
+                        <a:scrgbClr r="0" g="0" b="0"/>
+                      </a:solidFill>
+                      <a:prstDash val="solid"/>
+                      <a:round/>
+                      <a:headEnd type="none" w="med" len="med"/>
+                      <a:tailEnd type="none" w="med" len="med"/>
+                    </a:lnB>
+                  </a:tcPr>
+                </a:tc>
+                <a:tc>
+                  <a:txBody>
+                    <a:bodyPr/>
+                    <a:lstStyle/>
+                    <a:p>
+                      <a:r>
+                        <a:rPr lang="de-DE" dirty="0" smtClean="0"/>
+                        <a:t>894</a:t>
+                      </a:r>
+                      <a:endParaRPr lang="de-DE" dirty="0"/>
+                    </a:p>
+                  </a:txBody>
+                  <a:tcPr>
+                    <a:lnL w="12700" cap="flat" cmpd="sng" algn="ctr">
+                      <a:solidFill>
+                        <a:scrgbClr r="0" g="0" b="0"/>
+                      </a:solidFill>
+                      <a:prstDash val="solid"/>
+                      <a:round/>
+                      <a:headEnd type="none" w="med" len="med"/>
+                      <a:tailEnd type="none" w="med" len="med"/>
+                    </a:lnL>
+                    <a:lnR w="12700" cap="flat" cmpd="sng" algn="ctr">
+                      <a:solidFill>
+                        <a:scrgbClr r="0" g="0" b="0"/>
+                      </a:solidFill>
+                      <a:prstDash val="solid"/>
+                      <a:round/>
+                      <a:headEnd type="none" w="med" len="med"/>
+                      <a:tailEnd type="none" w="med" len="med"/>
+                    </a:lnR>
+                    <a:lnT w="12700" cap="flat" cmpd="sng" algn="ctr">
+                      <a:solidFill>
+                        <a:scrgbClr r="0" g="0" b="0"/>
+                      </a:solidFill>
+                      <a:prstDash val="solid"/>
+                      <a:round/>
+                      <a:headEnd type="none" w="med" len="med"/>
+                      <a:tailEnd type="none" w="med" len="med"/>
+                    </a:lnT>
+                    <a:lnB w="12700" cap="flat" cmpd="sng" algn="ctr">
+                      <a:solidFill>
+                        <a:scrgbClr r="0" g="0" b="0"/>
+                      </a:solidFill>
+                      <a:prstDash val="solid"/>
+                      <a:round/>
+                      <a:headEnd type="none" w="med" len="med"/>
+                      <a:tailEnd type="none" w="med" len="med"/>
+                    </a:lnB>
+                  </a:tcPr>
                 </a:tc>
               </a:tr>
               <a:tr h="370840">
@@ -3666,7 +4404,44 @@
                       <a:endParaRPr lang="de-DE" dirty="0"/>
                     </a:p>
                   </a:txBody>
-                  <a:tcPr/>
+                  <a:tcPr>
+                    <a:lnL w="12700" cap="flat" cmpd="sng" algn="ctr">
+                      <a:solidFill>
+                        <a:scrgbClr r="0" g="0" b="0"/>
+                      </a:solidFill>
+                      <a:prstDash val="solid"/>
+                      <a:round/>
+                      <a:headEnd type="none" w="med" len="med"/>
+                      <a:tailEnd type="none" w="med" len="med"/>
+                    </a:lnL>
+                    <a:lnR w="12700" cap="flat" cmpd="sng" algn="ctr">
+                      <a:solidFill>
+                        <a:scrgbClr r="0" g="0" b="0"/>
+                      </a:solidFill>
+                      <a:prstDash val="solid"/>
+                      <a:round/>
+                      <a:headEnd type="none" w="med" len="med"/>
+                      <a:tailEnd type="none" w="med" len="med"/>
+                    </a:lnR>
+                    <a:lnT w="12700" cap="flat" cmpd="sng" algn="ctr">
+                      <a:solidFill>
+                        <a:scrgbClr r="0" g="0" b="0"/>
+                      </a:solidFill>
+                      <a:prstDash val="solid"/>
+                      <a:round/>
+                      <a:headEnd type="none" w="med" len="med"/>
+                      <a:tailEnd type="none" w="med" len="med"/>
+                    </a:lnT>
+                    <a:lnB w="12700" cap="flat" cmpd="sng" algn="ctr">
+                      <a:solidFill>
+                        <a:scrgbClr r="0" g="0" b="0"/>
+                      </a:solidFill>
+                      <a:prstDash val="solid"/>
+                      <a:round/>
+                      <a:headEnd type="none" w="med" len="med"/>
+                      <a:tailEnd type="none" w="med" len="med"/>
+                    </a:lnB>
+                  </a:tcPr>
                 </a:tc>
                 <a:tc>
                   <a:txBody>
@@ -3680,7 +4455,44 @@
                       <a:endParaRPr lang="de-DE" dirty="0"/>
                     </a:p>
                   </a:txBody>
-                  <a:tcPr/>
+                  <a:tcPr>
+                    <a:lnL w="12700" cap="flat" cmpd="sng" algn="ctr">
+                      <a:solidFill>
+                        <a:scrgbClr r="0" g="0" b="0"/>
+                      </a:solidFill>
+                      <a:prstDash val="solid"/>
+                      <a:round/>
+                      <a:headEnd type="none" w="med" len="med"/>
+                      <a:tailEnd type="none" w="med" len="med"/>
+                    </a:lnL>
+                    <a:lnR w="12700" cap="flat" cmpd="sng" algn="ctr">
+                      <a:solidFill>
+                        <a:scrgbClr r="0" g="0" b="0"/>
+                      </a:solidFill>
+                      <a:prstDash val="solid"/>
+                      <a:round/>
+                      <a:headEnd type="none" w="med" len="med"/>
+                      <a:tailEnd type="none" w="med" len="med"/>
+                    </a:lnR>
+                    <a:lnT w="12700" cap="flat" cmpd="sng" algn="ctr">
+                      <a:solidFill>
+                        <a:scrgbClr r="0" g="0" b="0"/>
+                      </a:solidFill>
+                      <a:prstDash val="solid"/>
+                      <a:round/>
+                      <a:headEnd type="none" w="med" len="med"/>
+                      <a:tailEnd type="none" w="med" len="med"/>
+                    </a:lnT>
+                    <a:lnB w="12700" cap="flat" cmpd="sng" algn="ctr">
+                      <a:solidFill>
+                        <a:scrgbClr r="0" g="0" b="0"/>
+                      </a:solidFill>
+                      <a:prstDash val="solid"/>
+                      <a:round/>
+                      <a:headEnd type="none" w="med" len="med"/>
+                      <a:tailEnd type="none" w="med" len="med"/>
+                    </a:lnB>
+                  </a:tcPr>
                 </a:tc>
                 <a:tc>
                   <a:txBody>
@@ -3694,37 +4506,197 @@
                       <a:endParaRPr lang="de-DE" dirty="0"/>
                     </a:p>
                   </a:txBody>
-                  <a:tcPr/>
-                </a:tc>
-                <a:tc>
-                  <a:txBody>
-                    <a:bodyPr/>
-                    <a:lstStyle/>
-                    <a:p>
-                      <a:endParaRPr lang="de-DE" dirty="0"/>
-                    </a:p>
-                  </a:txBody>
-                  <a:tcPr/>
-                </a:tc>
-                <a:tc>
-                  <a:txBody>
-                    <a:bodyPr/>
-                    <a:lstStyle/>
-                    <a:p>
-                      <a:endParaRPr lang="de-DE"/>
-                    </a:p>
-                  </a:txBody>
-                  <a:tcPr/>
-                </a:tc>
-                <a:tc>
-                  <a:txBody>
-                    <a:bodyPr/>
-                    <a:lstStyle/>
-                    <a:p>
-                      <a:endParaRPr lang="de-DE"/>
-                    </a:p>
-                  </a:txBody>
-                  <a:tcPr/>
+                  <a:tcPr>
+                    <a:lnL w="12700" cap="flat" cmpd="sng" algn="ctr">
+                      <a:solidFill>
+                        <a:scrgbClr r="0" g="0" b="0"/>
+                      </a:solidFill>
+                      <a:prstDash val="solid"/>
+                      <a:round/>
+                      <a:headEnd type="none" w="med" len="med"/>
+                      <a:tailEnd type="none" w="med" len="med"/>
+                    </a:lnL>
+                    <a:lnR w="12700" cap="flat" cmpd="sng" algn="ctr">
+                      <a:solidFill>
+                        <a:scrgbClr r="0" g="0" b="0"/>
+                      </a:solidFill>
+                      <a:prstDash val="solid"/>
+                      <a:round/>
+                      <a:headEnd type="none" w="med" len="med"/>
+                      <a:tailEnd type="none" w="med" len="med"/>
+                    </a:lnR>
+                    <a:lnT w="12700" cap="flat" cmpd="sng" algn="ctr">
+                      <a:solidFill>
+                        <a:scrgbClr r="0" g="0" b="0"/>
+                      </a:solidFill>
+                      <a:prstDash val="solid"/>
+                      <a:round/>
+                      <a:headEnd type="none" w="med" len="med"/>
+                      <a:tailEnd type="none" w="med" len="med"/>
+                    </a:lnT>
+                    <a:lnB w="12700" cap="flat" cmpd="sng" algn="ctr">
+                      <a:solidFill>
+                        <a:scrgbClr r="0" g="0" b="0"/>
+                      </a:solidFill>
+                      <a:prstDash val="solid"/>
+                      <a:round/>
+                      <a:headEnd type="none" w="med" len="med"/>
+                      <a:tailEnd type="none" w="med" len="med"/>
+                    </a:lnB>
+                  </a:tcPr>
+                </a:tc>
+                <a:tc>
+                  <a:txBody>
+                    <a:bodyPr/>
+                    <a:lstStyle/>
+                    <a:p>
+                      <a:r>
+                        <a:rPr lang="de-DE" dirty="0" smtClean="0"/>
+                        <a:t>44</a:t>
+                      </a:r>
+                      <a:endParaRPr lang="de-DE" dirty="0"/>
+                    </a:p>
+                  </a:txBody>
+                  <a:tcPr>
+                    <a:lnL w="12700" cap="flat" cmpd="sng" algn="ctr">
+                      <a:solidFill>
+                        <a:scrgbClr r="0" g="0" b="0"/>
+                      </a:solidFill>
+                      <a:prstDash val="solid"/>
+                      <a:round/>
+                      <a:headEnd type="none" w="med" len="med"/>
+                      <a:tailEnd type="none" w="med" len="med"/>
+                    </a:lnL>
+                    <a:lnR w="12700" cap="flat" cmpd="sng" algn="ctr">
+                      <a:solidFill>
+                        <a:scrgbClr r="0" g="0" b="0"/>
+                      </a:solidFill>
+                      <a:prstDash val="solid"/>
+                      <a:round/>
+                      <a:headEnd type="none" w="med" len="med"/>
+                      <a:tailEnd type="none" w="med" len="med"/>
+                    </a:lnR>
+                    <a:lnT w="12700" cap="flat" cmpd="sng" algn="ctr">
+                      <a:solidFill>
+                        <a:scrgbClr r="0" g="0" b="0"/>
+                      </a:solidFill>
+                      <a:prstDash val="solid"/>
+                      <a:round/>
+                      <a:headEnd type="none" w="med" len="med"/>
+                      <a:tailEnd type="none" w="med" len="med"/>
+                    </a:lnT>
+                    <a:lnB w="12700" cap="flat" cmpd="sng" algn="ctr">
+                      <a:solidFill>
+                        <a:scrgbClr r="0" g="0" b="0"/>
+                      </a:solidFill>
+                      <a:prstDash val="solid"/>
+                      <a:round/>
+                      <a:headEnd type="none" w="med" len="med"/>
+                      <a:tailEnd type="none" w="med" len="med"/>
+                    </a:lnB>
+                  </a:tcPr>
+                </a:tc>
+                <a:tc>
+                  <a:txBody>
+                    <a:bodyPr/>
+                    <a:lstStyle/>
+                    <a:p>
+                      <a:r>
+                        <a:rPr lang="de-DE" dirty="0" smtClean="0"/>
+                        <a:t>4195</a:t>
+                      </a:r>
+                      <a:endParaRPr lang="de-DE" dirty="0"/>
+                    </a:p>
+                  </a:txBody>
+                  <a:tcPr>
+                    <a:lnL w="12700" cap="flat" cmpd="sng" algn="ctr">
+                      <a:solidFill>
+                        <a:scrgbClr r="0" g="0" b="0"/>
+                      </a:solidFill>
+                      <a:prstDash val="solid"/>
+                      <a:round/>
+                      <a:headEnd type="none" w="med" len="med"/>
+                      <a:tailEnd type="none" w="med" len="med"/>
+                    </a:lnL>
+                    <a:lnR w="12700" cap="flat" cmpd="sng" algn="ctr">
+                      <a:solidFill>
+                        <a:scrgbClr r="0" g="0" b="0"/>
+                      </a:solidFill>
+                      <a:prstDash val="solid"/>
+                      <a:round/>
+                      <a:headEnd type="none" w="med" len="med"/>
+                      <a:tailEnd type="none" w="med" len="med"/>
+                    </a:lnR>
+                    <a:lnT w="12700" cap="flat" cmpd="sng" algn="ctr">
+                      <a:solidFill>
+                        <a:scrgbClr r="0" g="0" b="0"/>
+                      </a:solidFill>
+                      <a:prstDash val="solid"/>
+                      <a:round/>
+                      <a:headEnd type="none" w="med" len="med"/>
+                      <a:tailEnd type="none" w="med" len="med"/>
+                    </a:lnT>
+                    <a:lnB w="12700" cap="flat" cmpd="sng" algn="ctr">
+                      <a:solidFill>
+                        <a:scrgbClr r="0" g="0" b="0"/>
+                      </a:solidFill>
+                      <a:prstDash val="solid"/>
+                      <a:round/>
+                      <a:headEnd type="none" w="med" len="med"/>
+                      <a:tailEnd type="none" w="med" len="med"/>
+                    </a:lnB>
+                  </a:tcPr>
+                </a:tc>
+                <a:tc>
+                  <a:txBody>
+                    <a:bodyPr/>
+                    <a:lstStyle/>
+                    <a:p>
+                      <a:r>
+                        <a:rPr lang="de-DE" dirty="0" smtClean="0"/>
+                        <a:t>501</a:t>
+                      </a:r>
+                      <a:endParaRPr lang="de-DE" dirty="0"/>
+                    </a:p>
+                  </a:txBody>
+                  <a:tcPr>
+                    <a:lnL w="12700" cap="flat" cmpd="sng" algn="ctr">
+                      <a:solidFill>
+                        <a:scrgbClr r="0" g="0" b="0"/>
+                      </a:solidFill>
+                      <a:prstDash val="solid"/>
+                      <a:round/>
+                      <a:headEnd type="none" w="med" len="med"/>
+                      <a:tailEnd type="none" w="med" len="med"/>
+                    </a:lnL>
+                    <a:lnR w="12700" cap="flat" cmpd="sng" algn="ctr">
+                      <a:solidFill>
+                        <a:scrgbClr r="0" g="0" b="0"/>
+                      </a:solidFill>
+                      <a:prstDash val="solid"/>
+                      <a:round/>
+                      <a:headEnd type="none" w="med" len="med"/>
+                      <a:tailEnd type="none" w="med" len="med"/>
+                    </a:lnR>
+                    <a:lnT w="12700" cap="flat" cmpd="sng" algn="ctr">
+                      <a:solidFill>
+                        <a:scrgbClr r="0" g="0" b="0"/>
+                      </a:solidFill>
+                      <a:prstDash val="solid"/>
+                      <a:round/>
+                      <a:headEnd type="none" w="med" len="med"/>
+                      <a:tailEnd type="none" w="med" len="med"/>
+                    </a:lnT>
+                    <a:lnB w="12700" cap="flat" cmpd="sng" algn="ctr">
+                      <a:solidFill>
+                        <a:scrgbClr r="0" g="0" b="0"/>
+                      </a:solidFill>
+                      <a:prstDash val="solid"/>
+                      <a:round/>
+                      <a:headEnd type="none" w="med" len="med"/>
+                      <a:tailEnd type="none" w="med" len="med"/>
+                    </a:lnB>
+                  </a:tcPr>
                 </a:tc>
               </a:tr>
               <a:tr h="370840">
@@ -3740,7 +4712,44 @@
                       <a:endParaRPr lang="de-DE" dirty="0"/>
                     </a:p>
                   </a:txBody>
-                  <a:tcPr/>
+                  <a:tcPr>
+                    <a:lnL w="12700" cap="flat" cmpd="sng" algn="ctr">
+                      <a:solidFill>
+                        <a:scrgbClr r="0" g="0" b="0"/>
+                      </a:solidFill>
+                      <a:prstDash val="solid"/>
+                      <a:round/>
+                      <a:headEnd type="none" w="med" len="med"/>
+                      <a:tailEnd type="none" w="med" len="med"/>
+                    </a:lnL>
+                    <a:lnR w="12700" cap="flat" cmpd="sng" algn="ctr">
+                      <a:solidFill>
+                        <a:scrgbClr r="0" g="0" b="0"/>
+                      </a:solidFill>
+                      <a:prstDash val="solid"/>
+                      <a:round/>
+                      <a:headEnd type="none" w="med" len="med"/>
+                      <a:tailEnd type="none" w="med" len="med"/>
+                    </a:lnR>
+                    <a:lnT w="12700" cap="flat" cmpd="sng" algn="ctr">
+                      <a:solidFill>
+                        <a:scrgbClr r="0" g="0" b="0"/>
+                      </a:solidFill>
+                      <a:prstDash val="solid"/>
+                      <a:round/>
+                      <a:headEnd type="none" w="med" len="med"/>
+                      <a:tailEnd type="none" w="med" len="med"/>
+                    </a:lnT>
+                    <a:lnB w="12700" cap="flat" cmpd="sng" algn="ctr">
+                      <a:solidFill>
+                        <a:scrgbClr r="0" g="0" b="0"/>
+                      </a:solidFill>
+                      <a:prstDash val="solid"/>
+                      <a:round/>
+                      <a:headEnd type="none" w="med" len="med"/>
+                      <a:tailEnd type="none" w="med" len="med"/>
+                    </a:lnB>
+                  </a:tcPr>
                 </a:tc>
                 <a:tc>
                   <a:txBody>
@@ -3754,7 +4763,44 @@
                       <a:endParaRPr lang="de-DE" dirty="0"/>
                     </a:p>
                   </a:txBody>
-                  <a:tcPr/>
+                  <a:tcPr>
+                    <a:lnL w="12700" cap="flat" cmpd="sng" algn="ctr">
+                      <a:solidFill>
+                        <a:scrgbClr r="0" g="0" b="0"/>
+                      </a:solidFill>
+                      <a:prstDash val="solid"/>
+                      <a:round/>
+                      <a:headEnd type="none" w="med" len="med"/>
+                      <a:tailEnd type="none" w="med" len="med"/>
+                    </a:lnL>
+                    <a:lnR w="12700" cap="flat" cmpd="sng" algn="ctr">
+                      <a:solidFill>
+                        <a:scrgbClr r="0" g="0" b="0"/>
+                      </a:solidFill>
+                      <a:prstDash val="solid"/>
+                      <a:round/>
+                      <a:headEnd type="none" w="med" len="med"/>
+                      <a:tailEnd type="none" w="med" len="med"/>
+                    </a:lnR>
+                    <a:lnT w="12700" cap="flat" cmpd="sng" algn="ctr">
+                      <a:solidFill>
+                        <a:scrgbClr r="0" g="0" b="0"/>
+                      </a:solidFill>
+                      <a:prstDash val="solid"/>
+                      <a:round/>
+                      <a:headEnd type="none" w="med" len="med"/>
+                      <a:tailEnd type="none" w="med" len="med"/>
+                    </a:lnT>
+                    <a:lnB w="12700" cap="flat" cmpd="sng" algn="ctr">
+                      <a:solidFill>
+                        <a:scrgbClr r="0" g="0" b="0"/>
+                      </a:solidFill>
+                      <a:prstDash val="solid"/>
+                      <a:round/>
+                      <a:headEnd type="none" w="med" len="med"/>
+                      <a:tailEnd type="none" w="med" len="med"/>
+                    </a:lnB>
+                  </a:tcPr>
                 </a:tc>
                 <a:tc>
                   <a:txBody>
@@ -3768,37 +4814,197 @@
                       <a:endParaRPr lang="de-DE" dirty="0"/>
                     </a:p>
                   </a:txBody>
-                  <a:tcPr/>
-                </a:tc>
-                <a:tc>
-                  <a:txBody>
-                    <a:bodyPr/>
-                    <a:lstStyle/>
-                    <a:p>
-                      <a:endParaRPr lang="de-DE"/>
-                    </a:p>
-                  </a:txBody>
-                  <a:tcPr/>
-                </a:tc>
-                <a:tc>
-                  <a:txBody>
-                    <a:bodyPr/>
-                    <a:lstStyle/>
-                    <a:p>
-                      <a:endParaRPr lang="de-DE"/>
-                    </a:p>
-                  </a:txBody>
-                  <a:tcPr/>
-                </a:tc>
-                <a:tc>
-                  <a:txBody>
-                    <a:bodyPr/>
-                    <a:lstStyle/>
-                    <a:p>
-                      <a:endParaRPr lang="de-DE"/>
-                    </a:p>
-                  </a:txBody>
-                  <a:tcPr/>
+                  <a:tcPr>
+                    <a:lnL w="12700" cap="flat" cmpd="sng" algn="ctr">
+                      <a:solidFill>
+                        <a:scrgbClr r="0" g="0" b="0"/>
+                      </a:solidFill>
+                      <a:prstDash val="solid"/>
+                      <a:round/>
+                      <a:headEnd type="none" w="med" len="med"/>
+                      <a:tailEnd type="none" w="med" len="med"/>
+                    </a:lnL>
+                    <a:lnR w="12700" cap="flat" cmpd="sng" algn="ctr">
+                      <a:solidFill>
+                        <a:scrgbClr r="0" g="0" b="0"/>
+                      </a:solidFill>
+                      <a:prstDash val="solid"/>
+                      <a:round/>
+                      <a:headEnd type="none" w="med" len="med"/>
+                      <a:tailEnd type="none" w="med" len="med"/>
+                    </a:lnR>
+                    <a:lnT w="12700" cap="flat" cmpd="sng" algn="ctr">
+                      <a:solidFill>
+                        <a:scrgbClr r="0" g="0" b="0"/>
+                      </a:solidFill>
+                      <a:prstDash val="solid"/>
+                      <a:round/>
+                      <a:headEnd type="none" w="med" len="med"/>
+                      <a:tailEnd type="none" w="med" len="med"/>
+                    </a:lnT>
+                    <a:lnB w="12700" cap="flat" cmpd="sng" algn="ctr">
+                      <a:solidFill>
+                        <a:scrgbClr r="0" g="0" b="0"/>
+                      </a:solidFill>
+                      <a:prstDash val="solid"/>
+                      <a:round/>
+                      <a:headEnd type="none" w="med" len="med"/>
+                      <a:tailEnd type="none" w="med" len="med"/>
+                    </a:lnB>
+                  </a:tcPr>
+                </a:tc>
+                <a:tc>
+                  <a:txBody>
+                    <a:bodyPr/>
+                    <a:lstStyle/>
+                    <a:p>
+                      <a:r>
+                        <a:rPr lang="de-DE" dirty="0" smtClean="0"/>
+                        <a:t>253</a:t>
+                      </a:r>
+                      <a:endParaRPr lang="de-DE" dirty="0"/>
+                    </a:p>
+                  </a:txBody>
+                  <a:tcPr>
+                    <a:lnL w="12700" cap="flat" cmpd="sng" algn="ctr">
+                      <a:solidFill>
+                        <a:scrgbClr r="0" g="0" b="0"/>
+                      </a:solidFill>
+                      <a:prstDash val="solid"/>
+                      <a:round/>
+                      <a:headEnd type="none" w="med" len="med"/>
+                      <a:tailEnd type="none" w="med" len="med"/>
+                    </a:lnL>
+                    <a:lnR w="12700" cap="flat" cmpd="sng" algn="ctr">
+                      <a:solidFill>
+                        <a:scrgbClr r="0" g="0" b="0"/>
+                      </a:solidFill>
+                      <a:prstDash val="solid"/>
+                      <a:round/>
+                      <a:headEnd type="none" w="med" len="med"/>
+                      <a:tailEnd type="none" w="med" len="med"/>
+                    </a:lnR>
+                    <a:lnT w="12700" cap="flat" cmpd="sng" algn="ctr">
+                      <a:solidFill>
+                        <a:scrgbClr r="0" g="0" b="0"/>
+                      </a:solidFill>
+                      <a:prstDash val="solid"/>
+                      <a:round/>
+                      <a:headEnd type="none" w="med" len="med"/>
+                      <a:tailEnd type="none" w="med" len="med"/>
+                    </a:lnT>
+                    <a:lnB w="12700" cap="flat" cmpd="sng" algn="ctr">
+                      <a:solidFill>
+                        <a:scrgbClr r="0" g="0" b="0"/>
+                      </a:solidFill>
+                      <a:prstDash val="solid"/>
+                      <a:round/>
+                      <a:headEnd type="none" w="med" len="med"/>
+                      <a:tailEnd type="none" w="med" len="med"/>
+                    </a:lnB>
+                  </a:tcPr>
+                </a:tc>
+                <a:tc>
+                  <a:txBody>
+                    <a:bodyPr/>
+                    <a:lstStyle/>
+                    <a:p>
+                      <a:r>
+                        <a:rPr lang="de-DE" dirty="0" smtClean="0"/>
+                        <a:t>3402</a:t>
+                      </a:r>
+                      <a:endParaRPr lang="de-DE" dirty="0"/>
+                    </a:p>
+                  </a:txBody>
+                  <a:tcPr>
+                    <a:lnL w="12700" cap="flat" cmpd="sng" algn="ctr">
+                      <a:solidFill>
+                        <a:scrgbClr r="0" g="0" b="0"/>
+                      </a:solidFill>
+                      <a:prstDash val="solid"/>
+                      <a:round/>
+                      <a:headEnd type="none" w="med" len="med"/>
+                      <a:tailEnd type="none" w="med" len="med"/>
+                    </a:lnL>
+                    <a:lnR w="12700" cap="flat" cmpd="sng" algn="ctr">
+                      <a:solidFill>
+                        <a:scrgbClr r="0" g="0" b="0"/>
+                      </a:solidFill>
+                      <a:prstDash val="solid"/>
+                      <a:round/>
+                      <a:headEnd type="none" w="med" len="med"/>
+                      <a:tailEnd type="none" w="med" len="med"/>
+                    </a:lnR>
+                    <a:lnT w="12700" cap="flat" cmpd="sng" algn="ctr">
+                      <a:solidFill>
+                        <a:scrgbClr r="0" g="0" b="0"/>
+                      </a:solidFill>
+                      <a:prstDash val="solid"/>
+                      <a:round/>
+                      <a:headEnd type="none" w="med" len="med"/>
+                      <a:tailEnd type="none" w="med" len="med"/>
+                    </a:lnT>
+                    <a:lnB w="12700" cap="flat" cmpd="sng" algn="ctr">
+                      <a:solidFill>
+                        <a:scrgbClr r="0" g="0" b="0"/>
+                      </a:solidFill>
+                      <a:prstDash val="solid"/>
+                      <a:round/>
+                      <a:headEnd type="none" w="med" len="med"/>
+                      <a:tailEnd type="none" w="med" len="med"/>
+                    </a:lnB>
+                  </a:tcPr>
+                </a:tc>
+                <a:tc>
+                  <a:txBody>
+                    <a:bodyPr/>
+                    <a:lstStyle/>
+                    <a:p>
+                      <a:r>
+                        <a:rPr lang="de-DE" dirty="0" smtClean="0"/>
+                        <a:t>1451</a:t>
+                      </a:r>
+                      <a:endParaRPr lang="de-DE" dirty="0"/>
+                    </a:p>
+                  </a:txBody>
+                  <a:tcPr>
+                    <a:lnL w="12700" cap="flat" cmpd="sng" algn="ctr">
+                      <a:solidFill>
+                        <a:scrgbClr r="0" g="0" b="0"/>
+                      </a:solidFill>
+                      <a:prstDash val="solid"/>
+                      <a:round/>
+                      <a:headEnd type="none" w="med" len="med"/>
+                      <a:tailEnd type="none" w="med" len="med"/>
+                    </a:lnL>
+                    <a:lnR w="12700" cap="flat" cmpd="sng" algn="ctr">
+                      <a:solidFill>
+                        <a:scrgbClr r="0" g="0" b="0"/>
+                      </a:solidFill>
+                      <a:prstDash val="solid"/>
+                      <a:round/>
+                      <a:headEnd type="none" w="med" len="med"/>
+                      <a:tailEnd type="none" w="med" len="med"/>
+                    </a:lnR>
+                    <a:lnT w="12700" cap="flat" cmpd="sng" algn="ctr">
+                      <a:solidFill>
+                        <a:scrgbClr r="0" g="0" b="0"/>
+                      </a:solidFill>
+                      <a:prstDash val="solid"/>
+                      <a:round/>
+                      <a:headEnd type="none" w="med" len="med"/>
+                      <a:tailEnd type="none" w="med" len="med"/>
+                    </a:lnT>
+                    <a:lnB w="12700" cap="flat" cmpd="sng" algn="ctr">
+                      <a:solidFill>
+                        <a:scrgbClr r="0" g="0" b="0"/>
+                      </a:solidFill>
+                      <a:prstDash val="solid"/>
+                      <a:round/>
+                      <a:headEnd type="none" w="med" len="med"/>
+                      <a:tailEnd type="none" w="med" len="med"/>
+                    </a:lnB>
+                  </a:tcPr>
                 </a:tc>
               </a:tr>
               <a:tr h="370840">
@@ -3814,7 +5020,44 @@
                       <a:endParaRPr lang="de-DE" dirty="0"/>
                     </a:p>
                   </a:txBody>
-                  <a:tcPr/>
+                  <a:tcPr>
+                    <a:lnL w="12700" cap="flat" cmpd="sng" algn="ctr">
+                      <a:solidFill>
+                        <a:scrgbClr r="0" g="0" b="0"/>
+                      </a:solidFill>
+                      <a:prstDash val="solid"/>
+                      <a:round/>
+                      <a:headEnd type="none" w="med" len="med"/>
+                      <a:tailEnd type="none" w="med" len="med"/>
+                    </a:lnL>
+                    <a:lnR w="12700" cap="flat" cmpd="sng" algn="ctr">
+                      <a:solidFill>
+                        <a:scrgbClr r="0" g="0" b="0"/>
+                      </a:solidFill>
+                      <a:prstDash val="solid"/>
+                      <a:round/>
+                      <a:headEnd type="none" w="med" len="med"/>
+                      <a:tailEnd type="none" w="med" len="med"/>
+                    </a:lnR>
+                    <a:lnT w="12700" cap="flat" cmpd="sng" algn="ctr">
+                      <a:solidFill>
+                        <a:scrgbClr r="0" g="0" b="0"/>
+                      </a:solidFill>
+                      <a:prstDash val="solid"/>
+                      <a:round/>
+                      <a:headEnd type="none" w="med" len="med"/>
+                      <a:tailEnd type="none" w="med" len="med"/>
+                    </a:lnT>
+                    <a:lnB w="12700" cap="flat" cmpd="sng" algn="ctr">
+                      <a:solidFill>
+                        <a:scrgbClr r="0" g="0" b="0"/>
+                      </a:solidFill>
+                      <a:prstDash val="solid"/>
+                      <a:round/>
+                      <a:headEnd type="none" w="med" len="med"/>
+                      <a:tailEnd type="none" w="med" len="med"/>
+                    </a:lnB>
+                  </a:tcPr>
                 </a:tc>
                 <a:tc>
                   <a:txBody>
@@ -3828,7 +5071,44 @@
                       <a:endParaRPr lang="de-DE" dirty="0"/>
                     </a:p>
                   </a:txBody>
-                  <a:tcPr/>
+                  <a:tcPr>
+                    <a:lnL w="12700" cap="flat" cmpd="sng" algn="ctr">
+                      <a:solidFill>
+                        <a:scrgbClr r="0" g="0" b="0"/>
+                      </a:solidFill>
+                      <a:prstDash val="solid"/>
+                      <a:round/>
+                      <a:headEnd type="none" w="med" len="med"/>
+                      <a:tailEnd type="none" w="med" len="med"/>
+                    </a:lnL>
+                    <a:lnR w="12700" cap="flat" cmpd="sng" algn="ctr">
+                      <a:solidFill>
+                        <a:scrgbClr r="0" g="0" b="0"/>
+                      </a:solidFill>
+                      <a:prstDash val="solid"/>
+                      <a:round/>
+                      <a:headEnd type="none" w="med" len="med"/>
+                      <a:tailEnd type="none" w="med" len="med"/>
+                    </a:lnR>
+                    <a:lnT w="12700" cap="flat" cmpd="sng" algn="ctr">
+                      <a:solidFill>
+                        <a:scrgbClr r="0" g="0" b="0"/>
+                      </a:solidFill>
+                      <a:prstDash val="solid"/>
+                      <a:round/>
+                      <a:headEnd type="none" w="med" len="med"/>
+                      <a:tailEnd type="none" w="med" len="med"/>
+                    </a:lnT>
+                    <a:lnB w="12700" cap="flat" cmpd="sng" algn="ctr">
+                      <a:solidFill>
+                        <a:scrgbClr r="0" g="0" b="0"/>
+                      </a:solidFill>
+                      <a:prstDash val="solid"/>
+                      <a:round/>
+                      <a:headEnd type="none" w="med" len="med"/>
+                      <a:tailEnd type="none" w="med" len="med"/>
+                    </a:lnB>
+                  </a:tcPr>
                 </a:tc>
                 <a:tc>
                   <a:txBody>
@@ -3842,37 +5122,197 @@
                       <a:endParaRPr lang="de-DE" dirty="0"/>
                     </a:p>
                   </a:txBody>
-                  <a:tcPr/>
-                </a:tc>
-                <a:tc>
-                  <a:txBody>
-                    <a:bodyPr/>
-                    <a:lstStyle/>
-                    <a:p>
-                      <a:endParaRPr lang="de-DE" dirty="0"/>
-                    </a:p>
-                  </a:txBody>
-                  <a:tcPr/>
-                </a:tc>
-                <a:tc>
-                  <a:txBody>
-                    <a:bodyPr/>
-                    <a:lstStyle/>
-                    <a:p>
-                      <a:endParaRPr lang="de-DE"/>
-                    </a:p>
-                  </a:txBody>
-                  <a:tcPr/>
-                </a:tc>
-                <a:tc>
-                  <a:txBody>
-                    <a:bodyPr/>
-                    <a:lstStyle/>
-                    <a:p>
-                      <a:endParaRPr lang="de-DE"/>
-                    </a:p>
-                  </a:txBody>
-                  <a:tcPr/>
+                  <a:tcPr>
+                    <a:lnL w="12700" cap="flat" cmpd="sng" algn="ctr">
+                      <a:solidFill>
+                        <a:scrgbClr r="0" g="0" b="0"/>
+                      </a:solidFill>
+                      <a:prstDash val="solid"/>
+                      <a:round/>
+                      <a:headEnd type="none" w="med" len="med"/>
+                      <a:tailEnd type="none" w="med" len="med"/>
+                    </a:lnL>
+                    <a:lnR w="12700" cap="flat" cmpd="sng" algn="ctr">
+                      <a:solidFill>
+                        <a:scrgbClr r="0" g="0" b="0"/>
+                      </a:solidFill>
+                      <a:prstDash val="solid"/>
+                      <a:round/>
+                      <a:headEnd type="none" w="med" len="med"/>
+                      <a:tailEnd type="none" w="med" len="med"/>
+                    </a:lnR>
+                    <a:lnT w="12700" cap="flat" cmpd="sng" algn="ctr">
+                      <a:solidFill>
+                        <a:scrgbClr r="0" g="0" b="0"/>
+                      </a:solidFill>
+                      <a:prstDash val="solid"/>
+                      <a:round/>
+                      <a:headEnd type="none" w="med" len="med"/>
+                      <a:tailEnd type="none" w="med" len="med"/>
+                    </a:lnT>
+                    <a:lnB w="12700" cap="flat" cmpd="sng" algn="ctr">
+                      <a:solidFill>
+                        <a:scrgbClr r="0" g="0" b="0"/>
+                      </a:solidFill>
+                      <a:prstDash val="solid"/>
+                      <a:round/>
+                      <a:headEnd type="none" w="med" len="med"/>
+                      <a:tailEnd type="none" w="med" len="med"/>
+                    </a:lnB>
+                  </a:tcPr>
+                </a:tc>
+                <a:tc>
+                  <a:txBody>
+                    <a:bodyPr/>
+                    <a:lstStyle/>
+                    <a:p>
+                      <a:r>
+                        <a:rPr lang="de-DE" dirty="0" smtClean="0"/>
+                        <a:t>290</a:t>
+                      </a:r>
+                      <a:endParaRPr lang="de-DE" dirty="0"/>
+                    </a:p>
+                  </a:txBody>
+                  <a:tcPr>
+                    <a:lnL w="12700" cap="flat" cmpd="sng" algn="ctr">
+                      <a:solidFill>
+                        <a:scrgbClr r="0" g="0" b="0"/>
+                      </a:solidFill>
+                      <a:prstDash val="solid"/>
+                      <a:round/>
+                      <a:headEnd type="none" w="med" len="med"/>
+                      <a:tailEnd type="none" w="med" len="med"/>
+                    </a:lnL>
+                    <a:lnR w="12700" cap="flat" cmpd="sng" algn="ctr">
+                      <a:solidFill>
+                        <a:scrgbClr r="0" g="0" b="0"/>
+                      </a:solidFill>
+                      <a:prstDash val="solid"/>
+                      <a:round/>
+                      <a:headEnd type="none" w="med" len="med"/>
+                      <a:tailEnd type="none" w="med" len="med"/>
+                    </a:lnR>
+                    <a:lnT w="12700" cap="flat" cmpd="sng" algn="ctr">
+                      <a:solidFill>
+                        <a:scrgbClr r="0" g="0" b="0"/>
+                      </a:solidFill>
+                      <a:prstDash val="solid"/>
+                      <a:round/>
+                      <a:headEnd type="none" w="med" len="med"/>
+                      <a:tailEnd type="none" w="med" len="med"/>
+                    </a:lnT>
+                    <a:lnB w="12700" cap="flat" cmpd="sng" algn="ctr">
+                      <a:solidFill>
+                        <a:scrgbClr r="0" g="0" b="0"/>
+                      </a:solidFill>
+                      <a:prstDash val="solid"/>
+                      <a:round/>
+                      <a:headEnd type="none" w="med" len="med"/>
+                      <a:tailEnd type="none" w="med" len="med"/>
+                    </a:lnB>
+                  </a:tcPr>
+                </a:tc>
+                <a:tc>
+                  <a:txBody>
+                    <a:bodyPr/>
+                    <a:lstStyle/>
+                    <a:p>
+                      <a:r>
+                        <a:rPr lang="de-DE" dirty="0" smtClean="0"/>
+                        <a:t>4017</a:t>
+                      </a:r>
+                      <a:endParaRPr lang="de-DE" dirty="0"/>
+                    </a:p>
+                  </a:txBody>
+                  <a:tcPr>
+                    <a:lnL w="12700" cap="flat" cmpd="sng" algn="ctr">
+                      <a:solidFill>
+                        <a:scrgbClr r="0" g="0" b="0"/>
+                      </a:solidFill>
+                      <a:prstDash val="solid"/>
+                      <a:round/>
+                      <a:headEnd type="none" w="med" len="med"/>
+                      <a:tailEnd type="none" w="med" len="med"/>
+                    </a:lnL>
+                    <a:lnR w="12700" cap="flat" cmpd="sng" algn="ctr">
+                      <a:solidFill>
+                        <a:scrgbClr r="0" g="0" b="0"/>
+                      </a:solidFill>
+                      <a:prstDash val="solid"/>
+                      <a:round/>
+                      <a:headEnd type="none" w="med" len="med"/>
+                      <a:tailEnd type="none" w="med" len="med"/>
+                    </a:lnR>
+                    <a:lnT w="12700" cap="flat" cmpd="sng" algn="ctr">
+                      <a:solidFill>
+                        <a:scrgbClr r="0" g="0" b="0"/>
+                      </a:solidFill>
+                      <a:prstDash val="solid"/>
+                      <a:round/>
+                      <a:headEnd type="none" w="med" len="med"/>
+                      <a:tailEnd type="none" w="med" len="med"/>
+                    </a:lnT>
+                    <a:lnB w="12700" cap="flat" cmpd="sng" algn="ctr">
+                      <a:solidFill>
+                        <a:scrgbClr r="0" g="0" b="0"/>
+                      </a:solidFill>
+                      <a:prstDash val="solid"/>
+                      <a:round/>
+                      <a:headEnd type="none" w="med" len="med"/>
+                      <a:tailEnd type="none" w="med" len="med"/>
+                    </a:lnB>
+                  </a:tcPr>
+                </a:tc>
+                <a:tc>
+                  <a:txBody>
+                    <a:bodyPr/>
+                    <a:lstStyle/>
+                    <a:p>
+                      <a:r>
+                        <a:rPr lang="de-DE" dirty="0" smtClean="0"/>
+                        <a:t>2052</a:t>
+                      </a:r>
+                      <a:endParaRPr lang="de-DE" dirty="0"/>
+                    </a:p>
+                  </a:txBody>
+                  <a:tcPr>
+                    <a:lnL w="12700" cap="flat" cmpd="sng" algn="ctr">
+                      <a:solidFill>
+                        <a:scrgbClr r="0" g="0" b="0"/>
+                      </a:solidFill>
+                      <a:prstDash val="solid"/>
+                      <a:round/>
+                      <a:headEnd type="none" w="med" len="med"/>
+                      <a:tailEnd type="none" w="med" len="med"/>
+                    </a:lnL>
+                    <a:lnR w="12700" cap="flat" cmpd="sng" algn="ctr">
+                      <a:solidFill>
+                        <a:scrgbClr r="0" g="0" b="0"/>
+                      </a:solidFill>
+                      <a:prstDash val="solid"/>
+                      <a:round/>
+                      <a:headEnd type="none" w="med" len="med"/>
+                      <a:tailEnd type="none" w="med" len="med"/>
+                    </a:lnR>
+                    <a:lnT w="12700" cap="flat" cmpd="sng" algn="ctr">
+                      <a:solidFill>
+                        <a:scrgbClr r="0" g="0" b="0"/>
+                      </a:solidFill>
+                      <a:prstDash val="solid"/>
+                      <a:round/>
+                      <a:headEnd type="none" w="med" len="med"/>
+                      <a:tailEnd type="none" w="med" len="med"/>
+                    </a:lnT>
+                    <a:lnB w="12700" cap="flat" cmpd="sng" algn="ctr">
+                      <a:solidFill>
+                        <a:scrgbClr r="0" g="0" b="0"/>
+                      </a:solidFill>
+                      <a:prstDash val="solid"/>
+                      <a:round/>
+                      <a:headEnd type="none" w="med" len="med"/>
+                      <a:tailEnd type="none" w="med" len="med"/>
+                    </a:lnB>
+                  </a:tcPr>
                 </a:tc>
               </a:tr>
               <a:tr h="370840">
@@ -3889,7 +5329,34 @@
                     </a:p>
                   </a:txBody>
                   <a:tcPr>
-                    <a:lnB w="12700" cap="flat" cmpd="sng" algn="ctr">
+                    <a:lnL w="12700" cap="flat" cmpd="sng" algn="ctr">
+                      <a:solidFill>
+                        <a:scrgbClr r="0" g="0" b="0"/>
+                      </a:solidFill>
+                      <a:prstDash val="solid"/>
+                      <a:round/>
+                      <a:headEnd type="none" w="med" len="med"/>
+                      <a:tailEnd type="none" w="med" len="med"/>
+                    </a:lnL>
+                    <a:lnR w="12700" cap="flat" cmpd="sng" algn="ctr">
+                      <a:solidFill>
+                        <a:scrgbClr r="0" g="0" b="0"/>
+                      </a:solidFill>
+                      <a:prstDash val="solid"/>
+                      <a:round/>
+                      <a:headEnd type="none" w="med" len="med"/>
+                      <a:tailEnd type="none" w="med" len="med"/>
+                    </a:lnR>
+                    <a:lnT w="12700" cap="flat" cmpd="sng" algn="ctr">
+                      <a:solidFill>
+                        <a:scrgbClr r="0" g="0" b="0"/>
+                      </a:solidFill>
+                      <a:prstDash val="solid"/>
+                      <a:round/>
+                      <a:headEnd type="none" w="med" len="med"/>
+                      <a:tailEnd type="none" w="med" len="med"/>
+                    </a:lnT>
+                    <a:lnB w="57150" cap="flat" cmpd="sng" algn="ctr">
                       <a:solidFill>
                         <a:scrgbClr r="0" g="0" b="0"/>
                       </a:solidFill>
@@ -3913,7 +5380,34 @@
                     </a:p>
                   </a:txBody>
                   <a:tcPr>
-                    <a:lnB w="12700" cap="flat" cmpd="sng" algn="ctr">
+                    <a:lnL w="12700" cap="flat" cmpd="sng" algn="ctr">
+                      <a:solidFill>
+                        <a:scrgbClr r="0" g="0" b="0"/>
+                      </a:solidFill>
+                      <a:prstDash val="solid"/>
+                      <a:round/>
+                      <a:headEnd type="none" w="med" len="med"/>
+                      <a:tailEnd type="none" w="med" len="med"/>
+                    </a:lnL>
+                    <a:lnR w="12700" cap="flat" cmpd="sng" algn="ctr">
+                      <a:solidFill>
+                        <a:scrgbClr r="0" g="0" b="0"/>
+                      </a:solidFill>
+                      <a:prstDash val="solid"/>
+                      <a:round/>
+                      <a:headEnd type="none" w="med" len="med"/>
+                      <a:tailEnd type="none" w="med" len="med"/>
+                    </a:lnR>
+                    <a:lnT w="12700" cap="flat" cmpd="sng" algn="ctr">
+                      <a:solidFill>
+                        <a:scrgbClr r="0" g="0" b="0"/>
+                      </a:solidFill>
+                      <a:prstDash val="solid"/>
+                      <a:round/>
+                      <a:headEnd type="none" w="med" len="med"/>
+                      <a:tailEnd type="none" w="med" len="med"/>
+                    </a:lnT>
+                    <a:lnB w="57150" cap="flat" cmpd="sng" algn="ctr">
                       <a:solidFill>
                         <a:scrgbClr r="0" g="0" b="0"/>
                       </a:solidFill>
@@ -3937,67 +5431,187 @@
                     </a:p>
                   </a:txBody>
                   <a:tcPr>
-                    <a:lnB w="12700" cap="flat" cmpd="sng" algn="ctr">
-                      <a:solidFill>
-                        <a:scrgbClr r="0" g="0" b="0"/>
-                      </a:solidFill>
-                      <a:prstDash val="solid"/>
-                      <a:round/>
-                      <a:headEnd type="none" w="med" len="med"/>
-                      <a:tailEnd type="none" w="med" len="med"/>
-                    </a:lnB>
-                  </a:tcPr>
-                </a:tc>
-                <a:tc>
-                  <a:txBody>
-                    <a:bodyPr/>
-                    <a:lstStyle/>
-                    <a:p>
-                      <a:endParaRPr lang="de-DE" dirty="0"/>
-                    </a:p>
-                  </a:txBody>
-                  <a:tcPr>
-                    <a:lnB w="12700" cap="flat" cmpd="sng" algn="ctr">
-                      <a:solidFill>
-                        <a:scrgbClr r="0" g="0" b="0"/>
-                      </a:solidFill>
-                      <a:prstDash val="solid"/>
-                      <a:round/>
-                      <a:headEnd type="none" w="med" len="med"/>
-                      <a:tailEnd type="none" w="med" len="med"/>
-                    </a:lnB>
-                  </a:tcPr>
-                </a:tc>
-                <a:tc>
-                  <a:txBody>
-                    <a:bodyPr/>
-                    <a:lstStyle/>
-                    <a:p>
-                      <a:endParaRPr lang="de-DE" dirty="0"/>
-                    </a:p>
-                  </a:txBody>
-                  <a:tcPr>
-                    <a:lnB w="12700" cap="flat" cmpd="sng" algn="ctr">
-                      <a:solidFill>
-                        <a:scrgbClr r="0" g="0" b="0"/>
-                      </a:solidFill>
-                      <a:prstDash val="solid"/>
-                      <a:round/>
-                      <a:headEnd type="none" w="med" len="med"/>
-                      <a:tailEnd type="none" w="med" len="med"/>
-                    </a:lnB>
-                  </a:tcPr>
-                </a:tc>
-                <a:tc>
-                  <a:txBody>
-                    <a:bodyPr/>
-                    <a:lstStyle/>
-                    <a:p>
-                      <a:endParaRPr lang="de-DE" dirty="0"/>
-                    </a:p>
-                  </a:txBody>
-                  <a:tcPr>
-                    <a:lnB w="12700" cap="flat" cmpd="sng" algn="ctr">
+                    <a:lnL w="12700" cap="flat" cmpd="sng" algn="ctr">
+                      <a:solidFill>
+                        <a:scrgbClr r="0" g="0" b="0"/>
+                      </a:solidFill>
+                      <a:prstDash val="solid"/>
+                      <a:round/>
+                      <a:headEnd type="none" w="med" len="med"/>
+                      <a:tailEnd type="none" w="med" len="med"/>
+                    </a:lnL>
+                    <a:lnR w="12700" cap="flat" cmpd="sng" algn="ctr">
+                      <a:solidFill>
+                        <a:scrgbClr r="0" g="0" b="0"/>
+                      </a:solidFill>
+                      <a:prstDash val="solid"/>
+                      <a:round/>
+                      <a:headEnd type="none" w="med" len="med"/>
+                      <a:tailEnd type="none" w="med" len="med"/>
+                    </a:lnR>
+                    <a:lnT w="12700" cap="flat" cmpd="sng" algn="ctr">
+                      <a:solidFill>
+                        <a:scrgbClr r="0" g="0" b="0"/>
+                      </a:solidFill>
+                      <a:prstDash val="solid"/>
+                      <a:round/>
+                      <a:headEnd type="none" w="med" len="med"/>
+                      <a:tailEnd type="none" w="med" len="med"/>
+                    </a:lnT>
+                    <a:lnB w="57150" cap="flat" cmpd="sng" algn="ctr">
+                      <a:solidFill>
+                        <a:scrgbClr r="0" g="0" b="0"/>
+                      </a:solidFill>
+                      <a:prstDash val="solid"/>
+                      <a:round/>
+                      <a:headEnd type="none" w="med" len="med"/>
+                      <a:tailEnd type="none" w="med" len="med"/>
+                    </a:lnB>
+                  </a:tcPr>
+                </a:tc>
+                <a:tc>
+                  <a:txBody>
+                    <a:bodyPr/>
+                    <a:lstStyle/>
+                    <a:p>
+                      <a:r>
+                        <a:rPr lang="de-DE" dirty="0" smtClean="0"/>
+                        <a:t>28</a:t>
+                      </a:r>
+                      <a:endParaRPr lang="de-DE" dirty="0"/>
+                    </a:p>
+                  </a:txBody>
+                  <a:tcPr>
+                    <a:lnL w="12700" cap="flat" cmpd="sng" algn="ctr">
+                      <a:solidFill>
+                        <a:scrgbClr r="0" g="0" b="0"/>
+                      </a:solidFill>
+                      <a:prstDash val="solid"/>
+                      <a:round/>
+                      <a:headEnd type="none" w="med" len="med"/>
+                      <a:tailEnd type="none" w="med" len="med"/>
+                    </a:lnL>
+                    <a:lnR w="12700" cap="flat" cmpd="sng" algn="ctr">
+                      <a:solidFill>
+                        <a:scrgbClr r="0" g="0" b="0"/>
+                      </a:solidFill>
+                      <a:prstDash val="solid"/>
+                      <a:round/>
+                      <a:headEnd type="none" w="med" len="med"/>
+                      <a:tailEnd type="none" w="med" len="med"/>
+                    </a:lnR>
+                    <a:lnT w="12700" cap="flat" cmpd="sng" algn="ctr">
+                      <a:solidFill>
+                        <a:scrgbClr r="0" g="0" b="0"/>
+                      </a:solidFill>
+                      <a:prstDash val="solid"/>
+                      <a:round/>
+                      <a:headEnd type="none" w="med" len="med"/>
+                      <a:tailEnd type="none" w="med" len="med"/>
+                    </a:lnT>
+                    <a:lnB w="57150" cap="flat" cmpd="sng" algn="ctr">
+                      <a:solidFill>
+                        <a:scrgbClr r="0" g="0" b="0"/>
+                      </a:solidFill>
+                      <a:prstDash val="solid"/>
+                      <a:round/>
+                      <a:headEnd type="none" w="med" len="med"/>
+                      <a:tailEnd type="none" w="med" len="med"/>
+                    </a:lnB>
+                  </a:tcPr>
+                </a:tc>
+                <a:tc>
+                  <a:txBody>
+                    <a:bodyPr/>
+                    <a:lstStyle/>
+                    <a:p>
+                      <a:r>
+                        <a:rPr lang="de-DE" dirty="0" smtClean="0"/>
+                        <a:t>7697</a:t>
+                      </a:r>
+                      <a:endParaRPr lang="de-DE" dirty="0"/>
+                    </a:p>
+                  </a:txBody>
+                  <a:tcPr>
+                    <a:lnL w="12700" cap="flat" cmpd="sng" algn="ctr">
+                      <a:solidFill>
+                        <a:scrgbClr r="0" g="0" b="0"/>
+                      </a:solidFill>
+                      <a:prstDash val="solid"/>
+                      <a:round/>
+                      <a:headEnd type="none" w="med" len="med"/>
+                      <a:tailEnd type="none" w="med" len="med"/>
+                    </a:lnL>
+                    <a:lnR w="12700" cap="flat" cmpd="sng" algn="ctr">
+                      <a:solidFill>
+                        <a:scrgbClr r="0" g="0" b="0"/>
+                      </a:solidFill>
+                      <a:prstDash val="solid"/>
+                      <a:round/>
+                      <a:headEnd type="none" w="med" len="med"/>
+                      <a:tailEnd type="none" w="med" len="med"/>
+                    </a:lnR>
+                    <a:lnT w="12700" cap="flat" cmpd="sng" algn="ctr">
+                      <a:solidFill>
+                        <a:scrgbClr r="0" g="0" b="0"/>
+                      </a:solidFill>
+                      <a:prstDash val="solid"/>
+                      <a:round/>
+                      <a:headEnd type="none" w="med" len="med"/>
+                      <a:tailEnd type="none" w="med" len="med"/>
+                    </a:lnT>
+                    <a:lnB w="57150" cap="flat" cmpd="sng" algn="ctr">
+                      <a:solidFill>
+                        <a:scrgbClr r="0" g="0" b="0"/>
+                      </a:solidFill>
+                      <a:prstDash val="solid"/>
+                      <a:round/>
+                      <a:headEnd type="none" w="med" len="med"/>
+                      <a:tailEnd type="none" w="med" len="med"/>
+                    </a:lnB>
+                  </a:tcPr>
+                </a:tc>
+                <a:tc>
+                  <a:txBody>
+                    <a:bodyPr/>
+                    <a:lstStyle/>
+                    <a:p>
+                      <a:r>
+                        <a:rPr lang="de-DE" dirty="0" smtClean="0"/>
+                        <a:t>785</a:t>
+                      </a:r>
+                      <a:endParaRPr lang="de-DE" dirty="0"/>
+                    </a:p>
+                  </a:txBody>
+                  <a:tcPr>
+                    <a:lnL w="12700" cap="flat" cmpd="sng" algn="ctr">
+                      <a:solidFill>
+                        <a:scrgbClr r="0" g="0" b="0"/>
+                      </a:solidFill>
+                      <a:prstDash val="solid"/>
+                      <a:round/>
+                      <a:headEnd type="none" w="med" len="med"/>
+                      <a:tailEnd type="none" w="med" len="med"/>
+                    </a:lnL>
+                    <a:lnR w="12700" cap="flat" cmpd="sng" algn="ctr">
+                      <a:solidFill>
+                        <a:scrgbClr r="0" g="0" b="0"/>
+                      </a:solidFill>
+                      <a:prstDash val="solid"/>
+                      <a:round/>
+                      <a:headEnd type="none" w="med" len="med"/>
+                      <a:tailEnd type="none" w="med" len="med"/>
+                    </a:lnR>
+                    <a:lnT w="12700" cap="flat" cmpd="sng" algn="ctr">
+                      <a:solidFill>
+                        <a:scrgbClr r="0" g="0" b="0"/>
+                      </a:solidFill>
+                      <a:prstDash val="solid"/>
+                      <a:round/>
+                      <a:headEnd type="none" w="med" len="med"/>
+                      <a:tailEnd type="none" w="med" len="med"/>
+                    </a:lnT>
+                    <a:lnB w="57150" cap="flat" cmpd="sng" algn="ctr">
                       <a:solidFill>
                         <a:scrgbClr r="0" g="0" b="0"/>
                       </a:solidFill>
@@ -4023,15 +5637,42 @@
                     </a:p>
                   </a:txBody>
                   <a:tcPr>
-                    <a:lnT w="12700" cap="flat" cmpd="sng" algn="ctr">
-                      <a:solidFill>
-                        <a:scrgbClr r="0" g="0" b="0"/>
-                      </a:solidFill>
-                      <a:prstDash val="solid"/>
-                      <a:round/>
-                      <a:headEnd type="none" w="med" len="med"/>
-                      <a:tailEnd type="none" w="med" len="med"/>
-                    </a:lnT>
+                    <a:lnL w="12700" cap="flat" cmpd="sng" algn="ctr">
+                      <a:solidFill>
+                        <a:scrgbClr r="0" g="0" b="0"/>
+                      </a:solidFill>
+                      <a:prstDash val="solid"/>
+                      <a:round/>
+                      <a:headEnd type="none" w="med" len="med"/>
+                      <a:tailEnd type="none" w="med" len="med"/>
+                    </a:lnL>
+                    <a:lnR w="12700" cap="flat" cmpd="sng" algn="ctr">
+                      <a:solidFill>
+                        <a:scrgbClr r="0" g="0" b="0"/>
+                      </a:solidFill>
+                      <a:prstDash val="solid"/>
+                      <a:round/>
+                      <a:headEnd type="none" w="med" len="med"/>
+                      <a:tailEnd type="none" w="med" len="med"/>
+                    </a:lnR>
+                    <a:lnT w="57150" cap="flat" cmpd="sng" algn="ctr">
+                      <a:solidFill>
+                        <a:scrgbClr r="0" g="0" b="0"/>
+                      </a:solidFill>
+                      <a:prstDash val="solid"/>
+                      <a:round/>
+                      <a:headEnd type="none" w="med" len="med"/>
+                      <a:tailEnd type="none" w="med" len="med"/>
+                    </a:lnT>
+                    <a:lnB w="12700" cap="flat" cmpd="sng" algn="ctr">
+                      <a:solidFill>
+                        <a:scrgbClr r="0" g="0" b="0"/>
+                      </a:solidFill>
+                      <a:prstDash val="solid"/>
+                      <a:round/>
+                      <a:headEnd type="none" w="med" len="med"/>
+                      <a:tailEnd type="none" w="med" len="med"/>
+                    </a:lnB>
                   </a:tcPr>
                 </a:tc>
                 <a:tc>
@@ -4047,15 +5688,42 @@
                     </a:p>
                   </a:txBody>
                   <a:tcPr>
-                    <a:lnT w="12700" cap="flat" cmpd="sng" algn="ctr">
-                      <a:solidFill>
-                        <a:scrgbClr r="0" g="0" b="0"/>
-                      </a:solidFill>
-                      <a:prstDash val="solid"/>
-                      <a:round/>
-                      <a:headEnd type="none" w="med" len="med"/>
-                      <a:tailEnd type="none" w="med" len="med"/>
-                    </a:lnT>
+                    <a:lnL w="12700" cap="flat" cmpd="sng" algn="ctr">
+                      <a:solidFill>
+                        <a:scrgbClr r="0" g="0" b="0"/>
+                      </a:solidFill>
+                      <a:prstDash val="solid"/>
+                      <a:round/>
+                      <a:headEnd type="none" w="med" len="med"/>
+                      <a:tailEnd type="none" w="med" len="med"/>
+                    </a:lnL>
+                    <a:lnR w="12700" cap="flat" cmpd="sng" algn="ctr">
+                      <a:solidFill>
+                        <a:scrgbClr r="0" g="0" b="0"/>
+                      </a:solidFill>
+                      <a:prstDash val="solid"/>
+                      <a:round/>
+                      <a:headEnd type="none" w="med" len="med"/>
+                      <a:tailEnd type="none" w="med" len="med"/>
+                    </a:lnR>
+                    <a:lnT w="57150" cap="flat" cmpd="sng" algn="ctr">
+                      <a:solidFill>
+                        <a:scrgbClr r="0" g="0" b="0"/>
+                      </a:solidFill>
+                      <a:prstDash val="solid"/>
+                      <a:round/>
+                      <a:headEnd type="none" w="med" len="med"/>
+                      <a:tailEnd type="none" w="med" len="med"/>
+                    </a:lnT>
+                    <a:lnB w="12700" cap="flat" cmpd="sng" algn="ctr">
+                      <a:solidFill>
+                        <a:scrgbClr r="0" g="0" b="0"/>
+                      </a:solidFill>
+                      <a:prstDash val="solid"/>
+                      <a:round/>
+                      <a:headEnd type="none" w="med" len="med"/>
+                      <a:tailEnd type="none" w="med" len="med"/>
+                    </a:lnB>
                   </a:tcPr>
                 </a:tc>
                 <a:tc>
@@ -4071,75 +5739,195 @@
                     </a:p>
                   </a:txBody>
                   <a:tcPr>
-                    <a:lnT w="12700" cap="flat" cmpd="sng" algn="ctr">
-                      <a:solidFill>
-                        <a:scrgbClr r="0" g="0" b="0"/>
-                      </a:solidFill>
-                      <a:prstDash val="solid"/>
-                      <a:round/>
-                      <a:headEnd type="none" w="med" len="med"/>
-                      <a:tailEnd type="none" w="med" len="med"/>
-                    </a:lnT>
-                  </a:tcPr>
-                </a:tc>
-                <a:tc>
-                  <a:txBody>
-                    <a:bodyPr/>
-                    <a:lstStyle/>
-                    <a:p>
-                      <a:endParaRPr lang="de-DE"/>
-                    </a:p>
-                  </a:txBody>
-                  <a:tcPr>
-                    <a:lnT w="12700" cap="flat" cmpd="sng" algn="ctr">
-                      <a:solidFill>
-                        <a:scrgbClr r="0" g="0" b="0"/>
-                      </a:solidFill>
-                      <a:prstDash val="solid"/>
-                      <a:round/>
-                      <a:headEnd type="none" w="med" len="med"/>
-                      <a:tailEnd type="none" w="med" len="med"/>
-                    </a:lnT>
-                  </a:tcPr>
-                </a:tc>
-                <a:tc>
-                  <a:txBody>
-                    <a:bodyPr/>
-                    <a:lstStyle/>
-                    <a:p>
-                      <a:endParaRPr lang="de-DE"/>
-                    </a:p>
-                  </a:txBody>
-                  <a:tcPr>
-                    <a:lnT w="12700" cap="flat" cmpd="sng" algn="ctr">
-                      <a:solidFill>
-                        <a:scrgbClr r="0" g="0" b="0"/>
-                      </a:solidFill>
-                      <a:prstDash val="solid"/>
-                      <a:round/>
-                      <a:headEnd type="none" w="med" len="med"/>
-                      <a:tailEnd type="none" w="med" len="med"/>
-                    </a:lnT>
-                  </a:tcPr>
-                </a:tc>
-                <a:tc>
-                  <a:txBody>
-                    <a:bodyPr/>
-                    <a:lstStyle/>
-                    <a:p>
-                      <a:endParaRPr lang="de-DE"/>
-                    </a:p>
-                  </a:txBody>
-                  <a:tcPr>
-                    <a:lnT w="12700" cap="flat" cmpd="sng" algn="ctr">
-                      <a:solidFill>
-                        <a:scrgbClr r="0" g="0" b="0"/>
-                      </a:solidFill>
-                      <a:prstDash val="solid"/>
-                      <a:round/>
-                      <a:headEnd type="none" w="med" len="med"/>
-                      <a:tailEnd type="none" w="med" len="med"/>
-                    </a:lnT>
+                    <a:lnL w="12700" cap="flat" cmpd="sng" algn="ctr">
+                      <a:solidFill>
+                        <a:scrgbClr r="0" g="0" b="0"/>
+                      </a:solidFill>
+                      <a:prstDash val="solid"/>
+                      <a:round/>
+                      <a:headEnd type="none" w="med" len="med"/>
+                      <a:tailEnd type="none" w="med" len="med"/>
+                    </a:lnL>
+                    <a:lnR w="12700" cap="flat" cmpd="sng" algn="ctr">
+                      <a:solidFill>
+                        <a:scrgbClr r="0" g="0" b="0"/>
+                      </a:solidFill>
+                      <a:prstDash val="solid"/>
+                      <a:round/>
+                      <a:headEnd type="none" w="med" len="med"/>
+                      <a:tailEnd type="none" w="med" len="med"/>
+                    </a:lnR>
+                    <a:lnT w="57150" cap="flat" cmpd="sng" algn="ctr">
+                      <a:solidFill>
+                        <a:scrgbClr r="0" g="0" b="0"/>
+                      </a:solidFill>
+                      <a:prstDash val="solid"/>
+                      <a:round/>
+                      <a:headEnd type="none" w="med" len="med"/>
+                      <a:tailEnd type="none" w="med" len="med"/>
+                    </a:lnT>
+                    <a:lnB w="12700" cap="flat" cmpd="sng" algn="ctr">
+                      <a:solidFill>
+                        <a:scrgbClr r="0" g="0" b="0"/>
+                      </a:solidFill>
+                      <a:prstDash val="solid"/>
+                      <a:round/>
+                      <a:headEnd type="none" w="med" len="med"/>
+                      <a:tailEnd type="none" w="med" len="med"/>
+                    </a:lnB>
+                  </a:tcPr>
+                </a:tc>
+                <a:tc>
+                  <a:txBody>
+                    <a:bodyPr/>
+                    <a:lstStyle/>
+                    <a:p>
+                      <a:r>
+                        <a:rPr lang="de-DE" dirty="0" smtClean="0"/>
+                        <a:t>84</a:t>
+                      </a:r>
+                      <a:endParaRPr lang="de-DE" dirty="0"/>
+                    </a:p>
+                  </a:txBody>
+                  <a:tcPr>
+                    <a:lnL w="12700" cap="flat" cmpd="sng" algn="ctr">
+                      <a:solidFill>
+                        <a:scrgbClr r="0" g="0" b="0"/>
+                      </a:solidFill>
+                      <a:prstDash val="solid"/>
+                      <a:round/>
+                      <a:headEnd type="none" w="med" len="med"/>
+                      <a:tailEnd type="none" w="med" len="med"/>
+                    </a:lnL>
+                    <a:lnR w="12700" cap="flat" cmpd="sng" algn="ctr">
+                      <a:solidFill>
+                        <a:scrgbClr r="0" g="0" b="0"/>
+                      </a:solidFill>
+                      <a:prstDash val="solid"/>
+                      <a:round/>
+                      <a:headEnd type="none" w="med" len="med"/>
+                      <a:tailEnd type="none" w="med" len="med"/>
+                    </a:lnR>
+                    <a:lnT w="57150" cap="flat" cmpd="sng" algn="ctr">
+                      <a:solidFill>
+                        <a:scrgbClr r="0" g="0" b="0"/>
+                      </a:solidFill>
+                      <a:prstDash val="solid"/>
+                      <a:round/>
+                      <a:headEnd type="none" w="med" len="med"/>
+                      <a:tailEnd type="none" w="med" len="med"/>
+                    </a:lnT>
+                    <a:lnB w="12700" cap="flat" cmpd="sng" algn="ctr">
+                      <a:solidFill>
+                        <a:scrgbClr r="0" g="0" b="0"/>
+                      </a:solidFill>
+                      <a:prstDash val="solid"/>
+                      <a:round/>
+                      <a:headEnd type="none" w="med" len="med"/>
+                      <a:tailEnd type="none" w="med" len="med"/>
+                    </a:lnB>
+                  </a:tcPr>
+                </a:tc>
+                <a:tc>
+                  <a:txBody>
+                    <a:bodyPr/>
+                    <a:lstStyle/>
+                    <a:p>
+                      <a:r>
+                        <a:rPr lang="de-DE" dirty="0" smtClean="0"/>
+                        <a:t>211</a:t>
+                      </a:r>
+                      <a:endParaRPr lang="de-DE" dirty="0"/>
+                    </a:p>
+                  </a:txBody>
+                  <a:tcPr>
+                    <a:lnL w="12700" cap="flat" cmpd="sng" algn="ctr">
+                      <a:solidFill>
+                        <a:scrgbClr r="0" g="0" b="0"/>
+                      </a:solidFill>
+                      <a:prstDash val="solid"/>
+                      <a:round/>
+                      <a:headEnd type="none" w="med" len="med"/>
+                      <a:tailEnd type="none" w="med" len="med"/>
+                    </a:lnL>
+                    <a:lnR w="12700" cap="flat" cmpd="sng" algn="ctr">
+                      <a:solidFill>
+                        <a:scrgbClr r="0" g="0" b="0"/>
+                      </a:solidFill>
+                      <a:prstDash val="solid"/>
+                      <a:round/>
+                      <a:headEnd type="none" w="med" len="med"/>
+                      <a:tailEnd type="none" w="med" len="med"/>
+                    </a:lnR>
+                    <a:lnT w="57150" cap="flat" cmpd="sng" algn="ctr">
+                      <a:solidFill>
+                        <a:scrgbClr r="0" g="0" b="0"/>
+                      </a:solidFill>
+                      <a:prstDash val="solid"/>
+                      <a:round/>
+                      <a:headEnd type="none" w="med" len="med"/>
+                      <a:tailEnd type="none" w="med" len="med"/>
+                    </a:lnT>
+                    <a:lnB w="12700" cap="flat" cmpd="sng" algn="ctr">
+                      <a:solidFill>
+                        <a:scrgbClr r="0" g="0" b="0"/>
+                      </a:solidFill>
+                      <a:prstDash val="solid"/>
+                      <a:round/>
+                      <a:headEnd type="none" w="med" len="med"/>
+                      <a:tailEnd type="none" w="med" len="med"/>
+                    </a:lnB>
+                  </a:tcPr>
+                </a:tc>
+                <a:tc>
+                  <a:txBody>
+                    <a:bodyPr/>
+                    <a:lstStyle/>
+                    <a:p>
+                      <a:r>
+                        <a:rPr lang="de-DE" dirty="0" smtClean="0"/>
+                        <a:t>106</a:t>
+                      </a:r>
+                      <a:endParaRPr lang="de-DE" dirty="0"/>
+                    </a:p>
+                  </a:txBody>
+                  <a:tcPr>
+                    <a:lnL w="12700" cap="flat" cmpd="sng" algn="ctr">
+                      <a:solidFill>
+                        <a:scrgbClr r="0" g="0" b="0"/>
+                      </a:solidFill>
+                      <a:prstDash val="solid"/>
+                      <a:round/>
+                      <a:headEnd type="none" w="med" len="med"/>
+                      <a:tailEnd type="none" w="med" len="med"/>
+                    </a:lnL>
+                    <a:lnR w="12700" cap="flat" cmpd="sng" algn="ctr">
+                      <a:solidFill>
+                        <a:scrgbClr r="0" g="0" b="0"/>
+                      </a:solidFill>
+                      <a:prstDash val="solid"/>
+                      <a:round/>
+                      <a:headEnd type="none" w="med" len="med"/>
+                      <a:tailEnd type="none" w="med" len="med"/>
+                    </a:lnR>
+                    <a:lnT w="57150" cap="flat" cmpd="sng" algn="ctr">
+                      <a:solidFill>
+                        <a:scrgbClr r="0" g="0" b="0"/>
+                      </a:solidFill>
+                      <a:prstDash val="solid"/>
+                      <a:round/>
+                      <a:headEnd type="none" w="med" len="med"/>
+                      <a:tailEnd type="none" w="med" len="med"/>
+                    </a:lnT>
+                    <a:lnB w="12700" cap="flat" cmpd="sng" algn="ctr">
+                      <a:solidFill>
+                        <a:scrgbClr r="0" g="0" b="0"/>
+                      </a:solidFill>
+                      <a:prstDash val="solid"/>
+                      <a:round/>
+                      <a:headEnd type="none" w="med" len="med"/>
+                      <a:tailEnd type="none" w="med" len="med"/>
+                    </a:lnB>
                   </a:tcPr>
                 </a:tc>
               </a:tr>
@@ -4156,7 +5944,44 @@
                       <a:endParaRPr lang="de-DE" dirty="0"/>
                     </a:p>
                   </a:txBody>
-                  <a:tcPr/>
+                  <a:tcPr>
+                    <a:lnL w="12700" cap="flat" cmpd="sng" algn="ctr">
+                      <a:solidFill>
+                        <a:scrgbClr r="0" g="0" b="0"/>
+                      </a:solidFill>
+                      <a:prstDash val="solid"/>
+                      <a:round/>
+                      <a:headEnd type="none" w="med" len="med"/>
+                      <a:tailEnd type="none" w="med" len="med"/>
+                    </a:lnL>
+                    <a:lnR w="12700" cap="flat" cmpd="sng" algn="ctr">
+                      <a:solidFill>
+                        <a:scrgbClr r="0" g="0" b="0"/>
+                      </a:solidFill>
+                      <a:prstDash val="solid"/>
+                      <a:round/>
+                      <a:headEnd type="none" w="med" len="med"/>
+                      <a:tailEnd type="none" w="med" len="med"/>
+                    </a:lnR>
+                    <a:lnT w="12700" cap="flat" cmpd="sng" algn="ctr">
+                      <a:solidFill>
+                        <a:scrgbClr r="0" g="0" b="0"/>
+                      </a:solidFill>
+                      <a:prstDash val="solid"/>
+                      <a:round/>
+                      <a:headEnd type="none" w="med" len="med"/>
+                      <a:tailEnd type="none" w="med" len="med"/>
+                    </a:lnT>
+                    <a:lnB w="12700" cap="flat" cmpd="sng" algn="ctr">
+                      <a:solidFill>
+                        <a:scrgbClr r="0" g="0" b="0"/>
+                      </a:solidFill>
+                      <a:prstDash val="solid"/>
+                      <a:round/>
+                      <a:headEnd type="none" w="med" len="med"/>
+                      <a:tailEnd type="none" w="med" len="med"/>
+                    </a:lnB>
+                  </a:tcPr>
                 </a:tc>
                 <a:tc>
                   <a:txBody>
@@ -4170,7 +5995,44 @@
                       <a:endParaRPr lang="de-DE" dirty="0"/>
                     </a:p>
                   </a:txBody>
-                  <a:tcPr/>
+                  <a:tcPr>
+                    <a:lnL w="12700" cap="flat" cmpd="sng" algn="ctr">
+                      <a:solidFill>
+                        <a:scrgbClr r="0" g="0" b="0"/>
+                      </a:solidFill>
+                      <a:prstDash val="solid"/>
+                      <a:round/>
+                      <a:headEnd type="none" w="med" len="med"/>
+                      <a:tailEnd type="none" w="med" len="med"/>
+                    </a:lnL>
+                    <a:lnR w="12700" cap="flat" cmpd="sng" algn="ctr">
+                      <a:solidFill>
+                        <a:scrgbClr r="0" g="0" b="0"/>
+                      </a:solidFill>
+                      <a:prstDash val="solid"/>
+                      <a:round/>
+                      <a:headEnd type="none" w="med" len="med"/>
+                      <a:tailEnd type="none" w="med" len="med"/>
+                    </a:lnR>
+                    <a:lnT w="12700" cap="flat" cmpd="sng" algn="ctr">
+                      <a:solidFill>
+                        <a:scrgbClr r="0" g="0" b="0"/>
+                      </a:solidFill>
+                      <a:prstDash val="solid"/>
+                      <a:round/>
+                      <a:headEnd type="none" w="med" len="med"/>
+                      <a:tailEnd type="none" w="med" len="med"/>
+                    </a:lnT>
+                    <a:lnB w="12700" cap="flat" cmpd="sng" algn="ctr">
+                      <a:solidFill>
+                        <a:scrgbClr r="0" g="0" b="0"/>
+                      </a:solidFill>
+                      <a:prstDash val="solid"/>
+                      <a:round/>
+                      <a:headEnd type="none" w="med" len="med"/>
+                      <a:tailEnd type="none" w="med" len="med"/>
+                    </a:lnB>
+                  </a:tcPr>
                 </a:tc>
                 <a:tc>
                   <a:txBody>
@@ -4184,37 +6046,197 @@
                       <a:endParaRPr lang="de-DE" dirty="0"/>
                     </a:p>
                   </a:txBody>
-                  <a:tcPr/>
-                </a:tc>
-                <a:tc>
-                  <a:txBody>
-                    <a:bodyPr/>
-                    <a:lstStyle/>
-                    <a:p>
-                      <a:endParaRPr lang="de-DE"/>
-                    </a:p>
-                  </a:txBody>
-                  <a:tcPr/>
-                </a:tc>
-                <a:tc>
-                  <a:txBody>
-                    <a:bodyPr/>
-                    <a:lstStyle/>
-                    <a:p>
-                      <a:endParaRPr lang="de-DE"/>
-                    </a:p>
-                  </a:txBody>
-                  <a:tcPr/>
-                </a:tc>
-                <a:tc>
-                  <a:txBody>
-                    <a:bodyPr/>
-                    <a:lstStyle/>
-                    <a:p>
-                      <a:endParaRPr lang="de-DE"/>
-                    </a:p>
-                  </a:txBody>
-                  <a:tcPr/>
+                  <a:tcPr>
+                    <a:lnL w="12700" cap="flat" cmpd="sng" algn="ctr">
+                      <a:solidFill>
+                        <a:scrgbClr r="0" g="0" b="0"/>
+                      </a:solidFill>
+                      <a:prstDash val="solid"/>
+                      <a:round/>
+                      <a:headEnd type="none" w="med" len="med"/>
+                      <a:tailEnd type="none" w="med" len="med"/>
+                    </a:lnL>
+                    <a:lnR w="12700" cap="flat" cmpd="sng" algn="ctr">
+                      <a:solidFill>
+                        <a:scrgbClr r="0" g="0" b="0"/>
+                      </a:solidFill>
+                      <a:prstDash val="solid"/>
+                      <a:round/>
+                      <a:headEnd type="none" w="med" len="med"/>
+                      <a:tailEnd type="none" w="med" len="med"/>
+                    </a:lnR>
+                    <a:lnT w="12700" cap="flat" cmpd="sng" algn="ctr">
+                      <a:solidFill>
+                        <a:scrgbClr r="0" g="0" b="0"/>
+                      </a:solidFill>
+                      <a:prstDash val="solid"/>
+                      <a:round/>
+                      <a:headEnd type="none" w="med" len="med"/>
+                      <a:tailEnd type="none" w="med" len="med"/>
+                    </a:lnT>
+                    <a:lnB w="12700" cap="flat" cmpd="sng" algn="ctr">
+                      <a:solidFill>
+                        <a:scrgbClr r="0" g="0" b="0"/>
+                      </a:solidFill>
+                      <a:prstDash val="solid"/>
+                      <a:round/>
+                      <a:headEnd type="none" w="med" len="med"/>
+                      <a:tailEnd type="none" w="med" len="med"/>
+                    </a:lnB>
+                  </a:tcPr>
+                </a:tc>
+                <a:tc>
+                  <a:txBody>
+                    <a:bodyPr/>
+                    <a:lstStyle/>
+                    <a:p>
+                      <a:r>
+                        <a:rPr lang="de-DE" dirty="0" smtClean="0"/>
+                        <a:t>93</a:t>
+                      </a:r>
+                      <a:endParaRPr lang="de-DE" dirty="0"/>
+                    </a:p>
+                  </a:txBody>
+                  <a:tcPr>
+                    <a:lnL w="12700" cap="flat" cmpd="sng" algn="ctr">
+                      <a:solidFill>
+                        <a:scrgbClr r="0" g="0" b="0"/>
+                      </a:solidFill>
+                      <a:prstDash val="solid"/>
+                      <a:round/>
+                      <a:headEnd type="none" w="med" len="med"/>
+                      <a:tailEnd type="none" w="med" len="med"/>
+                    </a:lnL>
+                    <a:lnR w="12700" cap="flat" cmpd="sng" algn="ctr">
+                      <a:solidFill>
+                        <a:scrgbClr r="0" g="0" b="0"/>
+                      </a:solidFill>
+                      <a:prstDash val="solid"/>
+                      <a:round/>
+                      <a:headEnd type="none" w="med" len="med"/>
+                      <a:tailEnd type="none" w="med" len="med"/>
+                    </a:lnR>
+                    <a:lnT w="12700" cap="flat" cmpd="sng" algn="ctr">
+                      <a:solidFill>
+                        <a:scrgbClr r="0" g="0" b="0"/>
+                      </a:solidFill>
+                      <a:prstDash val="solid"/>
+                      <a:round/>
+                      <a:headEnd type="none" w="med" len="med"/>
+                      <a:tailEnd type="none" w="med" len="med"/>
+                    </a:lnT>
+                    <a:lnB w="12700" cap="flat" cmpd="sng" algn="ctr">
+                      <a:solidFill>
+                        <a:scrgbClr r="0" g="0" b="0"/>
+                      </a:solidFill>
+                      <a:prstDash val="solid"/>
+                      <a:round/>
+                      <a:headEnd type="none" w="med" len="med"/>
+                      <a:tailEnd type="none" w="med" len="med"/>
+                    </a:lnB>
+                  </a:tcPr>
+                </a:tc>
+                <a:tc>
+                  <a:txBody>
+                    <a:bodyPr/>
+                    <a:lstStyle/>
+                    <a:p>
+                      <a:r>
+                        <a:rPr lang="de-DE" dirty="0" smtClean="0"/>
+                        <a:t>196</a:t>
+                      </a:r>
+                      <a:endParaRPr lang="de-DE" dirty="0"/>
+                    </a:p>
+                  </a:txBody>
+                  <a:tcPr>
+                    <a:lnL w="12700" cap="flat" cmpd="sng" algn="ctr">
+                      <a:solidFill>
+                        <a:scrgbClr r="0" g="0" b="0"/>
+                      </a:solidFill>
+                      <a:prstDash val="solid"/>
+                      <a:round/>
+                      <a:headEnd type="none" w="med" len="med"/>
+                      <a:tailEnd type="none" w="med" len="med"/>
+                    </a:lnL>
+                    <a:lnR w="12700" cap="flat" cmpd="sng" algn="ctr">
+                      <a:solidFill>
+                        <a:scrgbClr r="0" g="0" b="0"/>
+                      </a:solidFill>
+                      <a:prstDash val="solid"/>
+                      <a:round/>
+                      <a:headEnd type="none" w="med" len="med"/>
+                      <a:tailEnd type="none" w="med" len="med"/>
+                    </a:lnR>
+                    <a:lnT w="12700" cap="flat" cmpd="sng" algn="ctr">
+                      <a:solidFill>
+                        <a:scrgbClr r="0" g="0" b="0"/>
+                      </a:solidFill>
+                      <a:prstDash val="solid"/>
+                      <a:round/>
+                      <a:headEnd type="none" w="med" len="med"/>
+                      <a:tailEnd type="none" w="med" len="med"/>
+                    </a:lnT>
+                    <a:lnB w="12700" cap="flat" cmpd="sng" algn="ctr">
+                      <a:solidFill>
+                        <a:scrgbClr r="0" g="0" b="0"/>
+                      </a:solidFill>
+                      <a:prstDash val="solid"/>
+                      <a:round/>
+                      <a:headEnd type="none" w="med" len="med"/>
+                      <a:tailEnd type="none" w="med" len="med"/>
+                    </a:lnB>
+                  </a:tcPr>
+                </a:tc>
+                <a:tc>
+                  <a:txBody>
+                    <a:bodyPr/>
+                    <a:lstStyle/>
+                    <a:p>
+                      <a:r>
+                        <a:rPr lang="de-DE" dirty="0" smtClean="0"/>
+                        <a:t>112</a:t>
+                      </a:r>
+                      <a:endParaRPr lang="de-DE" dirty="0"/>
+                    </a:p>
+                  </a:txBody>
+                  <a:tcPr>
+                    <a:lnL w="12700" cap="flat" cmpd="sng" algn="ctr">
+                      <a:solidFill>
+                        <a:scrgbClr r="0" g="0" b="0"/>
+                      </a:solidFill>
+                      <a:prstDash val="solid"/>
+                      <a:round/>
+                      <a:headEnd type="none" w="med" len="med"/>
+                      <a:tailEnd type="none" w="med" len="med"/>
+                    </a:lnL>
+                    <a:lnR w="12700" cap="flat" cmpd="sng" algn="ctr">
+                      <a:solidFill>
+                        <a:scrgbClr r="0" g="0" b="0"/>
+                      </a:solidFill>
+                      <a:prstDash val="solid"/>
+                      <a:round/>
+                      <a:headEnd type="none" w="med" len="med"/>
+                      <a:tailEnd type="none" w="med" len="med"/>
+                    </a:lnR>
+                    <a:lnT w="12700" cap="flat" cmpd="sng" algn="ctr">
+                      <a:solidFill>
+                        <a:scrgbClr r="0" g="0" b="0"/>
+                      </a:solidFill>
+                      <a:prstDash val="solid"/>
+                      <a:round/>
+                      <a:headEnd type="none" w="med" len="med"/>
+                      <a:tailEnd type="none" w="med" len="med"/>
+                    </a:lnT>
+                    <a:lnB w="12700" cap="flat" cmpd="sng" algn="ctr">
+                      <a:solidFill>
+                        <a:scrgbClr r="0" g="0" b="0"/>
+                      </a:solidFill>
+                      <a:prstDash val="solid"/>
+                      <a:round/>
+                      <a:headEnd type="none" w="med" len="med"/>
+                      <a:tailEnd type="none" w="med" len="med"/>
+                    </a:lnB>
+                  </a:tcPr>
                 </a:tc>
               </a:tr>
               <a:tr h="370840">
@@ -4230,7 +6252,44 @@
                       <a:endParaRPr lang="de-DE" dirty="0"/>
                     </a:p>
                   </a:txBody>
-                  <a:tcPr/>
+                  <a:tcPr>
+                    <a:lnL w="12700" cap="flat" cmpd="sng" algn="ctr">
+                      <a:solidFill>
+                        <a:scrgbClr r="0" g="0" b="0"/>
+                      </a:solidFill>
+                      <a:prstDash val="solid"/>
+                      <a:round/>
+                      <a:headEnd type="none" w="med" len="med"/>
+                      <a:tailEnd type="none" w="med" len="med"/>
+                    </a:lnL>
+                    <a:lnR w="12700" cap="flat" cmpd="sng" algn="ctr">
+                      <a:solidFill>
+                        <a:scrgbClr r="0" g="0" b="0"/>
+                      </a:solidFill>
+                      <a:prstDash val="solid"/>
+                      <a:round/>
+                      <a:headEnd type="none" w="med" len="med"/>
+                      <a:tailEnd type="none" w="med" len="med"/>
+                    </a:lnR>
+                    <a:lnT w="12700" cap="flat" cmpd="sng" algn="ctr">
+                      <a:solidFill>
+                        <a:scrgbClr r="0" g="0" b="0"/>
+                      </a:solidFill>
+                      <a:prstDash val="solid"/>
+                      <a:round/>
+                      <a:headEnd type="none" w="med" len="med"/>
+                      <a:tailEnd type="none" w="med" len="med"/>
+                    </a:lnT>
+                    <a:lnB w="12700" cap="flat" cmpd="sng" algn="ctr">
+                      <a:solidFill>
+                        <a:scrgbClr r="0" g="0" b="0"/>
+                      </a:solidFill>
+                      <a:prstDash val="solid"/>
+                      <a:round/>
+                      <a:headEnd type="none" w="med" len="med"/>
+                      <a:tailEnd type="none" w="med" len="med"/>
+                    </a:lnB>
+                  </a:tcPr>
                 </a:tc>
                 <a:tc>
                   <a:txBody>
@@ -4244,7 +6303,44 @@
                       <a:endParaRPr lang="de-DE" dirty="0"/>
                     </a:p>
                   </a:txBody>
-                  <a:tcPr/>
+                  <a:tcPr>
+                    <a:lnL w="12700" cap="flat" cmpd="sng" algn="ctr">
+                      <a:solidFill>
+                        <a:scrgbClr r="0" g="0" b="0"/>
+                      </a:solidFill>
+                      <a:prstDash val="solid"/>
+                      <a:round/>
+                      <a:headEnd type="none" w="med" len="med"/>
+                      <a:tailEnd type="none" w="med" len="med"/>
+                    </a:lnL>
+                    <a:lnR w="12700" cap="flat" cmpd="sng" algn="ctr">
+                      <a:solidFill>
+                        <a:scrgbClr r="0" g="0" b="0"/>
+                      </a:solidFill>
+                      <a:prstDash val="solid"/>
+                      <a:round/>
+                      <a:headEnd type="none" w="med" len="med"/>
+                      <a:tailEnd type="none" w="med" len="med"/>
+                    </a:lnR>
+                    <a:lnT w="12700" cap="flat" cmpd="sng" algn="ctr">
+                      <a:solidFill>
+                        <a:scrgbClr r="0" g="0" b="0"/>
+                      </a:solidFill>
+                      <a:prstDash val="solid"/>
+                      <a:round/>
+                      <a:headEnd type="none" w="med" len="med"/>
+                      <a:tailEnd type="none" w="med" len="med"/>
+                    </a:lnT>
+                    <a:lnB w="12700" cap="flat" cmpd="sng" algn="ctr">
+                      <a:solidFill>
+                        <a:scrgbClr r="0" g="0" b="0"/>
+                      </a:solidFill>
+                      <a:prstDash val="solid"/>
+                      <a:round/>
+                      <a:headEnd type="none" w="med" len="med"/>
+                      <a:tailEnd type="none" w="med" len="med"/>
+                    </a:lnB>
+                  </a:tcPr>
                 </a:tc>
                 <a:tc>
                   <a:txBody>
@@ -4258,37 +6354,197 @@
                       <a:endParaRPr lang="de-DE" dirty="0"/>
                     </a:p>
                   </a:txBody>
-                  <a:tcPr/>
-                </a:tc>
-                <a:tc>
-                  <a:txBody>
-                    <a:bodyPr/>
-                    <a:lstStyle/>
-                    <a:p>
-                      <a:endParaRPr lang="de-DE"/>
-                    </a:p>
-                  </a:txBody>
-                  <a:tcPr/>
-                </a:tc>
-                <a:tc>
-                  <a:txBody>
-                    <a:bodyPr/>
-                    <a:lstStyle/>
-                    <a:p>
-                      <a:endParaRPr lang="de-DE"/>
-                    </a:p>
-                  </a:txBody>
-                  <a:tcPr/>
-                </a:tc>
-                <a:tc>
-                  <a:txBody>
-                    <a:bodyPr/>
-                    <a:lstStyle/>
-                    <a:p>
-                      <a:endParaRPr lang="de-DE"/>
-                    </a:p>
-                  </a:txBody>
-                  <a:tcPr/>
+                  <a:tcPr>
+                    <a:lnL w="12700" cap="flat" cmpd="sng" algn="ctr">
+                      <a:solidFill>
+                        <a:scrgbClr r="0" g="0" b="0"/>
+                      </a:solidFill>
+                      <a:prstDash val="solid"/>
+                      <a:round/>
+                      <a:headEnd type="none" w="med" len="med"/>
+                      <a:tailEnd type="none" w="med" len="med"/>
+                    </a:lnL>
+                    <a:lnR w="12700" cap="flat" cmpd="sng" algn="ctr">
+                      <a:solidFill>
+                        <a:scrgbClr r="0" g="0" b="0"/>
+                      </a:solidFill>
+                      <a:prstDash val="solid"/>
+                      <a:round/>
+                      <a:headEnd type="none" w="med" len="med"/>
+                      <a:tailEnd type="none" w="med" len="med"/>
+                    </a:lnR>
+                    <a:lnT w="12700" cap="flat" cmpd="sng" algn="ctr">
+                      <a:solidFill>
+                        <a:scrgbClr r="0" g="0" b="0"/>
+                      </a:solidFill>
+                      <a:prstDash val="solid"/>
+                      <a:round/>
+                      <a:headEnd type="none" w="med" len="med"/>
+                      <a:tailEnd type="none" w="med" len="med"/>
+                    </a:lnT>
+                    <a:lnB w="12700" cap="flat" cmpd="sng" algn="ctr">
+                      <a:solidFill>
+                        <a:scrgbClr r="0" g="0" b="0"/>
+                      </a:solidFill>
+                      <a:prstDash val="solid"/>
+                      <a:round/>
+                      <a:headEnd type="none" w="med" len="med"/>
+                      <a:tailEnd type="none" w="med" len="med"/>
+                    </a:lnB>
+                  </a:tcPr>
+                </a:tc>
+                <a:tc>
+                  <a:txBody>
+                    <a:bodyPr/>
+                    <a:lstStyle/>
+                    <a:p>
+                      <a:r>
+                        <a:rPr lang="de-DE" dirty="0" smtClean="0"/>
+                        <a:t>37</a:t>
+                      </a:r>
+                      <a:endParaRPr lang="de-DE" dirty="0"/>
+                    </a:p>
+                  </a:txBody>
+                  <a:tcPr>
+                    <a:lnL w="12700" cap="flat" cmpd="sng" algn="ctr">
+                      <a:solidFill>
+                        <a:scrgbClr r="0" g="0" b="0"/>
+                      </a:solidFill>
+                      <a:prstDash val="solid"/>
+                      <a:round/>
+                      <a:headEnd type="none" w="med" len="med"/>
+                      <a:tailEnd type="none" w="med" len="med"/>
+                    </a:lnL>
+                    <a:lnR w="12700" cap="flat" cmpd="sng" algn="ctr">
+                      <a:solidFill>
+                        <a:scrgbClr r="0" g="0" b="0"/>
+                      </a:solidFill>
+                      <a:prstDash val="solid"/>
+                      <a:round/>
+                      <a:headEnd type="none" w="med" len="med"/>
+                      <a:tailEnd type="none" w="med" len="med"/>
+                    </a:lnR>
+                    <a:lnT w="12700" cap="flat" cmpd="sng" algn="ctr">
+                      <a:solidFill>
+                        <a:scrgbClr r="0" g="0" b="0"/>
+                      </a:solidFill>
+                      <a:prstDash val="solid"/>
+                      <a:round/>
+                      <a:headEnd type="none" w="med" len="med"/>
+                      <a:tailEnd type="none" w="med" len="med"/>
+                    </a:lnT>
+                    <a:lnB w="12700" cap="flat" cmpd="sng" algn="ctr">
+                      <a:solidFill>
+                        <a:scrgbClr r="0" g="0" b="0"/>
+                      </a:solidFill>
+                      <a:prstDash val="solid"/>
+                      <a:round/>
+                      <a:headEnd type="none" w="med" len="med"/>
+                      <a:tailEnd type="none" w="med" len="med"/>
+                    </a:lnB>
+                  </a:tcPr>
+                </a:tc>
+                <a:tc>
+                  <a:txBody>
+                    <a:bodyPr/>
+                    <a:lstStyle/>
+                    <a:p>
+                      <a:r>
+                        <a:rPr lang="de-DE" dirty="0" smtClean="0"/>
+                        <a:t>128</a:t>
+                      </a:r>
+                      <a:endParaRPr lang="de-DE" dirty="0"/>
+                    </a:p>
+                  </a:txBody>
+                  <a:tcPr>
+                    <a:lnL w="12700" cap="flat" cmpd="sng" algn="ctr">
+                      <a:solidFill>
+                        <a:scrgbClr r="0" g="0" b="0"/>
+                      </a:solidFill>
+                      <a:prstDash val="solid"/>
+                      <a:round/>
+                      <a:headEnd type="none" w="med" len="med"/>
+                      <a:tailEnd type="none" w="med" len="med"/>
+                    </a:lnL>
+                    <a:lnR w="12700" cap="flat" cmpd="sng" algn="ctr">
+                      <a:solidFill>
+                        <a:scrgbClr r="0" g="0" b="0"/>
+                      </a:solidFill>
+                      <a:prstDash val="solid"/>
+                      <a:round/>
+                      <a:headEnd type="none" w="med" len="med"/>
+                      <a:tailEnd type="none" w="med" len="med"/>
+                    </a:lnR>
+                    <a:lnT w="12700" cap="flat" cmpd="sng" algn="ctr">
+                      <a:solidFill>
+                        <a:scrgbClr r="0" g="0" b="0"/>
+                      </a:solidFill>
+                      <a:prstDash val="solid"/>
+                      <a:round/>
+                      <a:headEnd type="none" w="med" len="med"/>
+                      <a:tailEnd type="none" w="med" len="med"/>
+                    </a:lnT>
+                    <a:lnB w="12700" cap="flat" cmpd="sng" algn="ctr">
+                      <a:solidFill>
+                        <a:scrgbClr r="0" g="0" b="0"/>
+                      </a:solidFill>
+                      <a:prstDash val="solid"/>
+                      <a:round/>
+                      <a:headEnd type="none" w="med" len="med"/>
+                      <a:tailEnd type="none" w="med" len="med"/>
+                    </a:lnB>
+                  </a:tcPr>
+                </a:tc>
+                <a:tc>
+                  <a:txBody>
+                    <a:bodyPr/>
+                    <a:lstStyle/>
+                    <a:p>
+                      <a:r>
+                        <a:rPr lang="de-DE" dirty="0" smtClean="0"/>
+                        <a:t>48</a:t>
+                      </a:r>
+                      <a:endParaRPr lang="de-DE" dirty="0"/>
+                    </a:p>
+                  </a:txBody>
+                  <a:tcPr>
+                    <a:lnL w="12700" cap="flat" cmpd="sng" algn="ctr">
+                      <a:solidFill>
+                        <a:scrgbClr r="0" g="0" b="0"/>
+                      </a:solidFill>
+                      <a:prstDash val="solid"/>
+                      <a:round/>
+                      <a:headEnd type="none" w="med" len="med"/>
+                      <a:tailEnd type="none" w="med" len="med"/>
+                    </a:lnL>
+                    <a:lnR w="12700" cap="flat" cmpd="sng" algn="ctr">
+                      <a:solidFill>
+                        <a:scrgbClr r="0" g="0" b="0"/>
+                      </a:solidFill>
+                      <a:prstDash val="solid"/>
+                      <a:round/>
+                      <a:headEnd type="none" w="med" len="med"/>
+                      <a:tailEnd type="none" w="med" len="med"/>
+                    </a:lnR>
+                    <a:lnT w="12700" cap="flat" cmpd="sng" algn="ctr">
+                      <a:solidFill>
+                        <a:scrgbClr r="0" g="0" b="0"/>
+                      </a:solidFill>
+                      <a:prstDash val="solid"/>
+                      <a:round/>
+                      <a:headEnd type="none" w="med" len="med"/>
+                      <a:tailEnd type="none" w="med" len="med"/>
+                    </a:lnT>
+                    <a:lnB w="12700" cap="flat" cmpd="sng" algn="ctr">
+                      <a:solidFill>
+                        <a:scrgbClr r="0" g="0" b="0"/>
+                      </a:solidFill>
+                      <a:prstDash val="solid"/>
+                      <a:round/>
+                      <a:headEnd type="none" w="med" len="med"/>
+                      <a:tailEnd type="none" w="med" len="med"/>
+                    </a:lnB>
+                  </a:tcPr>
                 </a:tc>
               </a:tr>
               <a:tr h="370840">
@@ -4304,7 +6560,44 @@
                       <a:endParaRPr lang="de-DE" dirty="0"/>
                     </a:p>
                   </a:txBody>
-                  <a:tcPr/>
+                  <a:tcPr>
+                    <a:lnL w="12700" cap="flat" cmpd="sng" algn="ctr">
+                      <a:solidFill>
+                        <a:scrgbClr r="0" g="0" b="0"/>
+                      </a:solidFill>
+                      <a:prstDash val="solid"/>
+                      <a:round/>
+                      <a:headEnd type="none" w="med" len="med"/>
+                      <a:tailEnd type="none" w="med" len="med"/>
+                    </a:lnL>
+                    <a:lnR w="12700" cap="flat" cmpd="sng" algn="ctr">
+                      <a:solidFill>
+                        <a:scrgbClr r="0" g="0" b="0"/>
+                      </a:solidFill>
+                      <a:prstDash val="solid"/>
+                      <a:round/>
+                      <a:headEnd type="none" w="med" len="med"/>
+                      <a:tailEnd type="none" w="med" len="med"/>
+                    </a:lnR>
+                    <a:lnT w="12700" cap="flat" cmpd="sng" algn="ctr">
+                      <a:solidFill>
+                        <a:scrgbClr r="0" g="0" b="0"/>
+                      </a:solidFill>
+                      <a:prstDash val="solid"/>
+                      <a:round/>
+                      <a:headEnd type="none" w="med" len="med"/>
+                      <a:tailEnd type="none" w="med" len="med"/>
+                    </a:lnT>
+                    <a:lnB w="12700" cap="flat" cmpd="sng" algn="ctr">
+                      <a:solidFill>
+                        <a:scrgbClr r="0" g="0" b="0"/>
+                      </a:solidFill>
+                      <a:prstDash val="solid"/>
+                      <a:round/>
+                      <a:headEnd type="none" w="med" len="med"/>
+                      <a:tailEnd type="none" w="med" len="med"/>
+                    </a:lnB>
+                  </a:tcPr>
                 </a:tc>
                 <a:tc>
                   <a:txBody>
@@ -4318,7 +6611,44 @@
                       <a:endParaRPr lang="de-DE" dirty="0"/>
                     </a:p>
                   </a:txBody>
-                  <a:tcPr/>
+                  <a:tcPr>
+                    <a:lnL w="12700" cap="flat" cmpd="sng" algn="ctr">
+                      <a:solidFill>
+                        <a:scrgbClr r="0" g="0" b="0"/>
+                      </a:solidFill>
+                      <a:prstDash val="solid"/>
+                      <a:round/>
+                      <a:headEnd type="none" w="med" len="med"/>
+                      <a:tailEnd type="none" w="med" len="med"/>
+                    </a:lnL>
+                    <a:lnR w="12700" cap="flat" cmpd="sng" algn="ctr">
+                      <a:solidFill>
+                        <a:scrgbClr r="0" g="0" b="0"/>
+                      </a:solidFill>
+                      <a:prstDash val="solid"/>
+                      <a:round/>
+                      <a:headEnd type="none" w="med" len="med"/>
+                      <a:tailEnd type="none" w="med" len="med"/>
+                    </a:lnR>
+                    <a:lnT w="12700" cap="flat" cmpd="sng" algn="ctr">
+                      <a:solidFill>
+                        <a:scrgbClr r="0" g="0" b="0"/>
+                      </a:solidFill>
+                      <a:prstDash val="solid"/>
+                      <a:round/>
+                      <a:headEnd type="none" w="med" len="med"/>
+                      <a:tailEnd type="none" w="med" len="med"/>
+                    </a:lnT>
+                    <a:lnB w="12700" cap="flat" cmpd="sng" algn="ctr">
+                      <a:solidFill>
+                        <a:scrgbClr r="0" g="0" b="0"/>
+                      </a:solidFill>
+                      <a:prstDash val="solid"/>
+                      <a:round/>
+                      <a:headEnd type="none" w="med" len="med"/>
+                      <a:tailEnd type="none" w="med" len="med"/>
+                    </a:lnB>
+                  </a:tcPr>
                 </a:tc>
                 <a:tc>
                   <a:txBody>
@@ -4332,37 +6662,197 @@
                       <a:endParaRPr lang="de-DE" dirty="0"/>
                     </a:p>
                   </a:txBody>
-                  <a:tcPr/>
-                </a:tc>
-                <a:tc>
-                  <a:txBody>
-                    <a:bodyPr/>
-                    <a:lstStyle/>
-                    <a:p>
-                      <a:endParaRPr lang="de-DE"/>
-                    </a:p>
-                  </a:txBody>
-                  <a:tcPr/>
-                </a:tc>
-                <a:tc>
-                  <a:txBody>
-                    <a:bodyPr/>
-                    <a:lstStyle/>
-                    <a:p>
-                      <a:endParaRPr lang="de-DE"/>
-                    </a:p>
-                  </a:txBody>
-                  <a:tcPr/>
-                </a:tc>
-                <a:tc>
-                  <a:txBody>
-                    <a:bodyPr/>
-                    <a:lstStyle/>
-                    <a:p>
-                      <a:endParaRPr lang="de-DE"/>
-                    </a:p>
-                  </a:txBody>
-                  <a:tcPr/>
+                  <a:tcPr>
+                    <a:lnL w="12700" cap="flat" cmpd="sng" algn="ctr">
+                      <a:solidFill>
+                        <a:scrgbClr r="0" g="0" b="0"/>
+                      </a:solidFill>
+                      <a:prstDash val="solid"/>
+                      <a:round/>
+                      <a:headEnd type="none" w="med" len="med"/>
+                      <a:tailEnd type="none" w="med" len="med"/>
+                    </a:lnL>
+                    <a:lnR w="12700" cap="flat" cmpd="sng" algn="ctr">
+                      <a:solidFill>
+                        <a:scrgbClr r="0" g="0" b="0"/>
+                      </a:solidFill>
+                      <a:prstDash val="solid"/>
+                      <a:round/>
+                      <a:headEnd type="none" w="med" len="med"/>
+                      <a:tailEnd type="none" w="med" len="med"/>
+                    </a:lnR>
+                    <a:lnT w="12700" cap="flat" cmpd="sng" algn="ctr">
+                      <a:solidFill>
+                        <a:scrgbClr r="0" g="0" b="0"/>
+                      </a:solidFill>
+                      <a:prstDash val="solid"/>
+                      <a:round/>
+                      <a:headEnd type="none" w="med" len="med"/>
+                      <a:tailEnd type="none" w="med" len="med"/>
+                    </a:lnT>
+                    <a:lnB w="12700" cap="flat" cmpd="sng" algn="ctr">
+                      <a:solidFill>
+                        <a:scrgbClr r="0" g="0" b="0"/>
+                      </a:solidFill>
+                      <a:prstDash val="solid"/>
+                      <a:round/>
+                      <a:headEnd type="none" w="med" len="med"/>
+                      <a:tailEnd type="none" w="med" len="med"/>
+                    </a:lnB>
+                  </a:tcPr>
+                </a:tc>
+                <a:tc>
+                  <a:txBody>
+                    <a:bodyPr/>
+                    <a:lstStyle/>
+                    <a:p>
+                      <a:r>
+                        <a:rPr lang="de-DE" dirty="0" smtClean="0"/>
+                        <a:t>54</a:t>
+                      </a:r>
+                      <a:endParaRPr lang="de-DE" dirty="0"/>
+                    </a:p>
+                  </a:txBody>
+                  <a:tcPr>
+                    <a:lnL w="12700" cap="flat" cmpd="sng" algn="ctr">
+                      <a:solidFill>
+                        <a:scrgbClr r="0" g="0" b="0"/>
+                      </a:solidFill>
+                      <a:prstDash val="solid"/>
+                      <a:round/>
+                      <a:headEnd type="none" w="med" len="med"/>
+                      <a:tailEnd type="none" w="med" len="med"/>
+                    </a:lnL>
+                    <a:lnR w="12700" cap="flat" cmpd="sng" algn="ctr">
+                      <a:solidFill>
+                        <a:scrgbClr r="0" g="0" b="0"/>
+                      </a:solidFill>
+                      <a:prstDash val="solid"/>
+                      <a:round/>
+                      <a:headEnd type="none" w="med" len="med"/>
+                      <a:tailEnd type="none" w="med" len="med"/>
+                    </a:lnR>
+                    <a:lnT w="12700" cap="flat" cmpd="sng" algn="ctr">
+                      <a:solidFill>
+                        <a:scrgbClr r="0" g="0" b="0"/>
+                      </a:solidFill>
+                      <a:prstDash val="solid"/>
+                      <a:round/>
+                      <a:headEnd type="none" w="med" len="med"/>
+                      <a:tailEnd type="none" w="med" len="med"/>
+                    </a:lnT>
+                    <a:lnB w="12700" cap="flat" cmpd="sng" algn="ctr">
+                      <a:solidFill>
+                        <a:scrgbClr r="0" g="0" b="0"/>
+                      </a:solidFill>
+                      <a:prstDash val="solid"/>
+                      <a:round/>
+                      <a:headEnd type="none" w="med" len="med"/>
+                      <a:tailEnd type="none" w="med" len="med"/>
+                    </a:lnB>
+                  </a:tcPr>
+                </a:tc>
+                <a:tc>
+                  <a:txBody>
+                    <a:bodyPr/>
+                    <a:lstStyle/>
+                    <a:p>
+                      <a:r>
+                        <a:rPr lang="de-DE" dirty="0" smtClean="0"/>
+                        <a:t>132</a:t>
+                      </a:r>
+                      <a:endParaRPr lang="de-DE" dirty="0"/>
+                    </a:p>
+                  </a:txBody>
+                  <a:tcPr>
+                    <a:lnL w="12700" cap="flat" cmpd="sng" algn="ctr">
+                      <a:solidFill>
+                        <a:scrgbClr r="0" g="0" b="0"/>
+                      </a:solidFill>
+                      <a:prstDash val="solid"/>
+                      <a:round/>
+                      <a:headEnd type="none" w="med" len="med"/>
+                      <a:tailEnd type="none" w="med" len="med"/>
+                    </a:lnL>
+                    <a:lnR w="12700" cap="flat" cmpd="sng" algn="ctr">
+                      <a:solidFill>
+                        <a:scrgbClr r="0" g="0" b="0"/>
+                      </a:solidFill>
+                      <a:prstDash val="solid"/>
+                      <a:round/>
+                      <a:headEnd type="none" w="med" len="med"/>
+                      <a:tailEnd type="none" w="med" len="med"/>
+                    </a:lnR>
+                    <a:lnT w="12700" cap="flat" cmpd="sng" algn="ctr">
+                      <a:solidFill>
+                        <a:scrgbClr r="0" g="0" b="0"/>
+                      </a:solidFill>
+                      <a:prstDash val="solid"/>
+                      <a:round/>
+                      <a:headEnd type="none" w="med" len="med"/>
+                      <a:tailEnd type="none" w="med" len="med"/>
+                    </a:lnT>
+                    <a:lnB w="12700" cap="flat" cmpd="sng" algn="ctr">
+                      <a:solidFill>
+                        <a:scrgbClr r="0" g="0" b="0"/>
+                      </a:solidFill>
+                      <a:prstDash val="solid"/>
+                      <a:round/>
+                      <a:headEnd type="none" w="med" len="med"/>
+                      <a:tailEnd type="none" w="med" len="med"/>
+                    </a:lnB>
+                  </a:tcPr>
+                </a:tc>
+                <a:tc>
+                  <a:txBody>
+                    <a:bodyPr/>
+                    <a:lstStyle/>
+                    <a:p>
+                      <a:r>
+                        <a:rPr lang="de-DE" dirty="0" smtClean="0"/>
+                        <a:t>72</a:t>
+                      </a:r>
+                      <a:endParaRPr lang="de-DE" dirty="0"/>
+                    </a:p>
+                  </a:txBody>
+                  <a:tcPr>
+                    <a:lnL w="12700" cap="flat" cmpd="sng" algn="ctr">
+                      <a:solidFill>
+                        <a:scrgbClr r="0" g="0" b="0"/>
+                      </a:solidFill>
+                      <a:prstDash val="solid"/>
+                      <a:round/>
+                      <a:headEnd type="none" w="med" len="med"/>
+                      <a:tailEnd type="none" w="med" len="med"/>
+                    </a:lnL>
+                    <a:lnR w="12700" cap="flat" cmpd="sng" algn="ctr">
+                      <a:solidFill>
+                        <a:scrgbClr r="0" g="0" b="0"/>
+                      </a:solidFill>
+                      <a:prstDash val="solid"/>
+                      <a:round/>
+                      <a:headEnd type="none" w="med" len="med"/>
+                      <a:tailEnd type="none" w="med" len="med"/>
+                    </a:lnR>
+                    <a:lnT w="12700" cap="flat" cmpd="sng" algn="ctr">
+                      <a:solidFill>
+                        <a:scrgbClr r="0" g="0" b="0"/>
+                      </a:solidFill>
+                      <a:prstDash val="solid"/>
+                      <a:round/>
+                      <a:headEnd type="none" w="med" len="med"/>
+                      <a:tailEnd type="none" w="med" len="med"/>
+                    </a:lnT>
+                    <a:lnB w="12700" cap="flat" cmpd="sng" algn="ctr">
+                      <a:solidFill>
+                        <a:scrgbClr r="0" g="0" b="0"/>
+                      </a:solidFill>
+                      <a:prstDash val="solid"/>
+                      <a:round/>
+                      <a:headEnd type="none" w="med" len="med"/>
+                      <a:tailEnd type="none" w="med" len="med"/>
+                    </a:lnB>
+                  </a:tcPr>
                 </a:tc>
               </a:tr>
               <a:tr h="370840">
@@ -4378,7 +6868,44 @@
                       <a:endParaRPr lang="de-DE" dirty="0"/>
                     </a:p>
                   </a:txBody>
-                  <a:tcPr/>
+                  <a:tcPr>
+                    <a:lnL w="12700" cap="flat" cmpd="sng" algn="ctr">
+                      <a:solidFill>
+                        <a:scrgbClr r="0" g="0" b="0"/>
+                      </a:solidFill>
+                      <a:prstDash val="solid"/>
+                      <a:round/>
+                      <a:headEnd type="none" w="med" len="med"/>
+                      <a:tailEnd type="none" w="med" len="med"/>
+                    </a:lnL>
+                    <a:lnR w="12700" cap="flat" cmpd="sng" algn="ctr">
+                      <a:solidFill>
+                        <a:scrgbClr r="0" g="0" b="0"/>
+                      </a:solidFill>
+                      <a:prstDash val="solid"/>
+                      <a:round/>
+                      <a:headEnd type="none" w="med" len="med"/>
+                      <a:tailEnd type="none" w="med" len="med"/>
+                    </a:lnR>
+                    <a:lnT w="12700" cap="flat" cmpd="sng" algn="ctr">
+                      <a:solidFill>
+                        <a:scrgbClr r="0" g="0" b="0"/>
+                      </a:solidFill>
+                      <a:prstDash val="solid"/>
+                      <a:round/>
+                      <a:headEnd type="none" w="med" len="med"/>
+                      <a:tailEnd type="none" w="med" len="med"/>
+                    </a:lnT>
+                    <a:lnB w="12700" cap="flat" cmpd="sng" algn="ctr">
+                      <a:solidFill>
+                        <a:scrgbClr r="0" g="0" b="0"/>
+                      </a:solidFill>
+                      <a:prstDash val="solid"/>
+                      <a:round/>
+                      <a:headEnd type="none" w="med" len="med"/>
+                      <a:tailEnd type="none" w="med" len="med"/>
+                    </a:lnB>
+                  </a:tcPr>
                 </a:tc>
                 <a:tc>
                   <a:txBody>
@@ -4392,7 +6919,44 @@
                       <a:endParaRPr lang="de-DE" dirty="0"/>
                     </a:p>
                   </a:txBody>
-                  <a:tcPr/>
+                  <a:tcPr>
+                    <a:lnL w="12700" cap="flat" cmpd="sng" algn="ctr">
+                      <a:solidFill>
+                        <a:scrgbClr r="0" g="0" b="0"/>
+                      </a:solidFill>
+                      <a:prstDash val="solid"/>
+                      <a:round/>
+                      <a:headEnd type="none" w="med" len="med"/>
+                      <a:tailEnd type="none" w="med" len="med"/>
+                    </a:lnL>
+                    <a:lnR w="12700" cap="flat" cmpd="sng" algn="ctr">
+                      <a:solidFill>
+                        <a:scrgbClr r="0" g="0" b="0"/>
+                      </a:solidFill>
+                      <a:prstDash val="solid"/>
+                      <a:round/>
+                      <a:headEnd type="none" w="med" len="med"/>
+                      <a:tailEnd type="none" w="med" len="med"/>
+                    </a:lnR>
+                    <a:lnT w="12700" cap="flat" cmpd="sng" algn="ctr">
+                      <a:solidFill>
+                        <a:scrgbClr r="0" g="0" b="0"/>
+                      </a:solidFill>
+                      <a:prstDash val="solid"/>
+                      <a:round/>
+                      <a:headEnd type="none" w="med" len="med"/>
+                      <a:tailEnd type="none" w="med" len="med"/>
+                    </a:lnT>
+                    <a:lnB w="12700" cap="flat" cmpd="sng" algn="ctr">
+                      <a:solidFill>
+                        <a:scrgbClr r="0" g="0" b="0"/>
+                      </a:solidFill>
+                      <a:prstDash val="solid"/>
+                      <a:round/>
+                      <a:headEnd type="none" w="med" len="med"/>
+                      <a:tailEnd type="none" w="med" len="med"/>
+                    </a:lnB>
+                  </a:tcPr>
                 </a:tc>
                 <a:tc>
                   <a:txBody>
@@ -4406,37 +6970,197 @@
                       <a:endParaRPr lang="de-DE" dirty="0"/>
                     </a:p>
                   </a:txBody>
-                  <a:tcPr/>
-                </a:tc>
-                <a:tc>
-                  <a:txBody>
-                    <a:bodyPr/>
-                    <a:lstStyle/>
-                    <a:p>
-                      <a:endParaRPr lang="de-DE"/>
-                    </a:p>
-                  </a:txBody>
-                  <a:tcPr/>
-                </a:tc>
-                <a:tc>
-                  <a:txBody>
-                    <a:bodyPr/>
-                    <a:lstStyle/>
-                    <a:p>
-                      <a:endParaRPr lang="de-DE"/>
-                    </a:p>
-                  </a:txBody>
-                  <a:tcPr/>
-                </a:tc>
-                <a:tc>
-                  <a:txBody>
-                    <a:bodyPr/>
-                    <a:lstStyle/>
-                    <a:p>
-                      <a:endParaRPr lang="de-DE"/>
-                    </a:p>
-                  </a:txBody>
-                  <a:tcPr/>
+                  <a:tcPr>
+                    <a:lnL w="12700" cap="flat" cmpd="sng" algn="ctr">
+                      <a:solidFill>
+                        <a:scrgbClr r="0" g="0" b="0"/>
+                      </a:solidFill>
+                      <a:prstDash val="solid"/>
+                      <a:round/>
+                      <a:headEnd type="none" w="med" len="med"/>
+                      <a:tailEnd type="none" w="med" len="med"/>
+                    </a:lnL>
+                    <a:lnR w="12700" cap="flat" cmpd="sng" algn="ctr">
+                      <a:solidFill>
+                        <a:scrgbClr r="0" g="0" b="0"/>
+                      </a:solidFill>
+                      <a:prstDash val="solid"/>
+                      <a:round/>
+                      <a:headEnd type="none" w="med" len="med"/>
+                      <a:tailEnd type="none" w="med" len="med"/>
+                    </a:lnR>
+                    <a:lnT w="12700" cap="flat" cmpd="sng" algn="ctr">
+                      <a:solidFill>
+                        <a:scrgbClr r="0" g="0" b="0"/>
+                      </a:solidFill>
+                      <a:prstDash val="solid"/>
+                      <a:round/>
+                      <a:headEnd type="none" w="med" len="med"/>
+                      <a:tailEnd type="none" w="med" len="med"/>
+                    </a:lnT>
+                    <a:lnB w="12700" cap="flat" cmpd="sng" algn="ctr">
+                      <a:solidFill>
+                        <a:scrgbClr r="0" g="0" b="0"/>
+                      </a:solidFill>
+                      <a:prstDash val="solid"/>
+                      <a:round/>
+                      <a:headEnd type="none" w="med" len="med"/>
+                      <a:tailEnd type="none" w="med" len="med"/>
+                    </a:lnB>
+                  </a:tcPr>
+                </a:tc>
+                <a:tc>
+                  <a:txBody>
+                    <a:bodyPr/>
+                    <a:lstStyle/>
+                    <a:p>
+                      <a:r>
+                        <a:rPr lang="de-DE" dirty="0" smtClean="0"/>
+                        <a:t>238</a:t>
+                      </a:r>
+                      <a:endParaRPr lang="de-DE" dirty="0"/>
+                    </a:p>
+                  </a:txBody>
+                  <a:tcPr>
+                    <a:lnL w="12700" cap="flat" cmpd="sng" algn="ctr">
+                      <a:solidFill>
+                        <a:scrgbClr r="0" g="0" b="0"/>
+                      </a:solidFill>
+                      <a:prstDash val="solid"/>
+                      <a:round/>
+                      <a:headEnd type="none" w="med" len="med"/>
+                      <a:tailEnd type="none" w="med" len="med"/>
+                    </a:lnL>
+                    <a:lnR w="12700" cap="flat" cmpd="sng" algn="ctr">
+                      <a:solidFill>
+                        <a:scrgbClr r="0" g="0" b="0"/>
+                      </a:solidFill>
+                      <a:prstDash val="solid"/>
+                      <a:round/>
+                      <a:headEnd type="none" w="med" len="med"/>
+                      <a:tailEnd type="none" w="med" len="med"/>
+                    </a:lnR>
+                    <a:lnT w="12700" cap="flat" cmpd="sng" algn="ctr">
+                      <a:solidFill>
+                        <a:scrgbClr r="0" g="0" b="0"/>
+                      </a:solidFill>
+                      <a:prstDash val="solid"/>
+                      <a:round/>
+                      <a:headEnd type="none" w="med" len="med"/>
+                      <a:tailEnd type="none" w="med" len="med"/>
+                    </a:lnT>
+                    <a:lnB w="12700" cap="flat" cmpd="sng" algn="ctr">
+                      <a:solidFill>
+                        <a:scrgbClr r="0" g="0" b="0"/>
+                      </a:solidFill>
+                      <a:prstDash val="solid"/>
+                      <a:round/>
+                      <a:headEnd type="none" w="med" len="med"/>
+                      <a:tailEnd type="none" w="med" len="med"/>
+                    </a:lnB>
+                  </a:tcPr>
+                </a:tc>
+                <a:tc>
+                  <a:txBody>
+                    <a:bodyPr/>
+                    <a:lstStyle/>
+                    <a:p>
+                      <a:r>
+                        <a:rPr lang="de-DE" dirty="0" smtClean="0"/>
+                        <a:t>967</a:t>
+                      </a:r>
+                      <a:endParaRPr lang="de-DE" dirty="0"/>
+                    </a:p>
+                  </a:txBody>
+                  <a:tcPr>
+                    <a:lnL w="12700" cap="flat" cmpd="sng" algn="ctr">
+                      <a:solidFill>
+                        <a:scrgbClr r="0" g="0" b="0"/>
+                      </a:solidFill>
+                      <a:prstDash val="solid"/>
+                      <a:round/>
+                      <a:headEnd type="none" w="med" len="med"/>
+                      <a:tailEnd type="none" w="med" len="med"/>
+                    </a:lnL>
+                    <a:lnR w="12700" cap="flat" cmpd="sng" algn="ctr">
+                      <a:solidFill>
+                        <a:scrgbClr r="0" g="0" b="0"/>
+                      </a:solidFill>
+                      <a:prstDash val="solid"/>
+                      <a:round/>
+                      <a:headEnd type="none" w="med" len="med"/>
+                      <a:tailEnd type="none" w="med" len="med"/>
+                    </a:lnR>
+                    <a:lnT w="12700" cap="flat" cmpd="sng" algn="ctr">
+                      <a:solidFill>
+                        <a:scrgbClr r="0" g="0" b="0"/>
+                      </a:solidFill>
+                      <a:prstDash val="solid"/>
+                      <a:round/>
+                      <a:headEnd type="none" w="med" len="med"/>
+                      <a:tailEnd type="none" w="med" len="med"/>
+                    </a:lnT>
+                    <a:lnB w="12700" cap="flat" cmpd="sng" algn="ctr">
+                      <a:solidFill>
+                        <a:scrgbClr r="0" g="0" b="0"/>
+                      </a:solidFill>
+                      <a:prstDash val="solid"/>
+                      <a:round/>
+                      <a:headEnd type="none" w="med" len="med"/>
+                      <a:tailEnd type="none" w="med" len="med"/>
+                    </a:lnB>
+                  </a:tcPr>
+                </a:tc>
+                <a:tc>
+                  <a:txBody>
+                    <a:bodyPr/>
+                    <a:lstStyle/>
+                    <a:p>
+                      <a:r>
+                        <a:rPr lang="de-DE" dirty="0" smtClean="0"/>
+                        <a:t>398</a:t>
+                      </a:r>
+                      <a:endParaRPr lang="de-DE" dirty="0"/>
+                    </a:p>
+                  </a:txBody>
+                  <a:tcPr>
+                    <a:lnL w="12700" cap="flat" cmpd="sng" algn="ctr">
+                      <a:solidFill>
+                        <a:scrgbClr r="0" g="0" b="0"/>
+                      </a:solidFill>
+                      <a:prstDash val="solid"/>
+                      <a:round/>
+                      <a:headEnd type="none" w="med" len="med"/>
+                      <a:tailEnd type="none" w="med" len="med"/>
+                    </a:lnL>
+                    <a:lnR w="12700" cap="flat" cmpd="sng" algn="ctr">
+                      <a:solidFill>
+                        <a:scrgbClr r="0" g="0" b="0"/>
+                      </a:solidFill>
+                      <a:prstDash val="solid"/>
+                      <a:round/>
+                      <a:headEnd type="none" w="med" len="med"/>
+                      <a:tailEnd type="none" w="med" len="med"/>
+                    </a:lnR>
+                    <a:lnT w="12700" cap="flat" cmpd="sng" algn="ctr">
+                      <a:solidFill>
+                        <a:scrgbClr r="0" g="0" b="0"/>
+                      </a:solidFill>
+                      <a:prstDash val="solid"/>
+                      <a:round/>
+                      <a:headEnd type="none" w="med" len="med"/>
+                      <a:tailEnd type="none" w="med" len="med"/>
+                    </a:lnT>
+                    <a:lnB w="12700" cap="flat" cmpd="sng" algn="ctr">
+                      <a:solidFill>
+                        <a:scrgbClr r="0" g="0" b="0"/>
+                      </a:solidFill>
+                      <a:prstDash val="solid"/>
+                      <a:round/>
+                      <a:headEnd type="none" w="med" len="med"/>
+                      <a:tailEnd type="none" w="med" len="med"/>
+                    </a:lnB>
+                  </a:tcPr>
                 </a:tc>
               </a:tr>
               <a:tr h="370840">
@@ -4452,7 +7176,44 @@
                       <a:endParaRPr lang="de-DE" dirty="0"/>
                     </a:p>
                   </a:txBody>
-                  <a:tcPr/>
+                  <a:tcPr>
+                    <a:lnL w="12700" cap="flat" cmpd="sng" algn="ctr">
+                      <a:solidFill>
+                        <a:scrgbClr r="0" g="0" b="0"/>
+                      </a:solidFill>
+                      <a:prstDash val="solid"/>
+                      <a:round/>
+                      <a:headEnd type="none" w="med" len="med"/>
+                      <a:tailEnd type="none" w="med" len="med"/>
+                    </a:lnL>
+                    <a:lnR w="12700" cap="flat" cmpd="sng" algn="ctr">
+                      <a:solidFill>
+                        <a:scrgbClr r="0" g="0" b="0"/>
+                      </a:solidFill>
+                      <a:prstDash val="solid"/>
+                      <a:round/>
+                      <a:headEnd type="none" w="med" len="med"/>
+                      <a:tailEnd type="none" w="med" len="med"/>
+                    </a:lnR>
+                    <a:lnT w="12700" cap="flat" cmpd="sng" algn="ctr">
+                      <a:solidFill>
+                        <a:scrgbClr r="0" g="0" b="0"/>
+                      </a:solidFill>
+                      <a:prstDash val="solid"/>
+                      <a:round/>
+                      <a:headEnd type="none" w="med" len="med"/>
+                      <a:tailEnd type="none" w="med" len="med"/>
+                    </a:lnT>
+                    <a:lnB w="12700" cap="flat" cmpd="sng" algn="ctr">
+                      <a:solidFill>
+                        <a:scrgbClr r="0" g="0" b="0"/>
+                      </a:solidFill>
+                      <a:prstDash val="solid"/>
+                      <a:round/>
+                      <a:headEnd type="none" w="med" len="med"/>
+                      <a:tailEnd type="none" w="med" len="med"/>
+                    </a:lnB>
+                  </a:tcPr>
                 </a:tc>
                 <a:tc>
                   <a:txBody>
@@ -4466,7 +7227,44 @@
                       <a:endParaRPr lang="de-DE" dirty="0"/>
                     </a:p>
                   </a:txBody>
-                  <a:tcPr/>
+                  <a:tcPr>
+                    <a:lnL w="12700" cap="flat" cmpd="sng" algn="ctr">
+                      <a:solidFill>
+                        <a:scrgbClr r="0" g="0" b="0"/>
+                      </a:solidFill>
+                      <a:prstDash val="solid"/>
+                      <a:round/>
+                      <a:headEnd type="none" w="med" len="med"/>
+                      <a:tailEnd type="none" w="med" len="med"/>
+                    </a:lnL>
+                    <a:lnR w="12700" cap="flat" cmpd="sng" algn="ctr">
+                      <a:solidFill>
+                        <a:scrgbClr r="0" g="0" b="0"/>
+                      </a:solidFill>
+                      <a:prstDash val="solid"/>
+                      <a:round/>
+                      <a:headEnd type="none" w="med" len="med"/>
+                      <a:tailEnd type="none" w="med" len="med"/>
+                    </a:lnR>
+                    <a:lnT w="12700" cap="flat" cmpd="sng" algn="ctr">
+                      <a:solidFill>
+                        <a:scrgbClr r="0" g="0" b="0"/>
+                      </a:solidFill>
+                      <a:prstDash val="solid"/>
+                      <a:round/>
+                      <a:headEnd type="none" w="med" len="med"/>
+                      <a:tailEnd type="none" w="med" len="med"/>
+                    </a:lnT>
+                    <a:lnB w="12700" cap="flat" cmpd="sng" algn="ctr">
+                      <a:solidFill>
+                        <a:scrgbClr r="0" g="0" b="0"/>
+                      </a:solidFill>
+                      <a:prstDash val="solid"/>
+                      <a:round/>
+                      <a:headEnd type="none" w="med" len="med"/>
+                      <a:tailEnd type="none" w="med" len="med"/>
+                    </a:lnB>
+                  </a:tcPr>
                 </a:tc>
                 <a:tc>
                   <a:txBody>
@@ -4480,37 +7278,197 @@
                       <a:endParaRPr lang="de-DE" dirty="0"/>
                     </a:p>
                   </a:txBody>
-                  <a:tcPr/>
-                </a:tc>
-                <a:tc>
-                  <a:txBody>
-                    <a:bodyPr/>
-                    <a:lstStyle/>
-                    <a:p>
-                      <a:endParaRPr lang="de-DE" dirty="0"/>
-                    </a:p>
-                  </a:txBody>
-                  <a:tcPr/>
-                </a:tc>
-                <a:tc>
-                  <a:txBody>
-                    <a:bodyPr/>
-                    <a:lstStyle/>
-                    <a:p>
-                      <a:endParaRPr lang="de-DE" dirty="0"/>
-                    </a:p>
-                  </a:txBody>
-                  <a:tcPr/>
-                </a:tc>
-                <a:tc>
-                  <a:txBody>
-                    <a:bodyPr/>
-                    <a:lstStyle/>
-                    <a:p>
-                      <a:endParaRPr lang="de-DE" dirty="0"/>
-                    </a:p>
-                  </a:txBody>
-                  <a:tcPr/>
+                  <a:tcPr>
+                    <a:lnL w="12700" cap="flat" cmpd="sng" algn="ctr">
+                      <a:solidFill>
+                        <a:scrgbClr r="0" g="0" b="0"/>
+                      </a:solidFill>
+                      <a:prstDash val="solid"/>
+                      <a:round/>
+                      <a:headEnd type="none" w="med" len="med"/>
+                      <a:tailEnd type="none" w="med" len="med"/>
+                    </a:lnL>
+                    <a:lnR w="12700" cap="flat" cmpd="sng" algn="ctr">
+                      <a:solidFill>
+                        <a:scrgbClr r="0" g="0" b="0"/>
+                      </a:solidFill>
+                      <a:prstDash val="solid"/>
+                      <a:round/>
+                      <a:headEnd type="none" w="med" len="med"/>
+                      <a:tailEnd type="none" w="med" len="med"/>
+                    </a:lnR>
+                    <a:lnT w="12700" cap="flat" cmpd="sng" algn="ctr">
+                      <a:solidFill>
+                        <a:scrgbClr r="0" g="0" b="0"/>
+                      </a:solidFill>
+                      <a:prstDash val="solid"/>
+                      <a:round/>
+                      <a:headEnd type="none" w="med" len="med"/>
+                      <a:tailEnd type="none" w="med" len="med"/>
+                    </a:lnT>
+                    <a:lnB w="12700" cap="flat" cmpd="sng" algn="ctr">
+                      <a:solidFill>
+                        <a:scrgbClr r="0" g="0" b="0"/>
+                      </a:solidFill>
+                      <a:prstDash val="solid"/>
+                      <a:round/>
+                      <a:headEnd type="none" w="med" len="med"/>
+                      <a:tailEnd type="none" w="med" len="med"/>
+                    </a:lnB>
+                  </a:tcPr>
+                </a:tc>
+                <a:tc>
+                  <a:txBody>
+                    <a:bodyPr/>
+                    <a:lstStyle/>
+                    <a:p>
+                      <a:r>
+                        <a:rPr lang="de-DE" dirty="0" smtClean="0"/>
+                        <a:t>25</a:t>
+                      </a:r>
+                      <a:endParaRPr lang="de-DE" dirty="0"/>
+                    </a:p>
+                  </a:txBody>
+                  <a:tcPr>
+                    <a:lnL w="12700" cap="flat" cmpd="sng" algn="ctr">
+                      <a:solidFill>
+                        <a:scrgbClr r="0" g="0" b="0"/>
+                      </a:solidFill>
+                      <a:prstDash val="solid"/>
+                      <a:round/>
+                      <a:headEnd type="none" w="med" len="med"/>
+                      <a:tailEnd type="none" w="med" len="med"/>
+                    </a:lnL>
+                    <a:lnR w="12700" cap="flat" cmpd="sng" algn="ctr">
+                      <a:solidFill>
+                        <a:scrgbClr r="0" g="0" b="0"/>
+                      </a:solidFill>
+                      <a:prstDash val="solid"/>
+                      <a:round/>
+                      <a:headEnd type="none" w="med" len="med"/>
+                      <a:tailEnd type="none" w="med" len="med"/>
+                    </a:lnR>
+                    <a:lnT w="12700" cap="flat" cmpd="sng" algn="ctr">
+                      <a:solidFill>
+                        <a:scrgbClr r="0" g="0" b="0"/>
+                      </a:solidFill>
+                      <a:prstDash val="solid"/>
+                      <a:round/>
+                      <a:headEnd type="none" w="med" len="med"/>
+                      <a:tailEnd type="none" w="med" len="med"/>
+                    </a:lnT>
+                    <a:lnB w="12700" cap="flat" cmpd="sng" algn="ctr">
+                      <a:solidFill>
+                        <a:scrgbClr r="0" g="0" b="0"/>
+                      </a:solidFill>
+                      <a:prstDash val="solid"/>
+                      <a:round/>
+                      <a:headEnd type="none" w="med" len="med"/>
+                      <a:tailEnd type="none" w="med" len="med"/>
+                    </a:lnB>
+                  </a:tcPr>
+                </a:tc>
+                <a:tc>
+                  <a:txBody>
+                    <a:bodyPr/>
+                    <a:lstStyle/>
+                    <a:p>
+                      <a:r>
+                        <a:rPr lang="de-DE" dirty="0" smtClean="0"/>
+                        <a:t>94</a:t>
+                      </a:r>
+                      <a:endParaRPr lang="de-DE" dirty="0"/>
+                    </a:p>
+                  </a:txBody>
+                  <a:tcPr>
+                    <a:lnL w="12700" cap="flat" cmpd="sng" algn="ctr">
+                      <a:solidFill>
+                        <a:scrgbClr r="0" g="0" b="0"/>
+                      </a:solidFill>
+                      <a:prstDash val="solid"/>
+                      <a:round/>
+                      <a:headEnd type="none" w="med" len="med"/>
+                      <a:tailEnd type="none" w="med" len="med"/>
+                    </a:lnL>
+                    <a:lnR w="12700" cap="flat" cmpd="sng" algn="ctr">
+                      <a:solidFill>
+                        <a:scrgbClr r="0" g="0" b="0"/>
+                      </a:solidFill>
+                      <a:prstDash val="solid"/>
+                      <a:round/>
+                      <a:headEnd type="none" w="med" len="med"/>
+                      <a:tailEnd type="none" w="med" len="med"/>
+                    </a:lnR>
+                    <a:lnT w="12700" cap="flat" cmpd="sng" algn="ctr">
+                      <a:solidFill>
+                        <a:scrgbClr r="0" g="0" b="0"/>
+                      </a:solidFill>
+                      <a:prstDash val="solid"/>
+                      <a:round/>
+                      <a:headEnd type="none" w="med" len="med"/>
+                      <a:tailEnd type="none" w="med" len="med"/>
+                    </a:lnT>
+                    <a:lnB w="12700" cap="flat" cmpd="sng" algn="ctr">
+                      <a:solidFill>
+                        <a:scrgbClr r="0" g="0" b="0"/>
+                      </a:solidFill>
+                      <a:prstDash val="solid"/>
+                      <a:round/>
+                      <a:headEnd type="none" w="med" len="med"/>
+                      <a:tailEnd type="none" w="med" len="med"/>
+                    </a:lnB>
+                  </a:tcPr>
+                </a:tc>
+                <a:tc>
+                  <a:txBody>
+                    <a:bodyPr/>
+                    <a:lstStyle/>
+                    <a:p>
+                      <a:r>
+                        <a:rPr lang="de-DE" dirty="0" smtClean="0"/>
+                        <a:t>36</a:t>
+                      </a:r>
+                      <a:endParaRPr lang="de-DE" dirty="0"/>
+                    </a:p>
+                  </a:txBody>
+                  <a:tcPr>
+                    <a:lnL w="12700" cap="flat" cmpd="sng" algn="ctr">
+                      <a:solidFill>
+                        <a:scrgbClr r="0" g="0" b="0"/>
+                      </a:solidFill>
+                      <a:prstDash val="solid"/>
+                      <a:round/>
+                      <a:headEnd type="none" w="med" len="med"/>
+                      <a:tailEnd type="none" w="med" len="med"/>
+                    </a:lnL>
+                    <a:lnR w="12700" cap="flat" cmpd="sng" algn="ctr">
+                      <a:solidFill>
+                        <a:scrgbClr r="0" g="0" b="0"/>
+                      </a:solidFill>
+                      <a:prstDash val="solid"/>
+                      <a:round/>
+                      <a:headEnd type="none" w="med" len="med"/>
+                      <a:tailEnd type="none" w="med" len="med"/>
+                    </a:lnR>
+                    <a:lnT w="12700" cap="flat" cmpd="sng" algn="ctr">
+                      <a:solidFill>
+                        <a:scrgbClr r="0" g="0" b="0"/>
+                      </a:solidFill>
+                      <a:prstDash val="solid"/>
+                      <a:round/>
+                      <a:headEnd type="none" w="med" len="med"/>
+                      <a:tailEnd type="none" w="med" len="med"/>
+                    </a:lnT>
+                    <a:lnB w="12700" cap="flat" cmpd="sng" algn="ctr">
+                      <a:solidFill>
+                        <a:scrgbClr r="0" g="0" b="0"/>
+                      </a:solidFill>
+                      <a:prstDash val="solid"/>
+                      <a:round/>
+                      <a:headEnd type="none" w="med" len="med"/>
+                      <a:tailEnd type="none" w="med" len="med"/>
+                    </a:lnB>
+                  </a:tcPr>
                 </a:tc>
               </a:tr>
             </a:tbl>
@@ -4526,7 +7484,7 @@
           <p:nvPr>
             <p:extLst>
               <p:ext uri="{D42A27DB-BD31-4B8C-83A1-F6EECF244321}">
-                <p14:modId xmlns:p14="http://schemas.microsoft.com/office/powerpoint/2010/main" val="3125464884"/>
+                <p14:modId xmlns:p14="http://schemas.microsoft.com/office/powerpoint/2010/main" val="631530671"/>
               </p:ext>
             </p:extLst>
           </p:nvPr>
@@ -4544,10 +7502,10 @@
               <a:tblGrid>
                 <a:gridCol w="913955"/>
                 <a:gridCol w="712173"/>
-                <a:gridCol w="568786"/>
-                <a:gridCol w="731638"/>
-                <a:gridCol w="731638"/>
-                <a:gridCol w="731638"/>
+                <a:gridCol w="446605"/>
+                <a:gridCol w="716976"/>
+                <a:gridCol w="757945"/>
+                <a:gridCol w="842174"/>
               </a:tblGrid>
               <a:tr h="370840">
                 <a:tc>
@@ -4562,7 +7520,44 @@
                       <a:endParaRPr lang="de-DE" b="1" dirty="0"/>
                     </a:p>
                   </a:txBody>
-                  <a:tcPr/>
+                  <a:tcPr>
+                    <a:lnL w="12700" cap="flat" cmpd="sng" algn="ctr">
+                      <a:solidFill>
+                        <a:scrgbClr r="0" g="0" b="0"/>
+                      </a:solidFill>
+                      <a:prstDash val="solid"/>
+                      <a:round/>
+                      <a:headEnd type="none" w="med" len="med"/>
+                      <a:tailEnd type="none" w="med" len="med"/>
+                    </a:lnL>
+                    <a:lnR w="12700" cap="flat" cmpd="sng" algn="ctr">
+                      <a:solidFill>
+                        <a:scrgbClr r="0" g="0" b="0"/>
+                      </a:solidFill>
+                      <a:prstDash val="solid"/>
+                      <a:round/>
+                      <a:headEnd type="none" w="med" len="med"/>
+                      <a:tailEnd type="none" w="med" len="med"/>
+                    </a:lnR>
+                    <a:lnT w="12700" cap="flat" cmpd="sng" algn="ctr">
+                      <a:solidFill>
+                        <a:scrgbClr r="0" g="0" b="0"/>
+                      </a:solidFill>
+                      <a:prstDash val="solid"/>
+                      <a:round/>
+                      <a:headEnd type="none" w="med" len="med"/>
+                      <a:tailEnd type="none" w="med" len="med"/>
+                    </a:lnT>
+                    <a:lnB w="12700" cap="flat" cmpd="sng" algn="ctr">
+                      <a:solidFill>
+                        <a:scrgbClr r="0" g="0" b="0"/>
+                      </a:solidFill>
+                      <a:prstDash val="solid"/>
+                      <a:round/>
+                      <a:headEnd type="none" w="med" len="med"/>
+                      <a:tailEnd type="none" w="med" len="med"/>
+                    </a:lnB>
+                  </a:tcPr>
                 </a:tc>
                 <a:tc>
                   <a:txBody>
@@ -4576,7 +7571,44 @@
                       <a:endParaRPr lang="de-DE" b="1" dirty="0"/>
                     </a:p>
                   </a:txBody>
-                  <a:tcPr/>
+                  <a:tcPr>
+                    <a:lnL w="12700" cap="flat" cmpd="sng" algn="ctr">
+                      <a:solidFill>
+                        <a:scrgbClr r="0" g="0" b="0"/>
+                      </a:solidFill>
+                      <a:prstDash val="solid"/>
+                      <a:round/>
+                      <a:headEnd type="none" w="med" len="med"/>
+                      <a:tailEnd type="none" w="med" len="med"/>
+                    </a:lnL>
+                    <a:lnR w="12700" cap="flat" cmpd="sng" algn="ctr">
+                      <a:solidFill>
+                        <a:scrgbClr r="0" g="0" b="0"/>
+                      </a:solidFill>
+                      <a:prstDash val="solid"/>
+                      <a:round/>
+                      <a:headEnd type="none" w="med" len="med"/>
+                      <a:tailEnd type="none" w="med" len="med"/>
+                    </a:lnR>
+                    <a:lnT w="12700" cap="flat" cmpd="sng" algn="ctr">
+                      <a:solidFill>
+                        <a:scrgbClr r="0" g="0" b="0"/>
+                      </a:solidFill>
+                      <a:prstDash val="solid"/>
+                      <a:round/>
+                      <a:headEnd type="none" w="med" len="med"/>
+                      <a:tailEnd type="none" w="med" len="med"/>
+                    </a:lnT>
+                    <a:lnB w="12700" cap="flat" cmpd="sng" algn="ctr">
+                      <a:solidFill>
+                        <a:scrgbClr r="0" g="0" b="0"/>
+                      </a:solidFill>
+                      <a:prstDash val="solid"/>
+                      <a:round/>
+                      <a:headEnd type="none" w="med" len="med"/>
+                      <a:tailEnd type="none" w="med" len="med"/>
+                    </a:lnB>
+                  </a:tcPr>
                 </a:tc>
                 <a:tc>
                   <a:txBody>
@@ -4590,7 +7622,44 @@
                       <a:endParaRPr lang="de-DE" b="1" dirty="0"/>
                     </a:p>
                   </a:txBody>
-                  <a:tcPr/>
+                  <a:tcPr>
+                    <a:lnL w="12700" cap="flat" cmpd="sng" algn="ctr">
+                      <a:solidFill>
+                        <a:scrgbClr r="0" g="0" b="0"/>
+                      </a:solidFill>
+                      <a:prstDash val="solid"/>
+                      <a:round/>
+                      <a:headEnd type="none" w="med" len="med"/>
+                      <a:tailEnd type="none" w="med" len="med"/>
+                    </a:lnL>
+                    <a:lnR w="12700" cap="flat" cmpd="sng" algn="ctr">
+                      <a:solidFill>
+                        <a:scrgbClr r="0" g="0" b="0"/>
+                      </a:solidFill>
+                      <a:prstDash val="solid"/>
+                      <a:round/>
+                      <a:headEnd type="none" w="med" len="med"/>
+                      <a:tailEnd type="none" w="med" len="med"/>
+                    </a:lnR>
+                    <a:lnT w="12700" cap="flat" cmpd="sng" algn="ctr">
+                      <a:solidFill>
+                        <a:scrgbClr r="0" g="0" b="0"/>
+                      </a:solidFill>
+                      <a:prstDash val="solid"/>
+                      <a:round/>
+                      <a:headEnd type="none" w="med" len="med"/>
+                      <a:tailEnd type="none" w="med" len="med"/>
+                    </a:lnT>
+                    <a:lnB w="12700" cap="flat" cmpd="sng" algn="ctr">
+                      <a:solidFill>
+                        <a:scrgbClr r="0" g="0" b="0"/>
+                      </a:solidFill>
+                      <a:prstDash val="solid"/>
+                      <a:round/>
+                      <a:headEnd type="none" w="med" len="med"/>
+                      <a:tailEnd type="none" w="med" len="med"/>
+                    </a:lnB>
+                  </a:tcPr>
                 </a:tc>
                 <a:tc>
                   <a:txBody>
@@ -4604,7 +7673,44 @@
                       <a:endParaRPr lang="de-DE" b="1" dirty="0"/>
                     </a:p>
                   </a:txBody>
-                  <a:tcPr/>
+                  <a:tcPr>
+                    <a:lnL w="12700" cap="flat" cmpd="sng" algn="ctr">
+                      <a:solidFill>
+                        <a:scrgbClr r="0" g="0" b="0"/>
+                      </a:solidFill>
+                      <a:prstDash val="solid"/>
+                      <a:round/>
+                      <a:headEnd type="none" w="med" len="med"/>
+                      <a:tailEnd type="none" w="med" len="med"/>
+                    </a:lnL>
+                    <a:lnR w="12700" cap="flat" cmpd="sng" algn="ctr">
+                      <a:solidFill>
+                        <a:scrgbClr r="0" g="0" b="0"/>
+                      </a:solidFill>
+                      <a:prstDash val="solid"/>
+                      <a:round/>
+                      <a:headEnd type="none" w="med" len="med"/>
+                      <a:tailEnd type="none" w="med" len="med"/>
+                    </a:lnR>
+                    <a:lnT w="12700" cap="flat" cmpd="sng" algn="ctr">
+                      <a:solidFill>
+                        <a:scrgbClr r="0" g="0" b="0"/>
+                      </a:solidFill>
+                      <a:prstDash val="solid"/>
+                      <a:round/>
+                      <a:headEnd type="none" w="med" len="med"/>
+                      <a:tailEnd type="none" w="med" len="med"/>
+                    </a:lnT>
+                    <a:lnB w="12700" cap="flat" cmpd="sng" algn="ctr">
+                      <a:solidFill>
+                        <a:scrgbClr r="0" g="0" b="0"/>
+                      </a:solidFill>
+                      <a:prstDash val="solid"/>
+                      <a:round/>
+                      <a:headEnd type="none" w="med" len="med"/>
+                      <a:tailEnd type="none" w="med" len="med"/>
+                    </a:lnB>
+                  </a:tcPr>
                 </a:tc>
                 <a:tc>
                   <a:txBody>
@@ -4618,7 +7724,44 @@
                       <a:endParaRPr lang="de-DE" b="1" dirty="0"/>
                     </a:p>
                   </a:txBody>
-                  <a:tcPr/>
+                  <a:tcPr>
+                    <a:lnL w="12700" cap="flat" cmpd="sng" algn="ctr">
+                      <a:solidFill>
+                        <a:scrgbClr r="0" g="0" b="0"/>
+                      </a:solidFill>
+                      <a:prstDash val="solid"/>
+                      <a:round/>
+                      <a:headEnd type="none" w="med" len="med"/>
+                      <a:tailEnd type="none" w="med" len="med"/>
+                    </a:lnL>
+                    <a:lnR w="12700" cap="flat" cmpd="sng" algn="ctr">
+                      <a:solidFill>
+                        <a:scrgbClr r="0" g="0" b="0"/>
+                      </a:solidFill>
+                      <a:prstDash val="solid"/>
+                      <a:round/>
+                      <a:headEnd type="none" w="med" len="med"/>
+                      <a:tailEnd type="none" w="med" len="med"/>
+                    </a:lnR>
+                    <a:lnT w="12700" cap="flat" cmpd="sng" algn="ctr">
+                      <a:solidFill>
+                        <a:scrgbClr r="0" g="0" b="0"/>
+                      </a:solidFill>
+                      <a:prstDash val="solid"/>
+                      <a:round/>
+                      <a:headEnd type="none" w="med" len="med"/>
+                      <a:tailEnd type="none" w="med" len="med"/>
+                    </a:lnT>
+                    <a:lnB w="12700" cap="flat" cmpd="sng" algn="ctr">
+                      <a:solidFill>
+                        <a:scrgbClr r="0" g="0" b="0"/>
+                      </a:solidFill>
+                      <a:prstDash val="solid"/>
+                      <a:round/>
+                      <a:headEnd type="none" w="med" len="med"/>
+                      <a:tailEnd type="none" w="med" len="med"/>
+                    </a:lnB>
+                  </a:tcPr>
                 </a:tc>
                 <a:tc>
                   <a:txBody>
@@ -4632,7 +7775,44 @@
                       <a:endParaRPr lang="de-DE" b="1" dirty="0"/>
                     </a:p>
                   </a:txBody>
-                  <a:tcPr/>
+                  <a:tcPr>
+                    <a:lnL w="12700" cap="flat" cmpd="sng" algn="ctr">
+                      <a:solidFill>
+                        <a:scrgbClr r="0" g="0" b="0"/>
+                      </a:solidFill>
+                      <a:prstDash val="solid"/>
+                      <a:round/>
+                      <a:headEnd type="none" w="med" len="med"/>
+                      <a:tailEnd type="none" w="med" len="med"/>
+                    </a:lnL>
+                    <a:lnR w="12700" cap="flat" cmpd="sng" algn="ctr">
+                      <a:solidFill>
+                        <a:scrgbClr r="0" g="0" b="0"/>
+                      </a:solidFill>
+                      <a:prstDash val="solid"/>
+                      <a:round/>
+                      <a:headEnd type="none" w="med" len="med"/>
+                      <a:tailEnd type="none" w="med" len="med"/>
+                    </a:lnR>
+                    <a:lnT w="12700" cap="flat" cmpd="sng" algn="ctr">
+                      <a:solidFill>
+                        <a:scrgbClr r="0" g="0" b="0"/>
+                      </a:solidFill>
+                      <a:prstDash val="solid"/>
+                      <a:round/>
+                      <a:headEnd type="none" w="med" len="med"/>
+                      <a:tailEnd type="none" w="med" len="med"/>
+                    </a:lnT>
+                    <a:lnB w="12700" cap="flat" cmpd="sng" algn="ctr">
+                      <a:solidFill>
+                        <a:scrgbClr r="0" g="0" b="0"/>
+                      </a:solidFill>
+                      <a:prstDash val="solid"/>
+                      <a:round/>
+                      <a:headEnd type="none" w="med" len="med"/>
+                      <a:tailEnd type="none" w="med" len="med"/>
+                    </a:lnB>
+                  </a:tcPr>
                 </a:tc>
               </a:tr>
               <a:tr h="370840">
@@ -4648,7 +7828,44 @@
                       <a:endParaRPr lang="de-DE" dirty="0"/>
                     </a:p>
                   </a:txBody>
-                  <a:tcPr/>
+                  <a:tcPr>
+                    <a:lnL w="12700" cap="flat" cmpd="sng" algn="ctr">
+                      <a:solidFill>
+                        <a:scrgbClr r="0" g="0" b="0"/>
+                      </a:solidFill>
+                      <a:prstDash val="solid"/>
+                      <a:round/>
+                      <a:headEnd type="none" w="med" len="med"/>
+                      <a:tailEnd type="none" w="med" len="med"/>
+                    </a:lnL>
+                    <a:lnR w="12700" cap="flat" cmpd="sng" algn="ctr">
+                      <a:solidFill>
+                        <a:scrgbClr r="0" g="0" b="0"/>
+                      </a:solidFill>
+                      <a:prstDash val="solid"/>
+                      <a:round/>
+                      <a:headEnd type="none" w="med" len="med"/>
+                      <a:tailEnd type="none" w="med" len="med"/>
+                    </a:lnR>
+                    <a:lnT w="12700" cap="flat" cmpd="sng" algn="ctr">
+                      <a:solidFill>
+                        <a:scrgbClr r="0" g="0" b="0"/>
+                      </a:solidFill>
+                      <a:prstDash val="solid"/>
+                      <a:round/>
+                      <a:headEnd type="none" w="med" len="med"/>
+                      <a:tailEnd type="none" w="med" len="med"/>
+                    </a:lnT>
+                    <a:lnB w="12700" cap="flat" cmpd="sng" algn="ctr">
+                      <a:solidFill>
+                        <a:scrgbClr r="0" g="0" b="0"/>
+                      </a:solidFill>
+                      <a:prstDash val="solid"/>
+                      <a:round/>
+                      <a:headEnd type="none" w="med" len="med"/>
+                      <a:tailEnd type="none" w="med" len="med"/>
+                    </a:lnB>
+                  </a:tcPr>
                 </a:tc>
                 <a:tc>
                   <a:txBody>
@@ -4662,7 +7879,44 @@
                       <a:endParaRPr lang="de-DE" dirty="0"/>
                     </a:p>
                   </a:txBody>
-                  <a:tcPr/>
+                  <a:tcPr>
+                    <a:lnL w="12700" cap="flat" cmpd="sng" algn="ctr">
+                      <a:solidFill>
+                        <a:scrgbClr r="0" g="0" b="0"/>
+                      </a:solidFill>
+                      <a:prstDash val="solid"/>
+                      <a:round/>
+                      <a:headEnd type="none" w="med" len="med"/>
+                      <a:tailEnd type="none" w="med" len="med"/>
+                    </a:lnL>
+                    <a:lnR w="12700" cap="flat" cmpd="sng" algn="ctr">
+                      <a:solidFill>
+                        <a:scrgbClr r="0" g="0" b="0"/>
+                      </a:solidFill>
+                      <a:prstDash val="solid"/>
+                      <a:round/>
+                      <a:headEnd type="none" w="med" len="med"/>
+                      <a:tailEnd type="none" w="med" len="med"/>
+                    </a:lnR>
+                    <a:lnT w="12700" cap="flat" cmpd="sng" algn="ctr">
+                      <a:solidFill>
+                        <a:scrgbClr r="0" g="0" b="0"/>
+                      </a:solidFill>
+                      <a:prstDash val="solid"/>
+                      <a:round/>
+                      <a:headEnd type="none" w="med" len="med"/>
+                      <a:tailEnd type="none" w="med" len="med"/>
+                    </a:lnT>
+                    <a:lnB w="12700" cap="flat" cmpd="sng" algn="ctr">
+                      <a:solidFill>
+                        <a:scrgbClr r="0" g="0" b="0"/>
+                      </a:solidFill>
+                      <a:prstDash val="solid"/>
+                      <a:round/>
+                      <a:headEnd type="none" w="med" len="med"/>
+                      <a:tailEnd type="none" w="med" len="med"/>
+                    </a:lnB>
+                  </a:tcPr>
                 </a:tc>
                 <a:tc>
                   <a:txBody>
@@ -4676,37 +7930,197 @@
                       <a:endParaRPr lang="de-DE" dirty="0"/>
                     </a:p>
                   </a:txBody>
-                  <a:tcPr/>
-                </a:tc>
-                <a:tc>
-                  <a:txBody>
-                    <a:bodyPr/>
-                    <a:lstStyle/>
-                    <a:p>
-                      <a:endParaRPr lang="de-DE" dirty="0"/>
-                    </a:p>
-                  </a:txBody>
-                  <a:tcPr/>
-                </a:tc>
-                <a:tc>
-                  <a:txBody>
-                    <a:bodyPr/>
-                    <a:lstStyle/>
-                    <a:p>
-                      <a:endParaRPr lang="de-DE"/>
-                    </a:p>
-                  </a:txBody>
-                  <a:tcPr/>
-                </a:tc>
-                <a:tc>
-                  <a:txBody>
-                    <a:bodyPr/>
-                    <a:lstStyle/>
-                    <a:p>
-                      <a:endParaRPr lang="de-DE"/>
-                    </a:p>
-                  </a:txBody>
-                  <a:tcPr/>
+                  <a:tcPr>
+                    <a:lnL w="12700" cap="flat" cmpd="sng" algn="ctr">
+                      <a:solidFill>
+                        <a:scrgbClr r="0" g="0" b="0"/>
+                      </a:solidFill>
+                      <a:prstDash val="solid"/>
+                      <a:round/>
+                      <a:headEnd type="none" w="med" len="med"/>
+                      <a:tailEnd type="none" w="med" len="med"/>
+                    </a:lnL>
+                    <a:lnR w="12700" cap="flat" cmpd="sng" algn="ctr">
+                      <a:solidFill>
+                        <a:scrgbClr r="0" g="0" b="0"/>
+                      </a:solidFill>
+                      <a:prstDash val="solid"/>
+                      <a:round/>
+                      <a:headEnd type="none" w="med" len="med"/>
+                      <a:tailEnd type="none" w="med" len="med"/>
+                    </a:lnR>
+                    <a:lnT w="12700" cap="flat" cmpd="sng" algn="ctr">
+                      <a:solidFill>
+                        <a:scrgbClr r="0" g="0" b="0"/>
+                      </a:solidFill>
+                      <a:prstDash val="solid"/>
+                      <a:round/>
+                      <a:headEnd type="none" w="med" len="med"/>
+                      <a:tailEnd type="none" w="med" len="med"/>
+                    </a:lnT>
+                    <a:lnB w="12700" cap="flat" cmpd="sng" algn="ctr">
+                      <a:solidFill>
+                        <a:scrgbClr r="0" g="0" b="0"/>
+                      </a:solidFill>
+                      <a:prstDash val="solid"/>
+                      <a:round/>
+                      <a:headEnd type="none" w="med" len="med"/>
+                      <a:tailEnd type="none" w="med" len="med"/>
+                    </a:lnB>
+                  </a:tcPr>
+                </a:tc>
+                <a:tc>
+                  <a:txBody>
+                    <a:bodyPr/>
+                    <a:lstStyle/>
+                    <a:p>
+                      <a:r>
+                        <a:rPr lang="de-DE" dirty="0" smtClean="0"/>
+                        <a:t>174</a:t>
+                      </a:r>
+                      <a:endParaRPr lang="de-DE" dirty="0"/>
+                    </a:p>
+                  </a:txBody>
+                  <a:tcPr>
+                    <a:lnL w="12700" cap="flat" cmpd="sng" algn="ctr">
+                      <a:solidFill>
+                        <a:scrgbClr r="0" g="0" b="0"/>
+                      </a:solidFill>
+                      <a:prstDash val="solid"/>
+                      <a:round/>
+                      <a:headEnd type="none" w="med" len="med"/>
+                      <a:tailEnd type="none" w="med" len="med"/>
+                    </a:lnL>
+                    <a:lnR w="12700" cap="flat" cmpd="sng" algn="ctr">
+                      <a:solidFill>
+                        <a:scrgbClr r="0" g="0" b="0"/>
+                      </a:solidFill>
+                      <a:prstDash val="solid"/>
+                      <a:round/>
+                      <a:headEnd type="none" w="med" len="med"/>
+                      <a:tailEnd type="none" w="med" len="med"/>
+                    </a:lnR>
+                    <a:lnT w="12700" cap="flat" cmpd="sng" algn="ctr">
+                      <a:solidFill>
+                        <a:scrgbClr r="0" g="0" b="0"/>
+                      </a:solidFill>
+                      <a:prstDash val="solid"/>
+                      <a:round/>
+                      <a:headEnd type="none" w="med" len="med"/>
+                      <a:tailEnd type="none" w="med" len="med"/>
+                    </a:lnT>
+                    <a:lnB w="12700" cap="flat" cmpd="sng" algn="ctr">
+                      <a:solidFill>
+                        <a:scrgbClr r="0" g="0" b="0"/>
+                      </a:solidFill>
+                      <a:prstDash val="solid"/>
+                      <a:round/>
+                      <a:headEnd type="none" w="med" len="med"/>
+                      <a:tailEnd type="none" w="med" len="med"/>
+                    </a:lnB>
+                  </a:tcPr>
+                </a:tc>
+                <a:tc>
+                  <a:txBody>
+                    <a:bodyPr/>
+                    <a:lstStyle/>
+                    <a:p>
+                      <a:r>
+                        <a:rPr lang="de-DE" dirty="0" smtClean="0"/>
+                        <a:t>8365</a:t>
+                      </a:r>
+                      <a:endParaRPr lang="de-DE" dirty="0"/>
+                    </a:p>
+                  </a:txBody>
+                  <a:tcPr>
+                    <a:lnL w="12700" cap="flat" cmpd="sng" algn="ctr">
+                      <a:solidFill>
+                        <a:scrgbClr r="0" g="0" b="0"/>
+                      </a:solidFill>
+                      <a:prstDash val="solid"/>
+                      <a:round/>
+                      <a:headEnd type="none" w="med" len="med"/>
+                      <a:tailEnd type="none" w="med" len="med"/>
+                    </a:lnL>
+                    <a:lnR w="12700" cap="flat" cmpd="sng" algn="ctr">
+                      <a:solidFill>
+                        <a:scrgbClr r="0" g="0" b="0"/>
+                      </a:solidFill>
+                      <a:prstDash val="solid"/>
+                      <a:round/>
+                      <a:headEnd type="none" w="med" len="med"/>
+                      <a:tailEnd type="none" w="med" len="med"/>
+                    </a:lnR>
+                    <a:lnT w="12700" cap="flat" cmpd="sng" algn="ctr">
+                      <a:solidFill>
+                        <a:scrgbClr r="0" g="0" b="0"/>
+                      </a:solidFill>
+                      <a:prstDash val="solid"/>
+                      <a:round/>
+                      <a:headEnd type="none" w="med" len="med"/>
+                      <a:tailEnd type="none" w="med" len="med"/>
+                    </a:lnT>
+                    <a:lnB w="12700" cap="flat" cmpd="sng" algn="ctr">
+                      <a:solidFill>
+                        <a:scrgbClr r="0" g="0" b="0"/>
+                      </a:solidFill>
+                      <a:prstDash val="solid"/>
+                      <a:round/>
+                      <a:headEnd type="none" w="med" len="med"/>
+                      <a:tailEnd type="none" w="med" len="med"/>
+                    </a:lnB>
+                  </a:tcPr>
+                </a:tc>
+                <a:tc>
+                  <a:txBody>
+                    <a:bodyPr/>
+                    <a:lstStyle/>
+                    <a:p>
+                      <a:r>
+                        <a:rPr lang="de-DE" dirty="0" smtClean="0"/>
+                        <a:t>6411</a:t>
+                      </a:r>
+                      <a:endParaRPr lang="de-DE" dirty="0"/>
+                    </a:p>
+                  </a:txBody>
+                  <a:tcPr>
+                    <a:lnL w="12700" cap="flat" cmpd="sng" algn="ctr">
+                      <a:solidFill>
+                        <a:scrgbClr r="0" g="0" b="0"/>
+                      </a:solidFill>
+                      <a:prstDash val="solid"/>
+                      <a:round/>
+                      <a:headEnd type="none" w="med" len="med"/>
+                      <a:tailEnd type="none" w="med" len="med"/>
+                    </a:lnL>
+                    <a:lnR w="12700" cap="flat" cmpd="sng" algn="ctr">
+                      <a:solidFill>
+                        <a:scrgbClr r="0" g="0" b="0"/>
+                      </a:solidFill>
+                      <a:prstDash val="solid"/>
+                      <a:round/>
+                      <a:headEnd type="none" w="med" len="med"/>
+                      <a:tailEnd type="none" w="med" len="med"/>
+                    </a:lnR>
+                    <a:lnT w="12700" cap="flat" cmpd="sng" algn="ctr">
+                      <a:solidFill>
+                        <a:scrgbClr r="0" g="0" b="0"/>
+                      </a:solidFill>
+                      <a:prstDash val="solid"/>
+                      <a:round/>
+                      <a:headEnd type="none" w="med" len="med"/>
+                      <a:tailEnd type="none" w="med" len="med"/>
+                    </a:lnT>
+                    <a:lnB w="12700" cap="flat" cmpd="sng" algn="ctr">
+                      <a:solidFill>
+                        <a:scrgbClr r="0" g="0" b="0"/>
+                      </a:solidFill>
+                      <a:prstDash val="solid"/>
+                      <a:round/>
+                      <a:headEnd type="none" w="med" len="med"/>
+                      <a:tailEnd type="none" w="med" len="med"/>
+                    </a:lnB>
+                  </a:tcPr>
                 </a:tc>
               </a:tr>
               <a:tr h="370840">
@@ -4722,7 +8136,44 @@
                       <a:endParaRPr lang="de-DE" dirty="0"/>
                     </a:p>
                   </a:txBody>
-                  <a:tcPr/>
+                  <a:tcPr>
+                    <a:lnL w="12700" cap="flat" cmpd="sng" algn="ctr">
+                      <a:solidFill>
+                        <a:scrgbClr r="0" g="0" b="0"/>
+                      </a:solidFill>
+                      <a:prstDash val="solid"/>
+                      <a:round/>
+                      <a:headEnd type="none" w="med" len="med"/>
+                      <a:tailEnd type="none" w="med" len="med"/>
+                    </a:lnL>
+                    <a:lnR w="12700" cap="flat" cmpd="sng" algn="ctr">
+                      <a:solidFill>
+                        <a:scrgbClr r="0" g="0" b="0"/>
+                      </a:solidFill>
+                      <a:prstDash val="solid"/>
+                      <a:round/>
+                      <a:headEnd type="none" w="med" len="med"/>
+                      <a:tailEnd type="none" w="med" len="med"/>
+                    </a:lnR>
+                    <a:lnT w="12700" cap="flat" cmpd="sng" algn="ctr">
+                      <a:solidFill>
+                        <a:scrgbClr r="0" g="0" b="0"/>
+                      </a:solidFill>
+                      <a:prstDash val="solid"/>
+                      <a:round/>
+                      <a:headEnd type="none" w="med" len="med"/>
+                      <a:tailEnd type="none" w="med" len="med"/>
+                    </a:lnT>
+                    <a:lnB w="12700" cap="flat" cmpd="sng" algn="ctr">
+                      <a:solidFill>
+                        <a:scrgbClr r="0" g="0" b="0"/>
+                      </a:solidFill>
+                      <a:prstDash val="solid"/>
+                      <a:round/>
+                      <a:headEnd type="none" w="med" len="med"/>
+                      <a:tailEnd type="none" w="med" len="med"/>
+                    </a:lnB>
+                  </a:tcPr>
                 </a:tc>
                 <a:tc>
                   <a:txBody>
@@ -4736,7 +8187,44 @@
                       <a:endParaRPr lang="de-DE" dirty="0"/>
                     </a:p>
                   </a:txBody>
-                  <a:tcPr/>
+                  <a:tcPr>
+                    <a:lnL w="12700" cap="flat" cmpd="sng" algn="ctr">
+                      <a:solidFill>
+                        <a:scrgbClr r="0" g="0" b="0"/>
+                      </a:solidFill>
+                      <a:prstDash val="solid"/>
+                      <a:round/>
+                      <a:headEnd type="none" w="med" len="med"/>
+                      <a:tailEnd type="none" w="med" len="med"/>
+                    </a:lnL>
+                    <a:lnR w="12700" cap="flat" cmpd="sng" algn="ctr">
+                      <a:solidFill>
+                        <a:scrgbClr r="0" g="0" b="0"/>
+                      </a:solidFill>
+                      <a:prstDash val="solid"/>
+                      <a:round/>
+                      <a:headEnd type="none" w="med" len="med"/>
+                      <a:tailEnd type="none" w="med" len="med"/>
+                    </a:lnR>
+                    <a:lnT w="12700" cap="flat" cmpd="sng" algn="ctr">
+                      <a:solidFill>
+                        <a:scrgbClr r="0" g="0" b="0"/>
+                      </a:solidFill>
+                      <a:prstDash val="solid"/>
+                      <a:round/>
+                      <a:headEnd type="none" w="med" len="med"/>
+                      <a:tailEnd type="none" w="med" len="med"/>
+                    </a:lnT>
+                    <a:lnB w="12700" cap="flat" cmpd="sng" algn="ctr">
+                      <a:solidFill>
+                        <a:scrgbClr r="0" g="0" b="0"/>
+                      </a:solidFill>
+                      <a:prstDash val="solid"/>
+                      <a:round/>
+                      <a:headEnd type="none" w="med" len="med"/>
+                      <a:tailEnd type="none" w="med" len="med"/>
+                    </a:lnB>
+                  </a:tcPr>
                 </a:tc>
                 <a:tc>
                   <a:txBody>
@@ -4750,37 +8238,197 @@
                       <a:endParaRPr lang="de-DE" dirty="0"/>
                     </a:p>
                   </a:txBody>
-                  <a:tcPr/>
-                </a:tc>
-                <a:tc>
-                  <a:txBody>
-                    <a:bodyPr/>
-                    <a:lstStyle/>
-                    <a:p>
-                      <a:endParaRPr lang="de-DE"/>
-                    </a:p>
-                  </a:txBody>
-                  <a:tcPr/>
-                </a:tc>
-                <a:tc>
-                  <a:txBody>
-                    <a:bodyPr/>
-                    <a:lstStyle/>
-                    <a:p>
-                      <a:endParaRPr lang="de-DE"/>
-                    </a:p>
-                  </a:txBody>
-                  <a:tcPr/>
-                </a:tc>
-                <a:tc>
-                  <a:txBody>
-                    <a:bodyPr/>
-                    <a:lstStyle/>
-                    <a:p>
-                      <a:endParaRPr lang="de-DE"/>
-                    </a:p>
-                  </a:txBody>
-                  <a:tcPr/>
+                  <a:tcPr>
+                    <a:lnL w="12700" cap="flat" cmpd="sng" algn="ctr">
+                      <a:solidFill>
+                        <a:scrgbClr r="0" g="0" b="0"/>
+                      </a:solidFill>
+                      <a:prstDash val="solid"/>
+                      <a:round/>
+                      <a:headEnd type="none" w="med" len="med"/>
+                      <a:tailEnd type="none" w="med" len="med"/>
+                    </a:lnL>
+                    <a:lnR w="12700" cap="flat" cmpd="sng" algn="ctr">
+                      <a:solidFill>
+                        <a:scrgbClr r="0" g="0" b="0"/>
+                      </a:solidFill>
+                      <a:prstDash val="solid"/>
+                      <a:round/>
+                      <a:headEnd type="none" w="med" len="med"/>
+                      <a:tailEnd type="none" w="med" len="med"/>
+                    </a:lnR>
+                    <a:lnT w="12700" cap="flat" cmpd="sng" algn="ctr">
+                      <a:solidFill>
+                        <a:scrgbClr r="0" g="0" b="0"/>
+                      </a:solidFill>
+                      <a:prstDash val="solid"/>
+                      <a:round/>
+                      <a:headEnd type="none" w="med" len="med"/>
+                      <a:tailEnd type="none" w="med" len="med"/>
+                    </a:lnT>
+                    <a:lnB w="12700" cap="flat" cmpd="sng" algn="ctr">
+                      <a:solidFill>
+                        <a:scrgbClr r="0" g="0" b="0"/>
+                      </a:solidFill>
+                      <a:prstDash val="solid"/>
+                      <a:round/>
+                      <a:headEnd type="none" w="med" len="med"/>
+                      <a:tailEnd type="none" w="med" len="med"/>
+                    </a:lnB>
+                  </a:tcPr>
+                </a:tc>
+                <a:tc>
+                  <a:txBody>
+                    <a:bodyPr/>
+                    <a:lstStyle/>
+                    <a:p>
+                      <a:r>
+                        <a:rPr lang="de-DE" dirty="0" smtClean="0"/>
+                        <a:t>5837</a:t>
+                      </a:r>
+                      <a:endParaRPr lang="de-DE" dirty="0"/>
+                    </a:p>
+                  </a:txBody>
+                  <a:tcPr>
+                    <a:lnL w="12700" cap="flat" cmpd="sng" algn="ctr">
+                      <a:solidFill>
+                        <a:scrgbClr r="0" g="0" b="0"/>
+                      </a:solidFill>
+                      <a:prstDash val="solid"/>
+                      <a:round/>
+                      <a:headEnd type="none" w="med" len="med"/>
+                      <a:tailEnd type="none" w="med" len="med"/>
+                    </a:lnL>
+                    <a:lnR w="12700" cap="flat" cmpd="sng" algn="ctr">
+                      <a:solidFill>
+                        <a:scrgbClr r="0" g="0" b="0"/>
+                      </a:solidFill>
+                      <a:prstDash val="solid"/>
+                      <a:round/>
+                      <a:headEnd type="none" w="med" len="med"/>
+                      <a:tailEnd type="none" w="med" len="med"/>
+                    </a:lnR>
+                    <a:lnT w="12700" cap="flat" cmpd="sng" algn="ctr">
+                      <a:solidFill>
+                        <a:scrgbClr r="0" g="0" b="0"/>
+                      </a:solidFill>
+                      <a:prstDash val="solid"/>
+                      <a:round/>
+                      <a:headEnd type="none" w="med" len="med"/>
+                      <a:tailEnd type="none" w="med" len="med"/>
+                    </a:lnT>
+                    <a:lnB w="12700" cap="flat" cmpd="sng" algn="ctr">
+                      <a:solidFill>
+                        <a:scrgbClr r="0" g="0" b="0"/>
+                      </a:solidFill>
+                      <a:prstDash val="solid"/>
+                      <a:round/>
+                      <a:headEnd type="none" w="med" len="med"/>
+                      <a:tailEnd type="none" w="med" len="med"/>
+                    </a:lnB>
+                  </a:tcPr>
+                </a:tc>
+                <a:tc>
+                  <a:txBody>
+                    <a:bodyPr/>
+                    <a:lstStyle/>
+                    <a:p>
+                      <a:r>
+                        <a:rPr lang="de-DE" dirty="0" smtClean="0"/>
+                        <a:t>8229</a:t>
+                      </a:r>
+                      <a:endParaRPr lang="de-DE" dirty="0"/>
+                    </a:p>
+                  </a:txBody>
+                  <a:tcPr>
+                    <a:lnL w="12700" cap="flat" cmpd="sng" algn="ctr">
+                      <a:solidFill>
+                        <a:scrgbClr r="0" g="0" b="0"/>
+                      </a:solidFill>
+                      <a:prstDash val="solid"/>
+                      <a:round/>
+                      <a:headEnd type="none" w="med" len="med"/>
+                      <a:tailEnd type="none" w="med" len="med"/>
+                    </a:lnL>
+                    <a:lnR w="12700" cap="flat" cmpd="sng" algn="ctr">
+                      <a:solidFill>
+                        <a:scrgbClr r="0" g="0" b="0"/>
+                      </a:solidFill>
+                      <a:prstDash val="solid"/>
+                      <a:round/>
+                      <a:headEnd type="none" w="med" len="med"/>
+                      <a:tailEnd type="none" w="med" len="med"/>
+                    </a:lnR>
+                    <a:lnT w="12700" cap="flat" cmpd="sng" algn="ctr">
+                      <a:solidFill>
+                        <a:scrgbClr r="0" g="0" b="0"/>
+                      </a:solidFill>
+                      <a:prstDash val="solid"/>
+                      <a:round/>
+                      <a:headEnd type="none" w="med" len="med"/>
+                      <a:tailEnd type="none" w="med" len="med"/>
+                    </a:lnT>
+                    <a:lnB w="12700" cap="flat" cmpd="sng" algn="ctr">
+                      <a:solidFill>
+                        <a:scrgbClr r="0" g="0" b="0"/>
+                      </a:solidFill>
+                      <a:prstDash val="solid"/>
+                      <a:round/>
+                      <a:headEnd type="none" w="med" len="med"/>
+                      <a:tailEnd type="none" w="med" len="med"/>
+                    </a:lnB>
+                  </a:tcPr>
+                </a:tc>
+                <a:tc>
+                  <a:txBody>
+                    <a:bodyPr/>
+                    <a:lstStyle/>
+                    <a:p>
+                      <a:r>
+                        <a:rPr lang="de-DE" dirty="0" smtClean="0"/>
+                        <a:t>7076</a:t>
+                      </a:r>
+                      <a:endParaRPr lang="de-DE" dirty="0"/>
+                    </a:p>
+                  </a:txBody>
+                  <a:tcPr>
+                    <a:lnL w="12700" cap="flat" cmpd="sng" algn="ctr">
+                      <a:solidFill>
+                        <a:scrgbClr r="0" g="0" b="0"/>
+                      </a:solidFill>
+                      <a:prstDash val="solid"/>
+                      <a:round/>
+                      <a:headEnd type="none" w="med" len="med"/>
+                      <a:tailEnd type="none" w="med" len="med"/>
+                    </a:lnL>
+                    <a:lnR w="12700" cap="flat" cmpd="sng" algn="ctr">
+                      <a:solidFill>
+                        <a:scrgbClr r="0" g="0" b="0"/>
+                      </a:solidFill>
+                      <a:prstDash val="solid"/>
+                      <a:round/>
+                      <a:headEnd type="none" w="med" len="med"/>
+                      <a:tailEnd type="none" w="med" len="med"/>
+                    </a:lnR>
+                    <a:lnT w="12700" cap="flat" cmpd="sng" algn="ctr">
+                      <a:solidFill>
+                        <a:scrgbClr r="0" g="0" b="0"/>
+                      </a:solidFill>
+                      <a:prstDash val="solid"/>
+                      <a:round/>
+                      <a:headEnd type="none" w="med" len="med"/>
+                      <a:tailEnd type="none" w="med" len="med"/>
+                    </a:lnT>
+                    <a:lnB w="12700" cap="flat" cmpd="sng" algn="ctr">
+                      <a:solidFill>
+                        <a:scrgbClr r="0" g="0" b="0"/>
+                      </a:solidFill>
+                      <a:prstDash val="solid"/>
+                      <a:round/>
+                      <a:headEnd type="none" w="med" len="med"/>
+                      <a:tailEnd type="none" w="med" len="med"/>
+                    </a:lnB>
+                  </a:tcPr>
                 </a:tc>
               </a:tr>
               <a:tr h="370840">
@@ -4796,7 +8444,44 @@
                       <a:endParaRPr lang="de-DE" dirty="0"/>
                     </a:p>
                   </a:txBody>
-                  <a:tcPr/>
+                  <a:tcPr>
+                    <a:lnL w="12700" cap="flat" cmpd="sng" algn="ctr">
+                      <a:solidFill>
+                        <a:scrgbClr r="0" g="0" b="0"/>
+                      </a:solidFill>
+                      <a:prstDash val="solid"/>
+                      <a:round/>
+                      <a:headEnd type="none" w="med" len="med"/>
+                      <a:tailEnd type="none" w="med" len="med"/>
+                    </a:lnL>
+                    <a:lnR w="12700" cap="flat" cmpd="sng" algn="ctr">
+                      <a:solidFill>
+                        <a:scrgbClr r="0" g="0" b="0"/>
+                      </a:solidFill>
+                      <a:prstDash val="solid"/>
+                      <a:round/>
+                      <a:headEnd type="none" w="med" len="med"/>
+                      <a:tailEnd type="none" w="med" len="med"/>
+                    </a:lnR>
+                    <a:lnT w="12700" cap="flat" cmpd="sng" algn="ctr">
+                      <a:solidFill>
+                        <a:scrgbClr r="0" g="0" b="0"/>
+                      </a:solidFill>
+                      <a:prstDash val="solid"/>
+                      <a:round/>
+                      <a:headEnd type="none" w="med" len="med"/>
+                      <a:tailEnd type="none" w="med" len="med"/>
+                    </a:lnT>
+                    <a:lnB w="12700" cap="flat" cmpd="sng" algn="ctr">
+                      <a:solidFill>
+                        <a:scrgbClr r="0" g="0" b="0"/>
+                      </a:solidFill>
+                      <a:prstDash val="solid"/>
+                      <a:round/>
+                      <a:headEnd type="none" w="med" len="med"/>
+                      <a:tailEnd type="none" w="med" len="med"/>
+                    </a:lnB>
+                  </a:tcPr>
                 </a:tc>
                 <a:tc>
                   <a:txBody>
@@ -4810,7 +8495,44 @@
                       <a:endParaRPr lang="de-DE" dirty="0"/>
                     </a:p>
                   </a:txBody>
-                  <a:tcPr/>
+                  <a:tcPr>
+                    <a:lnL w="12700" cap="flat" cmpd="sng" algn="ctr">
+                      <a:solidFill>
+                        <a:scrgbClr r="0" g="0" b="0"/>
+                      </a:solidFill>
+                      <a:prstDash val="solid"/>
+                      <a:round/>
+                      <a:headEnd type="none" w="med" len="med"/>
+                      <a:tailEnd type="none" w="med" len="med"/>
+                    </a:lnL>
+                    <a:lnR w="12700" cap="flat" cmpd="sng" algn="ctr">
+                      <a:solidFill>
+                        <a:scrgbClr r="0" g="0" b="0"/>
+                      </a:solidFill>
+                      <a:prstDash val="solid"/>
+                      <a:round/>
+                      <a:headEnd type="none" w="med" len="med"/>
+                      <a:tailEnd type="none" w="med" len="med"/>
+                    </a:lnR>
+                    <a:lnT w="12700" cap="flat" cmpd="sng" algn="ctr">
+                      <a:solidFill>
+                        <a:scrgbClr r="0" g="0" b="0"/>
+                      </a:solidFill>
+                      <a:prstDash val="solid"/>
+                      <a:round/>
+                      <a:headEnd type="none" w="med" len="med"/>
+                      <a:tailEnd type="none" w="med" len="med"/>
+                    </a:lnT>
+                    <a:lnB w="12700" cap="flat" cmpd="sng" algn="ctr">
+                      <a:solidFill>
+                        <a:scrgbClr r="0" g="0" b="0"/>
+                      </a:solidFill>
+                      <a:prstDash val="solid"/>
+                      <a:round/>
+                      <a:headEnd type="none" w="med" len="med"/>
+                      <a:tailEnd type="none" w="med" len="med"/>
+                    </a:lnB>
+                  </a:tcPr>
                 </a:tc>
                 <a:tc>
                   <a:txBody>
@@ -4824,37 +8546,197 @@
                       <a:endParaRPr lang="de-DE" dirty="0"/>
                     </a:p>
                   </a:txBody>
-                  <a:tcPr/>
-                </a:tc>
-                <a:tc>
-                  <a:txBody>
-                    <a:bodyPr/>
-                    <a:lstStyle/>
-                    <a:p>
-                      <a:endParaRPr lang="de-DE" dirty="0"/>
-                    </a:p>
-                  </a:txBody>
-                  <a:tcPr/>
-                </a:tc>
-                <a:tc>
-                  <a:txBody>
-                    <a:bodyPr/>
-                    <a:lstStyle/>
-                    <a:p>
-                      <a:endParaRPr lang="de-DE"/>
-                    </a:p>
-                  </a:txBody>
-                  <a:tcPr/>
-                </a:tc>
-                <a:tc>
-                  <a:txBody>
-                    <a:bodyPr/>
-                    <a:lstStyle/>
-                    <a:p>
-                      <a:endParaRPr lang="de-DE"/>
-                    </a:p>
-                  </a:txBody>
-                  <a:tcPr/>
+                  <a:tcPr>
+                    <a:lnL w="12700" cap="flat" cmpd="sng" algn="ctr">
+                      <a:solidFill>
+                        <a:scrgbClr r="0" g="0" b="0"/>
+                      </a:solidFill>
+                      <a:prstDash val="solid"/>
+                      <a:round/>
+                      <a:headEnd type="none" w="med" len="med"/>
+                      <a:tailEnd type="none" w="med" len="med"/>
+                    </a:lnL>
+                    <a:lnR w="12700" cap="flat" cmpd="sng" algn="ctr">
+                      <a:solidFill>
+                        <a:scrgbClr r="0" g="0" b="0"/>
+                      </a:solidFill>
+                      <a:prstDash val="solid"/>
+                      <a:round/>
+                      <a:headEnd type="none" w="med" len="med"/>
+                      <a:tailEnd type="none" w="med" len="med"/>
+                    </a:lnR>
+                    <a:lnT w="12700" cap="flat" cmpd="sng" algn="ctr">
+                      <a:solidFill>
+                        <a:scrgbClr r="0" g="0" b="0"/>
+                      </a:solidFill>
+                      <a:prstDash val="solid"/>
+                      <a:round/>
+                      <a:headEnd type="none" w="med" len="med"/>
+                      <a:tailEnd type="none" w="med" len="med"/>
+                    </a:lnT>
+                    <a:lnB w="12700" cap="flat" cmpd="sng" algn="ctr">
+                      <a:solidFill>
+                        <a:scrgbClr r="0" g="0" b="0"/>
+                      </a:solidFill>
+                      <a:prstDash val="solid"/>
+                      <a:round/>
+                      <a:headEnd type="none" w="med" len="med"/>
+                      <a:tailEnd type="none" w="med" len="med"/>
+                    </a:lnB>
+                  </a:tcPr>
+                </a:tc>
+                <a:tc>
+                  <a:txBody>
+                    <a:bodyPr/>
+                    <a:lstStyle/>
+                    <a:p>
+                      <a:r>
+                        <a:rPr lang="de-DE" dirty="0" smtClean="0"/>
+                        <a:t>2286</a:t>
+                      </a:r>
+                      <a:endParaRPr lang="de-DE" dirty="0"/>
+                    </a:p>
+                  </a:txBody>
+                  <a:tcPr>
+                    <a:lnL w="12700" cap="flat" cmpd="sng" algn="ctr">
+                      <a:solidFill>
+                        <a:scrgbClr r="0" g="0" b="0"/>
+                      </a:solidFill>
+                      <a:prstDash val="solid"/>
+                      <a:round/>
+                      <a:headEnd type="none" w="med" len="med"/>
+                      <a:tailEnd type="none" w="med" len="med"/>
+                    </a:lnL>
+                    <a:lnR w="12700" cap="flat" cmpd="sng" algn="ctr">
+                      <a:solidFill>
+                        <a:scrgbClr r="0" g="0" b="0"/>
+                      </a:solidFill>
+                      <a:prstDash val="solid"/>
+                      <a:round/>
+                      <a:headEnd type="none" w="med" len="med"/>
+                      <a:tailEnd type="none" w="med" len="med"/>
+                    </a:lnR>
+                    <a:lnT w="12700" cap="flat" cmpd="sng" algn="ctr">
+                      <a:solidFill>
+                        <a:scrgbClr r="0" g="0" b="0"/>
+                      </a:solidFill>
+                      <a:prstDash val="solid"/>
+                      <a:round/>
+                      <a:headEnd type="none" w="med" len="med"/>
+                      <a:tailEnd type="none" w="med" len="med"/>
+                    </a:lnT>
+                    <a:lnB w="12700" cap="flat" cmpd="sng" algn="ctr">
+                      <a:solidFill>
+                        <a:scrgbClr r="0" g="0" b="0"/>
+                      </a:solidFill>
+                      <a:prstDash val="solid"/>
+                      <a:round/>
+                      <a:headEnd type="none" w="med" len="med"/>
+                      <a:tailEnd type="none" w="med" len="med"/>
+                    </a:lnB>
+                  </a:tcPr>
+                </a:tc>
+                <a:tc>
+                  <a:txBody>
+                    <a:bodyPr/>
+                    <a:lstStyle/>
+                    <a:p>
+                      <a:r>
+                        <a:rPr lang="de-DE" dirty="0" smtClean="0"/>
+                        <a:t>7819</a:t>
+                      </a:r>
+                      <a:endParaRPr lang="de-DE" dirty="0"/>
+                    </a:p>
+                  </a:txBody>
+                  <a:tcPr>
+                    <a:lnL w="12700" cap="flat" cmpd="sng" algn="ctr">
+                      <a:solidFill>
+                        <a:scrgbClr r="0" g="0" b="0"/>
+                      </a:solidFill>
+                      <a:prstDash val="solid"/>
+                      <a:round/>
+                      <a:headEnd type="none" w="med" len="med"/>
+                      <a:tailEnd type="none" w="med" len="med"/>
+                    </a:lnL>
+                    <a:lnR w="12700" cap="flat" cmpd="sng" algn="ctr">
+                      <a:solidFill>
+                        <a:scrgbClr r="0" g="0" b="0"/>
+                      </a:solidFill>
+                      <a:prstDash val="solid"/>
+                      <a:round/>
+                      <a:headEnd type="none" w="med" len="med"/>
+                      <a:tailEnd type="none" w="med" len="med"/>
+                    </a:lnR>
+                    <a:lnT w="12700" cap="flat" cmpd="sng" algn="ctr">
+                      <a:solidFill>
+                        <a:scrgbClr r="0" g="0" b="0"/>
+                      </a:solidFill>
+                      <a:prstDash val="solid"/>
+                      <a:round/>
+                      <a:headEnd type="none" w="med" len="med"/>
+                      <a:tailEnd type="none" w="med" len="med"/>
+                    </a:lnT>
+                    <a:lnB w="12700" cap="flat" cmpd="sng" algn="ctr">
+                      <a:solidFill>
+                        <a:scrgbClr r="0" g="0" b="0"/>
+                      </a:solidFill>
+                      <a:prstDash val="solid"/>
+                      <a:round/>
+                      <a:headEnd type="none" w="med" len="med"/>
+                      <a:tailEnd type="none" w="med" len="med"/>
+                    </a:lnB>
+                  </a:tcPr>
+                </a:tc>
+                <a:tc>
+                  <a:txBody>
+                    <a:bodyPr/>
+                    <a:lstStyle/>
+                    <a:p>
+                      <a:r>
+                        <a:rPr lang="de-DE" dirty="0" smtClean="0"/>
+                        <a:t>3359</a:t>
+                      </a:r>
+                      <a:endParaRPr lang="de-DE" dirty="0"/>
+                    </a:p>
+                  </a:txBody>
+                  <a:tcPr>
+                    <a:lnL w="12700" cap="flat" cmpd="sng" algn="ctr">
+                      <a:solidFill>
+                        <a:scrgbClr r="0" g="0" b="0"/>
+                      </a:solidFill>
+                      <a:prstDash val="solid"/>
+                      <a:round/>
+                      <a:headEnd type="none" w="med" len="med"/>
+                      <a:tailEnd type="none" w="med" len="med"/>
+                    </a:lnL>
+                    <a:lnR w="12700" cap="flat" cmpd="sng" algn="ctr">
+                      <a:solidFill>
+                        <a:scrgbClr r="0" g="0" b="0"/>
+                      </a:solidFill>
+                      <a:prstDash val="solid"/>
+                      <a:round/>
+                      <a:headEnd type="none" w="med" len="med"/>
+                      <a:tailEnd type="none" w="med" len="med"/>
+                    </a:lnR>
+                    <a:lnT w="12700" cap="flat" cmpd="sng" algn="ctr">
+                      <a:solidFill>
+                        <a:scrgbClr r="0" g="0" b="0"/>
+                      </a:solidFill>
+                      <a:prstDash val="solid"/>
+                      <a:round/>
+                      <a:headEnd type="none" w="med" len="med"/>
+                      <a:tailEnd type="none" w="med" len="med"/>
+                    </a:lnT>
+                    <a:lnB w="12700" cap="flat" cmpd="sng" algn="ctr">
+                      <a:solidFill>
+                        <a:scrgbClr r="0" g="0" b="0"/>
+                      </a:solidFill>
+                      <a:prstDash val="solid"/>
+                      <a:round/>
+                      <a:headEnd type="none" w="med" len="med"/>
+                      <a:tailEnd type="none" w="med" len="med"/>
+                    </a:lnB>
+                  </a:tcPr>
                 </a:tc>
               </a:tr>
               <a:tr h="370840">
@@ -4870,7 +8752,44 @@
                       <a:endParaRPr lang="de-DE" dirty="0"/>
                     </a:p>
                   </a:txBody>
-                  <a:tcPr/>
+                  <a:tcPr>
+                    <a:lnL w="12700" cap="flat" cmpd="sng" algn="ctr">
+                      <a:solidFill>
+                        <a:scrgbClr r="0" g="0" b="0"/>
+                      </a:solidFill>
+                      <a:prstDash val="solid"/>
+                      <a:round/>
+                      <a:headEnd type="none" w="med" len="med"/>
+                      <a:tailEnd type="none" w="med" len="med"/>
+                    </a:lnL>
+                    <a:lnR w="12700" cap="flat" cmpd="sng" algn="ctr">
+                      <a:solidFill>
+                        <a:scrgbClr r="0" g="0" b="0"/>
+                      </a:solidFill>
+                      <a:prstDash val="solid"/>
+                      <a:round/>
+                      <a:headEnd type="none" w="med" len="med"/>
+                      <a:tailEnd type="none" w="med" len="med"/>
+                    </a:lnR>
+                    <a:lnT w="12700" cap="flat" cmpd="sng" algn="ctr">
+                      <a:solidFill>
+                        <a:scrgbClr r="0" g="0" b="0"/>
+                      </a:solidFill>
+                      <a:prstDash val="solid"/>
+                      <a:round/>
+                      <a:headEnd type="none" w="med" len="med"/>
+                      <a:tailEnd type="none" w="med" len="med"/>
+                    </a:lnT>
+                    <a:lnB w="12700" cap="flat" cmpd="sng" algn="ctr">
+                      <a:solidFill>
+                        <a:scrgbClr r="0" g="0" b="0"/>
+                      </a:solidFill>
+                      <a:prstDash val="solid"/>
+                      <a:round/>
+                      <a:headEnd type="none" w="med" len="med"/>
+                      <a:tailEnd type="none" w="med" len="med"/>
+                    </a:lnB>
+                  </a:tcPr>
                 </a:tc>
                 <a:tc>
                   <a:txBody>
@@ -4884,7 +8803,44 @@
                       <a:endParaRPr lang="de-DE" dirty="0"/>
                     </a:p>
                   </a:txBody>
-                  <a:tcPr/>
+                  <a:tcPr>
+                    <a:lnL w="12700" cap="flat" cmpd="sng" algn="ctr">
+                      <a:solidFill>
+                        <a:scrgbClr r="0" g="0" b="0"/>
+                      </a:solidFill>
+                      <a:prstDash val="solid"/>
+                      <a:round/>
+                      <a:headEnd type="none" w="med" len="med"/>
+                      <a:tailEnd type="none" w="med" len="med"/>
+                    </a:lnL>
+                    <a:lnR w="12700" cap="flat" cmpd="sng" algn="ctr">
+                      <a:solidFill>
+                        <a:scrgbClr r="0" g="0" b="0"/>
+                      </a:solidFill>
+                      <a:prstDash val="solid"/>
+                      <a:round/>
+                      <a:headEnd type="none" w="med" len="med"/>
+                      <a:tailEnd type="none" w="med" len="med"/>
+                    </a:lnR>
+                    <a:lnT w="12700" cap="flat" cmpd="sng" algn="ctr">
+                      <a:solidFill>
+                        <a:scrgbClr r="0" g="0" b="0"/>
+                      </a:solidFill>
+                      <a:prstDash val="solid"/>
+                      <a:round/>
+                      <a:headEnd type="none" w="med" len="med"/>
+                      <a:tailEnd type="none" w="med" len="med"/>
+                    </a:lnT>
+                    <a:lnB w="12700" cap="flat" cmpd="sng" algn="ctr">
+                      <a:solidFill>
+                        <a:scrgbClr r="0" g="0" b="0"/>
+                      </a:solidFill>
+                      <a:prstDash val="solid"/>
+                      <a:round/>
+                      <a:headEnd type="none" w="med" len="med"/>
+                      <a:tailEnd type="none" w="med" len="med"/>
+                    </a:lnB>
+                  </a:tcPr>
                 </a:tc>
                 <a:tc>
                   <a:txBody>
@@ -4898,37 +8854,197 @@
                       <a:endParaRPr lang="de-DE" dirty="0"/>
                     </a:p>
                   </a:txBody>
-                  <a:tcPr/>
-                </a:tc>
-                <a:tc>
-                  <a:txBody>
-                    <a:bodyPr/>
-                    <a:lstStyle/>
-                    <a:p>
-                      <a:endParaRPr lang="de-DE"/>
-                    </a:p>
-                  </a:txBody>
-                  <a:tcPr/>
-                </a:tc>
-                <a:tc>
-                  <a:txBody>
-                    <a:bodyPr/>
-                    <a:lstStyle/>
-                    <a:p>
-                      <a:endParaRPr lang="de-DE"/>
-                    </a:p>
-                  </a:txBody>
-                  <a:tcPr/>
-                </a:tc>
-                <a:tc>
-                  <a:txBody>
-                    <a:bodyPr/>
-                    <a:lstStyle/>
-                    <a:p>
-                      <a:endParaRPr lang="de-DE"/>
-                    </a:p>
-                  </a:txBody>
-                  <a:tcPr/>
+                  <a:tcPr>
+                    <a:lnL w="12700" cap="flat" cmpd="sng" algn="ctr">
+                      <a:solidFill>
+                        <a:scrgbClr r="0" g="0" b="0"/>
+                      </a:solidFill>
+                      <a:prstDash val="solid"/>
+                      <a:round/>
+                      <a:headEnd type="none" w="med" len="med"/>
+                      <a:tailEnd type="none" w="med" len="med"/>
+                    </a:lnL>
+                    <a:lnR w="12700" cap="flat" cmpd="sng" algn="ctr">
+                      <a:solidFill>
+                        <a:scrgbClr r="0" g="0" b="0"/>
+                      </a:solidFill>
+                      <a:prstDash val="solid"/>
+                      <a:round/>
+                      <a:headEnd type="none" w="med" len="med"/>
+                      <a:tailEnd type="none" w="med" len="med"/>
+                    </a:lnR>
+                    <a:lnT w="12700" cap="flat" cmpd="sng" algn="ctr">
+                      <a:solidFill>
+                        <a:scrgbClr r="0" g="0" b="0"/>
+                      </a:solidFill>
+                      <a:prstDash val="solid"/>
+                      <a:round/>
+                      <a:headEnd type="none" w="med" len="med"/>
+                      <a:tailEnd type="none" w="med" len="med"/>
+                    </a:lnT>
+                    <a:lnB w="12700" cap="flat" cmpd="sng" algn="ctr">
+                      <a:solidFill>
+                        <a:scrgbClr r="0" g="0" b="0"/>
+                      </a:solidFill>
+                      <a:prstDash val="solid"/>
+                      <a:round/>
+                      <a:headEnd type="none" w="med" len="med"/>
+                      <a:tailEnd type="none" w="med" len="med"/>
+                    </a:lnB>
+                  </a:tcPr>
+                </a:tc>
+                <a:tc>
+                  <a:txBody>
+                    <a:bodyPr/>
+                    <a:lstStyle/>
+                    <a:p>
+                      <a:r>
+                        <a:rPr lang="de-DE" dirty="0" smtClean="0"/>
+                        <a:t>2329</a:t>
+                      </a:r>
+                      <a:endParaRPr lang="de-DE" dirty="0"/>
+                    </a:p>
+                  </a:txBody>
+                  <a:tcPr>
+                    <a:lnL w="12700" cap="flat" cmpd="sng" algn="ctr">
+                      <a:solidFill>
+                        <a:scrgbClr r="0" g="0" b="0"/>
+                      </a:solidFill>
+                      <a:prstDash val="solid"/>
+                      <a:round/>
+                      <a:headEnd type="none" w="med" len="med"/>
+                      <a:tailEnd type="none" w="med" len="med"/>
+                    </a:lnL>
+                    <a:lnR w="12700" cap="flat" cmpd="sng" algn="ctr">
+                      <a:solidFill>
+                        <a:scrgbClr r="0" g="0" b="0"/>
+                      </a:solidFill>
+                      <a:prstDash val="solid"/>
+                      <a:round/>
+                      <a:headEnd type="none" w="med" len="med"/>
+                      <a:tailEnd type="none" w="med" len="med"/>
+                    </a:lnR>
+                    <a:lnT w="12700" cap="flat" cmpd="sng" algn="ctr">
+                      <a:solidFill>
+                        <a:scrgbClr r="0" g="0" b="0"/>
+                      </a:solidFill>
+                      <a:prstDash val="solid"/>
+                      <a:round/>
+                      <a:headEnd type="none" w="med" len="med"/>
+                      <a:tailEnd type="none" w="med" len="med"/>
+                    </a:lnT>
+                    <a:lnB w="12700" cap="flat" cmpd="sng" algn="ctr">
+                      <a:solidFill>
+                        <a:scrgbClr r="0" g="0" b="0"/>
+                      </a:solidFill>
+                      <a:prstDash val="solid"/>
+                      <a:round/>
+                      <a:headEnd type="none" w="med" len="med"/>
+                      <a:tailEnd type="none" w="med" len="med"/>
+                    </a:lnB>
+                  </a:tcPr>
+                </a:tc>
+                <a:tc>
+                  <a:txBody>
+                    <a:bodyPr/>
+                    <a:lstStyle/>
+                    <a:p>
+                      <a:r>
+                        <a:rPr lang="de-DE" dirty="0" smtClean="0"/>
+                        <a:t>13313</a:t>
+                      </a:r>
+                      <a:endParaRPr lang="de-DE" dirty="0"/>
+                    </a:p>
+                  </a:txBody>
+                  <a:tcPr>
+                    <a:lnL w="12700" cap="flat" cmpd="sng" algn="ctr">
+                      <a:solidFill>
+                        <a:scrgbClr r="0" g="0" b="0"/>
+                      </a:solidFill>
+                      <a:prstDash val="solid"/>
+                      <a:round/>
+                      <a:headEnd type="none" w="med" len="med"/>
+                      <a:tailEnd type="none" w="med" len="med"/>
+                    </a:lnL>
+                    <a:lnR w="12700" cap="flat" cmpd="sng" algn="ctr">
+                      <a:solidFill>
+                        <a:scrgbClr r="0" g="0" b="0"/>
+                      </a:solidFill>
+                      <a:prstDash val="solid"/>
+                      <a:round/>
+                      <a:headEnd type="none" w="med" len="med"/>
+                      <a:tailEnd type="none" w="med" len="med"/>
+                    </a:lnR>
+                    <a:lnT w="12700" cap="flat" cmpd="sng" algn="ctr">
+                      <a:solidFill>
+                        <a:scrgbClr r="0" g="0" b="0"/>
+                      </a:solidFill>
+                      <a:prstDash val="solid"/>
+                      <a:round/>
+                      <a:headEnd type="none" w="med" len="med"/>
+                      <a:tailEnd type="none" w="med" len="med"/>
+                    </a:lnT>
+                    <a:lnB w="12700" cap="flat" cmpd="sng" algn="ctr">
+                      <a:solidFill>
+                        <a:scrgbClr r="0" g="0" b="0"/>
+                      </a:solidFill>
+                      <a:prstDash val="solid"/>
+                      <a:round/>
+                      <a:headEnd type="none" w="med" len="med"/>
+                      <a:tailEnd type="none" w="med" len="med"/>
+                    </a:lnB>
+                  </a:tcPr>
+                </a:tc>
+                <a:tc>
+                  <a:txBody>
+                    <a:bodyPr/>
+                    <a:lstStyle/>
+                    <a:p>
+                      <a:r>
+                        <a:rPr lang="de-DE" dirty="0" smtClean="0"/>
+                        <a:t>5962</a:t>
+                      </a:r>
+                      <a:endParaRPr lang="de-DE" dirty="0"/>
+                    </a:p>
+                  </a:txBody>
+                  <a:tcPr>
+                    <a:lnL w="12700" cap="flat" cmpd="sng" algn="ctr">
+                      <a:solidFill>
+                        <a:scrgbClr r="0" g="0" b="0"/>
+                      </a:solidFill>
+                      <a:prstDash val="solid"/>
+                      <a:round/>
+                      <a:headEnd type="none" w="med" len="med"/>
+                      <a:tailEnd type="none" w="med" len="med"/>
+                    </a:lnL>
+                    <a:lnR w="12700" cap="flat" cmpd="sng" algn="ctr">
+                      <a:solidFill>
+                        <a:scrgbClr r="0" g="0" b="0"/>
+                      </a:solidFill>
+                      <a:prstDash val="solid"/>
+                      <a:round/>
+                      <a:headEnd type="none" w="med" len="med"/>
+                      <a:tailEnd type="none" w="med" len="med"/>
+                    </a:lnR>
+                    <a:lnT w="12700" cap="flat" cmpd="sng" algn="ctr">
+                      <a:solidFill>
+                        <a:scrgbClr r="0" g="0" b="0"/>
+                      </a:solidFill>
+                      <a:prstDash val="solid"/>
+                      <a:round/>
+                      <a:headEnd type="none" w="med" len="med"/>
+                      <a:tailEnd type="none" w="med" len="med"/>
+                    </a:lnT>
+                    <a:lnB w="12700" cap="flat" cmpd="sng" algn="ctr">
+                      <a:solidFill>
+                        <a:scrgbClr r="0" g="0" b="0"/>
+                      </a:solidFill>
+                      <a:prstDash val="solid"/>
+                      <a:round/>
+                      <a:headEnd type="none" w="med" len="med"/>
+                      <a:tailEnd type="none" w="med" len="med"/>
+                    </a:lnB>
+                  </a:tcPr>
                 </a:tc>
               </a:tr>
               <a:tr h="370840">
@@ -4944,7 +9060,44 @@
                       <a:endParaRPr lang="de-DE" dirty="0"/>
                     </a:p>
                   </a:txBody>
-                  <a:tcPr/>
+                  <a:tcPr>
+                    <a:lnL w="12700" cap="flat" cmpd="sng" algn="ctr">
+                      <a:solidFill>
+                        <a:scrgbClr r="0" g="0" b="0"/>
+                      </a:solidFill>
+                      <a:prstDash val="solid"/>
+                      <a:round/>
+                      <a:headEnd type="none" w="med" len="med"/>
+                      <a:tailEnd type="none" w="med" len="med"/>
+                    </a:lnL>
+                    <a:lnR w="12700" cap="flat" cmpd="sng" algn="ctr">
+                      <a:solidFill>
+                        <a:scrgbClr r="0" g="0" b="0"/>
+                      </a:solidFill>
+                      <a:prstDash val="solid"/>
+                      <a:round/>
+                      <a:headEnd type="none" w="med" len="med"/>
+                      <a:tailEnd type="none" w="med" len="med"/>
+                    </a:lnR>
+                    <a:lnT w="12700" cap="flat" cmpd="sng" algn="ctr">
+                      <a:solidFill>
+                        <a:scrgbClr r="0" g="0" b="0"/>
+                      </a:solidFill>
+                      <a:prstDash val="solid"/>
+                      <a:round/>
+                      <a:headEnd type="none" w="med" len="med"/>
+                      <a:tailEnd type="none" w="med" len="med"/>
+                    </a:lnT>
+                    <a:lnB w="12700" cap="flat" cmpd="sng" algn="ctr">
+                      <a:solidFill>
+                        <a:scrgbClr r="0" g="0" b="0"/>
+                      </a:solidFill>
+                      <a:prstDash val="solid"/>
+                      <a:round/>
+                      <a:headEnd type="none" w="med" len="med"/>
+                      <a:tailEnd type="none" w="med" len="med"/>
+                    </a:lnB>
+                  </a:tcPr>
                 </a:tc>
                 <a:tc>
                   <a:txBody>
@@ -4958,7 +9111,44 @@
                       <a:endParaRPr lang="de-DE" dirty="0"/>
                     </a:p>
                   </a:txBody>
-                  <a:tcPr/>
+                  <a:tcPr>
+                    <a:lnL w="12700" cap="flat" cmpd="sng" algn="ctr">
+                      <a:solidFill>
+                        <a:scrgbClr r="0" g="0" b="0"/>
+                      </a:solidFill>
+                      <a:prstDash val="solid"/>
+                      <a:round/>
+                      <a:headEnd type="none" w="med" len="med"/>
+                      <a:tailEnd type="none" w="med" len="med"/>
+                    </a:lnL>
+                    <a:lnR w="12700" cap="flat" cmpd="sng" algn="ctr">
+                      <a:solidFill>
+                        <a:scrgbClr r="0" g="0" b="0"/>
+                      </a:solidFill>
+                      <a:prstDash val="solid"/>
+                      <a:round/>
+                      <a:headEnd type="none" w="med" len="med"/>
+                      <a:tailEnd type="none" w="med" len="med"/>
+                    </a:lnR>
+                    <a:lnT w="12700" cap="flat" cmpd="sng" algn="ctr">
+                      <a:solidFill>
+                        <a:scrgbClr r="0" g="0" b="0"/>
+                      </a:solidFill>
+                      <a:prstDash val="solid"/>
+                      <a:round/>
+                      <a:headEnd type="none" w="med" len="med"/>
+                      <a:tailEnd type="none" w="med" len="med"/>
+                    </a:lnT>
+                    <a:lnB w="12700" cap="flat" cmpd="sng" algn="ctr">
+                      <a:solidFill>
+                        <a:scrgbClr r="0" g="0" b="0"/>
+                      </a:solidFill>
+                      <a:prstDash val="solid"/>
+                      <a:round/>
+                      <a:headEnd type="none" w="med" len="med"/>
+                      <a:tailEnd type="none" w="med" len="med"/>
+                    </a:lnB>
+                  </a:tcPr>
                 </a:tc>
                 <a:tc>
                   <a:txBody>
@@ -4972,37 +9162,197 @@
                       <a:endParaRPr lang="de-DE" dirty="0"/>
                     </a:p>
                   </a:txBody>
-                  <a:tcPr/>
-                </a:tc>
-                <a:tc>
-                  <a:txBody>
-                    <a:bodyPr/>
-                    <a:lstStyle/>
-                    <a:p>
-                      <a:endParaRPr lang="de-DE" dirty="0"/>
-                    </a:p>
-                  </a:txBody>
-                  <a:tcPr/>
-                </a:tc>
-                <a:tc>
-                  <a:txBody>
-                    <a:bodyPr/>
-                    <a:lstStyle/>
-                    <a:p>
-                      <a:endParaRPr lang="de-DE"/>
-                    </a:p>
-                  </a:txBody>
-                  <a:tcPr/>
-                </a:tc>
-                <a:tc>
-                  <a:txBody>
-                    <a:bodyPr/>
-                    <a:lstStyle/>
-                    <a:p>
-                      <a:endParaRPr lang="de-DE"/>
-                    </a:p>
-                  </a:txBody>
-                  <a:tcPr/>
+                  <a:tcPr>
+                    <a:lnL w="12700" cap="flat" cmpd="sng" algn="ctr">
+                      <a:solidFill>
+                        <a:scrgbClr r="0" g="0" b="0"/>
+                      </a:solidFill>
+                      <a:prstDash val="solid"/>
+                      <a:round/>
+                      <a:headEnd type="none" w="med" len="med"/>
+                      <a:tailEnd type="none" w="med" len="med"/>
+                    </a:lnL>
+                    <a:lnR w="12700" cap="flat" cmpd="sng" algn="ctr">
+                      <a:solidFill>
+                        <a:scrgbClr r="0" g="0" b="0"/>
+                      </a:solidFill>
+                      <a:prstDash val="solid"/>
+                      <a:round/>
+                      <a:headEnd type="none" w="med" len="med"/>
+                      <a:tailEnd type="none" w="med" len="med"/>
+                    </a:lnR>
+                    <a:lnT w="12700" cap="flat" cmpd="sng" algn="ctr">
+                      <a:solidFill>
+                        <a:scrgbClr r="0" g="0" b="0"/>
+                      </a:solidFill>
+                      <a:prstDash val="solid"/>
+                      <a:round/>
+                      <a:headEnd type="none" w="med" len="med"/>
+                      <a:tailEnd type="none" w="med" len="med"/>
+                    </a:lnT>
+                    <a:lnB w="12700" cap="flat" cmpd="sng" algn="ctr">
+                      <a:solidFill>
+                        <a:scrgbClr r="0" g="0" b="0"/>
+                      </a:solidFill>
+                      <a:prstDash val="solid"/>
+                      <a:round/>
+                      <a:headEnd type="none" w="med" len="med"/>
+                      <a:tailEnd type="none" w="med" len="med"/>
+                    </a:lnB>
+                  </a:tcPr>
+                </a:tc>
+                <a:tc>
+                  <a:txBody>
+                    <a:bodyPr/>
+                    <a:lstStyle/>
+                    <a:p>
+                      <a:r>
+                        <a:rPr lang="de-DE" dirty="0" smtClean="0"/>
+                        <a:t>5619</a:t>
+                      </a:r>
+                      <a:endParaRPr lang="de-DE" dirty="0"/>
+                    </a:p>
+                  </a:txBody>
+                  <a:tcPr>
+                    <a:lnL w="12700" cap="flat" cmpd="sng" algn="ctr">
+                      <a:solidFill>
+                        <a:scrgbClr r="0" g="0" b="0"/>
+                      </a:solidFill>
+                      <a:prstDash val="solid"/>
+                      <a:round/>
+                      <a:headEnd type="none" w="med" len="med"/>
+                      <a:tailEnd type="none" w="med" len="med"/>
+                    </a:lnL>
+                    <a:lnR w="12700" cap="flat" cmpd="sng" algn="ctr">
+                      <a:solidFill>
+                        <a:scrgbClr r="0" g="0" b="0"/>
+                      </a:solidFill>
+                      <a:prstDash val="solid"/>
+                      <a:round/>
+                      <a:headEnd type="none" w="med" len="med"/>
+                      <a:tailEnd type="none" w="med" len="med"/>
+                    </a:lnR>
+                    <a:lnT w="12700" cap="flat" cmpd="sng" algn="ctr">
+                      <a:solidFill>
+                        <a:scrgbClr r="0" g="0" b="0"/>
+                      </a:solidFill>
+                      <a:prstDash val="solid"/>
+                      <a:round/>
+                      <a:headEnd type="none" w="med" len="med"/>
+                      <a:tailEnd type="none" w="med" len="med"/>
+                    </a:lnT>
+                    <a:lnB w="12700" cap="flat" cmpd="sng" algn="ctr">
+                      <a:solidFill>
+                        <a:scrgbClr r="0" g="0" b="0"/>
+                      </a:solidFill>
+                      <a:prstDash val="solid"/>
+                      <a:round/>
+                      <a:headEnd type="none" w="med" len="med"/>
+                      <a:tailEnd type="none" w="med" len="med"/>
+                    </a:lnB>
+                  </a:tcPr>
+                </a:tc>
+                <a:tc>
+                  <a:txBody>
+                    <a:bodyPr/>
+                    <a:lstStyle/>
+                    <a:p>
+                      <a:r>
+                        <a:rPr lang="de-DE" dirty="0" smtClean="0"/>
+                        <a:t>21028</a:t>
+                      </a:r>
+                      <a:endParaRPr lang="de-DE" dirty="0"/>
+                    </a:p>
+                  </a:txBody>
+                  <a:tcPr>
+                    <a:lnL w="12700" cap="flat" cmpd="sng" algn="ctr">
+                      <a:solidFill>
+                        <a:scrgbClr r="0" g="0" b="0"/>
+                      </a:solidFill>
+                      <a:prstDash val="solid"/>
+                      <a:round/>
+                      <a:headEnd type="none" w="med" len="med"/>
+                      <a:tailEnd type="none" w="med" len="med"/>
+                    </a:lnL>
+                    <a:lnR w="12700" cap="flat" cmpd="sng" algn="ctr">
+                      <a:solidFill>
+                        <a:scrgbClr r="0" g="0" b="0"/>
+                      </a:solidFill>
+                      <a:prstDash val="solid"/>
+                      <a:round/>
+                      <a:headEnd type="none" w="med" len="med"/>
+                      <a:tailEnd type="none" w="med" len="med"/>
+                    </a:lnR>
+                    <a:lnT w="12700" cap="flat" cmpd="sng" algn="ctr">
+                      <a:solidFill>
+                        <a:scrgbClr r="0" g="0" b="0"/>
+                      </a:solidFill>
+                      <a:prstDash val="solid"/>
+                      <a:round/>
+                      <a:headEnd type="none" w="med" len="med"/>
+                      <a:tailEnd type="none" w="med" len="med"/>
+                    </a:lnT>
+                    <a:lnB w="12700" cap="flat" cmpd="sng" algn="ctr">
+                      <a:solidFill>
+                        <a:scrgbClr r="0" g="0" b="0"/>
+                      </a:solidFill>
+                      <a:prstDash val="solid"/>
+                      <a:round/>
+                      <a:headEnd type="none" w="med" len="med"/>
+                      <a:tailEnd type="none" w="med" len="med"/>
+                    </a:lnB>
+                  </a:tcPr>
+                </a:tc>
+                <a:tc>
+                  <a:txBody>
+                    <a:bodyPr/>
+                    <a:lstStyle/>
+                    <a:p>
+                      <a:r>
+                        <a:rPr lang="de-DE" dirty="0" smtClean="0"/>
+                        <a:t>15185</a:t>
+                      </a:r>
+                      <a:endParaRPr lang="de-DE" dirty="0"/>
+                    </a:p>
+                  </a:txBody>
+                  <a:tcPr>
+                    <a:lnL w="12700" cap="flat" cmpd="sng" algn="ctr">
+                      <a:solidFill>
+                        <a:scrgbClr r="0" g="0" b="0"/>
+                      </a:solidFill>
+                      <a:prstDash val="solid"/>
+                      <a:round/>
+                      <a:headEnd type="none" w="med" len="med"/>
+                      <a:tailEnd type="none" w="med" len="med"/>
+                    </a:lnL>
+                    <a:lnR w="12700" cap="flat" cmpd="sng" algn="ctr">
+                      <a:solidFill>
+                        <a:scrgbClr r="0" g="0" b="0"/>
+                      </a:solidFill>
+                      <a:prstDash val="solid"/>
+                      <a:round/>
+                      <a:headEnd type="none" w="med" len="med"/>
+                      <a:tailEnd type="none" w="med" len="med"/>
+                    </a:lnR>
+                    <a:lnT w="12700" cap="flat" cmpd="sng" algn="ctr">
+                      <a:solidFill>
+                        <a:scrgbClr r="0" g="0" b="0"/>
+                      </a:solidFill>
+                      <a:prstDash val="solid"/>
+                      <a:round/>
+                      <a:headEnd type="none" w="med" len="med"/>
+                      <a:tailEnd type="none" w="med" len="med"/>
+                    </a:lnT>
+                    <a:lnB w="12700" cap="flat" cmpd="sng" algn="ctr">
+                      <a:solidFill>
+                        <a:scrgbClr r="0" g="0" b="0"/>
+                      </a:solidFill>
+                      <a:prstDash val="solid"/>
+                      <a:round/>
+                      <a:headEnd type="none" w="med" len="med"/>
+                      <a:tailEnd type="none" w="med" len="med"/>
+                    </a:lnB>
+                  </a:tcPr>
                 </a:tc>
               </a:tr>
               <a:tr h="370840">
@@ -5019,7 +9369,34 @@
                     </a:p>
                   </a:txBody>
                   <a:tcPr>
-                    <a:lnB w="12700" cap="flat" cmpd="sng" algn="ctr">
+                    <a:lnL w="12700" cap="flat" cmpd="sng" algn="ctr">
+                      <a:solidFill>
+                        <a:scrgbClr r="0" g="0" b="0"/>
+                      </a:solidFill>
+                      <a:prstDash val="solid"/>
+                      <a:round/>
+                      <a:headEnd type="none" w="med" len="med"/>
+                      <a:tailEnd type="none" w="med" len="med"/>
+                    </a:lnL>
+                    <a:lnR w="12700" cap="flat" cmpd="sng" algn="ctr">
+                      <a:solidFill>
+                        <a:scrgbClr r="0" g="0" b="0"/>
+                      </a:solidFill>
+                      <a:prstDash val="solid"/>
+                      <a:round/>
+                      <a:headEnd type="none" w="med" len="med"/>
+                      <a:tailEnd type="none" w="med" len="med"/>
+                    </a:lnR>
+                    <a:lnT w="12700" cap="flat" cmpd="sng" algn="ctr">
+                      <a:solidFill>
+                        <a:scrgbClr r="0" g="0" b="0"/>
+                      </a:solidFill>
+                      <a:prstDash val="solid"/>
+                      <a:round/>
+                      <a:headEnd type="none" w="med" len="med"/>
+                      <a:tailEnd type="none" w="med" len="med"/>
+                    </a:lnT>
+                    <a:lnB w="57150" cap="flat" cmpd="sng" algn="ctr">
                       <a:solidFill>
                         <a:scrgbClr r="0" g="0" b="0"/>
                       </a:solidFill>
@@ -5043,7 +9420,34 @@
                     </a:p>
                   </a:txBody>
                   <a:tcPr>
-                    <a:lnB w="12700" cap="flat" cmpd="sng" algn="ctr">
+                    <a:lnL w="12700" cap="flat" cmpd="sng" algn="ctr">
+                      <a:solidFill>
+                        <a:scrgbClr r="0" g="0" b="0"/>
+                      </a:solidFill>
+                      <a:prstDash val="solid"/>
+                      <a:round/>
+                      <a:headEnd type="none" w="med" len="med"/>
+                      <a:tailEnd type="none" w="med" len="med"/>
+                    </a:lnL>
+                    <a:lnR w="12700" cap="flat" cmpd="sng" algn="ctr">
+                      <a:solidFill>
+                        <a:scrgbClr r="0" g="0" b="0"/>
+                      </a:solidFill>
+                      <a:prstDash val="solid"/>
+                      <a:round/>
+                      <a:headEnd type="none" w="med" len="med"/>
+                      <a:tailEnd type="none" w="med" len="med"/>
+                    </a:lnR>
+                    <a:lnT w="12700" cap="flat" cmpd="sng" algn="ctr">
+                      <a:solidFill>
+                        <a:scrgbClr r="0" g="0" b="0"/>
+                      </a:solidFill>
+                      <a:prstDash val="solid"/>
+                      <a:round/>
+                      <a:headEnd type="none" w="med" len="med"/>
+                      <a:tailEnd type="none" w="med" len="med"/>
+                    </a:lnT>
+                    <a:lnB w="57150" cap="flat" cmpd="sng" algn="ctr">
                       <a:solidFill>
                         <a:scrgbClr r="0" g="0" b="0"/>
                       </a:solidFill>
@@ -5067,67 +9471,187 @@
                     </a:p>
                   </a:txBody>
                   <a:tcPr>
-                    <a:lnB w="12700" cap="flat" cmpd="sng" algn="ctr">
-                      <a:solidFill>
-                        <a:scrgbClr r="0" g="0" b="0"/>
-                      </a:solidFill>
-                      <a:prstDash val="solid"/>
-                      <a:round/>
-                      <a:headEnd type="none" w="med" len="med"/>
-                      <a:tailEnd type="none" w="med" len="med"/>
-                    </a:lnB>
-                  </a:tcPr>
-                </a:tc>
-                <a:tc>
-                  <a:txBody>
-                    <a:bodyPr/>
-                    <a:lstStyle/>
-                    <a:p>
-                      <a:endParaRPr lang="de-DE" dirty="0"/>
-                    </a:p>
-                  </a:txBody>
-                  <a:tcPr>
-                    <a:lnB w="12700" cap="flat" cmpd="sng" algn="ctr">
-                      <a:solidFill>
-                        <a:scrgbClr r="0" g="0" b="0"/>
-                      </a:solidFill>
-                      <a:prstDash val="solid"/>
-                      <a:round/>
-                      <a:headEnd type="none" w="med" len="med"/>
-                      <a:tailEnd type="none" w="med" len="med"/>
-                    </a:lnB>
-                  </a:tcPr>
-                </a:tc>
-                <a:tc>
-                  <a:txBody>
-                    <a:bodyPr/>
-                    <a:lstStyle/>
-                    <a:p>
-                      <a:endParaRPr lang="de-DE" dirty="0"/>
-                    </a:p>
-                  </a:txBody>
-                  <a:tcPr>
-                    <a:lnB w="12700" cap="flat" cmpd="sng" algn="ctr">
-                      <a:solidFill>
-                        <a:scrgbClr r="0" g="0" b="0"/>
-                      </a:solidFill>
-                      <a:prstDash val="solid"/>
-                      <a:round/>
-                      <a:headEnd type="none" w="med" len="med"/>
-                      <a:tailEnd type="none" w="med" len="med"/>
-                    </a:lnB>
-                  </a:tcPr>
-                </a:tc>
-                <a:tc>
-                  <a:txBody>
-                    <a:bodyPr/>
-                    <a:lstStyle/>
-                    <a:p>
-                      <a:endParaRPr lang="de-DE" dirty="0"/>
-                    </a:p>
-                  </a:txBody>
-                  <a:tcPr>
-                    <a:lnB w="12700" cap="flat" cmpd="sng" algn="ctr">
+                    <a:lnL w="12700" cap="flat" cmpd="sng" algn="ctr">
+                      <a:solidFill>
+                        <a:scrgbClr r="0" g="0" b="0"/>
+                      </a:solidFill>
+                      <a:prstDash val="solid"/>
+                      <a:round/>
+                      <a:headEnd type="none" w="med" len="med"/>
+                      <a:tailEnd type="none" w="med" len="med"/>
+                    </a:lnL>
+                    <a:lnR w="12700" cap="flat" cmpd="sng" algn="ctr">
+                      <a:solidFill>
+                        <a:scrgbClr r="0" g="0" b="0"/>
+                      </a:solidFill>
+                      <a:prstDash val="solid"/>
+                      <a:round/>
+                      <a:headEnd type="none" w="med" len="med"/>
+                      <a:tailEnd type="none" w="med" len="med"/>
+                    </a:lnR>
+                    <a:lnT w="12700" cap="flat" cmpd="sng" algn="ctr">
+                      <a:solidFill>
+                        <a:scrgbClr r="0" g="0" b="0"/>
+                      </a:solidFill>
+                      <a:prstDash val="solid"/>
+                      <a:round/>
+                      <a:headEnd type="none" w="med" len="med"/>
+                      <a:tailEnd type="none" w="med" len="med"/>
+                    </a:lnT>
+                    <a:lnB w="57150" cap="flat" cmpd="sng" algn="ctr">
+                      <a:solidFill>
+                        <a:scrgbClr r="0" g="0" b="0"/>
+                      </a:solidFill>
+                      <a:prstDash val="solid"/>
+                      <a:round/>
+                      <a:headEnd type="none" w="med" len="med"/>
+                      <a:tailEnd type="none" w="med" len="med"/>
+                    </a:lnB>
+                  </a:tcPr>
+                </a:tc>
+                <a:tc>
+                  <a:txBody>
+                    <a:bodyPr/>
+                    <a:lstStyle/>
+                    <a:p>
+                      <a:r>
+                        <a:rPr lang="de-DE" dirty="0" smtClean="0"/>
+                        <a:t>40</a:t>
+                      </a:r>
+                      <a:endParaRPr lang="de-DE" dirty="0"/>
+                    </a:p>
+                  </a:txBody>
+                  <a:tcPr>
+                    <a:lnL w="12700" cap="flat" cmpd="sng" algn="ctr">
+                      <a:solidFill>
+                        <a:scrgbClr r="0" g="0" b="0"/>
+                      </a:solidFill>
+                      <a:prstDash val="solid"/>
+                      <a:round/>
+                      <a:headEnd type="none" w="med" len="med"/>
+                      <a:tailEnd type="none" w="med" len="med"/>
+                    </a:lnL>
+                    <a:lnR w="12700" cap="flat" cmpd="sng" algn="ctr">
+                      <a:solidFill>
+                        <a:scrgbClr r="0" g="0" b="0"/>
+                      </a:solidFill>
+                      <a:prstDash val="solid"/>
+                      <a:round/>
+                      <a:headEnd type="none" w="med" len="med"/>
+                      <a:tailEnd type="none" w="med" len="med"/>
+                    </a:lnR>
+                    <a:lnT w="12700" cap="flat" cmpd="sng" algn="ctr">
+                      <a:solidFill>
+                        <a:scrgbClr r="0" g="0" b="0"/>
+                      </a:solidFill>
+                      <a:prstDash val="solid"/>
+                      <a:round/>
+                      <a:headEnd type="none" w="med" len="med"/>
+                      <a:tailEnd type="none" w="med" len="med"/>
+                    </a:lnT>
+                    <a:lnB w="57150" cap="flat" cmpd="sng" algn="ctr">
+                      <a:solidFill>
+                        <a:scrgbClr r="0" g="0" b="0"/>
+                      </a:solidFill>
+                      <a:prstDash val="solid"/>
+                      <a:round/>
+                      <a:headEnd type="none" w="med" len="med"/>
+                      <a:tailEnd type="none" w="med" len="med"/>
+                    </a:lnB>
+                  </a:tcPr>
+                </a:tc>
+                <a:tc>
+                  <a:txBody>
+                    <a:bodyPr/>
+                    <a:lstStyle/>
+                    <a:p>
+                      <a:r>
+                        <a:rPr lang="de-DE" dirty="0" smtClean="0"/>
+                        <a:t>24908</a:t>
+                      </a:r>
+                      <a:endParaRPr lang="de-DE" dirty="0"/>
+                    </a:p>
+                  </a:txBody>
+                  <a:tcPr>
+                    <a:lnL w="12700" cap="flat" cmpd="sng" algn="ctr">
+                      <a:solidFill>
+                        <a:scrgbClr r="0" g="0" b="0"/>
+                      </a:solidFill>
+                      <a:prstDash val="solid"/>
+                      <a:round/>
+                      <a:headEnd type="none" w="med" len="med"/>
+                      <a:tailEnd type="none" w="med" len="med"/>
+                    </a:lnL>
+                    <a:lnR w="12700" cap="flat" cmpd="sng" algn="ctr">
+                      <a:solidFill>
+                        <a:scrgbClr r="0" g="0" b="0"/>
+                      </a:solidFill>
+                      <a:prstDash val="solid"/>
+                      <a:round/>
+                      <a:headEnd type="none" w="med" len="med"/>
+                      <a:tailEnd type="none" w="med" len="med"/>
+                    </a:lnR>
+                    <a:lnT w="12700" cap="flat" cmpd="sng" algn="ctr">
+                      <a:solidFill>
+                        <a:scrgbClr r="0" g="0" b="0"/>
+                      </a:solidFill>
+                      <a:prstDash val="solid"/>
+                      <a:round/>
+                      <a:headEnd type="none" w="med" len="med"/>
+                      <a:tailEnd type="none" w="med" len="med"/>
+                    </a:lnT>
+                    <a:lnB w="57150" cap="flat" cmpd="sng" algn="ctr">
+                      <a:solidFill>
+                        <a:scrgbClr r="0" g="0" b="0"/>
+                      </a:solidFill>
+                      <a:prstDash val="solid"/>
+                      <a:round/>
+                      <a:headEnd type="none" w="med" len="med"/>
+                      <a:tailEnd type="none" w="med" len="med"/>
+                    </a:lnB>
+                  </a:tcPr>
+                </a:tc>
+                <a:tc>
+                  <a:txBody>
+                    <a:bodyPr/>
+                    <a:lstStyle/>
+                    <a:p>
+                      <a:r>
+                        <a:rPr lang="de-DE" dirty="0" smtClean="0"/>
+                        <a:t>4324</a:t>
+                      </a:r>
+                      <a:endParaRPr lang="de-DE" dirty="0"/>
+                    </a:p>
+                  </a:txBody>
+                  <a:tcPr>
+                    <a:lnL w="12700" cap="flat" cmpd="sng" algn="ctr">
+                      <a:solidFill>
+                        <a:scrgbClr r="0" g="0" b="0"/>
+                      </a:solidFill>
+                      <a:prstDash val="solid"/>
+                      <a:round/>
+                      <a:headEnd type="none" w="med" len="med"/>
+                      <a:tailEnd type="none" w="med" len="med"/>
+                    </a:lnL>
+                    <a:lnR w="12700" cap="flat" cmpd="sng" algn="ctr">
+                      <a:solidFill>
+                        <a:scrgbClr r="0" g="0" b="0"/>
+                      </a:solidFill>
+                      <a:prstDash val="solid"/>
+                      <a:round/>
+                      <a:headEnd type="none" w="med" len="med"/>
+                      <a:tailEnd type="none" w="med" len="med"/>
+                    </a:lnR>
+                    <a:lnT w="12700" cap="flat" cmpd="sng" algn="ctr">
+                      <a:solidFill>
+                        <a:scrgbClr r="0" g="0" b="0"/>
+                      </a:solidFill>
+                      <a:prstDash val="solid"/>
+                      <a:round/>
+                      <a:headEnd type="none" w="med" len="med"/>
+                      <a:tailEnd type="none" w="med" len="med"/>
+                    </a:lnT>
+                    <a:lnB w="57150" cap="flat" cmpd="sng" algn="ctr">
                       <a:solidFill>
                         <a:scrgbClr r="0" g="0" b="0"/>
                       </a:solidFill>
@@ -5153,15 +9677,42 @@
                     </a:p>
                   </a:txBody>
                   <a:tcPr>
-                    <a:lnT w="12700" cap="flat" cmpd="sng" algn="ctr">
-                      <a:solidFill>
-                        <a:scrgbClr r="0" g="0" b="0"/>
-                      </a:solidFill>
-                      <a:prstDash val="solid"/>
-                      <a:round/>
-                      <a:headEnd type="none" w="med" len="med"/>
-                      <a:tailEnd type="none" w="med" len="med"/>
-                    </a:lnT>
+                    <a:lnL w="12700" cap="flat" cmpd="sng" algn="ctr">
+                      <a:solidFill>
+                        <a:scrgbClr r="0" g="0" b="0"/>
+                      </a:solidFill>
+                      <a:prstDash val="solid"/>
+                      <a:round/>
+                      <a:headEnd type="none" w="med" len="med"/>
+                      <a:tailEnd type="none" w="med" len="med"/>
+                    </a:lnL>
+                    <a:lnR w="12700" cap="flat" cmpd="sng" algn="ctr">
+                      <a:solidFill>
+                        <a:scrgbClr r="0" g="0" b="0"/>
+                      </a:solidFill>
+                      <a:prstDash val="solid"/>
+                      <a:round/>
+                      <a:headEnd type="none" w="med" len="med"/>
+                      <a:tailEnd type="none" w="med" len="med"/>
+                    </a:lnR>
+                    <a:lnT w="57150" cap="flat" cmpd="sng" algn="ctr">
+                      <a:solidFill>
+                        <a:scrgbClr r="0" g="0" b="0"/>
+                      </a:solidFill>
+                      <a:prstDash val="solid"/>
+                      <a:round/>
+                      <a:headEnd type="none" w="med" len="med"/>
+                      <a:tailEnd type="none" w="med" len="med"/>
+                    </a:lnT>
+                    <a:lnB w="12700" cap="flat" cmpd="sng" algn="ctr">
+                      <a:solidFill>
+                        <a:scrgbClr r="0" g="0" b="0"/>
+                      </a:solidFill>
+                      <a:prstDash val="solid"/>
+                      <a:round/>
+                      <a:headEnd type="none" w="med" len="med"/>
+                      <a:tailEnd type="none" w="med" len="med"/>
+                    </a:lnB>
                   </a:tcPr>
                 </a:tc>
                 <a:tc>
@@ -5177,15 +9728,42 @@
                     </a:p>
                   </a:txBody>
                   <a:tcPr>
-                    <a:lnT w="12700" cap="flat" cmpd="sng" algn="ctr">
-                      <a:solidFill>
-                        <a:scrgbClr r="0" g="0" b="0"/>
-                      </a:solidFill>
-                      <a:prstDash val="solid"/>
-                      <a:round/>
-                      <a:headEnd type="none" w="med" len="med"/>
-                      <a:tailEnd type="none" w="med" len="med"/>
-                    </a:lnT>
+                    <a:lnL w="12700" cap="flat" cmpd="sng" algn="ctr">
+                      <a:solidFill>
+                        <a:scrgbClr r="0" g="0" b="0"/>
+                      </a:solidFill>
+                      <a:prstDash val="solid"/>
+                      <a:round/>
+                      <a:headEnd type="none" w="med" len="med"/>
+                      <a:tailEnd type="none" w="med" len="med"/>
+                    </a:lnL>
+                    <a:lnR w="12700" cap="flat" cmpd="sng" algn="ctr">
+                      <a:solidFill>
+                        <a:scrgbClr r="0" g="0" b="0"/>
+                      </a:solidFill>
+                      <a:prstDash val="solid"/>
+                      <a:round/>
+                      <a:headEnd type="none" w="med" len="med"/>
+                      <a:tailEnd type="none" w="med" len="med"/>
+                    </a:lnR>
+                    <a:lnT w="57150" cap="flat" cmpd="sng" algn="ctr">
+                      <a:solidFill>
+                        <a:scrgbClr r="0" g="0" b="0"/>
+                      </a:solidFill>
+                      <a:prstDash val="solid"/>
+                      <a:round/>
+                      <a:headEnd type="none" w="med" len="med"/>
+                      <a:tailEnd type="none" w="med" len="med"/>
+                    </a:lnT>
+                    <a:lnB w="12700" cap="flat" cmpd="sng" algn="ctr">
+                      <a:solidFill>
+                        <a:scrgbClr r="0" g="0" b="0"/>
+                      </a:solidFill>
+                      <a:prstDash val="solid"/>
+                      <a:round/>
+                      <a:headEnd type="none" w="med" len="med"/>
+                      <a:tailEnd type="none" w="med" len="med"/>
+                    </a:lnB>
                   </a:tcPr>
                 </a:tc>
                 <a:tc>
@@ -5201,75 +9779,195 @@
                     </a:p>
                   </a:txBody>
                   <a:tcPr>
-                    <a:lnT w="12700" cap="flat" cmpd="sng" algn="ctr">
-                      <a:solidFill>
-                        <a:scrgbClr r="0" g="0" b="0"/>
-                      </a:solidFill>
-                      <a:prstDash val="solid"/>
-                      <a:round/>
-                      <a:headEnd type="none" w="med" len="med"/>
-                      <a:tailEnd type="none" w="med" len="med"/>
-                    </a:lnT>
-                  </a:tcPr>
-                </a:tc>
-                <a:tc>
-                  <a:txBody>
-                    <a:bodyPr/>
-                    <a:lstStyle/>
-                    <a:p>
-                      <a:endParaRPr lang="de-DE"/>
-                    </a:p>
-                  </a:txBody>
-                  <a:tcPr>
-                    <a:lnT w="12700" cap="flat" cmpd="sng" algn="ctr">
-                      <a:solidFill>
-                        <a:scrgbClr r="0" g="0" b="0"/>
-                      </a:solidFill>
-                      <a:prstDash val="solid"/>
-                      <a:round/>
-                      <a:headEnd type="none" w="med" len="med"/>
-                      <a:tailEnd type="none" w="med" len="med"/>
-                    </a:lnT>
-                  </a:tcPr>
-                </a:tc>
-                <a:tc>
-                  <a:txBody>
-                    <a:bodyPr/>
-                    <a:lstStyle/>
-                    <a:p>
-                      <a:endParaRPr lang="de-DE"/>
-                    </a:p>
-                  </a:txBody>
-                  <a:tcPr>
-                    <a:lnT w="12700" cap="flat" cmpd="sng" algn="ctr">
-                      <a:solidFill>
-                        <a:scrgbClr r="0" g="0" b="0"/>
-                      </a:solidFill>
-                      <a:prstDash val="solid"/>
-                      <a:round/>
-                      <a:headEnd type="none" w="med" len="med"/>
-                      <a:tailEnd type="none" w="med" len="med"/>
-                    </a:lnT>
-                  </a:tcPr>
-                </a:tc>
-                <a:tc>
-                  <a:txBody>
-                    <a:bodyPr/>
-                    <a:lstStyle/>
-                    <a:p>
-                      <a:endParaRPr lang="de-DE"/>
-                    </a:p>
-                  </a:txBody>
-                  <a:tcPr>
-                    <a:lnT w="12700" cap="flat" cmpd="sng" algn="ctr">
-                      <a:solidFill>
-                        <a:scrgbClr r="0" g="0" b="0"/>
-                      </a:solidFill>
-                      <a:prstDash val="solid"/>
-                      <a:round/>
-                      <a:headEnd type="none" w="med" len="med"/>
-                      <a:tailEnd type="none" w="med" len="med"/>
-                    </a:lnT>
+                    <a:lnL w="12700" cap="flat" cmpd="sng" algn="ctr">
+                      <a:solidFill>
+                        <a:scrgbClr r="0" g="0" b="0"/>
+                      </a:solidFill>
+                      <a:prstDash val="solid"/>
+                      <a:round/>
+                      <a:headEnd type="none" w="med" len="med"/>
+                      <a:tailEnd type="none" w="med" len="med"/>
+                    </a:lnL>
+                    <a:lnR w="12700" cap="flat" cmpd="sng" algn="ctr">
+                      <a:solidFill>
+                        <a:scrgbClr r="0" g="0" b="0"/>
+                      </a:solidFill>
+                      <a:prstDash val="solid"/>
+                      <a:round/>
+                      <a:headEnd type="none" w="med" len="med"/>
+                      <a:tailEnd type="none" w="med" len="med"/>
+                    </a:lnR>
+                    <a:lnT w="57150" cap="flat" cmpd="sng" algn="ctr">
+                      <a:solidFill>
+                        <a:scrgbClr r="0" g="0" b="0"/>
+                      </a:solidFill>
+                      <a:prstDash val="solid"/>
+                      <a:round/>
+                      <a:headEnd type="none" w="med" len="med"/>
+                      <a:tailEnd type="none" w="med" len="med"/>
+                    </a:lnT>
+                    <a:lnB w="12700" cap="flat" cmpd="sng" algn="ctr">
+                      <a:solidFill>
+                        <a:scrgbClr r="0" g="0" b="0"/>
+                      </a:solidFill>
+                      <a:prstDash val="solid"/>
+                      <a:round/>
+                      <a:headEnd type="none" w="med" len="med"/>
+                      <a:tailEnd type="none" w="med" len="med"/>
+                    </a:lnB>
+                  </a:tcPr>
+                </a:tc>
+                <a:tc>
+                  <a:txBody>
+                    <a:bodyPr/>
+                    <a:lstStyle/>
+                    <a:p>
+                      <a:r>
+                        <a:rPr lang="de-DE" dirty="0" smtClean="0"/>
+                        <a:t>189</a:t>
+                      </a:r>
+                      <a:endParaRPr lang="de-DE" dirty="0"/>
+                    </a:p>
+                  </a:txBody>
+                  <a:tcPr>
+                    <a:lnL w="12700" cap="flat" cmpd="sng" algn="ctr">
+                      <a:solidFill>
+                        <a:scrgbClr r="0" g="0" b="0"/>
+                      </a:solidFill>
+                      <a:prstDash val="solid"/>
+                      <a:round/>
+                      <a:headEnd type="none" w="med" len="med"/>
+                      <a:tailEnd type="none" w="med" len="med"/>
+                    </a:lnL>
+                    <a:lnR w="12700" cap="flat" cmpd="sng" algn="ctr">
+                      <a:solidFill>
+                        <a:scrgbClr r="0" g="0" b="0"/>
+                      </a:solidFill>
+                      <a:prstDash val="solid"/>
+                      <a:round/>
+                      <a:headEnd type="none" w="med" len="med"/>
+                      <a:tailEnd type="none" w="med" len="med"/>
+                    </a:lnR>
+                    <a:lnT w="57150" cap="flat" cmpd="sng" algn="ctr">
+                      <a:solidFill>
+                        <a:scrgbClr r="0" g="0" b="0"/>
+                      </a:solidFill>
+                      <a:prstDash val="solid"/>
+                      <a:round/>
+                      <a:headEnd type="none" w="med" len="med"/>
+                      <a:tailEnd type="none" w="med" len="med"/>
+                    </a:lnT>
+                    <a:lnB w="12700" cap="flat" cmpd="sng" algn="ctr">
+                      <a:solidFill>
+                        <a:scrgbClr r="0" g="0" b="0"/>
+                      </a:solidFill>
+                      <a:prstDash val="solid"/>
+                      <a:round/>
+                      <a:headEnd type="none" w="med" len="med"/>
+                      <a:tailEnd type="none" w="med" len="med"/>
+                    </a:lnB>
+                  </a:tcPr>
+                </a:tc>
+                <a:tc>
+                  <a:txBody>
+                    <a:bodyPr/>
+                    <a:lstStyle/>
+                    <a:p>
+                      <a:r>
+                        <a:rPr lang="de-DE" dirty="0" smtClean="0"/>
+                        <a:t>4249</a:t>
+                      </a:r>
+                      <a:endParaRPr lang="de-DE" dirty="0"/>
+                    </a:p>
+                  </a:txBody>
+                  <a:tcPr>
+                    <a:lnL w="12700" cap="flat" cmpd="sng" algn="ctr">
+                      <a:solidFill>
+                        <a:scrgbClr r="0" g="0" b="0"/>
+                      </a:solidFill>
+                      <a:prstDash val="solid"/>
+                      <a:round/>
+                      <a:headEnd type="none" w="med" len="med"/>
+                      <a:tailEnd type="none" w="med" len="med"/>
+                    </a:lnL>
+                    <a:lnR w="12700" cap="flat" cmpd="sng" algn="ctr">
+                      <a:solidFill>
+                        <a:scrgbClr r="0" g="0" b="0"/>
+                      </a:solidFill>
+                      <a:prstDash val="solid"/>
+                      <a:round/>
+                      <a:headEnd type="none" w="med" len="med"/>
+                      <a:tailEnd type="none" w="med" len="med"/>
+                    </a:lnR>
+                    <a:lnT w="57150" cap="flat" cmpd="sng" algn="ctr">
+                      <a:solidFill>
+                        <a:scrgbClr r="0" g="0" b="0"/>
+                      </a:solidFill>
+                      <a:prstDash val="solid"/>
+                      <a:round/>
+                      <a:headEnd type="none" w="med" len="med"/>
+                      <a:tailEnd type="none" w="med" len="med"/>
+                    </a:lnT>
+                    <a:lnB w="12700" cap="flat" cmpd="sng" algn="ctr">
+                      <a:solidFill>
+                        <a:scrgbClr r="0" g="0" b="0"/>
+                      </a:solidFill>
+                      <a:prstDash val="solid"/>
+                      <a:round/>
+                      <a:headEnd type="none" w="med" len="med"/>
+                      <a:tailEnd type="none" w="med" len="med"/>
+                    </a:lnB>
+                  </a:tcPr>
+                </a:tc>
+                <a:tc>
+                  <a:txBody>
+                    <a:bodyPr/>
+                    <a:lstStyle/>
+                    <a:p>
+                      <a:r>
+                        <a:rPr lang="de-DE" dirty="0" smtClean="0"/>
+                        <a:t>3245</a:t>
+                      </a:r>
+                      <a:endParaRPr lang="de-DE" dirty="0"/>
+                    </a:p>
+                  </a:txBody>
+                  <a:tcPr>
+                    <a:lnL w="12700" cap="flat" cmpd="sng" algn="ctr">
+                      <a:solidFill>
+                        <a:scrgbClr r="0" g="0" b="0"/>
+                      </a:solidFill>
+                      <a:prstDash val="solid"/>
+                      <a:round/>
+                      <a:headEnd type="none" w="med" len="med"/>
+                      <a:tailEnd type="none" w="med" len="med"/>
+                    </a:lnL>
+                    <a:lnR w="12700" cap="flat" cmpd="sng" algn="ctr">
+                      <a:solidFill>
+                        <a:scrgbClr r="0" g="0" b="0"/>
+                      </a:solidFill>
+                      <a:prstDash val="solid"/>
+                      <a:round/>
+                      <a:headEnd type="none" w="med" len="med"/>
+                      <a:tailEnd type="none" w="med" len="med"/>
+                    </a:lnR>
+                    <a:lnT w="57150" cap="flat" cmpd="sng" algn="ctr">
+                      <a:solidFill>
+                        <a:scrgbClr r="0" g="0" b="0"/>
+                      </a:solidFill>
+                      <a:prstDash val="solid"/>
+                      <a:round/>
+                      <a:headEnd type="none" w="med" len="med"/>
+                      <a:tailEnd type="none" w="med" len="med"/>
+                    </a:lnT>
+                    <a:lnB w="12700" cap="flat" cmpd="sng" algn="ctr">
+                      <a:solidFill>
+                        <a:scrgbClr r="0" g="0" b="0"/>
+                      </a:solidFill>
+                      <a:prstDash val="solid"/>
+                      <a:round/>
+                      <a:headEnd type="none" w="med" len="med"/>
+                      <a:tailEnd type="none" w="med" len="med"/>
+                    </a:lnB>
                   </a:tcPr>
                 </a:tc>
               </a:tr>
@@ -5286,7 +9984,44 @@
                       <a:endParaRPr lang="de-DE" dirty="0"/>
                     </a:p>
                   </a:txBody>
-                  <a:tcPr/>
+                  <a:tcPr>
+                    <a:lnL w="12700" cap="flat" cmpd="sng" algn="ctr">
+                      <a:solidFill>
+                        <a:scrgbClr r="0" g="0" b="0"/>
+                      </a:solidFill>
+                      <a:prstDash val="solid"/>
+                      <a:round/>
+                      <a:headEnd type="none" w="med" len="med"/>
+                      <a:tailEnd type="none" w="med" len="med"/>
+                    </a:lnL>
+                    <a:lnR w="12700" cap="flat" cmpd="sng" algn="ctr">
+                      <a:solidFill>
+                        <a:scrgbClr r="0" g="0" b="0"/>
+                      </a:solidFill>
+                      <a:prstDash val="solid"/>
+                      <a:round/>
+                      <a:headEnd type="none" w="med" len="med"/>
+                      <a:tailEnd type="none" w="med" len="med"/>
+                    </a:lnR>
+                    <a:lnT w="12700" cap="flat" cmpd="sng" algn="ctr">
+                      <a:solidFill>
+                        <a:scrgbClr r="0" g="0" b="0"/>
+                      </a:solidFill>
+                      <a:prstDash val="solid"/>
+                      <a:round/>
+                      <a:headEnd type="none" w="med" len="med"/>
+                      <a:tailEnd type="none" w="med" len="med"/>
+                    </a:lnT>
+                    <a:lnB w="12700" cap="flat" cmpd="sng" algn="ctr">
+                      <a:solidFill>
+                        <a:scrgbClr r="0" g="0" b="0"/>
+                      </a:solidFill>
+                      <a:prstDash val="solid"/>
+                      <a:round/>
+                      <a:headEnd type="none" w="med" len="med"/>
+                      <a:tailEnd type="none" w="med" len="med"/>
+                    </a:lnB>
+                  </a:tcPr>
                 </a:tc>
                 <a:tc>
                   <a:txBody>
@@ -5300,7 +10035,44 @@
                       <a:endParaRPr lang="de-DE" dirty="0"/>
                     </a:p>
                   </a:txBody>
-                  <a:tcPr/>
+                  <a:tcPr>
+                    <a:lnL w="12700" cap="flat" cmpd="sng" algn="ctr">
+                      <a:solidFill>
+                        <a:scrgbClr r="0" g="0" b="0"/>
+                      </a:solidFill>
+                      <a:prstDash val="solid"/>
+                      <a:round/>
+                      <a:headEnd type="none" w="med" len="med"/>
+                      <a:tailEnd type="none" w="med" len="med"/>
+                    </a:lnL>
+                    <a:lnR w="12700" cap="flat" cmpd="sng" algn="ctr">
+                      <a:solidFill>
+                        <a:scrgbClr r="0" g="0" b="0"/>
+                      </a:solidFill>
+                      <a:prstDash val="solid"/>
+                      <a:round/>
+                      <a:headEnd type="none" w="med" len="med"/>
+                      <a:tailEnd type="none" w="med" len="med"/>
+                    </a:lnR>
+                    <a:lnT w="12700" cap="flat" cmpd="sng" algn="ctr">
+                      <a:solidFill>
+                        <a:scrgbClr r="0" g="0" b="0"/>
+                      </a:solidFill>
+                      <a:prstDash val="solid"/>
+                      <a:round/>
+                      <a:headEnd type="none" w="med" len="med"/>
+                      <a:tailEnd type="none" w="med" len="med"/>
+                    </a:lnT>
+                    <a:lnB w="12700" cap="flat" cmpd="sng" algn="ctr">
+                      <a:solidFill>
+                        <a:scrgbClr r="0" g="0" b="0"/>
+                      </a:solidFill>
+                      <a:prstDash val="solid"/>
+                      <a:round/>
+                      <a:headEnd type="none" w="med" len="med"/>
+                      <a:tailEnd type="none" w="med" len="med"/>
+                    </a:lnB>
+                  </a:tcPr>
                 </a:tc>
                 <a:tc>
                   <a:txBody>
@@ -5314,37 +10086,197 @@
                       <a:endParaRPr lang="de-DE" dirty="0"/>
                     </a:p>
                   </a:txBody>
-                  <a:tcPr/>
-                </a:tc>
-                <a:tc>
-                  <a:txBody>
-                    <a:bodyPr/>
-                    <a:lstStyle/>
-                    <a:p>
-                      <a:endParaRPr lang="de-DE"/>
-                    </a:p>
-                  </a:txBody>
-                  <a:tcPr/>
-                </a:tc>
-                <a:tc>
-                  <a:txBody>
-                    <a:bodyPr/>
-                    <a:lstStyle/>
-                    <a:p>
-                      <a:endParaRPr lang="de-DE"/>
-                    </a:p>
-                  </a:txBody>
-                  <a:tcPr/>
-                </a:tc>
-                <a:tc>
-                  <a:txBody>
-                    <a:bodyPr/>
-                    <a:lstStyle/>
-                    <a:p>
-                      <a:endParaRPr lang="de-DE"/>
-                    </a:p>
-                  </a:txBody>
-                  <a:tcPr/>
+                  <a:tcPr>
+                    <a:lnL w="12700" cap="flat" cmpd="sng" algn="ctr">
+                      <a:solidFill>
+                        <a:scrgbClr r="0" g="0" b="0"/>
+                      </a:solidFill>
+                      <a:prstDash val="solid"/>
+                      <a:round/>
+                      <a:headEnd type="none" w="med" len="med"/>
+                      <a:tailEnd type="none" w="med" len="med"/>
+                    </a:lnL>
+                    <a:lnR w="12700" cap="flat" cmpd="sng" algn="ctr">
+                      <a:solidFill>
+                        <a:scrgbClr r="0" g="0" b="0"/>
+                      </a:solidFill>
+                      <a:prstDash val="solid"/>
+                      <a:round/>
+                      <a:headEnd type="none" w="med" len="med"/>
+                      <a:tailEnd type="none" w="med" len="med"/>
+                    </a:lnR>
+                    <a:lnT w="12700" cap="flat" cmpd="sng" algn="ctr">
+                      <a:solidFill>
+                        <a:scrgbClr r="0" g="0" b="0"/>
+                      </a:solidFill>
+                      <a:prstDash val="solid"/>
+                      <a:round/>
+                      <a:headEnd type="none" w="med" len="med"/>
+                      <a:tailEnd type="none" w="med" len="med"/>
+                    </a:lnT>
+                    <a:lnB w="12700" cap="flat" cmpd="sng" algn="ctr">
+                      <a:solidFill>
+                        <a:scrgbClr r="0" g="0" b="0"/>
+                      </a:solidFill>
+                      <a:prstDash val="solid"/>
+                      <a:round/>
+                      <a:headEnd type="none" w="med" len="med"/>
+                      <a:tailEnd type="none" w="med" len="med"/>
+                    </a:lnB>
+                  </a:tcPr>
+                </a:tc>
+                <a:tc>
+                  <a:txBody>
+                    <a:bodyPr/>
+                    <a:lstStyle/>
+                    <a:p>
+                      <a:r>
+                        <a:rPr lang="de-DE" dirty="0" smtClean="0"/>
+                        <a:t>3025</a:t>
+                      </a:r>
+                      <a:endParaRPr lang="de-DE" dirty="0"/>
+                    </a:p>
+                  </a:txBody>
+                  <a:tcPr>
+                    <a:lnL w="12700" cap="flat" cmpd="sng" algn="ctr">
+                      <a:solidFill>
+                        <a:scrgbClr r="0" g="0" b="0"/>
+                      </a:solidFill>
+                      <a:prstDash val="solid"/>
+                      <a:round/>
+                      <a:headEnd type="none" w="med" len="med"/>
+                      <a:tailEnd type="none" w="med" len="med"/>
+                    </a:lnL>
+                    <a:lnR w="12700" cap="flat" cmpd="sng" algn="ctr">
+                      <a:solidFill>
+                        <a:scrgbClr r="0" g="0" b="0"/>
+                      </a:solidFill>
+                      <a:prstDash val="solid"/>
+                      <a:round/>
+                      <a:headEnd type="none" w="med" len="med"/>
+                      <a:tailEnd type="none" w="med" len="med"/>
+                    </a:lnR>
+                    <a:lnT w="12700" cap="flat" cmpd="sng" algn="ctr">
+                      <a:solidFill>
+                        <a:scrgbClr r="0" g="0" b="0"/>
+                      </a:solidFill>
+                      <a:prstDash val="solid"/>
+                      <a:round/>
+                      <a:headEnd type="none" w="med" len="med"/>
+                      <a:tailEnd type="none" w="med" len="med"/>
+                    </a:lnT>
+                    <a:lnB w="12700" cap="flat" cmpd="sng" algn="ctr">
+                      <a:solidFill>
+                        <a:scrgbClr r="0" g="0" b="0"/>
+                      </a:solidFill>
+                      <a:prstDash val="solid"/>
+                      <a:round/>
+                      <a:headEnd type="none" w="med" len="med"/>
+                      <a:tailEnd type="none" w="med" len="med"/>
+                    </a:lnB>
+                  </a:tcPr>
+                </a:tc>
+                <a:tc>
+                  <a:txBody>
+                    <a:bodyPr/>
+                    <a:lstStyle/>
+                    <a:p>
+                      <a:r>
+                        <a:rPr lang="de-DE" dirty="0" smtClean="0"/>
+                        <a:t>3703</a:t>
+                      </a:r>
+                      <a:endParaRPr lang="de-DE" dirty="0"/>
+                    </a:p>
+                  </a:txBody>
+                  <a:tcPr>
+                    <a:lnL w="12700" cap="flat" cmpd="sng" algn="ctr">
+                      <a:solidFill>
+                        <a:scrgbClr r="0" g="0" b="0"/>
+                      </a:solidFill>
+                      <a:prstDash val="solid"/>
+                      <a:round/>
+                      <a:headEnd type="none" w="med" len="med"/>
+                      <a:tailEnd type="none" w="med" len="med"/>
+                    </a:lnL>
+                    <a:lnR w="12700" cap="flat" cmpd="sng" algn="ctr">
+                      <a:solidFill>
+                        <a:scrgbClr r="0" g="0" b="0"/>
+                      </a:solidFill>
+                      <a:prstDash val="solid"/>
+                      <a:round/>
+                      <a:headEnd type="none" w="med" len="med"/>
+                      <a:tailEnd type="none" w="med" len="med"/>
+                    </a:lnR>
+                    <a:lnT w="12700" cap="flat" cmpd="sng" algn="ctr">
+                      <a:solidFill>
+                        <a:scrgbClr r="0" g="0" b="0"/>
+                      </a:solidFill>
+                      <a:prstDash val="solid"/>
+                      <a:round/>
+                      <a:headEnd type="none" w="med" len="med"/>
+                      <a:tailEnd type="none" w="med" len="med"/>
+                    </a:lnT>
+                    <a:lnB w="12700" cap="flat" cmpd="sng" algn="ctr">
+                      <a:solidFill>
+                        <a:scrgbClr r="0" g="0" b="0"/>
+                      </a:solidFill>
+                      <a:prstDash val="solid"/>
+                      <a:round/>
+                      <a:headEnd type="none" w="med" len="med"/>
+                      <a:tailEnd type="none" w="med" len="med"/>
+                    </a:lnB>
+                  </a:tcPr>
+                </a:tc>
+                <a:tc>
+                  <a:txBody>
+                    <a:bodyPr/>
+                    <a:lstStyle/>
+                    <a:p>
+                      <a:r>
+                        <a:rPr lang="de-DE" dirty="0" smtClean="0"/>
+                        <a:t>3349</a:t>
+                      </a:r>
+                      <a:endParaRPr lang="de-DE" dirty="0"/>
+                    </a:p>
+                  </a:txBody>
+                  <a:tcPr>
+                    <a:lnL w="12700" cap="flat" cmpd="sng" algn="ctr">
+                      <a:solidFill>
+                        <a:scrgbClr r="0" g="0" b="0"/>
+                      </a:solidFill>
+                      <a:prstDash val="solid"/>
+                      <a:round/>
+                      <a:headEnd type="none" w="med" len="med"/>
+                      <a:tailEnd type="none" w="med" len="med"/>
+                    </a:lnL>
+                    <a:lnR w="12700" cap="flat" cmpd="sng" algn="ctr">
+                      <a:solidFill>
+                        <a:scrgbClr r="0" g="0" b="0"/>
+                      </a:solidFill>
+                      <a:prstDash val="solid"/>
+                      <a:round/>
+                      <a:headEnd type="none" w="med" len="med"/>
+                      <a:tailEnd type="none" w="med" len="med"/>
+                    </a:lnR>
+                    <a:lnT w="12700" cap="flat" cmpd="sng" algn="ctr">
+                      <a:solidFill>
+                        <a:scrgbClr r="0" g="0" b="0"/>
+                      </a:solidFill>
+                      <a:prstDash val="solid"/>
+                      <a:round/>
+                      <a:headEnd type="none" w="med" len="med"/>
+                      <a:tailEnd type="none" w="med" len="med"/>
+                    </a:lnT>
+                    <a:lnB w="12700" cap="flat" cmpd="sng" algn="ctr">
+                      <a:solidFill>
+                        <a:scrgbClr r="0" g="0" b="0"/>
+                      </a:solidFill>
+                      <a:prstDash val="solid"/>
+                      <a:round/>
+                      <a:headEnd type="none" w="med" len="med"/>
+                      <a:tailEnd type="none" w="med" len="med"/>
+                    </a:lnB>
+                  </a:tcPr>
                 </a:tc>
               </a:tr>
               <a:tr h="370840">
@@ -5360,7 +10292,44 @@
                       <a:endParaRPr lang="de-DE" dirty="0"/>
                     </a:p>
                   </a:txBody>
-                  <a:tcPr/>
+                  <a:tcPr>
+                    <a:lnL w="12700" cap="flat" cmpd="sng" algn="ctr">
+                      <a:solidFill>
+                        <a:scrgbClr r="0" g="0" b="0"/>
+                      </a:solidFill>
+                      <a:prstDash val="solid"/>
+                      <a:round/>
+                      <a:headEnd type="none" w="med" len="med"/>
+                      <a:tailEnd type="none" w="med" len="med"/>
+                    </a:lnL>
+                    <a:lnR w="12700" cap="flat" cmpd="sng" algn="ctr">
+                      <a:solidFill>
+                        <a:scrgbClr r="0" g="0" b="0"/>
+                      </a:solidFill>
+                      <a:prstDash val="solid"/>
+                      <a:round/>
+                      <a:headEnd type="none" w="med" len="med"/>
+                      <a:tailEnd type="none" w="med" len="med"/>
+                    </a:lnR>
+                    <a:lnT w="12700" cap="flat" cmpd="sng" algn="ctr">
+                      <a:solidFill>
+                        <a:scrgbClr r="0" g="0" b="0"/>
+                      </a:solidFill>
+                      <a:prstDash val="solid"/>
+                      <a:round/>
+                      <a:headEnd type="none" w="med" len="med"/>
+                      <a:tailEnd type="none" w="med" len="med"/>
+                    </a:lnT>
+                    <a:lnB w="12700" cap="flat" cmpd="sng" algn="ctr">
+                      <a:solidFill>
+                        <a:scrgbClr r="0" g="0" b="0"/>
+                      </a:solidFill>
+                      <a:prstDash val="solid"/>
+                      <a:round/>
+                      <a:headEnd type="none" w="med" len="med"/>
+                      <a:tailEnd type="none" w="med" len="med"/>
+                    </a:lnB>
+                  </a:tcPr>
                 </a:tc>
                 <a:tc>
                   <a:txBody>
@@ -5374,7 +10343,44 @@
                       <a:endParaRPr lang="de-DE" dirty="0"/>
                     </a:p>
                   </a:txBody>
-                  <a:tcPr/>
+                  <a:tcPr>
+                    <a:lnL w="12700" cap="flat" cmpd="sng" algn="ctr">
+                      <a:solidFill>
+                        <a:scrgbClr r="0" g="0" b="0"/>
+                      </a:solidFill>
+                      <a:prstDash val="solid"/>
+                      <a:round/>
+                      <a:headEnd type="none" w="med" len="med"/>
+                      <a:tailEnd type="none" w="med" len="med"/>
+                    </a:lnL>
+                    <a:lnR w="12700" cap="flat" cmpd="sng" algn="ctr">
+                      <a:solidFill>
+                        <a:scrgbClr r="0" g="0" b="0"/>
+                      </a:solidFill>
+                      <a:prstDash val="solid"/>
+                      <a:round/>
+                      <a:headEnd type="none" w="med" len="med"/>
+                      <a:tailEnd type="none" w="med" len="med"/>
+                    </a:lnR>
+                    <a:lnT w="12700" cap="flat" cmpd="sng" algn="ctr">
+                      <a:solidFill>
+                        <a:scrgbClr r="0" g="0" b="0"/>
+                      </a:solidFill>
+                      <a:prstDash val="solid"/>
+                      <a:round/>
+                      <a:headEnd type="none" w="med" len="med"/>
+                      <a:tailEnd type="none" w="med" len="med"/>
+                    </a:lnT>
+                    <a:lnB w="12700" cap="flat" cmpd="sng" algn="ctr">
+                      <a:solidFill>
+                        <a:scrgbClr r="0" g="0" b="0"/>
+                      </a:solidFill>
+                      <a:prstDash val="solid"/>
+                      <a:round/>
+                      <a:headEnd type="none" w="med" len="med"/>
+                      <a:tailEnd type="none" w="med" len="med"/>
+                    </a:lnB>
+                  </a:tcPr>
                 </a:tc>
                 <a:tc>
                   <a:txBody>
@@ -5388,37 +10394,197 @@
                       <a:endParaRPr lang="de-DE" dirty="0"/>
                     </a:p>
                   </a:txBody>
-                  <a:tcPr/>
-                </a:tc>
-                <a:tc>
-                  <a:txBody>
-                    <a:bodyPr/>
-                    <a:lstStyle/>
-                    <a:p>
-                      <a:endParaRPr lang="de-DE"/>
-                    </a:p>
-                  </a:txBody>
-                  <a:tcPr/>
-                </a:tc>
-                <a:tc>
-                  <a:txBody>
-                    <a:bodyPr/>
-                    <a:lstStyle/>
-                    <a:p>
-                      <a:endParaRPr lang="de-DE"/>
-                    </a:p>
-                  </a:txBody>
-                  <a:tcPr/>
-                </a:tc>
-                <a:tc>
-                  <a:txBody>
-                    <a:bodyPr/>
-                    <a:lstStyle/>
-                    <a:p>
-                      <a:endParaRPr lang="de-DE"/>
-                    </a:p>
-                  </a:txBody>
-                  <a:tcPr/>
+                  <a:tcPr>
+                    <a:lnL w="12700" cap="flat" cmpd="sng" algn="ctr">
+                      <a:solidFill>
+                        <a:scrgbClr r="0" g="0" b="0"/>
+                      </a:solidFill>
+                      <a:prstDash val="solid"/>
+                      <a:round/>
+                      <a:headEnd type="none" w="med" len="med"/>
+                      <a:tailEnd type="none" w="med" len="med"/>
+                    </a:lnL>
+                    <a:lnR w="12700" cap="flat" cmpd="sng" algn="ctr">
+                      <a:solidFill>
+                        <a:scrgbClr r="0" g="0" b="0"/>
+                      </a:solidFill>
+                      <a:prstDash val="solid"/>
+                      <a:round/>
+                      <a:headEnd type="none" w="med" len="med"/>
+                      <a:tailEnd type="none" w="med" len="med"/>
+                    </a:lnR>
+                    <a:lnT w="12700" cap="flat" cmpd="sng" algn="ctr">
+                      <a:solidFill>
+                        <a:scrgbClr r="0" g="0" b="0"/>
+                      </a:solidFill>
+                      <a:prstDash val="solid"/>
+                      <a:round/>
+                      <a:headEnd type="none" w="med" len="med"/>
+                      <a:tailEnd type="none" w="med" len="med"/>
+                    </a:lnT>
+                    <a:lnB w="12700" cap="flat" cmpd="sng" algn="ctr">
+                      <a:solidFill>
+                        <a:scrgbClr r="0" g="0" b="0"/>
+                      </a:solidFill>
+                      <a:prstDash val="solid"/>
+                      <a:round/>
+                      <a:headEnd type="none" w="med" len="med"/>
+                      <a:tailEnd type="none" w="med" len="med"/>
+                    </a:lnB>
+                  </a:tcPr>
+                </a:tc>
+                <a:tc>
+                  <a:txBody>
+                    <a:bodyPr/>
+                    <a:lstStyle/>
+                    <a:p>
+                      <a:r>
+                        <a:rPr lang="de-DE" dirty="0" smtClean="0"/>
+                        <a:t>37</a:t>
+                      </a:r>
+                      <a:endParaRPr lang="de-DE" dirty="0"/>
+                    </a:p>
+                  </a:txBody>
+                  <a:tcPr>
+                    <a:lnL w="12700" cap="flat" cmpd="sng" algn="ctr">
+                      <a:solidFill>
+                        <a:scrgbClr r="0" g="0" b="0"/>
+                      </a:solidFill>
+                      <a:prstDash val="solid"/>
+                      <a:round/>
+                      <a:headEnd type="none" w="med" len="med"/>
+                      <a:tailEnd type="none" w="med" len="med"/>
+                    </a:lnL>
+                    <a:lnR w="12700" cap="flat" cmpd="sng" algn="ctr">
+                      <a:solidFill>
+                        <a:scrgbClr r="0" g="0" b="0"/>
+                      </a:solidFill>
+                      <a:prstDash val="solid"/>
+                      <a:round/>
+                      <a:headEnd type="none" w="med" len="med"/>
+                      <a:tailEnd type="none" w="med" len="med"/>
+                    </a:lnR>
+                    <a:lnT w="12700" cap="flat" cmpd="sng" algn="ctr">
+                      <a:solidFill>
+                        <a:scrgbClr r="0" g="0" b="0"/>
+                      </a:solidFill>
+                      <a:prstDash val="solid"/>
+                      <a:round/>
+                      <a:headEnd type="none" w="med" len="med"/>
+                      <a:tailEnd type="none" w="med" len="med"/>
+                    </a:lnT>
+                    <a:lnB w="12700" cap="flat" cmpd="sng" algn="ctr">
+                      <a:solidFill>
+                        <a:scrgbClr r="0" g="0" b="0"/>
+                      </a:solidFill>
+                      <a:prstDash val="solid"/>
+                      <a:round/>
+                      <a:headEnd type="none" w="med" len="med"/>
+                      <a:tailEnd type="none" w="med" len="med"/>
+                    </a:lnB>
+                  </a:tcPr>
+                </a:tc>
+                <a:tc>
+                  <a:txBody>
+                    <a:bodyPr/>
+                    <a:lstStyle/>
+                    <a:p>
+                      <a:r>
+                        <a:rPr lang="de-DE" dirty="0" smtClean="0"/>
+                        <a:t>3346</a:t>
+                      </a:r>
+                      <a:endParaRPr lang="de-DE" dirty="0"/>
+                    </a:p>
+                  </a:txBody>
+                  <a:tcPr>
+                    <a:lnL w="12700" cap="flat" cmpd="sng" algn="ctr">
+                      <a:solidFill>
+                        <a:scrgbClr r="0" g="0" b="0"/>
+                      </a:solidFill>
+                      <a:prstDash val="solid"/>
+                      <a:round/>
+                      <a:headEnd type="none" w="med" len="med"/>
+                      <a:tailEnd type="none" w="med" len="med"/>
+                    </a:lnL>
+                    <a:lnR w="12700" cap="flat" cmpd="sng" algn="ctr">
+                      <a:solidFill>
+                        <a:scrgbClr r="0" g="0" b="0"/>
+                      </a:solidFill>
+                      <a:prstDash val="solid"/>
+                      <a:round/>
+                      <a:headEnd type="none" w="med" len="med"/>
+                      <a:tailEnd type="none" w="med" len="med"/>
+                    </a:lnR>
+                    <a:lnT w="12700" cap="flat" cmpd="sng" algn="ctr">
+                      <a:solidFill>
+                        <a:scrgbClr r="0" g="0" b="0"/>
+                      </a:solidFill>
+                      <a:prstDash val="solid"/>
+                      <a:round/>
+                      <a:headEnd type="none" w="med" len="med"/>
+                      <a:tailEnd type="none" w="med" len="med"/>
+                    </a:lnT>
+                    <a:lnB w="12700" cap="flat" cmpd="sng" algn="ctr">
+                      <a:solidFill>
+                        <a:scrgbClr r="0" g="0" b="0"/>
+                      </a:solidFill>
+                      <a:prstDash val="solid"/>
+                      <a:round/>
+                      <a:headEnd type="none" w="med" len="med"/>
+                      <a:tailEnd type="none" w="med" len="med"/>
+                    </a:lnB>
+                  </a:tcPr>
+                </a:tc>
+                <a:tc>
+                  <a:txBody>
+                    <a:bodyPr/>
+                    <a:lstStyle/>
+                    <a:p>
+                      <a:r>
+                        <a:rPr lang="de-DE" dirty="0" smtClean="0"/>
+                        <a:t>381</a:t>
+                      </a:r>
+                      <a:endParaRPr lang="de-DE" dirty="0"/>
+                    </a:p>
+                  </a:txBody>
+                  <a:tcPr>
+                    <a:lnL w="12700" cap="flat" cmpd="sng" algn="ctr">
+                      <a:solidFill>
+                        <a:scrgbClr r="0" g="0" b="0"/>
+                      </a:solidFill>
+                      <a:prstDash val="solid"/>
+                      <a:round/>
+                      <a:headEnd type="none" w="med" len="med"/>
+                      <a:tailEnd type="none" w="med" len="med"/>
+                    </a:lnL>
+                    <a:lnR w="12700" cap="flat" cmpd="sng" algn="ctr">
+                      <a:solidFill>
+                        <a:scrgbClr r="0" g="0" b="0"/>
+                      </a:solidFill>
+                      <a:prstDash val="solid"/>
+                      <a:round/>
+                      <a:headEnd type="none" w="med" len="med"/>
+                      <a:tailEnd type="none" w="med" len="med"/>
+                    </a:lnR>
+                    <a:lnT w="12700" cap="flat" cmpd="sng" algn="ctr">
+                      <a:solidFill>
+                        <a:scrgbClr r="0" g="0" b="0"/>
+                      </a:solidFill>
+                      <a:prstDash val="solid"/>
+                      <a:round/>
+                      <a:headEnd type="none" w="med" len="med"/>
+                      <a:tailEnd type="none" w="med" len="med"/>
+                    </a:lnT>
+                    <a:lnB w="12700" cap="flat" cmpd="sng" algn="ctr">
+                      <a:solidFill>
+                        <a:scrgbClr r="0" g="0" b="0"/>
+                      </a:solidFill>
+                      <a:prstDash val="solid"/>
+                      <a:round/>
+                      <a:headEnd type="none" w="med" len="med"/>
+                      <a:tailEnd type="none" w="med" len="med"/>
+                    </a:lnB>
+                  </a:tcPr>
                 </a:tc>
               </a:tr>
               <a:tr h="370840">
@@ -5434,7 +10600,44 @@
                       <a:endParaRPr lang="de-DE" dirty="0"/>
                     </a:p>
                   </a:txBody>
-                  <a:tcPr/>
+                  <a:tcPr>
+                    <a:lnL w="12700" cap="flat" cmpd="sng" algn="ctr">
+                      <a:solidFill>
+                        <a:scrgbClr r="0" g="0" b="0"/>
+                      </a:solidFill>
+                      <a:prstDash val="solid"/>
+                      <a:round/>
+                      <a:headEnd type="none" w="med" len="med"/>
+                      <a:tailEnd type="none" w="med" len="med"/>
+                    </a:lnL>
+                    <a:lnR w="12700" cap="flat" cmpd="sng" algn="ctr">
+                      <a:solidFill>
+                        <a:scrgbClr r="0" g="0" b="0"/>
+                      </a:solidFill>
+                      <a:prstDash val="solid"/>
+                      <a:round/>
+                      <a:headEnd type="none" w="med" len="med"/>
+                      <a:tailEnd type="none" w="med" len="med"/>
+                    </a:lnR>
+                    <a:lnT w="12700" cap="flat" cmpd="sng" algn="ctr">
+                      <a:solidFill>
+                        <a:scrgbClr r="0" g="0" b="0"/>
+                      </a:solidFill>
+                      <a:prstDash val="solid"/>
+                      <a:round/>
+                      <a:headEnd type="none" w="med" len="med"/>
+                      <a:tailEnd type="none" w="med" len="med"/>
+                    </a:lnT>
+                    <a:lnB w="12700" cap="flat" cmpd="sng" algn="ctr">
+                      <a:solidFill>
+                        <a:scrgbClr r="0" g="0" b="0"/>
+                      </a:solidFill>
+                      <a:prstDash val="solid"/>
+                      <a:round/>
+                      <a:headEnd type="none" w="med" len="med"/>
+                      <a:tailEnd type="none" w="med" len="med"/>
+                    </a:lnB>
+                  </a:tcPr>
                 </a:tc>
                 <a:tc>
                   <a:txBody>
@@ -5448,7 +10651,44 @@
                       <a:endParaRPr lang="de-DE" dirty="0"/>
                     </a:p>
                   </a:txBody>
-                  <a:tcPr/>
+                  <a:tcPr>
+                    <a:lnL w="12700" cap="flat" cmpd="sng" algn="ctr">
+                      <a:solidFill>
+                        <a:scrgbClr r="0" g="0" b="0"/>
+                      </a:solidFill>
+                      <a:prstDash val="solid"/>
+                      <a:round/>
+                      <a:headEnd type="none" w="med" len="med"/>
+                      <a:tailEnd type="none" w="med" len="med"/>
+                    </a:lnL>
+                    <a:lnR w="12700" cap="flat" cmpd="sng" algn="ctr">
+                      <a:solidFill>
+                        <a:scrgbClr r="0" g="0" b="0"/>
+                      </a:solidFill>
+                      <a:prstDash val="solid"/>
+                      <a:round/>
+                      <a:headEnd type="none" w="med" len="med"/>
+                      <a:tailEnd type="none" w="med" len="med"/>
+                    </a:lnR>
+                    <a:lnT w="12700" cap="flat" cmpd="sng" algn="ctr">
+                      <a:solidFill>
+                        <a:scrgbClr r="0" g="0" b="0"/>
+                      </a:solidFill>
+                      <a:prstDash val="solid"/>
+                      <a:round/>
+                      <a:headEnd type="none" w="med" len="med"/>
+                      <a:tailEnd type="none" w="med" len="med"/>
+                    </a:lnT>
+                    <a:lnB w="12700" cap="flat" cmpd="sng" algn="ctr">
+                      <a:solidFill>
+                        <a:scrgbClr r="0" g="0" b="0"/>
+                      </a:solidFill>
+                      <a:prstDash val="solid"/>
+                      <a:round/>
+                      <a:headEnd type="none" w="med" len="med"/>
+                      <a:tailEnd type="none" w="med" len="med"/>
+                    </a:lnB>
+                  </a:tcPr>
                 </a:tc>
                 <a:tc>
                   <a:txBody>
@@ -5462,37 +10702,197 @@
                       <a:endParaRPr lang="de-DE" dirty="0"/>
                     </a:p>
                   </a:txBody>
-                  <a:tcPr/>
-                </a:tc>
-                <a:tc>
-                  <a:txBody>
-                    <a:bodyPr/>
-                    <a:lstStyle/>
-                    <a:p>
-                      <a:endParaRPr lang="de-DE"/>
-                    </a:p>
-                  </a:txBody>
-                  <a:tcPr/>
-                </a:tc>
-                <a:tc>
-                  <a:txBody>
-                    <a:bodyPr/>
-                    <a:lstStyle/>
-                    <a:p>
-                      <a:endParaRPr lang="de-DE"/>
-                    </a:p>
-                  </a:txBody>
-                  <a:tcPr/>
-                </a:tc>
-                <a:tc>
-                  <a:txBody>
-                    <a:bodyPr/>
-                    <a:lstStyle/>
-                    <a:p>
-                      <a:endParaRPr lang="de-DE"/>
-                    </a:p>
-                  </a:txBody>
-                  <a:tcPr/>
+                  <a:tcPr>
+                    <a:lnL w="12700" cap="flat" cmpd="sng" algn="ctr">
+                      <a:solidFill>
+                        <a:scrgbClr r="0" g="0" b="0"/>
+                      </a:solidFill>
+                      <a:prstDash val="solid"/>
+                      <a:round/>
+                      <a:headEnd type="none" w="med" len="med"/>
+                      <a:tailEnd type="none" w="med" len="med"/>
+                    </a:lnL>
+                    <a:lnR w="12700" cap="flat" cmpd="sng" algn="ctr">
+                      <a:solidFill>
+                        <a:scrgbClr r="0" g="0" b="0"/>
+                      </a:solidFill>
+                      <a:prstDash val="solid"/>
+                      <a:round/>
+                      <a:headEnd type="none" w="med" len="med"/>
+                      <a:tailEnd type="none" w="med" len="med"/>
+                    </a:lnR>
+                    <a:lnT w="12700" cap="flat" cmpd="sng" algn="ctr">
+                      <a:solidFill>
+                        <a:scrgbClr r="0" g="0" b="0"/>
+                      </a:solidFill>
+                      <a:prstDash val="solid"/>
+                      <a:round/>
+                      <a:headEnd type="none" w="med" len="med"/>
+                      <a:tailEnd type="none" w="med" len="med"/>
+                    </a:lnT>
+                    <a:lnB w="12700" cap="flat" cmpd="sng" algn="ctr">
+                      <a:solidFill>
+                        <a:scrgbClr r="0" g="0" b="0"/>
+                      </a:solidFill>
+                      <a:prstDash val="solid"/>
+                      <a:round/>
+                      <a:headEnd type="none" w="med" len="med"/>
+                      <a:tailEnd type="none" w="med" len="med"/>
+                    </a:lnB>
+                  </a:tcPr>
+                </a:tc>
+                <a:tc>
+                  <a:txBody>
+                    <a:bodyPr/>
+                    <a:lstStyle/>
+                    <a:p>
+                      <a:r>
+                        <a:rPr lang="de-DE" dirty="0" smtClean="0"/>
+                        <a:t>57</a:t>
+                      </a:r>
+                      <a:endParaRPr lang="de-DE" dirty="0"/>
+                    </a:p>
+                  </a:txBody>
+                  <a:tcPr>
+                    <a:lnL w="12700" cap="flat" cmpd="sng" algn="ctr">
+                      <a:solidFill>
+                        <a:scrgbClr r="0" g="0" b="0"/>
+                      </a:solidFill>
+                      <a:prstDash val="solid"/>
+                      <a:round/>
+                      <a:headEnd type="none" w="med" len="med"/>
+                      <a:tailEnd type="none" w="med" len="med"/>
+                    </a:lnL>
+                    <a:lnR w="12700" cap="flat" cmpd="sng" algn="ctr">
+                      <a:solidFill>
+                        <a:scrgbClr r="0" g="0" b="0"/>
+                      </a:solidFill>
+                      <a:prstDash val="solid"/>
+                      <a:round/>
+                      <a:headEnd type="none" w="med" len="med"/>
+                      <a:tailEnd type="none" w="med" len="med"/>
+                    </a:lnR>
+                    <a:lnT w="12700" cap="flat" cmpd="sng" algn="ctr">
+                      <a:solidFill>
+                        <a:scrgbClr r="0" g="0" b="0"/>
+                      </a:solidFill>
+                      <a:prstDash val="solid"/>
+                      <a:round/>
+                      <a:headEnd type="none" w="med" len="med"/>
+                      <a:tailEnd type="none" w="med" len="med"/>
+                    </a:lnT>
+                    <a:lnB w="12700" cap="flat" cmpd="sng" algn="ctr">
+                      <a:solidFill>
+                        <a:scrgbClr r="0" g="0" b="0"/>
+                      </a:solidFill>
+                      <a:prstDash val="solid"/>
+                      <a:round/>
+                      <a:headEnd type="none" w="med" len="med"/>
+                      <a:tailEnd type="none" w="med" len="med"/>
+                    </a:lnB>
+                  </a:tcPr>
+                </a:tc>
+                <a:tc>
+                  <a:txBody>
+                    <a:bodyPr/>
+                    <a:lstStyle/>
+                    <a:p>
+                      <a:r>
+                        <a:rPr lang="de-DE" dirty="0" smtClean="0"/>
+                        <a:t>2955</a:t>
+                      </a:r>
+                      <a:endParaRPr lang="de-DE" dirty="0"/>
+                    </a:p>
+                  </a:txBody>
+                  <a:tcPr>
+                    <a:lnL w="12700" cap="flat" cmpd="sng" algn="ctr">
+                      <a:solidFill>
+                        <a:scrgbClr r="0" g="0" b="0"/>
+                      </a:solidFill>
+                      <a:prstDash val="solid"/>
+                      <a:round/>
+                      <a:headEnd type="none" w="med" len="med"/>
+                      <a:tailEnd type="none" w="med" len="med"/>
+                    </a:lnL>
+                    <a:lnR w="12700" cap="flat" cmpd="sng" algn="ctr">
+                      <a:solidFill>
+                        <a:scrgbClr r="0" g="0" b="0"/>
+                      </a:solidFill>
+                      <a:prstDash val="solid"/>
+                      <a:round/>
+                      <a:headEnd type="none" w="med" len="med"/>
+                      <a:tailEnd type="none" w="med" len="med"/>
+                    </a:lnR>
+                    <a:lnT w="12700" cap="flat" cmpd="sng" algn="ctr">
+                      <a:solidFill>
+                        <a:scrgbClr r="0" g="0" b="0"/>
+                      </a:solidFill>
+                      <a:prstDash val="solid"/>
+                      <a:round/>
+                      <a:headEnd type="none" w="med" len="med"/>
+                      <a:tailEnd type="none" w="med" len="med"/>
+                    </a:lnT>
+                    <a:lnB w="12700" cap="flat" cmpd="sng" algn="ctr">
+                      <a:solidFill>
+                        <a:scrgbClr r="0" g="0" b="0"/>
+                      </a:solidFill>
+                      <a:prstDash val="solid"/>
+                      <a:round/>
+                      <a:headEnd type="none" w="med" len="med"/>
+                      <a:tailEnd type="none" w="med" len="med"/>
+                    </a:lnB>
+                  </a:tcPr>
+                </a:tc>
+                <a:tc>
+                  <a:txBody>
+                    <a:bodyPr/>
+                    <a:lstStyle/>
+                    <a:p>
+                      <a:r>
+                        <a:rPr lang="de-DE" dirty="0" smtClean="0"/>
+                        <a:t>664</a:t>
+                      </a:r>
+                      <a:endParaRPr lang="de-DE" dirty="0"/>
+                    </a:p>
+                  </a:txBody>
+                  <a:tcPr>
+                    <a:lnL w="12700" cap="flat" cmpd="sng" algn="ctr">
+                      <a:solidFill>
+                        <a:scrgbClr r="0" g="0" b="0"/>
+                      </a:solidFill>
+                      <a:prstDash val="solid"/>
+                      <a:round/>
+                      <a:headEnd type="none" w="med" len="med"/>
+                      <a:tailEnd type="none" w="med" len="med"/>
+                    </a:lnL>
+                    <a:lnR w="12700" cap="flat" cmpd="sng" algn="ctr">
+                      <a:solidFill>
+                        <a:scrgbClr r="0" g="0" b="0"/>
+                      </a:solidFill>
+                      <a:prstDash val="solid"/>
+                      <a:round/>
+                      <a:headEnd type="none" w="med" len="med"/>
+                      <a:tailEnd type="none" w="med" len="med"/>
+                    </a:lnR>
+                    <a:lnT w="12700" cap="flat" cmpd="sng" algn="ctr">
+                      <a:solidFill>
+                        <a:scrgbClr r="0" g="0" b="0"/>
+                      </a:solidFill>
+                      <a:prstDash val="solid"/>
+                      <a:round/>
+                      <a:headEnd type="none" w="med" len="med"/>
+                      <a:tailEnd type="none" w="med" len="med"/>
+                    </a:lnT>
+                    <a:lnB w="12700" cap="flat" cmpd="sng" algn="ctr">
+                      <a:solidFill>
+                        <a:scrgbClr r="0" g="0" b="0"/>
+                      </a:solidFill>
+                      <a:prstDash val="solid"/>
+                      <a:round/>
+                      <a:headEnd type="none" w="med" len="med"/>
+                      <a:tailEnd type="none" w="med" len="med"/>
+                    </a:lnB>
+                  </a:tcPr>
                 </a:tc>
               </a:tr>
               <a:tr h="370840">
@@ -5508,7 +10908,44 @@
                       <a:endParaRPr lang="de-DE" dirty="0"/>
                     </a:p>
                   </a:txBody>
-                  <a:tcPr/>
+                  <a:tcPr>
+                    <a:lnL w="12700" cap="flat" cmpd="sng" algn="ctr">
+                      <a:solidFill>
+                        <a:scrgbClr r="0" g="0" b="0"/>
+                      </a:solidFill>
+                      <a:prstDash val="solid"/>
+                      <a:round/>
+                      <a:headEnd type="none" w="med" len="med"/>
+                      <a:tailEnd type="none" w="med" len="med"/>
+                    </a:lnL>
+                    <a:lnR w="12700" cap="flat" cmpd="sng" algn="ctr">
+                      <a:solidFill>
+                        <a:scrgbClr r="0" g="0" b="0"/>
+                      </a:solidFill>
+                      <a:prstDash val="solid"/>
+                      <a:round/>
+                      <a:headEnd type="none" w="med" len="med"/>
+                      <a:tailEnd type="none" w="med" len="med"/>
+                    </a:lnR>
+                    <a:lnT w="12700" cap="flat" cmpd="sng" algn="ctr">
+                      <a:solidFill>
+                        <a:scrgbClr r="0" g="0" b="0"/>
+                      </a:solidFill>
+                      <a:prstDash val="solid"/>
+                      <a:round/>
+                      <a:headEnd type="none" w="med" len="med"/>
+                      <a:tailEnd type="none" w="med" len="med"/>
+                    </a:lnT>
+                    <a:lnB w="12700" cap="flat" cmpd="sng" algn="ctr">
+                      <a:solidFill>
+                        <a:scrgbClr r="0" g="0" b="0"/>
+                      </a:solidFill>
+                      <a:prstDash val="solid"/>
+                      <a:round/>
+                      <a:headEnd type="none" w="med" len="med"/>
+                      <a:tailEnd type="none" w="med" len="med"/>
+                    </a:lnB>
+                  </a:tcPr>
                 </a:tc>
                 <a:tc>
                   <a:txBody>
@@ -5522,7 +10959,44 @@
                       <a:endParaRPr lang="de-DE" dirty="0"/>
                     </a:p>
                   </a:txBody>
-                  <a:tcPr/>
+                  <a:tcPr>
+                    <a:lnL w="12700" cap="flat" cmpd="sng" algn="ctr">
+                      <a:solidFill>
+                        <a:scrgbClr r="0" g="0" b="0"/>
+                      </a:solidFill>
+                      <a:prstDash val="solid"/>
+                      <a:round/>
+                      <a:headEnd type="none" w="med" len="med"/>
+                      <a:tailEnd type="none" w="med" len="med"/>
+                    </a:lnL>
+                    <a:lnR w="12700" cap="flat" cmpd="sng" algn="ctr">
+                      <a:solidFill>
+                        <a:scrgbClr r="0" g="0" b="0"/>
+                      </a:solidFill>
+                      <a:prstDash val="solid"/>
+                      <a:round/>
+                      <a:headEnd type="none" w="med" len="med"/>
+                      <a:tailEnd type="none" w="med" len="med"/>
+                    </a:lnR>
+                    <a:lnT w="12700" cap="flat" cmpd="sng" algn="ctr">
+                      <a:solidFill>
+                        <a:scrgbClr r="0" g="0" b="0"/>
+                      </a:solidFill>
+                      <a:prstDash val="solid"/>
+                      <a:round/>
+                      <a:headEnd type="none" w="med" len="med"/>
+                      <a:tailEnd type="none" w="med" len="med"/>
+                    </a:lnT>
+                    <a:lnB w="12700" cap="flat" cmpd="sng" algn="ctr">
+                      <a:solidFill>
+                        <a:scrgbClr r="0" g="0" b="0"/>
+                      </a:solidFill>
+                      <a:prstDash val="solid"/>
+                      <a:round/>
+                      <a:headEnd type="none" w="med" len="med"/>
+                      <a:tailEnd type="none" w="med" len="med"/>
+                    </a:lnB>
+                  </a:tcPr>
                 </a:tc>
                 <a:tc>
                   <a:txBody>
@@ -5536,37 +11010,197 @@
                       <a:endParaRPr lang="de-DE" dirty="0"/>
                     </a:p>
                   </a:txBody>
-                  <a:tcPr/>
-                </a:tc>
-                <a:tc>
-                  <a:txBody>
-                    <a:bodyPr/>
-                    <a:lstStyle/>
-                    <a:p>
-                      <a:endParaRPr lang="de-DE"/>
-                    </a:p>
-                  </a:txBody>
-                  <a:tcPr/>
-                </a:tc>
-                <a:tc>
-                  <a:txBody>
-                    <a:bodyPr/>
-                    <a:lstStyle/>
-                    <a:p>
-                      <a:endParaRPr lang="de-DE"/>
-                    </a:p>
-                  </a:txBody>
-                  <a:tcPr/>
-                </a:tc>
-                <a:tc>
-                  <a:txBody>
-                    <a:bodyPr/>
-                    <a:lstStyle/>
-                    <a:p>
-                      <a:endParaRPr lang="de-DE"/>
-                    </a:p>
-                  </a:txBody>
-                  <a:tcPr/>
+                  <a:tcPr>
+                    <a:lnL w="12700" cap="flat" cmpd="sng" algn="ctr">
+                      <a:solidFill>
+                        <a:scrgbClr r="0" g="0" b="0"/>
+                      </a:solidFill>
+                      <a:prstDash val="solid"/>
+                      <a:round/>
+                      <a:headEnd type="none" w="med" len="med"/>
+                      <a:tailEnd type="none" w="med" len="med"/>
+                    </a:lnL>
+                    <a:lnR w="12700" cap="flat" cmpd="sng" algn="ctr">
+                      <a:solidFill>
+                        <a:scrgbClr r="0" g="0" b="0"/>
+                      </a:solidFill>
+                      <a:prstDash val="solid"/>
+                      <a:round/>
+                      <a:headEnd type="none" w="med" len="med"/>
+                      <a:tailEnd type="none" w="med" len="med"/>
+                    </a:lnR>
+                    <a:lnT w="12700" cap="flat" cmpd="sng" algn="ctr">
+                      <a:solidFill>
+                        <a:scrgbClr r="0" g="0" b="0"/>
+                      </a:solidFill>
+                      <a:prstDash val="solid"/>
+                      <a:round/>
+                      <a:headEnd type="none" w="med" len="med"/>
+                      <a:tailEnd type="none" w="med" len="med"/>
+                    </a:lnT>
+                    <a:lnB w="12700" cap="flat" cmpd="sng" algn="ctr">
+                      <a:solidFill>
+                        <a:scrgbClr r="0" g="0" b="0"/>
+                      </a:solidFill>
+                      <a:prstDash val="solid"/>
+                      <a:round/>
+                      <a:headEnd type="none" w="med" len="med"/>
+                      <a:tailEnd type="none" w="med" len="med"/>
+                    </a:lnB>
+                  </a:tcPr>
+                </a:tc>
+                <a:tc>
+                  <a:txBody>
+                    <a:bodyPr/>
+                    <a:lstStyle/>
+                    <a:p>
+                      <a:r>
+                        <a:rPr lang="de-DE" dirty="0" smtClean="0"/>
+                        <a:t>1305</a:t>
+                      </a:r>
+                      <a:endParaRPr lang="de-DE" dirty="0"/>
+                    </a:p>
+                  </a:txBody>
+                  <a:tcPr>
+                    <a:lnL w="12700" cap="flat" cmpd="sng" algn="ctr">
+                      <a:solidFill>
+                        <a:scrgbClr r="0" g="0" b="0"/>
+                      </a:solidFill>
+                      <a:prstDash val="solid"/>
+                      <a:round/>
+                      <a:headEnd type="none" w="med" len="med"/>
+                      <a:tailEnd type="none" w="med" len="med"/>
+                    </a:lnL>
+                    <a:lnR w="12700" cap="flat" cmpd="sng" algn="ctr">
+                      <a:solidFill>
+                        <a:scrgbClr r="0" g="0" b="0"/>
+                      </a:solidFill>
+                      <a:prstDash val="solid"/>
+                      <a:round/>
+                      <a:headEnd type="none" w="med" len="med"/>
+                      <a:tailEnd type="none" w="med" len="med"/>
+                    </a:lnR>
+                    <a:lnT w="12700" cap="flat" cmpd="sng" algn="ctr">
+                      <a:solidFill>
+                        <a:scrgbClr r="0" g="0" b="0"/>
+                      </a:solidFill>
+                      <a:prstDash val="solid"/>
+                      <a:round/>
+                      <a:headEnd type="none" w="med" len="med"/>
+                      <a:tailEnd type="none" w="med" len="med"/>
+                    </a:lnT>
+                    <a:lnB w="12700" cap="flat" cmpd="sng" algn="ctr">
+                      <a:solidFill>
+                        <a:scrgbClr r="0" g="0" b="0"/>
+                      </a:solidFill>
+                      <a:prstDash val="solid"/>
+                      <a:round/>
+                      <a:headEnd type="none" w="med" len="med"/>
+                      <a:tailEnd type="none" w="med" len="med"/>
+                    </a:lnB>
+                  </a:tcPr>
+                </a:tc>
+                <a:tc>
+                  <a:txBody>
+                    <a:bodyPr/>
+                    <a:lstStyle/>
+                    <a:p>
+                      <a:r>
+                        <a:rPr lang="de-DE" dirty="0" smtClean="0"/>
+                        <a:t>19815</a:t>
+                      </a:r>
+                      <a:endParaRPr lang="de-DE" dirty="0"/>
+                    </a:p>
+                  </a:txBody>
+                  <a:tcPr>
+                    <a:lnL w="12700" cap="flat" cmpd="sng" algn="ctr">
+                      <a:solidFill>
+                        <a:scrgbClr r="0" g="0" b="0"/>
+                      </a:solidFill>
+                      <a:prstDash val="solid"/>
+                      <a:round/>
+                      <a:headEnd type="none" w="med" len="med"/>
+                      <a:tailEnd type="none" w="med" len="med"/>
+                    </a:lnL>
+                    <a:lnR w="12700" cap="flat" cmpd="sng" algn="ctr">
+                      <a:solidFill>
+                        <a:scrgbClr r="0" g="0" b="0"/>
+                      </a:solidFill>
+                      <a:prstDash val="solid"/>
+                      <a:round/>
+                      <a:headEnd type="none" w="med" len="med"/>
+                      <a:tailEnd type="none" w="med" len="med"/>
+                    </a:lnR>
+                    <a:lnT w="12700" cap="flat" cmpd="sng" algn="ctr">
+                      <a:solidFill>
+                        <a:scrgbClr r="0" g="0" b="0"/>
+                      </a:solidFill>
+                      <a:prstDash val="solid"/>
+                      <a:round/>
+                      <a:headEnd type="none" w="med" len="med"/>
+                      <a:tailEnd type="none" w="med" len="med"/>
+                    </a:lnT>
+                    <a:lnB w="12700" cap="flat" cmpd="sng" algn="ctr">
+                      <a:solidFill>
+                        <a:scrgbClr r="0" g="0" b="0"/>
+                      </a:solidFill>
+                      <a:prstDash val="solid"/>
+                      <a:round/>
+                      <a:headEnd type="none" w="med" len="med"/>
+                      <a:tailEnd type="none" w="med" len="med"/>
+                    </a:lnB>
+                  </a:tcPr>
+                </a:tc>
+                <a:tc>
+                  <a:txBody>
+                    <a:bodyPr/>
+                    <a:lstStyle/>
+                    <a:p>
+                      <a:r>
+                        <a:rPr lang="de-DE" dirty="0" smtClean="0"/>
+                        <a:t>14464</a:t>
+                      </a:r>
+                      <a:endParaRPr lang="de-DE" dirty="0"/>
+                    </a:p>
+                  </a:txBody>
+                  <a:tcPr>
+                    <a:lnL w="12700" cap="flat" cmpd="sng" algn="ctr">
+                      <a:solidFill>
+                        <a:scrgbClr r="0" g="0" b="0"/>
+                      </a:solidFill>
+                      <a:prstDash val="solid"/>
+                      <a:round/>
+                      <a:headEnd type="none" w="med" len="med"/>
+                      <a:tailEnd type="none" w="med" len="med"/>
+                    </a:lnL>
+                    <a:lnR w="12700" cap="flat" cmpd="sng" algn="ctr">
+                      <a:solidFill>
+                        <a:scrgbClr r="0" g="0" b="0"/>
+                      </a:solidFill>
+                      <a:prstDash val="solid"/>
+                      <a:round/>
+                      <a:headEnd type="none" w="med" len="med"/>
+                      <a:tailEnd type="none" w="med" len="med"/>
+                    </a:lnR>
+                    <a:lnT w="12700" cap="flat" cmpd="sng" algn="ctr">
+                      <a:solidFill>
+                        <a:scrgbClr r="0" g="0" b="0"/>
+                      </a:solidFill>
+                      <a:prstDash val="solid"/>
+                      <a:round/>
+                      <a:headEnd type="none" w="med" len="med"/>
+                      <a:tailEnd type="none" w="med" len="med"/>
+                    </a:lnT>
+                    <a:lnB w="12700" cap="flat" cmpd="sng" algn="ctr">
+                      <a:solidFill>
+                        <a:scrgbClr r="0" g="0" b="0"/>
+                      </a:solidFill>
+                      <a:prstDash val="solid"/>
+                      <a:round/>
+                      <a:headEnd type="none" w="med" len="med"/>
+                      <a:tailEnd type="none" w="med" len="med"/>
+                    </a:lnB>
+                  </a:tcPr>
                 </a:tc>
               </a:tr>
               <a:tr h="370840">
@@ -5582,7 +11216,44 @@
                       <a:endParaRPr lang="de-DE" dirty="0"/>
                     </a:p>
                   </a:txBody>
-                  <a:tcPr/>
+                  <a:tcPr>
+                    <a:lnL w="12700" cap="flat" cmpd="sng" algn="ctr">
+                      <a:solidFill>
+                        <a:scrgbClr r="0" g="0" b="0"/>
+                      </a:solidFill>
+                      <a:prstDash val="solid"/>
+                      <a:round/>
+                      <a:headEnd type="none" w="med" len="med"/>
+                      <a:tailEnd type="none" w="med" len="med"/>
+                    </a:lnL>
+                    <a:lnR w="12700" cap="flat" cmpd="sng" algn="ctr">
+                      <a:solidFill>
+                        <a:scrgbClr r="0" g="0" b="0"/>
+                      </a:solidFill>
+                      <a:prstDash val="solid"/>
+                      <a:round/>
+                      <a:headEnd type="none" w="med" len="med"/>
+                      <a:tailEnd type="none" w="med" len="med"/>
+                    </a:lnR>
+                    <a:lnT w="12700" cap="flat" cmpd="sng" algn="ctr">
+                      <a:solidFill>
+                        <a:scrgbClr r="0" g="0" b="0"/>
+                      </a:solidFill>
+                      <a:prstDash val="solid"/>
+                      <a:round/>
+                      <a:headEnd type="none" w="med" len="med"/>
+                      <a:tailEnd type="none" w="med" len="med"/>
+                    </a:lnT>
+                    <a:lnB w="12700" cap="flat" cmpd="sng" algn="ctr">
+                      <a:solidFill>
+                        <a:scrgbClr r="0" g="0" b="0"/>
+                      </a:solidFill>
+                      <a:prstDash val="solid"/>
+                      <a:round/>
+                      <a:headEnd type="none" w="med" len="med"/>
+                      <a:tailEnd type="none" w="med" len="med"/>
+                    </a:lnB>
+                  </a:tcPr>
                 </a:tc>
                 <a:tc>
                   <a:txBody>
@@ -5596,7 +11267,44 @@
                       <a:endParaRPr lang="de-DE" dirty="0"/>
                     </a:p>
                   </a:txBody>
-                  <a:tcPr/>
+                  <a:tcPr>
+                    <a:lnL w="12700" cap="flat" cmpd="sng" algn="ctr">
+                      <a:solidFill>
+                        <a:scrgbClr r="0" g="0" b="0"/>
+                      </a:solidFill>
+                      <a:prstDash val="solid"/>
+                      <a:round/>
+                      <a:headEnd type="none" w="med" len="med"/>
+                      <a:tailEnd type="none" w="med" len="med"/>
+                    </a:lnL>
+                    <a:lnR w="12700" cap="flat" cmpd="sng" algn="ctr">
+                      <a:solidFill>
+                        <a:scrgbClr r="0" g="0" b="0"/>
+                      </a:solidFill>
+                      <a:prstDash val="solid"/>
+                      <a:round/>
+                      <a:headEnd type="none" w="med" len="med"/>
+                      <a:tailEnd type="none" w="med" len="med"/>
+                    </a:lnR>
+                    <a:lnT w="12700" cap="flat" cmpd="sng" algn="ctr">
+                      <a:solidFill>
+                        <a:scrgbClr r="0" g="0" b="0"/>
+                      </a:solidFill>
+                      <a:prstDash val="solid"/>
+                      <a:round/>
+                      <a:headEnd type="none" w="med" len="med"/>
+                      <a:tailEnd type="none" w="med" len="med"/>
+                    </a:lnT>
+                    <a:lnB w="12700" cap="flat" cmpd="sng" algn="ctr">
+                      <a:solidFill>
+                        <a:scrgbClr r="0" g="0" b="0"/>
+                      </a:solidFill>
+                      <a:prstDash val="solid"/>
+                      <a:round/>
+                      <a:headEnd type="none" w="med" len="med"/>
+                      <a:tailEnd type="none" w="med" len="med"/>
+                    </a:lnB>
+                  </a:tcPr>
                 </a:tc>
                 <a:tc>
                   <a:txBody>
@@ -5610,37 +11318,197 @@
                       <a:endParaRPr lang="de-DE" dirty="0"/>
                     </a:p>
                   </a:txBody>
-                  <a:tcPr/>
-                </a:tc>
-                <a:tc>
-                  <a:txBody>
-                    <a:bodyPr/>
-                    <a:lstStyle/>
-                    <a:p>
-                      <a:endParaRPr lang="de-DE" dirty="0"/>
-                    </a:p>
-                  </a:txBody>
-                  <a:tcPr/>
-                </a:tc>
-                <a:tc>
-                  <a:txBody>
-                    <a:bodyPr/>
-                    <a:lstStyle/>
-                    <a:p>
-                      <a:endParaRPr lang="de-DE" dirty="0"/>
-                    </a:p>
-                  </a:txBody>
-                  <a:tcPr/>
-                </a:tc>
-                <a:tc>
-                  <a:txBody>
-                    <a:bodyPr/>
-                    <a:lstStyle/>
-                    <a:p>
-                      <a:endParaRPr lang="de-DE" dirty="0"/>
-                    </a:p>
-                  </a:txBody>
-                  <a:tcPr/>
+                  <a:tcPr>
+                    <a:lnL w="12700" cap="flat" cmpd="sng" algn="ctr">
+                      <a:solidFill>
+                        <a:scrgbClr r="0" g="0" b="0"/>
+                      </a:solidFill>
+                      <a:prstDash val="solid"/>
+                      <a:round/>
+                      <a:headEnd type="none" w="med" len="med"/>
+                      <a:tailEnd type="none" w="med" len="med"/>
+                    </a:lnL>
+                    <a:lnR w="12700" cap="flat" cmpd="sng" algn="ctr">
+                      <a:solidFill>
+                        <a:scrgbClr r="0" g="0" b="0"/>
+                      </a:solidFill>
+                      <a:prstDash val="solid"/>
+                      <a:round/>
+                      <a:headEnd type="none" w="med" len="med"/>
+                      <a:tailEnd type="none" w="med" len="med"/>
+                    </a:lnR>
+                    <a:lnT w="12700" cap="flat" cmpd="sng" algn="ctr">
+                      <a:solidFill>
+                        <a:scrgbClr r="0" g="0" b="0"/>
+                      </a:solidFill>
+                      <a:prstDash val="solid"/>
+                      <a:round/>
+                      <a:headEnd type="none" w="med" len="med"/>
+                      <a:tailEnd type="none" w="med" len="med"/>
+                    </a:lnT>
+                    <a:lnB w="12700" cap="flat" cmpd="sng" algn="ctr">
+                      <a:solidFill>
+                        <a:scrgbClr r="0" g="0" b="0"/>
+                      </a:solidFill>
+                      <a:prstDash val="solid"/>
+                      <a:round/>
+                      <a:headEnd type="none" w="med" len="med"/>
+                      <a:tailEnd type="none" w="med" len="med"/>
+                    </a:lnB>
+                  </a:tcPr>
+                </a:tc>
+                <a:tc>
+                  <a:txBody>
+                    <a:bodyPr/>
+                    <a:lstStyle/>
+                    <a:p>
+                      <a:r>
+                        <a:rPr lang="de-DE" dirty="0" smtClean="0"/>
+                        <a:t>22</a:t>
+                      </a:r>
+                      <a:endParaRPr lang="de-DE" dirty="0"/>
+                    </a:p>
+                  </a:txBody>
+                  <a:tcPr>
+                    <a:lnL w="12700" cap="flat" cmpd="sng" algn="ctr">
+                      <a:solidFill>
+                        <a:scrgbClr r="0" g="0" b="0"/>
+                      </a:solidFill>
+                      <a:prstDash val="solid"/>
+                      <a:round/>
+                      <a:headEnd type="none" w="med" len="med"/>
+                      <a:tailEnd type="none" w="med" len="med"/>
+                    </a:lnL>
+                    <a:lnR w="12700" cap="flat" cmpd="sng" algn="ctr">
+                      <a:solidFill>
+                        <a:scrgbClr r="0" g="0" b="0"/>
+                      </a:solidFill>
+                      <a:prstDash val="solid"/>
+                      <a:round/>
+                      <a:headEnd type="none" w="med" len="med"/>
+                      <a:tailEnd type="none" w="med" len="med"/>
+                    </a:lnR>
+                    <a:lnT w="12700" cap="flat" cmpd="sng" algn="ctr">
+                      <a:solidFill>
+                        <a:scrgbClr r="0" g="0" b="0"/>
+                      </a:solidFill>
+                      <a:prstDash val="solid"/>
+                      <a:round/>
+                      <a:headEnd type="none" w="med" len="med"/>
+                      <a:tailEnd type="none" w="med" len="med"/>
+                    </a:lnT>
+                    <a:lnB w="12700" cap="flat" cmpd="sng" algn="ctr">
+                      <a:solidFill>
+                        <a:scrgbClr r="0" g="0" b="0"/>
+                      </a:solidFill>
+                      <a:prstDash val="solid"/>
+                      <a:round/>
+                      <a:headEnd type="none" w="med" len="med"/>
+                      <a:tailEnd type="none" w="med" len="med"/>
+                    </a:lnB>
+                  </a:tcPr>
+                </a:tc>
+                <a:tc>
+                  <a:txBody>
+                    <a:bodyPr/>
+                    <a:lstStyle/>
+                    <a:p>
+                      <a:r>
+                        <a:rPr lang="de-DE" dirty="0" smtClean="0"/>
+                        <a:t>20375</a:t>
+                      </a:r>
+                      <a:endParaRPr lang="de-DE" dirty="0"/>
+                    </a:p>
+                  </a:txBody>
+                  <a:tcPr>
+                    <a:lnL w="12700" cap="flat" cmpd="sng" algn="ctr">
+                      <a:solidFill>
+                        <a:scrgbClr r="0" g="0" b="0"/>
+                      </a:solidFill>
+                      <a:prstDash val="solid"/>
+                      <a:round/>
+                      <a:headEnd type="none" w="med" len="med"/>
+                      <a:tailEnd type="none" w="med" len="med"/>
+                    </a:lnL>
+                    <a:lnR w="12700" cap="flat" cmpd="sng" algn="ctr">
+                      <a:solidFill>
+                        <a:scrgbClr r="0" g="0" b="0"/>
+                      </a:solidFill>
+                      <a:prstDash val="solid"/>
+                      <a:round/>
+                      <a:headEnd type="none" w="med" len="med"/>
+                      <a:tailEnd type="none" w="med" len="med"/>
+                    </a:lnR>
+                    <a:lnT w="12700" cap="flat" cmpd="sng" algn="ctr">
+                      <a:solidFill>
+                        <a:scrgbClr r="0" g="0" b="0"/>
+                      </a:solidFill>
+                      <a:prstDash val="solid"/>
+                      <a:round/>
+                      <a:headEnd type="none" w="med" len="med"/>
+                      <a:tailEnd type="none" w="med" len="med"/>
+                    </a:lnT>
+                    <a:lnB w="12700" cap="flat" cmpd="sng" algn="ctr">
+                      <a:solidFill>
+                        <a:scrgbClr r="0" g="0" b="0"/>
+                      </a:solidFill>
+                      <a:prstDash val="solid"/>
+                      <a:round/>
+                      <a:headEnd type="none" w="med" len="med"/>
+                      <a:tailEnd type="none" w="med" len="med"/>
+                    </a:lnB>
+                  </a:tcPr>
+                </a:tc>
+                <a:tc>
+                  <a:txBody>
+                    <a:bodyPr/>
+                    <a:lstStyle/>
+                    <a:p>
+                      <a:r>
+                        <a:rPr lang="de-DE" dirty="0" smtClean="0"/>
+                        <a:t>2067</a:t>
+                      </a:r>
+                      <a:endParaRPr lang="de-DE" dirty="0"/>
+                    </a:p>
+                  </a:txBody>
+                  <a:tcPr>
+                    <a:lnL w="12700" cap="flat" cmpd="sng" algn="ctr">
+                      <a:solidFill>
+                        <a:scrgbClr r="0" g="0" b="0"/>
+                      </a:solidFill>
+                      <a:prstDash val="solid"/>
+                      <a:round/>
+                      <a:headEnd type="none" w="med" len="med"/>
+                      <a:tailEnd type="none" w="med" len="med"/>
+                    </a:lnL>
+                    <a:lnR w="12700" cap="flat" cmpd="sng" algn="ctr">
+                      <a:solidFill>
+                        <a:scrgbClr r="0" g="0" b="0"/>
+                      </a:solidFill>
+                      <a:prstDash val="solid"/>
+                      <a:round/>
+                      <a:headEnd type="none" w="med" len="med"/>
+                      <a:tailEnd type="none" w="med" len="med"/>
+                    </a:lnR>
+                    <a:lnT w="12700" cap="flat" cmpd="sng" algn="ctr">
+                      <a:solidFill>
+                        <a:scrgbClr r="0" g="0" b="0"/>
+                      </a:solidFill>
+                      <a:prstDash val="solid"/>
+                      <a:round/>
+                      <a:headEnd type="none" w="med" len="med"/>
+                      <a:tailEnd type="none" w="med" len="med"/>
+                    </a:lnT>
+                    <a:lnB w="12700" cap="flat" cmpd="sng" algn="ctr">
+                      <a:solidFill>
+                        <a:scrgbClr r="0" g="0" b="0"/>
+                      </a:solidFill>
+                      <a:prstDash val="solid"/>
+                      <a:round/>
+                      <a:headEnd type="none" w="med" len="med"/>
+                      <a:tailEnd type="none" w="med" len="med"/>
+                    </a:lnB>
+                  </a:tcPr>
                 </a:tc>
               </a:tr>
             </a:tbl>
@@ -5694,7 +11562,15 @@
           <a:p>
             <a:r>
               <a:rPr lang="de-DE" dirty="0" smtClean="0"/>
-              <a:t>Messergebnisse-Durchschnitt</a:t>
+              <a:t>Messergebnisse</a:t>
+            </a:r>
+            <a:r>
+              <a:rPr lang="de-DE" dirty="0"/>
+              <a:t> </a:t>
+            </a:r>
+            <a:r>
+              <a:rPr lang="de-DE" dirty="0" smtClean="0"/>
+              <a:t>gesamt</a:t>
             </a:r>
             <a:endParaRPr lang="de-DE" dirty="0"/>
           </a:p>
@@ -5709,7 +11585,7 @@
           <p:nvPr>
             <p:extLst>
               <p:ext uri="{D42A27DB-BD31-4B8C-83A1-F6EECF244321}">
-                <p14:modId xmlns:p14="http://schemas.microsoft.com/office/powerpoint/2010/main" val="3079223811"/>
+                <p14:modId xmlns:p14="http://schemas.microsoft.com/office/powerpoint/2010/main" val="2878016213"/>
               </p:ext>
             </p:extLst>
           </p:nvPr>
@@ -5744,7 +11620,44 @@
                       <a:endParaRPr lang="de-DE" b="1" dirty="0"/>
                     </a:p>
                   </a:txBody>
-                  <a:tcPr/>
+                  <a:tcPr>
+                    <a:lnL w="12700" cap="flat" cmpd="sng" algn="ctr">
+                      <a:solidFill>
+                        <a:scrgbClr r="0" g="0" b="0"/>
+                      </a:solidFill>
+                      <a:prstDash val="solid"/>
+                      <a:round/>
+                      <a:headEnd type="none" w="med" len="med"/>
+                      <a:tailEnd type="none" w="med" len="med"/>
+                    </a:lnL>
+                    <a:lnR w="12700" cap="flat" cmpd="sng" algn="ctr">
+                      <a:solidFill>
+                        <a:scrgbClr r="0" g="0" b="0"/>
+                      </a:solidFill>
+                      <a:prstDash val="solid"/>
+                      <a:round/>
+                      <a:headEnd type="none" w="med" len="med"/>
+                      <a:tailEnd type="none" w="med" len="med"/>
+                    </a:lnR>
+                    <a:lnT w="12700" cap="flat" cmpd="sng" algn="ctr">
+                      <a:solidFill>
+                        <a:scrgbClr r="0" g="0" b="0"/>
+                      </a:solidFill>
+                      <a:prstDash val="solid"/>
+                      <a:round/>
+                      <a:headEnd type="none" w="med" len="med"/>
+                      <a:tailEnd type="none" w="med" len="med"/>
+                    </a:lnT>
+                    <a:lnB w="12700" cap="flat" cmpd="sng" algn="ctr">
+                      <a:solidFill>
+                        <a:scrgbClr r="0" g="0" b="0"/>
+                      </a:solidFill>
+                      <a:prstDash val="solid"/>
+                      <a:round/>
+                      <a:headEnd type="none" w="med" len="med"/>
+                      <a:tailEnd type="none" w="med" len="med"/>
+                    </a:lnB>
+                  </a:tcPr>
                 </a:tc>
                 <a:tc>
                   <a:txBody>
@@ -5758,7 +11671,44 @@
                       <a:endParaRPr lang="de-DE" b="1" dirty="0"/>
                     </a:p>
                   </a:txBody>
-                  <a:tcPr/>
+                  <a:tcPr>
+                    <a:lnL w="12700" cap="flat" cmpd="sng" algn="ctr">
+                      <a:solidFill>
+                        <a:scrgbClr r="0" g="0" b="0"/>
+                      </a:solidFill>
+                      <a:prstDash val="solid"/>
+                      <a:round/>
+                      <a:headEnd type="none" w="med" len="med"/>
+                      <a:tailEnd type="none" w="med" len="med"/>
+                    </a:lnL>
+                    <a:lnR w="12700" cap="flat" cmpd="sng" algn="ctr">
+                      <a:solidFill>
+                        <a:scrgbClr r="0" g="0" b="0"/>
+                      </a:solidFill>
+                      <a:prstDash val="solid"/>
+                      <a:round/>
+                      <a:headEnd type="none" w="med" len="med"/>
+                      <a:tailEnd type="none" w="med" len="med"/>
+                    </a:lnR>
+                    <a:lnT w="12700" cap="flat" cmpd="sng" algn="ctr">
+                      <a:solidFill>
+                        <a:scrgbClr r="0" g="0" b="0"/>
+                      </a:solidFill>
+                      <a:prstDash val="solid"/>
+                      <a:round/>
+                      <a:headEnd type="none" w="med" len="med"/>
+                      <a:tailEnd type="none" w="med" len="med"/>
+                    </a:lnT>
+                    <a:lnB w="12700" cap="flat" cmpd="sng" algn="ctr">
+                      <a:solidFill>
+                        <a:scrgbClr r="0" g="0" b="0"/>
+                      </a:solidFill>
+                      <a:prstDash val="solid"/>
+                      <a:round/>
+                      <a:headEnd type="none" w="med" len="med"/>
+                      <a:tailEnd type="none" w="med" len="med"/>
+                    </a:lnB>
+                  </a:tcPr>
                 </a:tc>
                 <a:tc>
                   <a:txBody>
@@ -5772,7 +11722,44 @@
                       <a:endParaRPr lang="de-DE" b="1" dirty="0"/>
                     </a:p>
                   </a:txBody>
-                  <a:tcPr/>
+                  <a:tcPr>
+                    <a:lnL w="12700" cap="flat" cmpd="sng" algn="ctr">
+                      <a:solidFill>
+                        <a:scrgbClr r="0" g="0" b="0"/>
+                      </a:solidFill>
+                      <a:prstDash val="solid"/>
+                      <a:round/>
+                      <a:headEnd type="none" w="med" len="med"/>
+                      <a:tailEnd type="none" w="med" len="med"/>
+                    </a:lnL>
+                    <a:lnR w="12700" cap="flat" cmpd="sng" algn="ctr">
+                      <a:solidFill>
+                        <a:scrgbClr r="0" g="0" b="0"/>
+                      </a:solidFill>
+                      <a:prstDash val="solid"/>
+                      <a:round/>
+                      <a:headEnd type="none" w="med" len="med"/>
+                      <a:tailEnd type="none" w="med" len="med"/>
+                    </a:lnR>
+                    <a:lnT w="12700" cap="flat" cmpd="sng" algn="ctr">
+                      <a:solidFill>
+                        <a:scrgbClr r="0" g="0" b="0"/>
+                      </a:solidFill>
+                      <a:prstDash val="solid"/>
+                      <a:round/>
+                      <a:headEnd type="none" w="med" len="med"/>
+                      <a:tailEnd type="none" w="med" len="med"/>
+                    </a:lnT>
+                    <a:lnB w="12700" cap="flat" cmpd="sng" algn="ctr">
+                      <a:solidFill>
+                        <a:scrgbClr r="0" g="0" b="0"/>
+                      </a:solidFill>
+                      <a:prstDash val="solid"/>
+                      <a:round/>
+                      <a:headEnd type="none" w="med" len="med"/>
+                      <a:tailEnd type="none" w="med" len="med"/>
+                    </a:lnB>
+                  </a:tcPr>
                 </a:tc>
                 <a:tc>
                   <a:txBody>
@@ -5786,7 +11773,44 @@
                       <a:endParaRPr lang="de-DE" b="1" dirty="0"/>
                     </a:p>
                   </a:txBody>
-                  <a:tcPr/>
+                  <a:tcPr>
+                    <a:lnL w="12700" cap="flat" cmpd="sng" algn="ctr">
+                      <a:solidFill>
+                        <a:scrgbClr r="0" g="0" b="0"/>
+                      </a:solidFill>
+                      <a:prstDash val="solid"/>
+                      <a:round/>
+                      <a:headEnd type="none" w="med" len="med"/>
+                      <a:tailEnd type="none" w="med" len="med"/>
+                    </a:lnL>
+                    <a:lnR w="12700" cap="flat" cmpd="sng" algn="ctr">
+                      <a:solidFill>
+                        <a:scrgbClr r="0" g="0" b="0"/>
+                      </a:solidFill>
+                      <a:prstDash val="solid"/>
+                      <a:round/>
+                      <a:headEnd type="none" w="med" len="med"/>
+                      <a:tailEnd type="none" w="med" len="med"/>
+                    </a:lnR>
+                    <a:lnT w="12700" cap="flat" cmpd="sng" algn="ctr">
+                      <a:solidFill>
+                        <a:scrgbClr r="0" g="0" b="0"/>
+                      </a:solidFill>
+                      <a:prstDash val="solid"/>
+                      <a:round/>
+                      <a:headEnd type="none" w="med" len="med"/>
+                      <a:tailEnd type="none" w="med" len="med"/>
+                    </a:lnT>
+                    <a:lnB w="12700" cap="flat" cmpd="sng" algn="ctr">
+                      <a:solidFill>
+                        <a:scrgbClr r="0" g="0" b="0"/>
+                      </a:solidFill>
+                      <a:prstDash val="solid"/>
+                      <a:round/>
+                      <a:headEnd type="none" w="med" len="med"/>
+                      <a:tailEnd type="none" w="med" len="med"/>
+                    </a:lnB>
+                  </a:tcPr>
                 </a:tc>
                 <a:tc>
                   <a:txBody>
@@ -5800,7 +11824,44 @@
                       <a:endParaRPr lang="de-DE" b="1" dirty="0"/>
                     </a:p>
                   </a:txBody>
-                  <a:tcPr/>
+                  <a:tcPr>
+                    <a:lnL w="12700" cap="flat" cmpd="sng" algn="ctr">
+                      <a:solidFill>
+                        <a:scrgbClr r="0" g="0" b="0"/>
+                      </a:solidFill>
+                      <a:prstDash val="solid"/>
+                      <a:round/>
+                      <a:headEnd type="none" w="med" len="med"/>
+                      <a:tailEnd type="none" w="med" len="med"/>
+                    </a:lnL>
+                    <a:lnR w="12700" cap="flat" cmpd="sng" algn="ctr">
+                      <a:solidFill>
+                        <a:scrgbClr r="0" g="0" b="0"/>
+                      </a:solidFill>
+                      <a:prstDash val="solid"/>
+                      <a:round/>
+                      <a:headEnd type="none" w="med" len="med"/>
+                      <a:tailEnd type="none" w="med" len="med"/>
+                    </a:lnR>
+                    <a:lnT w="12700" cap="flat" cmpd="sng" algn="ctr">
+                      <a:solidFill>
+                        <a:scrgbClr r="0" g="0" b="0"/>
+                      </a:solidFill>
+                      <a:prstDash val="solid"/>
+                      <a:round/>
+                      <a:headEnd type="none" w="med" len="med"/>
+                      <a:tailEnd type="none" w="med" len="med"/>
+                    </a:lnT>
+                    <a:lnB w="12700" cap="flat" cmpd="sng" algn="ctr">
+                      <a:solidFill>
+                        <a:scrgbClr r="0" g="0" b="0"/>
+                      </a:solidFill>
+                      <a:prstDash val="solid"/>
+                      <a:round/>
+                      <a:headEnd type="none" w="med" len="med"/>
+                      <a:tailEnd type="none" w="med" len="med"/>
+                    </a:lnB>
+                  </a:tcPr>
                 </a:tc>
               </a:tr>
               <a:tr h="370840">
@@ -5816,7 +11877,44 @@
                       <a:endParaRPr lang="de-DE" dirty="0"/>
                     </a:p>
                   </a:txBody>
-                  <a:tcPr/>
+                  <a:tcPr>
+                    <a:lnL w="12700" cap="flat" cmpd="sng" algn="ctr">
+                      <a:solidFill>
+                        <a:scrgbClr r="0" g="0" b="0"/>
+                      </a:solidFill>
+                      <a:prstDash val="solid"/>
+                      <a:round/>
+                      <a:headEnd type="none" w="med" len="med"/>
+                      <a:tailEnd type="none" w="med" len="med"/>
+                    </a:lnL>
+                    <a:lnR w="12700" cap="flat" cmpd="sng" algn="ctr">
+                      <a:solidFill>
+                        <a:scrgbClr r="0" g="0" b="0"/>
+                      </a:solidFill>
+                      <a:prstDash val="solid"/>
+                      <a:round/>
+                      <a:headEnd type="none" w="med" len="med"/>
+                      <a:tailEnd type="none" w="med" len="med"/>
+                    </a:lnR>
+                    <a:lnT w="12700" cap="flat" cmpd="sng" algn="ctr">
+                      <a:solidFill>
+                        <a:scrgbClr r="0" g="0" b="0"/>
+                      </a:solidFill>
+                      <a:prstDash val="solid"/>
+                      <a:round/>
+                      <a:headEnd type="none" w="med" len="med"/>
+                      <a:tailEnd type="none" w="med" len="med"/>
+                    </a:lnT>
+                    <a:lnB w="12700" cap="flat" cmpd="sng" algn="ctr">
+                      <a:solidFill>
+                        <a:scrgbClr r="0" g="0" b="0"/>
+                      </a:solidFill>
+                      <a:prstDash val="solid"/>
+                      <a:round/>
+                      <a:headEnd type="none" w="med" len="med"/>
+                      <a:tailEnd type="none" w="med" len="med"/>
+                    </a:lnB>
+                  </a:tcPr>
                 </a:tc>
                 <a:tc>
                   <a:txBody>
@@ -5830,37 +11928,197 @@
                       <a:endParaRPr lang="de-DE" dirty="0"/>
                     </a:p>
                   </a:txBody>
-                  <a:tcPr/>
-                </a:tc>
-                <a:tc>
-                  <a:txBody>
-                    <a:bodyPr/>
-                    <a:lstStyle/>
-                    <a:p>
-                      <a:endParaRPr lang="de-DE"/>
-                    </a:p>
-                  </a:txBody>
-                  <a:tcPr/>
-                </a:tc>
-                <a:tc>
-                  <a:txBody>
-                    <a:bodyPr/>
-                    <a:lstStyle/>
-                    <a:p>
-                      <a:endParaRPr lang="de-DE"/>
-                    </a:p>
-                  </a:txBody>
-                  <a:tcPr/>
-                </a:tc>
-                <a:tc>
-                  <a:txBody>
-                    <a:bodyPr/>
-                    <a:lstStyle/>
-                    <a:p>
-                      <a:endParaRPr lang="de-DE"/>
-                    </a:p>
-                  </a:txBody>
-                  <a:tcPr/>
+                  <a:tcPr>
+                    <a:lnL w="12700" cap="flat" cmpd="sng" algn="ctr">
+                      <a:solidFill>
+                        <a:scrgbClr r="0" g="0" b="0"/>
+                      </a:solidFill>
+                      <a:prstDash val="solid"/>
+                      <a:round/>
+                      <a:headEnd type="none" w="med" len="med"/>
+                      <a:tailEnd type="none" w="med" len="med"/>
+                    </a:lnL>
+                    <a:lnR w="12700" cap="flat" cmpd="sng" algn="ctr">
+                      <a:solidFill>
+                        <a:scrgbClr r="0" g="0" b="0"/>
+                      </a:solidFill>
+                      <a:prstDash val="solid"/>
+                      <a:round/>
+                      <a:headEnd type="none" w="med" len="med"/>
+                      <a:tailEnd type="none" w="med" len="med"/>
+                    </a:lnR>
+                    <a:lnT w="12700" cap="flat" cmpd="sng" algn="ctr">
+                      <a:solidFill>
+                        <a:scrgbClr r="0" g="0" b="0"/>
+                      </a:solidFill>
+                      <a:prstDash val="solid"/>
+                      <a:round/>
+                      <a:headEnd type="none" w="med" len="med"/>
+                      <a:tailEnd type="none" w="med" len="med"/>
+                    </a:lnT>
+                    <a:lnB w="12700" cap="flat" cmpd="sng" algn="ctr">
+                      <a:solidFill>
+                        <a:scrgbClr r="0" g="0" b="0"/>
+                      </a:solidFill>
+                      <a:prstDash val="solid"/>
+                      <a:round/>
+                      <a:headEnd type="none" w="med" len="med"/>
+                      <a:tailEnd type="none" w="med" len="med"/>
+                    </a:lnB>
+                  </a:tcPr>
+                </a:tc>
+                <a:tc>
+                  <a:txBody>
+                    <a:bodyPr/>
+                    <a:lstStyle/>
+                    <a:p>
+                      <a:r>
+                        <a:rPr lang="de-DE" dirty="0" smtClean="0"/>
+                        <a:t>28</a:t>
+                      </a:r>
+                      <a:endParaRPr lang="de-DE" dirty="0"/>
+                    </a:p>
+                  </a:txBody>
+                  <a:tcPr>
+                    <a:lnL w="12700" cap="flat" cmpd="sng" algn="ctr">
+                      <a:solidFill>
+                        <a:scrgbClr r="0" g="0" b="0"/>
+                      </a:solidFill>
+                      <a:prstDash val="solid"/>
+                      <a:round/>
+                      <a:headEnd type="none" w="med" len="med"/>
+                      <a:tailEnd type="none" w="med" len="med"/>
+                    </a:lnL>
+                    <a:lnR w="12700" cap="flat" cmpd="sng" algn="ctr">
+                      <a:solidFill>
+                        <a:scrgbClr r="0" g="0" b="0"/>
+                      </a:solidFill>
+                      <a:prstDash val="solid"/>
+                      <a:round/>
+                      <a:headEnd type="none" w="med" len="med"/>
+                      <a:tailEnd type="none" w="med" len="med"/>
+                    </a:lnR>
+                    <a:lnT w="12700" cap="flat" cmpd="sng" algn="ctr">
+                      <a:solidFill>
+                        <a:scrgbClr r="0" g="0" b="0"/>
+                      </a:solidFill>
+                      <a:prstDash val="solid"/>
+                      <a:round/>
+                      <a:headEnd type="none" w="med" len="med"/>
+                      <a:tailEnd type="none" w="med" len="med"/>
+                    </a:lnT>
+                    <a:lnB w="12700" cap="flat" cmpd="sng" algn="ctr">
+                      <a:solidFill>
+                        <a:scrgbClr r="0" g="0" b="0"/>
+                      </a:solidFill>
+                      <a:prstDash val="solid"/>
+                      <a:round/>
+                      <a:headEnd type="none" w="med" len="med"/>
+                      <a:tailEnd type="none" w="med" len="med"/>
+                    </a:lnB>
+                  </a:tcPr>
+                </a:tc>
+                <a:tc>
+                  <a:txBody>
+                    <a:bodyPr/>
+                    <a:lstStyle/>
+                    <a:p>
+                      <a:r>
+                        <a:rPr lang="de-DE" dirty="0" smtClean="0"/>
+                        <a:t>7697</a:t>
+                      </a:r>
+                      <a:endParaRPr lang="de-DE" dirty="0"/>
+                    </a:p>
+                  </a:txBody>
+                  <a:tcPr>
+                    <a:lnL w="12700" cap="flat" cmpd="sng" algn="ctr">
+                      <a:solidFill>
+                        <a:scrgbClr r="0" g="0" b="0"/>
+                      </a:solidFill>
+                      <a:prstDash val="solid"/>
+                      <a:round/>
+                      <a:headEnd type="none" w="med" len="med"/>
+                      <a:tailEnd type="none" w="med" len="med"/>
+                    </a:lnL>
+                    <a:lnR w="12700" cap="flat" cmpd="sng" algn="ctr">
+                      <a:solidFill>
+                        <a:scrgbClr r="0" g="0" b="0"/>
+                      </a:solidFill>
+                      <a:prstDash val="solid"/>
+                      <a:round/>
+                      <a:headEnd type="none" w="med" len="med"/>
+                      <a:tailEnd type="none" w="med" len="med"/>
+                    </a:lnR>
+                    <a:lnT w="12700" cap="flat" cmpd="sng" algn="ctr">
+                      <a:solidFill>
+                        <a:scrgbClr r="0" g="0" b="0"/>
+                      </a:solidFill>
+                      <a:prstDash val="solid"/>
+                      <a:round/>
+                      <a:headEnd type="none" w="med" len="med"/>
+                      <a:tailEnd type="none" w="med" len="med"/>
+                    </a:lnT>
+                    <a:lnB w="12700" cap="flat" cmpd="sng" algn="ctr">
+                      <a:solidFill>
+                        <a:scrgbClr r="0" g="0" b="0"/>
+                      </a:solidFill>
+                      <a:prstDash val="solid"/>
+                      <a:round/>
+                      <a:headEnd type="none" w="med" len="med"/>
+                      <a:tailEnd type="none" w="med" len="med"/>
+                    </a:lnB>
+                  </a:tcPr>
+                </a:tc>
+                <a:tc>
+                  <a:txBody>
+                    <a:bodyPr/>
+                    <a:lstStyle/>
+                    <a:p>
+                      <a:r>
+                        <a:rPr lang="de-DE" dirty="0" smtClean="0"/>
+                        <a:t>908</a:t>
+                      </a:r>
+                      <a:endParaRPr lang="de-DE" dirty="0"/>
+                    </a:p>
+                  </a:txBody>
+                  <a:tcPr>
+                    <a:lnL w="12700" cap="flat" cmpd="sng" algn="ctr">
+                      <a:solidFill>
+                        <a:scrgbClr r="0" g="0" b="0"/>
+                      </a:solidFill>
+                      <a:prstDash val="solid"/>
+                      <a:round/>
+                      <a:headEnd type="none" w="med" len="med"/>
+                      <a:tailEnd type="none" w="med" len="med"/>
+                    </a:lnL>
+                    <a:lnR w="12700" cap="flat" cmpd="sng" algn="ctr">
+                      <a:solidFill>
+                        <a:scrgbClr r="0" g="0" b="0"/>
+                      </a:solidFill>
+                      <a:prstDash val="solid"/>
+                      <a:round/>
+                      <a:headEnd type="none" w="med" len="med"/>
+                      <a:tailEnd type="none" w="med" len="med"/>
+                    </a:lnR>
+                    <a:lnT w="12700" cap="flat" cmpd="sng" algn="ctr">
+                      <a:solidFill>
+                        <a:scrgbClr r="0" g="0" b="0"/>
+                      </a:solidFill>
+                      <a:prstDash val="solid"/>
+                      <a:round/>
+                      <a:headEnd type="none" w="med" len="med"/>
+                      <a:tailEnd type="none" w="med" len="med"/>
+                    </a:lnT>
+                    <a:lnB w="12700" cap="flat" cmpd="sng" algn="ctr">
+                      <a:solidFill>
+                        <a:scrgbClr r="0" g="0" b="0"/>
+                      </a:solidFill>
+                      <a:prstDash val="solid"/>
+                      <a:round/>
+                      <a:headEnd type="none" w="med" len="med"/>
+                      <a:tailEnd type="none" w="med" len="med"/>
+                    </a:lnB>
+                  </a:tcPr>
                 </a:tc>
               </a:tr>
               <a:tr h="370840">
@@ -5876,7 +12134,44 @@
                       <a:endParaRPr lang="de-DE" dirty="0"/>
                     </a:p>
                   </a:txBody>
-                  <a:tcPr/>
+                  <a:tcPr>
+                    <a:lnL w="12700" cap="flat" cmpd="sng" algn="ctr">
+                      <a:solidFill>
+                        <a:scrgbClr r="0" g="0" b="0"/>
+                      </a:solidFill>
+                      <a:prstDash val="solid"/>
+                      <a:round/>
+                      <a:headEnd type="none" w="med" len="med"/>
+                      <a:tailEnd type="none" w="med" len="med"/>
+                    </a:lnL>
+                    <a:lnR w="12700" cap="flat" cmpd="sng" algn="ctr">
+                      <a:solidFill>
+                        <a:scrgbClr r="0" g="0" b="0"/>
+                      </a:solidFill>
+                      <a:prstDash val="solid"/>
+                      <a:round/>
+                      <a:headEnd type="none" w="med" len="med"/>
+                      <a:tailEnd type="none" w="med" len="med"/>
+                    </a:lnR>
+                    <a:lnT w="12700" cap="flat" cmpd="sng" algn="ctr">
+                      <a:solidFill>
+                        <a:scrgbClr r="0" g="0" b="0"/>
+                      </a:solidFill>
+                      <a:prstDash val="solid"/>
+                      <a:round/>
+                      <a:headEnd type="none" w="med" len="med"/>
+                      <a:tailEnd type="none" w="med" len="med"/>
+                    </a:lnT>
+                    <a:lnB w="12700" cap="flat" cmpd="sng" algn="ctr">
+                      <a:solidFill>
+                        <a:scrgbClr r="0" g="0" b="0"/>
+                      </a:solidFill>
+                      <a:prstDash val="solid"/>
+                      <a:round/>
+                      <a:headEnd type="none" w="med" len="med"/>
+                      <a:tailEnd type="none" w="med" len="med"/>
+                    </a:lnB>
+                  </a:tcPr>
                 </a:tc>
                 <a:tc>
                   <a:txBody>
@@ -5890,37 +12185,197 @@
                       <a:endParaRPr lang="de-DE" dirty="0"/>
                     </a:p>
                   </a:txBody>
-                  <a:tcPr/>
-                </a:tc>
-                <a:tc>
-                  <a:txBody>
-                    <a:bodyPr/>
-                    <a:lstStyle/>
-                    <a:p>
-                      <a:endParaRPr lang="de-DE"/>
-                    </a:p>
-                  </a:txBody>
-                  <a:tcPr/>
-                </a:tc>
-                <a:tc>
-                  <a:txBody>
-                    <a:bodyPr/>
-                    <a:lstStyle/>
-                    <a:p>
-                      <a:endParaRPr lang="de-DE"/>
-                    </a:p>
-                  </a:txBody>
-                  <a:tcPr/>
-                </a:tc>
-                <a:tc>
-                  <a:txBody>
-                    <a:bodyPr/>
-                    <a:lstStyle/>
-                    <a:p>
-                      <a:endParaRPr lang="de-DE" dirty="0"/>
-                    </a:p>
-                  </a:txBody>
-                  <a:tcPr/>
+                  <a:tcPr>
+                    <a:lnL w="12700" cap="flat" cmpd="sng" algn="ctr">
+                      <a:solidFill>
+                        <a:scrgbClr r="0" g="0" b="0"/>
+                      </a:solidFill>
+                      <a:prstDash val="solid"/>
+                      <a:round/>
+                      <a:headEnd type="none" w="med" len="med"/>
+                      <a:tailEnd type="none" w="med" len="med"/>
+                    </a:lnL>
+                    <a:lnR w="12700" cap="flat" cmpd="sng" algn="ctr">
+                      <a:solidFill>
+                        <a:scrgbClr r="0" g="0" b="0"/>
+                      </a:solidFill>
+                      <a:prstDash val="solid"/>
+                      <a:round/>
+                      <a:headEnd type="none" w="med" len="med"/>
+                      <a:tailEnd type="none" w="med" len="med"/>
+                    </a:lnR>
+                    <a:lnT w="12700" cap="flat" cmpd="sng" algn="ctr">
+                      <a:solidFill>
+                        <a:scrgbClr r="0" g="0" b="0"/>
+                      </a:solidFill>
+                      <a:prstDash val="solid"/>
+                      <a:round/>
+                      <a:headEnd type="none" w="med" len="med"/>
+                      <a:tailEnd type="none" w="med" len="med"/>
+                    </a:lnT>
+                    <a:lnB w="12700" cap="flat" cmpd="sng" algn="ctr">
+                      <a:solidFill>
+                        <a:scrgbClr r="0" g="0" b="0"/>
+                      </a:solidFill>
+                      <a:prstDash val="solid"/>
+                      <a:round/>
+                      <a:headEnd type="none" w="med" len="med"/>
+                      <a:tailEnd type="none" w="med" len="med"/>
+                    </a:lnB>
+                  </a:tcPr>
+                </a:tc>
+                <a:tc>
+                  <a:txBody>
+                    <a:bodyPr/>
+                    <a:lstStyle/>
+                    <a:p>
+                      <a:r>
+                        <a:rPr lang="de-DE" dirty="0" smtClean="0"/>
+                        <a:t>25</a:t>
+                      </a:r>
+                      <a:endParaRPr lang="de-DE" dirty="0"/>
+                    </a:p>
+                  </a:txBody>
+                  <a:tcPr>
+                    <a:lnL w="12700" cap="flat" cmpd="sng" algn="ctr">
+                      <a:solidFill>
+                        <a:scrgbClr r="0" g="0" b="0"/>
+                      </a:solidFill>
+                      <a:prstDash val="solid"/>
+                      <a:round/>
+                      <a:headEnd type="none" w="med" len="med"/>
+                      <a:tailEnd type="none" w="med" len="med"/>
+                    </a:lnL>
+                    <a:lnR w="12700" cap="flat" cmpd="sng" algn="ctr">
+                      <a:solidFill>
+                        <a:scrgbClr r="0" g="0" b="0"/>
+                      </a:solidFill>
+                      <a:prstDash val="solid"/>
+                      <a:round/>
+                      <a:headEnd type="none" w="med" len="med"/>
+                      <a:tailEnd type="none" w="med" len="med"/>
+                    </a:lnR>
+                    <a:lnT w="12700" cap="flat" cmpd="sng" algn="ctr">
+                      <a:solidFill>
+                        <a:scrgbClr r="0" g="0" b="0"/>
+                      </a:solidFill>
+                      <a:prstDash val="solid"/>
+                      <a:round/>
+                      <a:headEnd type="none" w="med" len="med"/>
+                      <a:tailEnd type="none" w="med" len="med"/>
+                    </a:lnT>
+                    <a:lnB w="12700" cap="flat" cmpd="sng" algn="ctr">
+                      <a:solidFill>
+                        <a:scrgbClr r="0" g="0" b="0"/>
+                      </a:solidFill>
+                      <a:prstDash val="solid"/>
+                      <a:round/>
+                      <a:headEnd type="none" w="med" len="med"/>
+                      <a:tailEnd type="none" w="med" len="med"/>
+                    </a:lnB>
+                  </a:tcPr>
+                </a:tc>
+                <a:tc>
+                  <a:txBody>
+                    <a:bodyPr/>
+                    <a:lstStyle/>
+                    <a:p>
+                      <a:r>
+                        <a:rPr lang="de-DE" dirty="0" smtClean="0"/>
+                        <a:t>967</a:t>
+                      </a:r>
+                      <a:endParaRPr lang="de-DE" dirty="0"/>
+                    </a:p>
+                  </a:txBody>
+                  <a:tcPr>
+                    <a:lnL w="12700" cap="flat" cmpd="sng" algn="ctr">
+                      <a:solidFill>
+                        <a:scrgbClr r="0" g="0" b="0"/>
+                      </a:solidFill>
+                      <a:prstDash val="solid"/>
+                      <a:round/>
+                      <a:headEnd type="none" w="med" len="med"/>
+                      <a:tailEnd type="none" w="med" len="med"/>
+                    </a:lnL>
+                    <a:lnR w="12700" cap="flat" cmpd="sng" algn="ctr">
+                      <a:solidFill>
+                        <a:scrgbClr r="0" g="0" b="0"/>
+                      </a:solidFill>
+                      <a:prstDash val="solid"/>
+                      <a:round/>
+                      <a:headEnd type="none" w="med" len="med"/>
+                      <a:tailEnd type="none" w="med" len="med"/>
+                    </a:lnR>
+                    <a:lnT w="12700" cap="flat" cmpd="sng" algn="ctr">
+                      <a:solidFill>
+                        <a:scrgbClr r="0" g="0" b="0"/>
+                      </a:solidFill>
+                      <a:prstDash val="solid"/>
+                      <a:round/>
+                      <a:headEnd type="none" w="med" len="med"/>
+                      <a:tailEnd type="none" w="med" len="med"/>
+                    </a:lnT>
+                    <a:lnB w="12700" cap="flat" cmpd="sng" algn="ctr">
+                      <a:solidFill>
+                        <a:scrgbClr r="0" g="0" b="0"/>
+                      </a:solidFill>
+                      <a:prstDash val="solid"/>
+                      <a:round/>
+                      <a:headEnd type="none" w="med" len="med"/>
+                      <a:tailEnd type="none" w="med" len="med"/>
+                    </a:lnB>
+                  </a:tcPr>
+                </a:tc>
+                <a:tc>
+                  <a:txBody>
+                    <a:bodyPr/>
+                    <a:lstStyle/>
+                    <a:p>
+                      <a:r>
+                        <a:rPr lang="de-DE" dirty="0" smtClean="0"/>
+                        <a:t>104</a:t>
+                      </a:r>
+                      <a:endParaRPr lang="de-DE" dirty="0"/>
+                    </a:p>
+                  </a:txBody>
+                  <a:tcPr>
+                    <a:lnL w="12700" cap="flat" cmpd="sng" algn="ctr">
+                      <a:solidFill>
+                        <a:scrgbClr r="0" g="0" b="0"/>
+                      </a:solidFill>
+                      <a:prstDash val="solid"/>
+                      <a:round/>
+                      <a:headEnd type="none" w="med" len="med"/>
+                      <a:tailEnd type="none" w="med" len="med"/>
+                    </a:lnL>
+                    <a:lnR w="12700" cap="flat" cmpd="sng" algn="ctr">
+                      <a:solidFill>
+                        <a:scrgbClr r="0" g="0" b="0"/>
+                      </a:solidFill>
+                      <a:prstDash val="solid"/>
+                      <a:round/>
+                      <a:headEnd type="none" w="med" len="med"/>
+                      <a:tailEnd type="none" w="med" len="med"/>
+                    </a:lnR>
+                    <a:lnT w="12700" cap="flat" cmpd="sng" algn="ctr">
+                      <a:solidFill>
+                        <a:scrgbClr r="0" g="0" b="0"/>
+                      </a:solidFill>
+                      <a:prstDash val="solid"/>
+                      <a:round/>
+                      <a:headEnd type="none" w="med" len="med"/>
+                      <a:tailEnd type="none" w="med" len="med"/>
+                    </a:lnT>
+                    <a:lnB w="12700" cap="flat" cmpd="sng" algn="ctr">
+                      <a:solidFill>
+                        <a:scrgbClr r="0" g="0" b="0"/>
+                      </a:solidFill>
+                      <a:prstDash val="solid"/>
+                      <a:round/>
+                      <a:headEnd type="none" w="med" len="med"/>
+                      <a:tailEnd type="none" w="med" len="med"/>
+                    </a:lnB>
+                  </a:tcPr>
                 </a:tc>
               </a:tr>
               <a:tr h="370840">
@@ -5936,7 +12391,44 @@
                       <a:endParaRPr lang="de-DE" dirty="0"/>
                     </a:p>
                   </a:txBody>
-                  <a:tcPr/>
+                  <a:tcPr>
+                    <a:lnL w="12700" cap="flat" cmpd="sng" algn="ctr">
+                      <a:solidFill>
+                        <a:scrgbClr r="0" g="0" b="0"/>
+                      </a:solidFill>
+                      <a:prstDash val="solid"/>
+                      <a:round/>
+                      <a:headEnd type="none" w="med" len="med"/>
+                      <a:tailEnd type="none" w="med" len="med"/>
+                    </a:lnL>
+                    <a:lnR w="12700" cap="flat" cmpd="sng" algn="ctr">
+                      <a:solidFill>
+                        <a:scrgbClr r="0" g="0" b="0"/>
+                      </a:solidFill>
+                      <a:prstDash val="solid"/>
+                      <a:round/>
+                      <a:headEnd type="none" w="med" len="med"/>
+                      <a:tailEnd type="none" w="med" len="med"/>
+                    </a:lnR>
+                    <a:lnT w="12700" cap="flat" cmpd="sng" algn="ctr">
+                      <a:solidFill>
+                        <a:scrgbClr r="0" g="0" b="0"/>
+                      </a:solidFill>
+                      <a:prstDash val="solid"/>
+                      <a:round/>
+                      <a:headEnd type="none" w="med" len="med"/>
+                      <a:tailEnd type="none" w="med" len="med"/>
+                    </a:lnT>
+                    <a:lnB w="12700" cap="flat" cmpd="sng" algn="ctr">
+                      <a:solidFill>
+                        <a:scrgbClr r="0" g="0" b="0"/>
+                      </a:solidFill>
+                      <a:prstDash val="solid"/>
+                      <a:round/>
+                      <a:headEnd type="none" w="med" len="med"/>
+                      <a:tailEnd type="none" w="med" len="med"/>
+                    </a:lnB>
+                  </a:tcPr>
                 </a:tc>
                 <a:tc>
                   <a:txBody>
@@ -5950,37 +12442,197 @@
                       <a:endParaRPr lang="de-DE" dirty="0"/>
                     </a:p>
                   </a:txBody>
-                  <a:tcPr/>
-                </a:tc>
-                <a:tc>
-                  <a:txBody>
-                    <a:bodyPr/>
-                    <a:lstStyle/>
-                    <a:p>
+                  <a:tcPr>
+                    <a:lnL w="12700" cap="flat" cmpd="sng" algn="ctr">
+                      <a:solidFill>
+                        <a:scrgbClr r="0" g="0" b="0"/>
+                      </a:solidFill>
+                      <a:prstDash val="solid"/>
+                      <a:round/>
+                      <a:headEnd type="none" w="med" len="med"/>
+                      <a:tailEnd type="none" w="med" len="med"/>
+                    </a:lnL>
+                    <a:lnR w="12700" cap="flat" cmpd="sng" algn="ctr">
+                      <a:solidFill>
+                        <a:scrgbClr r="0" g="0" b="0"/>
+                      </a:solidFill>
+                      <a:prstDash val="solid"/>
+                      <a:round/>
+                      <a:headEnd type="none" w="med" len="med"/>
+                      <a:tailEnd type="none" w="med" len="med"/>
+                    </a:lnR>
+                    <a:lnT w="12700" cap="flat" cmpd="sng" algn="ctr">
+                      <a:solidFill>
+                        <a:scrgbClr r="0" g="0" b="0"/>
+                      </a:solidFill>
+                      <a:prstDash val="solid"/>
+                      <a:round/>
+                      <a:headEnd type="none" w="med" len="med"/>
+                      <a:tailEnd type="none" w="med" len="med"/>
+                    </a:lnT>
+                    <a:lnB w="12700" cap="flat" cmpd="sng" algn="ctr">
+                      <a:solidFill>
+                        <a:scrgbClr r="0" g="0" b="0"/>
+                      </a:solidFill>
+                      <a:prstDash val="solid"/>
+                      <a:round/>
+                      <a:headEnd type="none" w="med" len="med"/>
+                      <a:tailEnd type="none" w="med" len="med"/>
+                    </a:lnB>
+                  </a:tcPr>
+                </a:tc>
+                <a:tc>
+                  <a:txBody>
+                    <a:bodyPr/>
+                    <a:lstStyle/>
+                    <a:p>
+                      <a:r>
+                        <a:rPr lang="de-DE" dirty="0" smtClean="0"/>
+                        <a:t>40</a:t>
+                      </a:r>
+                      <a:endParaRPr lang="de-DE" dirty="0"/>
+                    </a:p>
+                  </a:txBody>
+                  <a:tcPr>
+                    <a:lnL w="12700" cap="flat" cmpd="sng" algn="ctr">
+                      <a:solidFill>
+                        <a:scrgbClr r="0" g="0" b="0"/>
+                      </a:solidFill>
+                      <a:prstDash val="solid"/>
+                      <a:round/>
+                      <a:headEnd type="none" w="med" len="med"/>
+                      <a:tailEnd type="none" w="med" len="med"/>
+                    </a:lnL>
+                    <a:lnR w="12700" cap="flat" cmpd="sng" algn="ctr">
+                      <a:solidFill>
+                        <a:scrgbClr r="0" g="0" b="0"/>
+                      </a:solidFill>
+                      <a:prstDash val="solid"/>
+                      <a:round/>
+                      <a:headEnd type="none" w="med" len="med"/>
+                      <a:tailEnd type="none" w="med" len="med"/>
+                    </a:lnR>
+                    <a:lnT w="12700" cap="flat" cmpd="sng" algn="ctr">
+                      <a:solidFill>
+                        <a:scrgbClr r="0" g="0" b="0"/>
+                      </a:solidFill>
+                      <a:prstDash val="solid"/>
+                      <a:round/>
+                      <a:headEnd type="none" w="med" len="med"/>
+                      <a:tailEnd type="none" w="med" len="med"/>
+                    </a:lnT>
+                    <a:lnB w="12700" cap="flat" cmpd="sng" algn="ctr">
+                      <a:solidFill>
+                        <a:scrgbClr r="0" g="0" b="0"/>
+                      </a:solidFill>
+                      <a:prstDash val="solid"/>
+                      <a:round/>
+                      <a:headEnd type="none" w="med" len="med"/>
+                      <a:tailEnd type="none" w="med" len="med"/>
+                    </a:lnB>
+                  </a:tcPr>
+                </a:tc>
+                <a:tc>
+                  <a:txBody>
+                    <a:bodyPr/>
+                    <a:lstStyle/>
+                    <a:p>
+                      <a:r>
+                        <a:rPr lang="de-DE" dirty="0" smtClean="0"/>
+                        <a:t>24908</a:t>
+                      </a:r>
+                      <a:endParaRPr lang="de-DE" dirty="0"/>
+                    </a:p>
+                  </a:txBody>
+                  <a:tcPr>
+                    <a:lnL w="12700" cap="flat" cmpd="sng" algn="ctr">
+                      <a:solidFill>
+                        <a:scrgbClr r="0" g="0" b="0"/>
+                      </a:solidFill>
+                      <a:prstDash val="solid"/>
+                      <a:round/>
+                      <a:headEnd type="none" w="med" len="med"/>
+                      <a:tailEnd type="none" w="med" len="med"/>
+                    </a:lnL>
+                    <a:lnR w="12700" cap="flat" cmpd="sng" algn="ctr">
+                      <a:solidFill>
+                        <a:scrgbClr r="0" g="0" b="0"/>
+                      </a:solidFill>
+                      <a:prstDash val="solid"/>
+                      <a:round/>
+                      <a:headEnd type="none" w="med" len="med"/>
+                      <a:tailEnd type="none" w="med" len="med"/>
+                    </a:lnR>
+                    <a:lnT w="12700" cap="flat" cmpd="sng" algn="ctr">
+                      <a:solidFill>
+                        <a:scrgbClr r="0" g="0" b="0"/>
+                      </a:solidFill>
+                      <a:prstDash val="solid"/>
+                      <a:round/>
+                      <a:headEnd type="none" w="med" len="med"/>
+                      <a:tailEnd type="none" w="med" len="med"/>
+                    </a:lnT>
+                    <a:lnB w="12700" cap="flat" cmpd="sng" algn="ctr">
+                      <a:solidFill>
+                        <a:scrgbClr r="0" g="0" b="0"/>
+                      </a:solidFill>
+                      <a:prstDash val="solid"/>
+                      <a:round/>
+                      <a:headEnd type="none" w="med" len="med"/>
+                      <a:tailEnd type="none" w="med" len="med"/>
+                    </a:lnB>
+                  </a:tcPr>
+                </a:tc>
+                <a:tc>
+                  <a:txBody>
+                    <a:bodyPr/>
+                    <a:lstStyle/>
+                    <a:p>
+                      <a:r>
+                        <a:rPr lang="de-DE" smtClean="0"/>
+                        <a:t>6130</a:t>
+                      </a:r>
                       <a:endParaRPr lang="de-DE"/>
                     </a:p>
                   </a:txBody>
-                  <a:tcPr/>
-                </a:tc>
-                <a:tc>
-                  <a:txBody>
-                    <a:bodyPr/>
-                    <a:lstStyle/>
-                    <a:p>
-                      <a:endParaRPr lang="de-DE"/>
-                    </a:p>
-                  </a:txBody>
-                  <a:tcPr/>
-                </a:tc>
-                <a:tc>
-                  <a:txBody>
-                    <a:bodyPr/>
-                    <a:lstStyle/>
-                    <a:p>
-                      <a:endParaRPr lang="de-DE"/>
-                    </a:p>
-                  </a:txBody>
-                  <a:tcPr/>
+                  <a:tcPr>
+                    <a:lnL w="12700" cap="flat" cmpd="sng" algn="ctr">
+                      <a:solidFill>
+                        <a:scrgbClr r="0" g="0" b="0"/>
+                      </a:solidFill>
+                      <a:prstDash val="solid"/>
+                      <a:round/>
+                      <a:headEnd type="none" w="med" len="med"/>
+                      <a:tailEnd type="none" w="med" len="med"/>
+                    </a:lnL>
+                    <a:lnR w="12700" cap="flat" cmpd="sng" algn="ctr">
+                      <a:solidFill>
+                        <a:scrgbClr r="0" g="0" b="0"/>
+                      </a:solidFill>
+                      <a:prstDash val="solid"/>
+                      <a:round/>
+                      <a:headEnd type="none" w="med" len="med"/>
+                      <a:tailEnd type="none" w="med" len="med"/>
+                    </a:lnR>
+                    <a:lnT w="12700" cap="flat" cmpd="sng" algn="ctr">
+                      <a:solidFill>
+                        <a:scrgbClr r="0" g="0" b="0"/>
+                      </a:solidFill>
+                      <a:prstDash val="solid"/>
+                      <a:round/>
+                      <a:headEnd type="none" w="med" len="med"/>
+                      <a:tailEnd type="none" w="med" len="med"/>
+                    </a:lnT>
+                    <a:lnB w="12700" cap="flat" cmpd="sng" algn="ctr">
+                      <a:solidFill>
+                        <a:scrgbClr r="0" g="0" b="0"/>
+                      </a:solidFill>
+                      <a:prstDash val="solid"/>
+                      <a:round/>
+                      <a:headEnd type="none" w="med" len="med"/>
+                      <a:tailEnd type="none" w="med" len="med"/>
+                    </a:lnB>
+                  </a:tcPr>
                 </a:tc>
               </a:tr>
               <a:tr h="370840">
@@ -5996,7 +12648,44 @@
                       <a:endParaRPr lang="de-DE" dirty="0"/>
                     </a:p>
                   </a:txBody>
-                  <a:tcPr/>
+                  <a:tcPr>
+                    <a:lnL w="12700" cap="flat" cmpd="sng" algn="ctr">
+                      <a:solidFill>
+                        <a:scrgbClr r="0" g="0" b="0"/>
+                      </a:solidFill>
+                      <a:prstDash val="solid"/>
+                      <a:round/>
+                      <a:headEnd type="none" w="med" len="med"/>
+                      <a:tailEnd type="none" w="med" len="med"/>
+                    </a:lnL>
+                    <a:lnR w="12700" cap="flat" cmpd="sng" algn="ctr">
+                      <a:solidFill>
+                        <a:scrgbClr r="0" g="0" b="0"/>
+                      </a:solidFill>
+                      <a:prstDash val="solid"/>
+                      <a:round/>
+                      <a:headEnd type="none" w="med" len="med"/>
+                      <a:tailEnd type="none" w="med" len="med"/>
+                    </a:lnR>
+                    <a:lnT w="12700" cap="flat" cmpd="sng" algn="ctr">
+                      <a:solidFill>
+                        <a:scrgbClr r="0" g="0" b="0"/>
+                      </a:solidFill>
+                      <a:prstDash val="solid"/>
+                      <a:round/>
+                      <a:headEnd type="none" w="med" len="med"/>
+                      <a:tailEnd type="none" w="med" len="med"/>
+                    </a:lnT>
+                    <a:lnB w="12700" cap="flat" cmpd="sng" algn="ctr">
+                      <a:solidFill>
+                        <a:scrgbClr r="0" g="0" b="0"/>
+                      </a:solidFill>
+                      <a:prstDash val="solid"/>
+                      <a:round/>
+                      <a:headEnd type="none" w="med" len="med"/>
+                      <a:tailEnd type="none" w="med" len="med"/>
+                    </a:lnB>
+                  </a:tcPr>
                 </a:tc>
                 <a:tc>
                   <a:txBody>
@@ -6010,37 +12699,197 @@
                       <a:endParaRPr lang="de-DE" dirty="0"/>
                     </a:p>
                   </a:txBody>
-                  <a:tcPr/>
-                </a:tc>
-                <a:tc>
-                  <a:txBody>
-                    <a:bodyPr/>
-                    <a:lstStyle/>
-                    <a:p>
-                      <a:endParaRPr lang="de-DE" dirty="0"/>
-                    </a:p>
-                  </a:txBody>
-                  <a:tcPr/>
-                </a:tc>
-                <a:tc>
-                  <a:txBody>
-                    <a:bodyPr/>
-                    <a:lstStyle/>
-                    <a:p>
-                      <a:endParaRPr lang="de-DE" dirty="0"/>
-                    </a:p>
-                  </a:txBody>
-                  <a:tcPr/>
-                </a:tc>
-                <a:tc>
-                  <a:txBody>
-                    <a:bodyPr/>
-                    <a:lstStyle/>
-                    <a:p>
-                      <a:endParaRPr lang="de-DE" dirty="0"/>
-                    </a:p>
-                  </a:txBody>
-                  <a:tcPr/>
+                  <a:tcPr>
+                    <a:lnL w="12700" cap="flat" cmpd="sng" algn="ctr">
+                      <a:solidFill>
+                        <a:scrgbClr r="0" g="0" b="0"/>
+                      </a:solidFill>
+                      <a:prstDash val="solid"/>
+                      <a:round/>
+                      <a:headEnd type="none" w="med" len="med"/>
+                      <a:tailEnd type="none" w="med" len="med"/>
+                    </a:lnL>
+                    <a:lnR w="12700" cap="flat" cmpd="sng" algn="ctr">
+                      <a:solidFill>
+                        <a:scrgbClr r="0" g="0" b="0"/>
+                      </a:solidFill>
+                      <a:prstDash val="solid"/>
+                      <a:round/>
+                      <a:headEnd type="none" w="med" len="med"/>
+                      <a:tailEnd type="none" w="med" len="med"/>
+                    </a:lnR>
+                    <a:lnT w="12700" cap="flat" cmpd="sng" algn="ctr">
+                      <a:solidFill>
+                        <a:scrgbClr r="0" g="0" b="0"/>
+                      </a:solidFill>
+                      <a:prstDash val="solid"/>
+                      <a:round/>
+                      <a:headEnd type="none" w="med" len="med"/>
+                      <a:tailEnd type="none" w="med" len="med"/>
+                    </a:lnT>
+                    <a:lnB w="12700" cap="flat" cmpd="sng" algn="ctr">
+                      <a:solidFill>
+                        <a:scrgbClr r="0" g="0" b="0"/>
+                      </a:solidFill>
+                      <a:prstDash val="solid"/>
+                      <a:round/>
+                      <a:headEnd type="none" w="med" len="med"/>
+                      <a:tailEnd type="none" w="med" len="med"/>
+                    </a:lnB>
+                  </a:tcPr>
+                </a:tc>
+                <a:tc>
+                  <a:txBody>
+                    <a:bodyPr/>
+                    <a:lstStyle/>
+                    <a:p>
+                      <a:r>
+                        <a:rPr lang="de-DE" dirty="0" smtClean="0"/>
+                        <a:t>22</a:t>
+                      </a:r>
+                      <a:endParaRPr lang="de-DE" dirty="0"/>
+                    </a:p>
+                  </a:txBody>
+                  <a:tcPr>
+                    <a:lnL w="12700" cap="flat" cmpd="sng" algn="ctr">
+                      <a:solidFill>
+                        <a:scrgbClr r="0" g="0" b="0"/>
+                      </a:solidFill>
+                      <a:prstDash val="solid"/>
+                      <a:round/>
+                      <a:headEnd type="none" w="med" len="med"/>
+                      <a:tailEnd type="none" w="med" len="med"/>
+                    </a:lnL>
+                    <a:lnR w="12700" cap="flat" cmpd="sng" algn="ctr">
+                      <a:solidFill>
+                        <a:scrgbClr r="0" g="0" b="0"/>
+                      </a:solidFill>
+                      <a:prstDash val="solid"/>
+                      <a:round/>
+                      <a:headEnd type="none" w="med" len="med"/>
+                      <a:tailEnd type="none" w="med" len="med"/>
+                    </a:lnR>
+                    <a:lnT w="12700" cap="flat" cmpd="sng" algn="ctr">
+                      <a:solidFill>
+                        <a:scrgbClr r="0" g="0" b="0"/>
+                      </a:solidFill>
+                      <a:prstDash val="solid"/>
+                      <a:round/>
+                      <a:headEnd type="none" w="med" len="med"/>
+                      <a:tailEnd type="none" w="med" len="med"/>
+                    </a:lnT>
+                    <a:lnB w="12700" cap="flat" cmpd="sng" algn="ctr">
+                      <a:solidFill>
+                        <a:scrgbClr r="0" g="0" b="0"/>
+                      </a:solidFill>
+                      <a:prstDash val="solid"/>
+                      <a:round/>
+                      <a:headEnd type="none" w="med" len="med"/>
+                      <a:tailEnd type="none" w="med" len="med"/>
+                    </a:lnB>
+                  </a:tcPr>
+                </a:tc>
+                <a:tc>
+                  <a:txBody>
+                    <a:bodyPr/>
+                    <a:lstStyle/>
+                    <a:p>
+                      <a:r>
+                        <a:rPr lang="de-DE" dirty="0" smtClean="0"/>
+                        <a:t>20375</a:t>
+                      </a:r>
+                      <a:endParaRPr lang="de-DE" dirty="0"/>
+                    </a:p>
+                  </a:txBody>
+                  <a:tcPr>
+                    <a:lnL w="12700" cap="flat" cmpd="sng" algn="ctr">
+                      <a:solidFill>
+                        <a:scrgbClr r="0" g="0" b="0"/>
+                      </a:solidFill>
+                      <a:prstDash val="solid"/>
+                      <a:round/>
+                      <a:headEnd type="none" w="med" len="med"/>
+                      <a:tailEnd type="none" w="med" len="med"/>
+                    </a:lnL>
+                    <a:lnR w="12700" cap="flat" cmpd="sng" algn="ctr">
+                      <a:solidFill>
+                        <a:scrgbClr r="0" g="0" b="0"/>
+                      </a:solidFill>
+                      <a:prstDash val="solid"/>
+                      <a:round/>
+                      <a:headEnd type="none" w="med" len="med"/>
+                      <a:tailEnd type="none" w="med" len="med"/>
+                    </a:lnR>
+                    <a:lnT w="12700" cap="flat" cmpd="sng" algn="ctr">
+                      <a:solidFill>
+                        <a:scrgbClr r="0" g="0" b="0"/>
+                      </a:solidFill>
+                      <a:prstDash val="solid"/>
+                      <a:round/>
+                      <a:headEnd type="none" w="med" len="med"/>
+                      <a:tailEnd type="none" w="med" len="med"/>
+                    </a:lnT>
+                    <a:lnB w="12700" cap="flat" cmpd="sng" algn="ctr">
+                      <a:solidFill>
+                        <a:scrgbClr r="0" g="0" b="0"/>
+                      </a:solidFill>
+                      <a:prstDash val="solid"/>
+                      <a:round/>
+                      <a:headEnd type="none" w="med" len="med"/>
+                      <a:tailEnd type="none" w="med" len="med"/>
+                    </a:lnB>
+                  </a:tcPr>
+                </a:tc>
+                <a:tc>
+                  <a:txBody>
+                    <a:bodyPr/>
+                    <a:lstStyle/>
+                    <a:p>
+                      <a:r>
+                        <a:rPr lang="de-DE" dirty="0" smtClean="0"/>
+                        <a:t>3167</a:t>
+                      </a:r>
+                      <a:endParaRPr lang="de-DE" dirty="0"/>
+                    </a:p>
+                  </a:txBody>
+                  <a:tcPr>
+                    <a:lnL w="12700" cap="flat" cmpd="sng" algn="ctr">
+                      <a:solidFill>
+                        <a:scrgbClr r="0" g="0" b="0"/>
+                      </a:solidFill>
+                      <a:prstDash val="solid"/>
+                      <a:round/>
+                      <a:headEnd type="none" w="med" len="med"/>
+                      <a:tailEnd type="none" w="med" len="med"/>
+                    </a:lnL>
+                    <a:lnR w="12700" cap="flat" cmpd="sng" algn="ctr">
+                      <a:solidFill>
+                        <a:scrgbClr r="0" g="0" b="0"/>
+                      </a:solidFill>
+                      <a:prstDash val="solid"/>
+                      <a:round/>
+                      <a:headEnd type="none" w="med" len="med"/>
+                      <a:tailEnd type="none" w="med" len="med"/>
+                    </a:lnR>
+                    <a:lnT w="12700" cap="flat" cmpd="sng" algn="ctr">
+                      <a:solidFill>
+                        <a:scrgbClr r="0" g="0" b="0"/>
+                      </a:solidFill>
+                      <a:prstDash val="solid"/>
+                      <a:round/>
+                      <a:headEnd type="none" w="med" len="med"/>
+                      <a:tailEnd type="none" w="med" len="med"/>
+                    </a:lnT>
+                    <a:lnB w="12700" cap="flat" cmpd="sng" algn="ctr">
+                      <a:solidFill>
+                        <a:scrgbClr r="0" g="0" b="0"/>
+                      </a:solidFill>
+                      <a:prstDash val="solid"/>
+                      <a:round/>
+                      <a:headEnd type="none" w="med" len="med"/>
+                      <a:tailEnd type="none" w="med" len="med"/>
+                    </a:lnB>
+                  </a:tcPr>
                 </a:tc>
               </a:tr>
             </a:tbl>
